--- a/Lecture slides/NYT C01 - Theory Building.pptx
+++ b/Lecture slides/NYT C01 - Theory Building.pptx
@@ -49,6 +49,7 @@
     <p:sldId id="294" r:id="rId45"/>
     <p:sldId id="295" r:id="rId46"/>
     <p:sldId id="296" r:id="rId47"/>
+    <p:sldId id="297" r:id="rId48"/>
   </p:sldIdLst>
   <p:sldSz cy="5143500" cx="9144000"/>
   <p:notesSz cx="6858000" cy="9144000"/>
@@ -844,7 +845,7 @@
       </p:grpSpPr>
       <p:sp>
         <p:nvSpPr>
-          <p:cNvPr id="94" name="Google Shape;94;g124a9c2c437_0_264:notes"/>
+          <p:cNvPr id="94" name="Google Shape;94;g24348e09c3b_0_0:notes"/>
           <p:cNvSpPr/>
           <p:nvPr>
             <p:ph idx="2" type="sldImg"/>
@@ -879,7 +880,7 @@
       </p:sp>
       <p:sp>
         <p:nvSpPr>
-          <p:cNvPr id="95" name="Google Shape;95;g124a9c2c437_0_264:notes"/>
+          <p:cNvPr id="95" name="Google Shape;95;g24348e09c3b_0_0:notes"/>
           <p:cNvSpPr txBox="1"/>
           <p:nvPr>
             <p:ph idx="1" type="body"/>
@@ -929,7 +930,7 @@
   <p:cSld>
     <p:spTree>
       <p:nvGrpSpPr>
-        <p:cNvPr id="98" name="Shape 98"/>
+        <p:cNvPr id="100" name="Shape 100"/>
         <p:cNvGrpSpPr/>
         <p:nvPr/>
       </p:nvGrpSpPr>
@@ -943,7 +944,7 @@
       </p:grpSpPr>
       <p:sp>
         <p:nvSpPr>
-          <p:cNvPr id="99" name="Google Shape;99;g213c505fe4a_1_35:notes"/>
+          <p:cNvPr id="101" name="Google Shape;101;g124a9c2c437_0_264:notes"/>
           <p:cNvSpPr/>
           <p:nvPr>
             <p:ph idx="2" type="sldImg"/>
@@ -978,7 +979,7 @@
       </p:sp>
       <p:sp>
         <p:nvSpPr>
-          <p:cNvPr id="100" name="Google Shape;100;g213c505fe4a_1_35:notes"/>
+          <p:cNvPr id="102" name="Google Shape;102;g124a9c2c437_0_264:notes"/>
           <p:cNvSpPr txBox="1"/>
           <p:nvPr>
             <p:ph idx="1" type="body"/>
@@ -1042,7 +1043,7 @@
       </p:grpSpPr>
       <p:sp>
         <p:nvSpPr>
-          <p:cNvPr id="106" name="Google Shape;106;g124a9c2c437_0_289:notes"/>
+          <p:cNvPr id="106" name="Google Shape;106;g213c505fe4a_1_35:notes"/>
           <p:cNvSpPr/>
           <p:nvPr>
             <p:ph idx="2" type="sldImg"/>
@@ -1077,7 +1078,7 @@
       </p:sp>
       <p:sp>
         <p:nvSpPr>
-          <p:cNvPr id="107" name="Google Shape;107;g124a9c2c437_0_289:notes"/>
+          <p:cNvPr id="107" name="Google Shape;107;g213c505fe4a_1_35:notes"/>
           <p:cNvSpPr txBox="1"/>
           <p:nvPr>
             <p:ph idx="1" type="body"/>
@@ -1141,7 +1142,7 @@
       </p:grpSpPr>
       <p:sp>
         <p:nvSpPr>
-          <p:cNvPr id="113" name="Google Shape;113;g124a9c2c437_0_459:notes"/>
+          <p:cNvPr id="113" name="Google Shape;113;g124a9c2c437_0_289:notes"/>
           <p:cNvSpPr/>
           <p:nvPr>
             <p:ph idx="2" type="sldImg"/>
@@ -1176,7 +1177,7 @@
       </p:sp>
       <p:sp>
         <p:nvSpPr>
-          <p:cNvPr id="114" name="Google Shape;114;g124a9c2c437_0_459:notes"/>
+          <p:cNvPr id="114" name="Google Shape;114;g124a9c2c437_0_289:notes"/>
           <p:cNvSpPr txBox="1"/>
           <p:nvPr>
             <p:ph idx="1" type="body"/>
@@ -1240,7 +1241,7 @@
       </p:grpSpPr>
       <p:sp>
         <p:nvSpPr>
-          <p:cNvPr id="120" name="Google Shape;120;g124a9c2c437_0_298:notes"/>
+          <p:cNvPr id="120" name="Google Shape;120;g124a9c2c437_0_459:notes"/>
           <p:cNvSpPr/>
           <p:nvPr>
             <p:ph idx="2" type="sldImg"/>
@@ -1275,7 +1276,7 @@
       </p:sp>
       <p:sp>
         <p:nvSpPr>
-          <p:cNvPr id="121" name="Google Shape;121;g124a9c2c437_0_298:notes"/>
+          <p:cNvPr id="121" name="Google Shape;121;g124a9c2c437_0_459:notes"/>
           <p:cNvSpPr txBox="1"/>
           <p:nvPr>
             <p:ph idx="1" type="body"/>
@@ -1339,7 +1340,7 @@
       </p:grpSpPr>
       <p:sp>
         <p:nvSpPr>
-          <p:cNvPr id="127" name="Google Shape;127;g124a9c2c437_0_276:notes"/>
+          <p:cNvPr id="127" name="Google Shape;127;g124a9c2c437_0_298:notes"/>
           <p:cNvSpPr/>
           <p:nvPr>
             <p:ph idx="2" type="sldImg"/>
@@ -1374,7 +1375,7 @@
       </p:sp>
       <p:sp>
         <p:nvSpPr>
-          <p:cNvPr id="128" name="Google Shape;128;g124a9c2c437_0_276:notes"/>
+          <p:cNvPr id="128" name="Google Shape;128;g124a9c2c437_0_298:notes"/>
           <p:cNvSpPr txBox="1"/>
           <p:nvPr>
             <p:ph idx="1" type="body"/>
@@ -1438,7 +1439,7 @@
       </p:grpSpPr>
       <p:sp>
         <p:nvSpPr>
-          <p:cNvPr id="134" name="Google Shape;134;g124a9c2c437_0_453:notes"/>
+          <p:cNvPr id="134" name="Google Shape;134;g124a9c2c437_0_276:notes"/>
           <p:cNvSpPr/>
           <p:nvPr>
             <p:ph idx="2" type="sldImg"/>
@@ -1473,7 +1474,7 @@
       </p:sp>
       <p:sp>
         <p:nvSpPr>
-          <p:cNvPr id="135" name="Google Shape;135;g124a9c2c437_0_453:notes"/>
+          <p:cNvPr id="135" name="Google Shape;135;g124a9c2c437_0_276:notes"/>
           <p:cNvSpPr txBox="1"/>
           <p:nvPr>
             <p:ph idx="1" type="body"/>
@@ -1523,7 +1524,7 @@
   <p:cSld>
     <p:spTree>
       <p:nvGrpSpPr>
-        <p:cNvPr id="138" name="Shape 138"/>
+        <p:cNvPr id="140" name="Shape 140"/>
         <p:cNvGrpSpPr/>
         <p:nvPr/>
       </p:nvGrpSpPr>
@@ -1537,7 +1538,7 @@
       </p:grpSpPr>
       <p:sp>
         <p:nvSpPr>
-          <p:cNvPr id="139" name="Google Shape;139;g2140fc4602d_0_0:notes"/>
+          <p:cNvPr id="141" name="Google Shape;141;g124a9c2c437_0_453:notes"/>
           <p:cNvSpPr/>
           <p:nvPr>
             <p:ph idx="2" type="sldImg"/>
@@ -1572,7 +1573,7 @@
       </p:sp>
       <p:sp>
         <p:nvSpPr>
-          <p:cNvPr id="140" name="Google Shape;140;g2140fc4602d_0_0:notes"/>
+          <p:cNvPr id="142" name="Google Shape;142;g124a9c2c437_0_453:notes"/>
           <p:cNvSpPr txBox="1"/>
           <p:nvPr>
             <p:ph idx="1" type="body"/>
@@ -1622,7 +1623,7 @@
   <p:cSld>
     <p:spTree>
       <p:nvGrpSpPr>
-        <p:cNvPr id="146" name="Shape 146"/>
+        <p:cNvPr id="145" name="Shape 145"/>
         <p:cNvGrpSpPr/>
         <p:nvPr/>
       </p:nvGrpSpPr>
@@ -1636,7 +1637,7 @@
       </p:grpSpPr>
       <p:sp>
         <p:nvSpPr>
-          <p:cNvPr id="147" name="Google Shape;147;g124a9c2c437_0_515:notes"/>
+          <p:cNvPr id="146" name="Google Shape;146;g2140fc4602d_0_0:notes"/>
           <p:cNvSpPr/>
           <p:nvPr>
             <p:ph idx="2" type="sldImg"/>
@@ -1671,7 +1672,7 @@
       </p:sp>
       <p:sp>
         <p:nvSpPr>
-          <p:cNvPr id="148" name="Google Shape;148;g124a9c2c437_0_515:notes"/>
+          <p:cNvPr id="147" name="Google Shape;147;g2140fc4602d_0_0:notes"/>
           <p:cNvSpPr txBox="1"/>
           <p:nvPr>
             <p:ph idx="1" type="body"/>
@@ -1735,7 +1736,7 @@
       </p:grpSpPr>
       <p:sp>
         <p:nvSpPr>
-          <p:cNvPr id="154" name="Google Shape;154;g124a9c2c437_0_521:notes"/>
+          <p:cNvPr id="154" name="Google Shape;154;g124a9c2c437_0_515:notes"/>
           <p:cNvSpPr/>
           <p:nvPr>
             <p:ph idx="2" type="sldImg"/>
@@ -1770,7 +1771,7 @@
       </p:sp>
       <p:sp>
         <p:nvSpPr>
-          <p:cNvPr id="155" name="Google Shape;155;g124a9c2c437_0_521:notes"/>
+          <p:cNvPr id="155" name="Google Shape;155;g124a9c2c437_0_515:notes"/>
           <p:cNvSpPr txBox="1"/>
           <p:nvPr>
             <p:ph idx="1" type="body"/>
@@ -1933,7 +1934,7 @@
       </p:grpSpPr>
       <p:sp>
         <p:nvSpPr>
-          <p:cNvPr id="161" name="Google Shape;161;g124a9c2c437_0_527:notes"/>
+          <p:cNvPr id="161" name="Google Shape;161;g124a9c2c437_0_521:notes"/>
           <p:cNvSpPr/>
           <p:nvPr>
             <p:ph idx="2" type="sldImg"/>
@@ -1968,7 +1969,7 @@
       </p:sp>
       <p:sp>
         <p:nvSpPr>
-          <p:cNvPr id="162" name="Google Shape;162;g124a9c2c437_0_527:notes"/>
+          <p:cNvPr id="162" name="Google Shape;162;g124a9c2c437_0_521:notes"/>
           <p:cNvSpPr txBox="1"/>
           <p:nvPr>
             <p:ph idx="1" type="body"/>
@@ -2018,7 +2019,7 @@
   <p:cSld>
     <p:spTree>
       <p:nvGrpSpPr>
-        <p:cNvPr id="167" name="Shape 167"/>
+        <p:cNvPr id="168" name="Shape 168"/>
         <p:cNvGrpSpPr/>
         <p:nvPr/>
       </p:nvGrpSpPr>
@@ -2032,7 +2033,7 @@
       </p:grpSpPr>
       <p:sp>
         <p:nvSpPr>
-          <p:cNvPr id="168" name="Google Shape;168;g124a9c2c437_0_538:notes"/>
+          <p:cNvPr id="169" name="Google Shape;169;g124a9c2c437_0_527:notes"/>
           <p:cNvSpPr/>
           <p:nvPr>
             <p:ph idx="2" type="sldImg"/>
@@ -2067,7 +2068,7 @@
       </p:sp>
       <p:sp>
         <p:nvSpPr>
-          <p:cNvPr id="169" name="Google Shape;169;g124a9c2c437_0_538:notes"/>
+          <p:cNvPr id="170" name="Google Shape;170;g124a9c2c437_0_527:notes"/>
           <p:cNvSpPr txBox="1"/>
           <p:nvPr>
             <p:ph idx="1" type="body"/>
@@ -2117,7 +2118,7 @@
   <p:cSld>
     <p:spTree>
       <p:nvGrpSpPr>
-        <p:cNvPr id="174" name="Shape 174"/>
+        <p:cNvPr id="175" name="Shape 175"/>
         <p:cNvGrpSpPr/>
         <p:nvPr/>
       </p:nvGrpSpPr>
@@ -2131,7 +2132,7 @@
       </p:grpSpPr>
       <p:sp>
         <p:nvSpPr>
-          <p:cNvPr id="175" name="Google Shape;175;g124a9c2c437_0_544:notes"/>
+          <p:cNvPr id="176" name="Google Shape;176;g124a9c2c437_0_538:notes"/>
           <p:cNvSpPr/>
           <p:nvPr>
             <p:ph idx="2" type="sldImg"/>
@@ -2166,7 +2167,7 @@
       </p:sp>
       <p:sp>
         <p:nvSpPr>
-          <p:cNvPr id="176" name="Google Shape;176;g124a9c2c437_0_544:notes"/>
+          <p:cNvPr id="177" name="Google Shape;177;g124a9c2c437_0_538:notes"/>
           <p:cNvSpPr txBox="1"/>
           <p:nvPr>
             <p:ph idx="1" type="body"/>
@@ -2216,7 +2217,7 @@
   <p:cSld>
     <p:spTree>
       <p:nvGrpSpPr>
-        <p:cNvPr id="181" name="Shape 181"/>
+        <p:cNvPr id="182" name="Shape 182"/>
         <p:cNvGrpSpPr/>
         <p:nvPr/>
       </p:nvGrpSpPr>
@@ -2230,7 +2231,7 @@
       </p:grpSpPr>
       <p:sp>
         <p:nvSpPr>
-          <p:cNvPr id="182" name="Google Shape;182;g124a9c2c437_0_550:notes"/>
+          <p:cNvPr id="183" name="Google Shape;183;g124a9c2c437_0_544:notes"/>
           <p:cNvSpPr/>
           <p:nvPr>
             <p:ph idx="2" type="sldImg"/>
@@ -2265,7 +2266,7 @@
       </p:sp>
       <p:sp>
         <p:nvSpPr>
-          <p:cNvPr id="183" name="Google Shape;183;g124a9c2c437_0_550:notes"/>
+          <p:cNvPr id="184" name="Google Shape;184;g124a9c2c437_0_544:notes"/>
           <p:cNvSpPr txBox="1"/>
           <p:nvPr>
             <p:ph idx="1" type="body"/>
@@ -2315,7 +2316,7 @@
   <p:cSld>
     <p:spTree>
       <p:nvGrpSpPr>
-        <p:cNvPr id="188" name="Shape 188"/>
+        <p:cNvPr id="190" name="Shape 190"/>
         <p:cNvGrpSpPr/>
         <p:nvPr/>
       </p:nvGrpSpPr>
@@ -2329,7 +2330,7 @@
       </p:grpSpPr>
       <p:sp>
         <p:nvSpPr>
-          <p:cNvPr id="189" name="Google Shape;189;g24348e09c3b_0_12:notes"/>
+          <p:cNvPr id="191" name="Google Shape;191;g124a9c2c437_0_550:notes"/>
           <p:cNvSpPr/>
           <p:nvPr>
             <p:ph idx="2" type="sldImg"/>
@@ -2364,7 +2365,7 @@
       </p:sp>
       <p:sp>
         <p:nvSpPr>
-          <p:cNvPr id="190" name="Google Shape;190;g24348e09c3b_0_12:notes"/>
+          <p:cNvPr id="192" name="Google Shape;192;g124a9c2c437_0_550:notes"/>
           <p:cNvSpPr txBox="1"/>
           <p:nvPr>
             <p:ph idx="1" type="body"/>
@@ -2414,7 +2415,7 @@
   <p:cSld>
     <p:spTree>
       <p:nvGrpSpPr>
-        <p:cNvPr id="196" name="Shape 196"/>
+        <p:cNvPr id="197" name="Shape 197"/>
         <p:cNvGrpSpPr/>
         <p:nvPr/>
       </p:nvGrpSpPr>
@@ -2428,7 +2429,7 @@
       </p:grpSpPr>
       <p:sp>
         <p:nvSpPr>
-          <p:cNvPr id="197" name="Google Shape;197;g124a9c2c437_0_505:notes"/>
+          <p:cNvPr id="198" name="Google Shape;198;g24348e09c3b_0_12:notes"/>
           <p:cNvSpPr/>
           <p:nvPr>
             <p:ph idx="2" type="sldImg"/>
@@ -2463,7 +2464,7 @@
       </p:sp>
       <p:sp>
         <p:nvSpPr>
-          <p:cNvPr id="198" name="Google Shape;198;g124a9c2c437_0_505:notes"/>
+          <p:cNvPr id="199" name="Google Shape;199;g24348e09c3b_0_12:notes"/>
           <p:cNvSpPr txBox="1"/>
           <p:nvPr>
             <p:ph idx="1" type="body"/>
@@ -2513,7 +2514,7 @@
   <p:cSld>
     <p:spTree>
       <p:nvGrpSpPr>
-        <p:cNvPr id="201" name="Shape 201"/>
+        <p:cNvPr id="205" name="Shape 205"/>
         <p:cNvGrpSpPr/>
         <p:nvPr/>
       </p:nvGrpSpPr>
@@ -2527,7 +2528,7 @@
       </p:grpSpPr>
       <p:sp>
         <p:nvSpPr>
-          <p:cNvPr id="202" name="Google Shape;202;g124a9c2c437_0_365:notes"/>
+          <p:cNvPr id="206" name="Google Shape;206;g124a9c2c437_0_505:notes"/>
           <p:cNvSpPr/>
           <p:nvPr>
             <p:ph idx="2" type="sldImg"/>
@@ -2562,7 +2563,7 @@
       </p:sp>
       <p:sp>
         <p:nvSpPr>
-          <p:cNvPr id="203" name="Google Shape;203;g124a9c2c437_0_365:notes"/>
+          <p:cNvPr id="207" name="Google Shape;207;g124a9c2c437_0_505:notes"/>
           <p:cNvSpPr txBox="1"/>
           <p:nvPr>
             <p:ph idx="1" type="body"/>
@@ -2612,7 +2613,7 @@
   <p:cSld>
     <p:spTree>
       <p:nvGrpSpPr>
-        <p:cNvPr id="208" name="Shape 208"/>
+        <p:cNvPr id="210" name="Shape 210"/>
         <p:cNvGrpSpPr/>
         <p:nvPr/>
       </p:nvGrpSpPr>
@@ -2626,7 +2627,7 @@
       </p:grpSpPr>
       <p:sp>
         <p:nvSpPr>
-          <p:cNvPr id="209" name="Google Shape;209;g124a9c2c437_0_371:notes"/>
+          <p:cNvPr id="211" name="Google Shape;211;g124a9c2c437_0_365:notes"/>
           <p:cNvSpPr/>
           <p:nvPr>
             <p:ph idx="2" type="sldImg"/>
@@ -2661,7 +2662,7 @@
       </p:sp>
       <p:sp>
         <p:nvSpPr>
-          <p:cNvPr id="210" name="Google Shape;210;g124a9c2c437_0_371:notes"/>
+          <p:cNvPr id="212" name="Google Shape;212;g124a9c2c437_0_365:notes"/>
           <p:cNvSpPr txBox="1"/>
           <p:nvPr>
             <p:ph idx="1" type="body"/>
@@ -2711,7 +2712,7 @@
   <p:cSld>
     <p:spTree>
       <p:nvGrpSpPr>
-        <p:cNvPr id="215" name="Shape 215"/>
+        <p:cNvPr id="217" name="Shape 217"/>
         <p:cNvGrpSpPr/>
         <p:nvPr/>
       </p:nvGrpSpPr>
@@ -2725,7 +2726,7 @@
       </p:grpSpPr>
       <p:sp>
         <p:nvSpPr>
-          <p:cNvPr id="216" name="Google Shape;216;g214a56b9ddb_0_0:notes"/>
+          <p:cNvPr id="218" name="Google Shape;218;g124a9c2c437_0_371:notes"/>
           <p:cNvSpPr/>
           <p:nvPr>
             <p:ph idx="2" type="sldImg"/>
@@ -2760,7 +2761,7 @@
       </p:sp>
       <p:sp>
         <p:nvSpPr>
-          <p:cNvPr id="217" name="Google Shape;217;g214a56b9ddb_0_0:notes"/>
+          <p:cNvPr id="219" name="Google Shape;219;g124a9c2c437_0_371:notes"/>
           <p:cNvSpPr txBox="1"/>
           <p:nvPr>
             <p:ph idx="1" type="body"/>
@@ -2810,7 +2811,7 @@
   <p:cSld>
     <p:spTree>
       <p:nvGrpSpPr>
-        <p:cNvPr id="222" name="Shape 222"/>
+        <p:cNvPr id="224" name="Shape 224"/>
         <p:cNvGrpSpPr/>
         <p:nvPr/>
       </p:nvGrpSpPr>
@@ -2824,7 +2825,7 @@
       </p:grpSpPr>
       <p:sp>
         <p:nvSpPr>
-          <p:cNvPr id="223" name="Google Shape;223;g1f3ffe9a5b6_0_1:notes"/>
+          <p:cNvPr id="225" name="Google Shape;225;g214a56b9ddb_0_0:notes"/>
           <p:cNvSpPr/>
           <p:nvPr>
             <p:ph idx="2" type="sldImg"/>
@@ -2859,7 +2860,7 @@
       </p:sp>
       <p:sp>
         <p:nvSpPr>
-          <p:cNvPr id="224" name="Google Shape;224;g1f3ffe9a5b6_0_1:notes"/>
+          <p:cNvPr id="226" name="Google Shape;226;g214a56b9ddb_0_0:notes"/>
           <p:cNvSpPr txBox="1"/>
           <p:nvPr>
             <p:ph idx="1" type="body"/>
@@ -3008,7 +3009,7 @@
   <p:cSld>
     <p:spTree>
       <p:nvGrpSpPr>
-        <p:cNvPr id="229" name="Shape 229"/>
+        <p:cNvPr id="231" name="Shape 231"/>
         <p:cNvGrpSpPr/>
         <p:nvPr/>
       </p:nvGrpSpPr>
@@ -3022,7 +3023,7 @@
       </p:grpSpPr>
       <p:sp>
         <p:nvSpPr>
-          <p:cNvPr id="230" name="Google Shape;230;g214a56b9ddb_0_10:notes"/>
+          <p:cNvPr id="232" name="Google Shape;232;g1f3ffe9a5b6_0_1:notes"/>
           <p:cNvSpPr/>
           <p:nvPr>
             <p:ph idx="2" type="sldImg"/>
@@ -3057,7 +3058,7 @@
       </p:sp>
       <p:sp>
         <p:nvSpPr>
-          <p:cNvPr id="231" name="Google Shape;231;g214a56b9ddb_0_10:notes"/>
+          <p:cNvPr id="233" name="Google Shape;233;g1f3ffe9a5b6_0_1:notes"/>
           <p:cNvSpPr txBox="1"/>
           <p:nvPr>
             <p:ph idx="1" type="body"/>
@@ -3107,7 +3108,7 @@
   <p:cSld>
     <p:spTree>
       <p:nvGrpSpPr>
-        <p:cNvPr id="234" name="Shape 234"/>
+        <p:cNvPr id="238" name="Shape 238"/>
         <p:cNvGrpSpPr/>
         <p:nvPr/>
       </p:nvGrpSpPr>
@@ -3121,7 +3122,7 @@
       </p:grpSpPr>
       <p:sp>
         <p:nvSpPr>
-          <p:cNvPr id="235" name="Google Shape;235;g124a9c2c437_0_377:notes"/>
+          <p:cNvPr id="239" name="Google Shape;239;g214a56b9ddb_0_10:notes"/>
           <p:cNvSpPr/>
           <p:nvPr>
             <p:ph idx="2" type="sldImg"/>
@@ -3156,7 +3157,7 @@
       </p:sp>
       <p:sp>
         <p:nvSpPr>
-          <p:cNvPr id="236" name="Google Shape;236;g124a9c2c437_0_377:notes"/>
+          <p:cNvPr id="240" name="Google Shape;240;g214a56b9ddb_0_10:notes"/>
           <p:cNvSpPr txBox="1"/>
           <p:nvPr>
             <p:ph idx="1" type="body"/>
@@ -3206,7 +3207,7 @@
   <p:cSld>
     <p:spTree>
       <p:nvGrpSpPr>
-        <p:cNvPr id="241" name="Shape 241"/>
+        <p:cNvPr id="243" name="Shape 243"/>
         <p:cNvGrpSpPr/>
         <p:nvPr/>
       </p:nvGrpSpPr>
@@ -3220,7 +3221,7 @@
       </p:grpSpPr>
       <p:sp>
         <p:nvSpPr>
-          <p:cNvPr id="242" name="Google Shape;242;g11b49a52132_0_0:notes"/>
+          <p:cNvPr id="244" name="Google Shape;244;g124a9c2c437_0_377:notes"/>
           <p:cNvSpPr/>
           <p:nvPr>
             <p:ph idx="2" type="sldImg"/>
@@ -3255,7 +3256,7 @@
       </p:sp>
       <p:sp>
         <p:nvSpPr>
-          <p:cNvPr id="243" name="Google Shape;243;g11b49a52132_0_0:notes"/>
+          <p:cNvPr id="245" name="Google Shape;245;g124a9c2c437_0_377:notes"/>
           <p:cNvSpPr txBox="1"/>
           <p:nvPr>
             <p:ph idx="1" type="body"/>
@@ -3305,7 +3306,7 @@
   <p:cSld>
     <p:spTree>
       <p:nvGrpSpPr>
-        <p:cNvPr id="248" name="Shape 248"/>
+        <p:cNvPr id="250" name="Shape 250"/>
         <p:cNvGrpSpPr/>
         <p:nvPr/>
       </p:nvGrpSpPr>
@@ -3319,7 +3320,7 @@
       </p:grpSpPr>
       <p:sp>
         <p:nvSpPr>
-          <p:cNvPr id="249" name="Google Shape;249;g214a56b9ddb_0_14:notes"/>
+          <p:cNvPr id="251" name="Google Shape;251;g11b49a52132_0_0:notes"/>
           <p:cNvSpPr/>
           <p:nvPr>
             <p:ph idx="2" type="sldImg"/>
@@ -3354,7 +3355,7 @@
       </p:sp>
       <p:sp>
         <p:nvSpPr>
-          <p:cNvPr id="250" name="Google Shape;250;g214a56b9ddb_0_14:notes"/>
+          <p:cNvPr id="252" name="Google Shape;252;g11b49a52132_0_0:notes"/>
           <p:cNvSpPr txBox="1"/>
           <p:nvPr>
             <p:ph idx="1" type="body"/>
@@ -3404,7 +3405,7 @@
   <p:cSld>
     <p:spTree>
       <p:nvGrpSpPr>
-        <p:cNvPr id="255" name="Shape 255"/>
+        <p:cNvPr id="257" name="Shape 257"/>
         <p:cNvGrpSpPr/>
         <p:nvPr/>
       </p:nvGrpSpPr>
@@ -3418,7 +3419,7 @@
       </p:grpSpPr>
       <p:sp>
         <p:nvSpPr>
-          <p:cNvPr id="256" name="Google Shape;256;g124a9c2c437_0_351:notes"/>
+          <p:cNvPr id="258" name="Google Shape;258;g214a56b9ddb_0_14:notes"/>
           <p:cNvSpPr/>
           <p:nvPr>
             <p:ph idx="2" type="sldImg"/>
@@ -3453,7 +3454,7 @@
       </p:sp>
       <p:sp>
         <p:nvSpPr>
-          <p:cNvPr id="257" name="Google Shape;257;g124a9c2c437_0_351:notes"/>
+          <p:cNvPr id="259" name="Google Shape;259;g214a56b9ddb_0_14:notes"/>
           <p:cNvSpPr txBox="1"/>
           <p:nvPr>
             <p:ph idx="1" type="body"/>
@@ -3503,7 +3504,7 @@
   <p:cSld>
     <p:spTree>
       <p:nvGrpSpPr>
-        <p:cNvPr id="260" name="Shape 260"/>
+        <p:cNvPr id="264" name="Shape 264"/>
         <p:cNvGrpSpPr/>
         <p:nvPr/>
       </p:nvGrpSpPr>
@@ -3517,7 +3518,7 @@
       </p:grpSpPr>
       <p:sp>
         <p:nvSpPr>
-          <p:cNvPr id="261" name="Google Shape;261;g124a9c2c437_0_383:notes"/>
+          <p:cNvPr id="265" name="Google Shape;265;g124a9c2c437_0_351:notes"/>
           <p:cNvSpPr/>
           <p:nvPr>
             <p:ph idx="2" type="sldImg"/>
@@ -3552,7 +3553,7 @@
       </p:sp>
       <p:sp>
         <p:nvSpPr>
-          <p:cNvPr id="262" name="Google Shape;262;g124a9c2c437_0_383:notes"/>
+          <p:cNvPr id="266" name="Google Shape;266;g124a9c2c437_0_351:notes"/>
           <p:cNvSpPr txBox="1"/>
           <p:nvPr>
             <p:ph idx="1" type="body"/>
@@ -3602,7 +3603,7 @@
   <p:cSld>
     <p:spTree>
       <p:nvGrpSpPr>
-        <p:cNvPr id="267" name="Shape 267"/>
+        <p:cNvPr id="269" name="Shape 269"/>
         <p:cNvGrpSpPr/>
         <p:nvPr/>
       </p:nvGrpSpPr>
@@ -3616,7 +3617,7 @@
       </p:grpSpPr>
       <p:sp>
         <p:nvSpPr>
-          <p:cNvPr id="268" name="Google Shape;268;g124a9c2c437_0_429:notes"/>
+          <p:cNvPr id="270" name="Google Shape;270;g124a9c2c437_0_383:notes"/>
           <p:cNvSpPr/>
           <p:nvPr>
             <p:ph idx="2" type="sldImg"/>
@@ -3651,7 +3652,7 @@
       </p:sp>
       <p:sp>
         <p:nvSpPr>
-          <p:cNvPr id="269" name="Google Shape;269;g124a9c2c437_0_429:notes"/>
+          <p:cNvPr id="271" name="Google Shape;271;g124a9c2c437_0_383:notes"/>
           <p:cNvSpPr txBox="1"/>
           <p:nvPr>
             <p:ph idx="1" type="body"/>
@@ -3701,7 +3702,7 @@
   <p:cSld>
     <p:spTree>
       <p:nvGrpSpPr>
-        <p:cNvPr id="274" name="Shape 274"/>
+        <p:cNvPr id="276" name="Shape 276"/>
         <p:cNvGrpSpPr/>
         <p:nvPr/>
       </p:nvGrpSpPr>
@@ -3715,7 +3716,7 @@
       </p:grpSpPr>
       <p:sp>
         <p:nvSpPr>
-          <p:cNvPr id="275" name="Google Shape;275;g124a9c2c437_0_436:notes"/>
+          <p:cNvPr id="277" name="Google Shape;277;g124a9c2c437_0_429:notes"/>
           <p:cNvSpPr/>
           <p:nvPr>
             <p:ph idx="2" type="sldImg"/>
@@ -3750,7 +3751,7 @@
       </p:sp>
       <p:sp>
         <p:nvSpPr>
-          <p:cNvPr id="276" name="Google Shape;276;g124a9c2c437_0_436:notes"/>
+          <p:cNvPr id="278" name="Google Shape;278;g124a9c2c437_0_429:notes"/>
           <p:cNvSpPr txBox="1"/>
           <p:nvPr>
             <p:ph idx="1" type="body"/>
@@ -3800,7 +3801,7 @@
   <p:cSld>
     <p:spTree>
       <p:nvGrpSpPr>
-        <p:cNvPr id="281" name="Shape 281"/>
+        <p:cNvPr id="283" name="Shape 283"/>
         <p:cNvGrpSpPr/>
         <p:nvPr/>
       </p:nvGrpSpPr>
@@ -3814,7 +3815,7 @@
       </p:grpSpPr>
       <p:sp>
         <p:nvSpPr>
-          <p:cNvPr id="282" name="Google Shape;282;g2149ffd2616_0_0:notes"/>
+          <p:cNvPr id="284" name="Google Shape;284;g124a9c2c437_0_436:notes"/>
           <p:cNvSpPr/>
           <p:nvPr>
             <p:ph idx="2" type="sldImg"/>
@@ -3849,7 +3850,7 @@
       </p:sp>
       <p:sp>
         <p:nvSpPr>
-          <p:cNvPr id="283" name="Google Shape;283;g2149ffd2616_0_0:notes"/>
+          <p:cNvPr id="285" name="Google Shape;285;g124a9c2c437_0_436:notes"/>
           <p:cNvSpPr txBox="1"/>
           <p:nvPr>
             <p:ph idx="1" type="body"/>
@@ -3913,7 +3914,7 @@
       </p:grpSpPr>
       <p:sp>
         <p:nvSpPr>
-          <p:cNvPr id="291" name="Google Shape;291;g124a9c2c437_0_207:notes"/>
+          <p:cNvPr id="291" name="Google Shape;291;g2149ffd2616_0_0:notes"/>
           <p:cNvSpPr/>
           <p:nvPr>
             <p:ph idx="2" type="sldImg"/>
@@ -3948,7 +3949,7 @@
       </p:sp>
       <p:sp>
         <p:nvSpPr>
-          <p:cNvPr id="292" name="Google Shape;292;g124a9c2c437_0_207:notes"/>
+          <p:cNvPr id="292" name="Google Shape;292;g2149ffd2616_0_0:notes"/>
           <p:cNvSpPr txBox="1"/>
           <p:nvPr>
             <p:ph idx="1" type="body"/>
@@ -4097,7 +4098,7 @@
   <p:cSld>
     <p:spTree>
       <p:nvGrpSpPr>
-        <p:cNvPr id="297" name="Shape 297"/>
+        <p:cNvPr id="299" name="Shape 299"/>
         <p:cNvGrpSpPr/>
         <p:nvPr/>
       </p:nvGrpSpPr>
@@ -4111,7 +4112,7 @@
       </p:grpSpPr>
       <p:sp>
         <p:nvSpPr>
-          <p:cNvPr id="298" name="Google Shape;298;g2393cc14634_0_38:notes"/>
+          <p:cNvPr id="300" name="Google Shape;300;g124a9c2c437_0_207:notes"/>
           <p:cNvSpPr/>
           <p:nvPr>
             <p:ph idx="2" type="sldImg"/>
@@ -4146,7 +4147,7 @@
       </p:sp>
       <p:sp>
         <p:nvSpPr>
-          <p:cNvPr id="299" name="Google Shape;299;g2393cc14634_0_38:notes"/>
+          <p:cNvPr id="301" name="Google Shape;301;g124a9c2c437_0_207:notes"/>
           <p:cNvSpPr txBox="1"/>
           <p:nvPr>
             <p:ph idx="1" type="body"/>
@@ -4196,7 +4197,7 @@
   <p:cSld>
     <p:spTree>
       <p:nvGrpSpPr>
-        <p:cNvPr id="303" name="Shape 303"/>
+        <p:cNvPr id="306" name="Shape 306"/>
         <p:cNvGrpSpPr/>
         <p:nvPr/>
       </p:nvGrpSpPr>
@@ -4210,7 +4211,7 @@
       </p:grpSpPr>
       <p:sp>
         <p:nvSpPr>
-          <p:cNvPr id="304" name="Google Shape;304;g2393cc14634_0_43:notes"/>
+          <p:cNvPr id="307" name="Google Shape;307;g2393cc14634_0_38:notes"/>
           <p:cNvSpPr/>
           <p:nvPr>
             <p:ph idx="2" type="sldImg"/>
@@ -4245,7 +4246,106 @@
       </p:sp>
       <p:sp>
         <p:nvSpPr>
-          <p:cNvPr id="305" name="Google Shape;305;g2393cc14634_0_43:notes"/>
+          <p:cNvPr id="308" name="Google Shape;308;g2393cc14634_0_38:notes"/>
+          <p:cNvSpPr txBox="1"/>
+          <p:nvPr>
+            <p:ph idx="1" type="body"/>
+          </p:nvPr>
+        </p:nvSpPr>
+        <p:spPr>
+          <a:xfrm>
+            <a:off x="685800" y="4343400"/>
+            <a:ext cx="5486400" cy="4114800"/>
+          </a:xfrm>
+          <a:prstGeom prst="rect">
+            <a:avLst/>
+          </a:prstGeom>
+        </p:spPr>
+        <p:txBody>
+          <a:bodyPr anchorCtr="0" anchor="t" bIns="91425" lIns="91425" spcFirstLastPara="1" rIns="91425" wrap="square" tIns="91425">
+            <a:noAutofit/>
+          </a:bodyPr>
+          <a:lstStyle/>
+          <a:p>
+            <a:pPr indent="0" lvl="0" marL="0" rtl="0" algn="l">
+              <a:spcBef>
+                <a:spcPts val="0"/>
+              </a:spcBef>
+              <a:spcAft>
+                <a:spcPts val="0"/>
+              </a:spcAft>
+              <a:buNone/>
+            </a:pPr>
+            <a:r>
+              <a:t/>
+            </a:r>
+            <a:endParaRPr/>
+          </a:p>
+        </p:txBody>
+      </p:sp>
+    </p:spTree>
+  </p:cSld>
+  <p:clrMapOvr>
+    <a:masterClrMapping/>
+  </p:clrMapOvr>
+</p:notes>
+</file>
+
+<file path=ppt/notesSlides/notesSlide42.xml><?xml version="1.0" encoding="utf-8"?>
+<p:notes xmlns:a="http://schemas.openxmlformats.org/drawingml/2006/main" xmlns:r="http://schemas.openxmlformats.org/officeDocument/2006/relationships" xmlns:mc="http://schemas.openxmlformats.org/markup-compatibility/2006" xmlns:mv="urn:schemas-microsoft-com:mac:vml" xmlns:p="http://schemas.openxmlformats.org/presentationml/2006/main" xmlns:c="http://schemas.openxmlformats.org/drawingml/2006/chart" xmlns:dgm="http://schemas.openxmlformats.org/drawingml/2006/diagram" xmlns:o="urn:schemas-microsoft-com:office:office" xmlns:v="urn:schemas-microsoft-com:vml" xmlns:pvml="urn:schemas-microsoft-com:office:powerpoint" xmlns:com="http://schemas.openxmlformats.org/drawingml/2006/compatibility" xmlns:p14="http://schemas.microsoft.com/office/powerpoint/2010/main" xmlns:p15="http://schemas.microsoft.com/office/powerpoint/2012/main" xmlns:ahyp="http://schemas.microsoft.com/office/drawing/2018/hyperlinkcolor" showMasterPhAnim="0" showMasterSp="0">
+  <p:cSld>
+    <p:spTree>
+      <p:nvGrpSpPr>
+        <p:cNvPr id="312" name="Shape 312"/>
+        <p:cNvGrpSpPr/>
+        <p:nvPr/>
+      </p:nvGrpSpPr>
+      <p:grpSpPr>
+        <a:xfrm>
+          <a:off x="0" y="0"/>
+          <a:ext cx="0" cy="0"/>
+          <a:chOff x="0" y="0"/>
+          <a:chExt cx="0" cy="0"/>
+        </a:xfrm>
+      </p:grpSpPr>
+      <p:sp>
+        <p:nvSpPr>
+          <p:cNvPr id="313" name="Google Shape;313;g2393cc14634_0_43:notes"/>
+          <p:cNvSpPr/>
+          <p:nvPr>
+            <p:ph idx="2" type="sldImg"/>
+          </p:nvPr>
+        </p:nvSpPr>
+        <p:spPr>
+          <a:xfrm>
+            <a:off x="381300" y="685800"/>
+            <a:ext cx="6096000" cy="3429000"/>
+          </a:xfrm>
+          <a:custGeom>
+            <a:rect b="b" l="l" r="r" t="t"/>
+            <a:pathLst>
+              <a:path extrusionOk="0" h="120000" w="120000">
+                <a:moveTo>
+                  <a:pt x="0" y="0"/>
+                </a:moveTo>
+                <a:lnTo>
+                  <a:pt x="120000" y="0"/>
+                </a:lnTo>
+                <a:lnTo>
+                  <a:pt x="120000" y="120000"/>
+                </a:lnTo>
+                <a:lnTo>
+                  <a:pt x="0" y="120000"/>
+                </a:lnTo>
+                <a:close/>
+              </a:path>
+            </a:pathLst>
+          </a:custGeom>
+        </p:spPr>
+      </p:sp>
+      <p:sp>
+        <p:nvSpPr>
+          <p:cNvPr id="314" name="Google Shape;314;g2393cc14634_0_43:notes"/>
           <p:cNvSpPr txBox="1"/>
           <p:nvPr>
             <p:ph idx="1" type="body"/>
@@ -4408,7 +4508,7 @@
       </p:grpSpPr>
       <p:sp>
         <p:nvSpPr>
-          <p:cNvPr id="65" name="Google Shape;65;g11b46b0b177_0_46:notes"/>
+          <p:cNvPr id="65" name="Google Shape;65;g2c793a4f197_0_6:notes"/>
           <p:cNvSpPr/>
           <p:nvPr>
             <p:ph idx="2" type="sldImg"/>
@@ -4443,7 +4543,7 @@
       </p:sp>
       <p:sp>
         <p:nvSpPr>
-          <p:cNvPr id="66" name="Google Shape;66;g11b46b0b177_0_46:notes"/>
+          <p:cNvPr id="66" name="Google Shape;66;g2c793a4f197_0_6:notes"/>
           <p:cNvSpPr txBox="1"/>
           <p:nvPr>
             <p:ph idx="1" type="body"/>
@@ -4507,7 +4607,7 @@
       </p:grpSpPr>
       <p:sp>
         <p:nvSpPr>
-          <p:cNvPr id="72" name="Google Shape;72;g11b46b0b177_0_53:notes"/>
+          <p:cNvPr id="72" name="Google Shape;72;g11b46b0b177_0_46:notes"/>
           <p:cNvSpPr/>
           <p:nvPr>
             <p:ph idx="2" type="sldImg"/>
@@ -4542,7 +4642,7 @@
       </p:sp>
       <p:sp>
         <p:nvSpPr>
-          <p:cNvPr id="73" name="Google Shape;73;g11b46b0b177_0_53:notes"/>
+          <p:cNvPr id="73" name="Google Shape;73;g11b46b0b177_0_46:notes"/>
           <p:cNvSpPr txBox="1"/>
           <p:nvPr>
             <p:ph idx="1" type="body"/>
@@ -4592,7 +4692,7 @@
   <p:cSld>
     <p:spTree>
       <p:nvGrpSpPr>
-        <p:cNvPr id="79" name="Shape 79"/>
+        <p:cNvPr id="78" name="Shape 78"/>
         <p:cNvGrpSpPr/>
         <p:nvPr/>
       </p:nvGrpSpPr>
@@ -4606,46 +4706,7 @@
       </p:grpSpPr>
       <p:sp>
         <p:nvSpPr>
-          <p:cNvPr id="80" name="Google Shape;80;g10d8e0f0c03_2_34:notes"/>
-          <p:cNvSpPr txBox="1"/>
-          <p:nvPr>
-            <p:ph idx="1" type="body"/>
-          </p:nvPr>
-        </p:nvSpPr>
-        <p:spPr>
-          <a:xfrm>
-            <a:off x="489878" y="4618268"/>
-            <a:ext cx="5878500" cy="4156500"/>
-          </a:xfrm>
-          <a:prstGeom prst="rect">
-            <a:avLst/>
-          </a:prstGeom>
-        </p:spPr>
-        <p:txBody>
-          <a:bodyPr anchorCtr="0" anchor="t" bIns="91425" lIns="91425" spcFirstLastPara="1" rIns="91425" wrap="square" tIns="91425">
-            <a:noAutofit/>
-          </a:bodyPr>
-          <a:lstStyle/>
-          <a:p>
-            <a:pPr indent="0" lvl="0" marL="0" rtl="0" algn="l">
-              <a:spcBef>
-                <a:spcPts val="0"/>
-              </a:spcBef>
-              <a:spcAft>
-                <a:spcPts val="0"/>
-              </a:spcAft>
-              <a:buNone/>
-            </a:pPr>
-            <a:r>
-              <a:t/>
-            </a:r>
-            <a:endParaRPr/>
-          </a:p>
-        </p:txBody>
-      </p:sp>
-      <p:sp>
-        <p:nvSpPr>
-          <p:cNvPr id="81" name="Google Shape;81;g10d8e0f0c03_2_34:notes"/>
+          <p:cNvPr id="79" name="Google Shape;79;g11b46b0b177_0_53:notes"/>
           <p:cNvSpPr/>
           <p:nvPr>
             <p:ph idx="2" type="sldImg"/>
@@ -4653,8 +4714,8 @@
         </p:nvSpPr>
         <p:spPr>
           <a:xfrm>
-            <a:off x="489775" y="307885"/>
-            <a:ext cx="5878800" cy="4156500"/>
+            <a:off x="381300" y="685800"/>
+            <a:ext cx="6096000" cy="3429000"/>
           </a:xfrm>
           <a:custGeom>
             <a:rect b="b" l="l" r="r" t="t"/>
@@ -4677,6 +4738,45 @@
             </a:pathLst>
           </a:custGeom>
         </p:spPr>
+      </p:sp>
+      <p:sp>
+        <p:nvSpPr>
+          <p:cNvPr id="80" name="Google Shape;80;g11b46b0b177_0_53:notes"/>
+          <p:cNvSpPr txBox="1"/>
+          <p:nvPr>
+            <p:ph idx="1" type="body"/>
+          </p:nvPr>
+        </p:nvSpPr>
+        <p:spPr>
+          <a:xfrm>
+            <a:off x="685800" y="4343400"/>
+            <a:ext cx="5486400" cy="4114800"/>
+          </a:xfrm>
+          <a:prstGeom prst="rect">
+            <a:avLst/>
+          </a:prstGeom>
+        </p:spPr>
+        <p:txBody>
+          <a:bodyPr anchorCtr="0" anchor="t" bIns="91425" lIns="91425" spcFirstLastPara="1" rIns="91425" wrap="square" tIns="91425">
+            <a:noAutofit/>
+          </a:bodyPr>
+          <a:lstStyle/>
+          <a:p>
+            <a:pPr indent="0" lvl="0" marL="0" rtl="0" algn="l">
+              <a:spcBef>
+                <a:spcPts val="0"/>
+              </a:spcBef>
+              <a:spcAft>
+                <a:spcPts val="0"/>
+              </a:spcAft>
+              <a:buNone/>
+            </a:pPr>
+            <a:r>
+              <a:t/>
+            </a:r>
+            <a:endParaRPr/>
+          </a:p>
+        </p:txBody>
       </p:sp>
     </p:spTree>
   </p:cSld>
@@ -4705,7 +4805,46 @@
       </p:grpSpPr>
       <p:sp>
         <p:nvSpPr>
-          <p:cNvPr id="87" name="Google Shape;87;g24348e09c3b_0_0:notes"/>
+          <p:cNvPr id="87" name="Google Shape;87;g10d8e0f0c03_2_34:notes"/>
+          <p:cNvSpPr txBox="1"/>
+          <p:nvPr>
+            <p:ph idx="1" type="body"/>
+          </p:nvPr>
+        </p:nvSpPr>
+        <p:spPr>
+          <a:xfrm>
+            <a:off x="489878" y="4618268"/>
+            <a:ext cx="5878500" cy="4156500"/>
+          </a:xfrm>
+          <a:prstGeom prst="rect">
+            <a:avLst/>
+          </a:prstGeom>
+        </p:spPr>
+        <p:txBody>
+          <a:bodyPr anchorCtr="0" anchor="t" bIns="91425" lIns="91425" spcFirstLastPara="1" rIns="91425" wrap="square" tIns="91425">
+            <a:noAutofit/>
+          </a:bodyPr>
+          <a:lstStyle/>
+          <a:p>
+            <a:pPr indent="0" lvl="0" marL="0" rtl="0" algn="l">
+              <a:spcBef>
+                <a:spcPts val="0"/>
+              </a:spcBef>
+              <a:spcAft>
+                <a:spcPts val="0"/>
+              </a:spcAft>
+              <a:buNone/>
+            </a:pPr>
+            <a:r>
+              <a:t/>
+            </a:r>
+            <a:endParaRPr/>
+          </a:p>
+        </p:txBody>
+      </p:sp>
+      <p:sp>
+        <p:nvSpPr>
+          <p:cNvPr id="88" name="Google Shape;88;g10d8e0f0c03_2_34:notes"/>
           <p:cNvSpPr/>
           <p:nvPr>
             <p:ph idx="2" type="sldImg"/>
@@ -4713,8 +4852,8 @@
         </p:nvSpPr>
         <p:spPr>
           <a:xfrm>
-            <a:off x="381300" y="685800"/>
-            <a:ext cx="6096000" cy="3429000"/>
+            <a:off x="489775" y="307885"/>
+            <a:ext cx="5878800" cy="4156500"/>
           </a:xfrm>
           <a:custGeom>
             <a:rect b="b" l="l" r="r" t="t"/>
@@ -4737,45 +4876,6 @@
             </a:pathLst>
           </a:custGeom>
         </p:spPr>
-      </p:sp>
-      <p:sp>
-        <p:nvSpPr>
-          <p:cNvPr id="88" name="Google Shape;88;g24348e09c3b_0_0:notes"/>
-          <p:cNvSpPr txBox="1"/>
-          <p:nvPr>
-            <p:ph idx="1" type="body"/>
-          </p:nvPr>
-        </p:nvSpPr>
-        <p:spPr>
-          <a:xfrm>
-            <a:off x="685800" y="4343400"/>
-            <a:ext cx="5486400" cy="4114800"/>
-          </a:xfrm>
-          <a:prstGeom prst="rect">
-            <a:avLst/>
-          </a:prstGeom>
-        </p:spPr>
-        <p:txBody>
-          <a:bodyPr anchorCtr="0" anchor="t" bIns="91425" lIns="91425" spcFirstLastPara="1" rIns="91425" wrap="square" tIns="91425">
-            <a:noAutofit/>
-          </a:bodyPr>
-          <a:lstStyle/>
-          <a:p>
-            <a:pPr indent="0" lvl="0" marL="0" rtl="0" algn="l">
-              <a:spcBef>
-                <a:spcPts val="0"/>
-              </a:spcBef>
-              <a:spcAft>
-                <a:spcPts val="0"/>
-              </a:spcAft>
-              <a:buNone/>
-            </a:pPr>
-            <a:r>
-              <a:t/>
-            </a:r>
-            <a:endParaRPr/>
-          </a:p>
-        </p:txBody>
       </p:sp>
     </p:spTree>
   </p:cSld>
@@ -8220,36 +8320,137 @@
         </p:nvSpPr>
         <p:spPr>
           <a:xfrm>
-            <a:off x="0" y="-7"/>
-            <a:ext cx="9144000" cy="2386500"/>
+            <a:off x="0" y="0"/>
+            <a:ext cx="9144000" cy="685800"/>
           </a:xfrm>
           <a:prstGeom prst="rect">
             <a:avLst/>
           </a:prstGeom>
         </p:spPr>
         <p:txBody>
-          <a:bodyPr anchorCtr="0" anchor="b" bIns="274300" lIns="91425" spcFirstLastPara="1" rIns="91425" wrap="square" tIns="91425">
+          <a:bodyPr anchorCtr="0" anchor="ctr" bIns="91425" lIns="274300" spcFirstLastPara="1" rIns="91425" wrap="square" tIns="91425">
             <a:noAutofit/>
           </a:bodyPr>
           <a:lstStyle/>
           <a:p>
-            <a:pPr indent="0" lvl="0" marL="0" rtl="0" algn="ctr">
-              <a:spcBef>
-                <a:spcPts val="0"/>
-              </a:spcBef>
-              <a:spcAft>
-                <a:spcPts val="0"/>
-              </a:spcAft>
-              <a:buNone/>
-            </a:pPr>
-            <a:r>
-              <a:rPr lang="en"/>
-              <a:t>2. Qualitative Research</a:t>
+            <a:pPr indent="0" lvl="0" marL="0" rtl="0" algn="l">
+              <a:spcBef>
+                <a:spcPts val="0"/>
+              </a:spcBef>
+              <a:spcAft>
+                <a:spcPts val="0"/>
+              </a:spcAft>
+              <a:buNone/>
+            </a:pPr>
+            <a:r>
+              <a:rPr lang="en"/>
+              <a:t>Theory Building Processes by Methodology</a:t>
             </a:r>
             <a:endParaRPr/>
           </a:p>
         </p:txBody>
       </p:sp>
+      <p:sp>
+        <p:nvSpPr>
+          <p:cNvPr id="98" name="Google Shape;98;p17"/>
+          <p:cNvSpPr txBox="1"/>
+          <p:nvPr>
+            <p:ph idx="12" type="sldNum"/>
+          </p:nvPr>
+        </p:nvSpPr>
+        <p:spPr>
+          <a:xfrm>
+            <a:off x="7315202" y="4416550"/>
+            <a:ext cx="1828800" cy="731400"/>
+          </a:xfrm>
+          <a:prstGeom prst="rect">
+            <a:avLst/>
+          </a:prstGeom>
+        </p:spPr>
+        <p:txBody>
+          <a:bodyPr anchorCtr="0" anchor="b" bIns="91425" lIns="91425" spcFirstLastPara="1" rIns="91425" wrap="square" tIns="91425">
+            <a:noAutofit/>
+          </a:bodyPr>
+          <a:lstStyle/>
+          <a:p>
+            <a:pPr indent="0" lvl="0" marL="0" rtl="0" algn="r">
+              <a:spcBef>
+                <a:spcPts val="0"/>
+              </a:spcBef>
+              <a:spcAft>
+                <a:spcPts val="0"/>
+              </a:spcAft>
+              <a:buNone/>
+            </a:pPr>
+            <a:fld id="{00000000-1234-1234-1234-123412341234}" type="slidenum">
+              <a:rPr lang="en"/>
+              <a:t>‹#›</a:t>
+            </a:fld>
+            <a:endParaRPr/>
+          </a:p>
+          <a:p>
+            <a:pPr indent="0" lvl="0" marL="0" rtl="0" algn="r">
+              <a:spcBef>
+                <a:spcPts val="0"/>
+              </a:spcBef>
+              <a:spcAft>
+                <a:spcPts val="0"/>
+              </a:spcAft>
+              <a:buNone/>
+            </a:pPr>
+            <a:r>
+              <a:rPr b="0" lang="en" sz="900" u="sng">
+                <a:solidFill>
+                  <a:schemeClr val="hlink"/>
+                </a:solidFill>
+                <a:hlinkClick r:id="rId3"/>
+              </a:rPr>
+              <a:t>https://profriehle.com</a:t>
+            </a:r>
+            <a:r>
+              <a:rPr b="0" lang="en" sz="900">
+                <a:solidFill>
+                  <a:schemeClr val="dk2"/>
+                </a:solidFill>
+              </a:rPr>
+              <a:t> </a:t>
+            </a:r>
+            <a:endParaRPr b="0" sz="900">
+              <a:solidFill>
+                <a:schemeClr val="dk2"/>
+              </a:solidFill>
+            </a:endParaRPr>
+          </a:p>
+        </p:txBody>
+      </p:sp>
+      <p:pic>
+        <p:nvPicPr>
+          <p:cNvPr id="99" name="Google Shape;99;p17"/>
+          <p:cNvPicPr preferRelativeResize="0"/>
+          <p:nvPr/>
+        </p:nvPicPr>
+        <p:blipFill>
+          <a:blip r:embed="rId4">
+            <a:alphaModFix/>
+          </a:blip>
+          <a:stretch>
+            <a:fillRect/>
+          </a:stretch>
+        </p:blipFill>
+        <p:spPr>
+          <a:xfrm>
+            <a:off x="274320" y="914400"/>
+            <a:ext cx="8595360" cy="3514547"/>
+          </a:xfrm>
+          <a:prstGeom prst="rect">
+            <a:avLst/>
+          </a:prstGeom>
+          <a:noFill/>
+          <a:ln>
+            <a:noFill/>
+          </a:ln>
+        </p:spPr>
+      </p:pic>
     </p:spTree>
   </p:cSld>
   <p:clrMapOvr>
@@ -8263,7 +8464,7 @@
   <p:cSld>
     <p:spTree>
       <p:nvGrpSpPr>
-        <p:cNvPr id="101" name="Shape 101"/>
+        <p:cNvPr id="103" name="Shape 103"/>
         <p:cNvGrpSpPr/>
         <p:nvPr/>
       </p:nvGrpSpPr>
@@ -8277,7 +8478,7 @@
       </p:grpSpPr>
       <p:sp>
         <p:nvSpPr>
-          <p:cNvPr id="102" name="Google Shape;102;p18"/>
+          <p:cNvPr id="104" name="Google Shape;104;p18"/>
           <p:cNvSpPr txBox="1"/>
           <p:nvPr>
             <p:ph type="title"/>
@@ -8285,278 +8486,33 @@
         </p:nvSpPr>
         <p:spPr>
           <a:xfrm>
-            <a:off x="0" y="0"/>
-            <a:ext cx="9144000" cy="685800"/>
+            <a:off x="0" y="-7"/>
+            <a:ext cx="9144000" cy="2386500"/>
           </a:xfrm>
           <a:prstGeom prst="rect">
             <a:avLst/>
           </a:prstGeom>
         </p:spPr>
         <p:txBody>
-          <a:bodyPr anchorCtr="0" anchor="ctr" bIns="91425" lIns="274300" spcFirstLastPara="1" rIns="91425" wrap="square" tIns="91425">
+          <a:bodyPr anchorCtr="0" anchor="b" bIns="274300" lIns="91425" spcFirstLastPara="1" rIns="91425" wrap="square" tIns="91425">
             <a:noAutofit/>
           </a:bodyPr>
           <a:lstStyle/>
           <a:p>
-            <a:pPr indent="0" lvl="0" marL="0" rtl="0" algn="l">
-              <a:spcBef>
-                <a:spcPts val="0"/>
-              </a:spcBef>
-              <a:spcAft>
-                <a:spcPts val="0"/>
-              </a:spcAft>
-              <a:buNone/>
-            </a:pPr>
-            <a:r>
-              <a:rPr lang="en"/>
-              <a:t>Base Terminology (Recap)</a:t>
-            </a:r>
-            <a:endParaRPr/>
-          </a:p>
-        </p:txBody>
-      </p:sp>
-      <p:sp>
-        <p:nvSpPr>
-          <p:cNvPr id="103" name="Google Shape;103;p18"/>
-          <p:cNvSpPr txBox="1"/>
-          <p:nvPr>
-            <p:ph idx="1" type="body"/>
-          </p:nvPr>
-        </p:nvSpPr>
-        <p:spPr>
-          <a:xfrm>
-            <a:off x="274320" y="914400"/>
-            <a:ext cx="8595300" cy="4114800"/>
-          </a:xfrm>
-          <a:prstGeom prst="rect">
-            <a:avLst/>
-          </a:prstGeom>
-        </p:spPr>
-        <p:txBody>
-          <a:bodyPr anchorCtr="0" anchor="t" bIns="0" lIns="0" spcFirstLastPara="1" rIns="0" wrap="square" tIns="0">
-            <a:noAutofit/>
-          </a:bodyPr>
-          <a:lstStyle/>
-          <a:p>
-            <a:pPr indent="0" lvl="0" marL="0" rtl="0" algn="l">
-              <a:spcBef>
-                <a:spcPts val="0"/>
-              </a:spcBef>
-              <a:spcAft>
-                <a:spcPts val="0"/>
-              </a:spcAft>
-              <a:buNone/>
-            </a:pPr>
-            <a:r>
-              <a:rPr lang="en"/>
-              <a:t>Researchers use a research methodology</a:t>
-            </a:r>
-            <a:endParaRPr/>
-          </a:p>
-          <a:p>
-            <a:pPr indent="-342900" lvl="0" marL="457200" rtl="0" algn="l">
-              <a:spcBef>
-                <a:spcPts val="1200"/>
-              </a:spcBef>
-              <a:spcAft>
-                <a:spcPts val="0"/>
-              </a:spcAft>
-              <a:buSzPts val="1800"/>
-              <a:buChar char="●"/>
-            </a:pPr>
-            <a:r>
-              <a:rPr lang="en"/>
-              <a:t>Recap: </a:t>
-            </a:r>
-            <a:r>
-              <a:rPr lang="en"/>
-              <a:t>A start-to-finish framework for performing theory building</a:t>
-            </a:r>
-            <a:endParaRPr/>
-          </a:p>
-          <a:p>
-            <a:pPr indent="0" lvl="0" marL="0" rtl="0" algn="l">
-              <a:spcBef>
-                <a:spcPts val="1200"/>
-              </a:spcBef>
-              <a:spcAft>
-                <a:spcPts val="0"/>
-              </a:spcAft>
-              <a:buNone/>
-            </a:pPr>
-            <a:r>
-              <a:rPr lang="en"/>
-              <a:t>To create a research design</a:t>
-            </a:r>
-            <a:endParaRPr/>
-          </a:p>
-          <a:p>
-            <a:pPr indent="-342900" lvl="0" marL="457200" rtl="0" algn="l">
-              <a:spcBef>
-                <a:spcPts val="1200"/>
-              </a:spcBef>
-              <a:spcAft>
-                <a:spcPts val="0"/>
-              </a:spcAft>
-              <a:buSzPts val="1800"/>
-              <a:buChar char="●"/>
-            </a:pPr>
-            <a:r>
-              <a:rPr lang="en"/>
-              <a:t>Recap: </a:t>
-            </a:r>
-            <a:r>
-              <a:rPr lang="en"/>
-              <a:t>A process description for answering a research question</a:t>
-            </a:r>
-            <a:endParaRPr/>
-          </a:p>
-          <a:p>
-            <a:pPr indent="0" lvl="0" marL="0" rtl="0" algn="l">
-              <a:spcBef>
-                <a:spcPts val="1200"/>
-              </a:spcBef>
-              <a:spcAft>
-                <a:spcPts val="0"/>
-              </a:spcAft>
-              <a:buNone/>
-            </a:pPr>
-            <a:r>
-              <a:rPr lang="en"/>
-              <a:t>That utilizes research methods</a:t>
-            </a:r>
-            <a:endParaRPr/>
-          </a:p>
-          <a:p>
-            <a:pPr indent="-342900" lvl="0" marL="457200" rtl="0" algn="l">
-              <a:spcBef>
-                <a:spcPts val="1200"/>
-              </a:spcBef>
-              <a:spcAft>
-                <a:spcPts val="0"/>
-              </a:spcAft>
-              <a:buSzPts val="1800"/>
-              <a:buChar char="●"/>
-            </a:pPr>
-            <a:r>
-              <a:rPr lang="en"/>
-              <a:t>Recap: </a:t>
-            </a:r>
-            <a:r>
-              <a:rPr lang="en"/>
-              <a:t>A method answering a type of research question</a:t>
-            </a:r>
-            <a:endParaRPr/>
-          </a:p>
-          <a:p>
-            <a:pPr indent="0" lvl="0" marL="0" rtl="0" algn="l">
-              <a:spcBef>
-                <a:spcPts val="1200"/>
-              </a:spcBef>
-              <a:spcAft>
-                <a:spcPts val="0"/>
-              </a:spcAft>
-              <a:buNone/>
-            </a:pPr>
-            <a:r>
-              <a:rPr lang="en"/>
-              <a:t>Which combine research practices</a:t>
-            </a:r>
-            <a:endParaRPr/>
-          </a:p>
-          <a:p>
-            <a:pPr indent="-342900" lvl="0" marL="457200" rtl="0" algn="l">
-              <a:spcBef>
-                <a:spcPts val="1200"/>
-              </a:spcBef>
-              <a:spcAft>
-                <a:spcPts val="0"/>
-              </a:spcAft>
-              <a:buSzPts val="1800"/>
-              <a:buChar char="●"/>
-            </a:pPr>
-            <a:r>
-              <a:rPr lang="en"/>
-              <a:t>Recap: </a:t>
-            </a:r>
-            <a:r>
-              <a:rPr lang="en"/>
-              <a:t>A way of doing something with a defined outcome</a:t>
-            </a:r>
-            <a:endParaRPr/>
-          </a:p>
-        </p:txBody>
-      </p:sp>
-      <p:sp>
-        <p:nvSpPr>
-          <p:cNvPr id="104" name="Google Shape;104;p18"/>
-          <p:cNvSpPr txBox="1"/>
-          <p:nvPr>
-            <p:ph idx="12" type="sldNum"/>
-          </p:nvPr>
-        </p:nvSpPr>
-        <p:spPr>
-          <a:xfrm>
-            <a:off x="7315202" y="4416550"/>
-            <a:ext cx="1828800" cy="731400"/>
-          </a:xfrm>
-          <a:prstGeom prst="rect">
-            <a:avLst/>
-          </a:prstGeom>
-        </p:spPr>
-        <p:txBody>
-          <a:bodyPr anchorCtr="0" anchor="b" bIns="91425" lIns="91425" spcFirstLastPara="1" rIns="91425" wrap="square" tIns="91425">
-            <a:noAutofit/>
-          </a:bodyPr>
-          <a:lstStyle/>
-          <a:p>
-            <a:pPr indent="0" lvl="0" marL="0" rtl="0" algn="r">
-              <a:spcBef>
-                <a:spcPts val="0"/>
-              </a:spcBef>
-              <a:spcAft>
-                <a:spcPts val="0"/>
-              </a:spcAft>
-              <a:buNone/>
-            </a:pPr>
-            <a:fld id="{00000000-1234-1234-1234-123412341234}" type="slidenum">
-              <a:rPr lang="en"/>
-              <a:t>‹#›</a:t>
-            </a:fld>
-            <a:endParaRPr/>
-          </a:p>
-          <a:p>
-            <a:pPr indent="0" lvl="0" marL="0" rtl="0" algn="r">
-              <a:spcBef>
-                <a:spcPts val="0"/>
-              </a:spcBef>
-              <a:spcAft>
-                <a:spcPts val="0"/>
-              </a:spcAft>
-              <a:buNone/>
-            </a:pPr>
-            <a:r>
-              <a:rPr b="0" lang="en" sz="900" u="sng">
-                <a:solidFill>
-                  <a:schemeClr val="hlink"/>
-                </a:solidFill>
-                <a:hlinkClick r:id="rId3"/>
-              </a:rPr>
-              <a:t>https://profriehle.com</a:t>
-            </a:r>
-            <a:r>
-              <a:rPr b="0" lang="en" sz="900">
-                <a:solidFill>
-                  <a:schemeClr val="dk2"/>
-                </a:solidFill>
-              </a:rPr>
-              <a:t> </a:t>
-            </a:r>
-            <a:endParaRPr b="0" sz="900">
-              <a:solidFill>
-                <a:schemeClr val="dk2"/>
-              </a:solidFill>
-            </a:endParaRPr>
+            <a:pPr indent="0" lvl="0" marL="0" rtl="0" algn="ctr">
+              <a:spcBef>
+                <a:spcPts val="0"/>
+              </a:spcBef>
+              <a:spcAft>
+                <a:spcPts val="0"/>
+              </a:spcAft>
+              <a:buNone/>
+            </a:pPr>
+            <a:r>
+              <a:rPr lang="en"/>
+              <a:t>2. Qualitative Research</a:t>
+            </a:r>
+            <a:endParaRPr/>
           </a:p>
         </p:txBody>
       </p:sp>
@@ -8619,7 +8575,7 @@
             </a:pPr>
             <a:r>
               <a:rPr lang="en"/>
-              <a:t>What Makes a Research Design a Qualitative Design?</a:t>
+              <a:t>Base Terminology (Recap)</a:t>
             </a:r>
             <a:endParaRPr/>
           </a:p>
@@ -8648,79 +8604,152 @@
           </a:bodyPr>
           <a:lstStyle/>
           <a:p>
+            <a:pPr indent="0" lvl="0" marL="0" rtl="0" algn="l">
+              <a:spcBef>
+                <a:spcPts val="0"/>
+              </a:spcBef>
+              <a:spcAft>
+                <a:spcPts val="0"/>
+              </a:spcAft>
+              <a:buNone/>
+            </a:pPr>
+            <a:r>
+              <a:rPr lang="en"/>
+              <a:t>Researchers use a research methodology</a:t>
+            </a:r>
+            <a:endParaRPr/>
+          </a:p>
+          <a:p>
             <a:pPr indent="-342900" lvl="0" marL="457200" rtl="0" algn="l">
               <a:spcBef>
-                <a:spcPts val="0"/>
+                <a:spcPts val="1200"/>
               </a:spcBef>
               <a:spcAft>
                 <a:spcPts val="0"/>
               </a:spcAft>
               <a:buSzPts val="1800"/>
-              <a:buAutoNum type="arabicPeriod"/>
-            </a:pPr>
-            <a:r>
-              <a:rPr lang="en"/>
-              <a:t>The </a:t>
-            </a:r>
-            <a:r>
-              <a:rPr b="1" lang="en"/>
-              <a:t>theory building </a:t>
-            </a:r>
-            <a:r>
-              <a:rPr lang="en"/>
-              <a:t>purpose</a:t>
+              <a:buChar char="●"/>
+            </a:pPr>
+            <a:r>
+              <a:rPr lang="en"/>
+              <a:t>Recap: </a:t>
+            </a:r>
+            <a:r>
+              <a:rPr lang="en"/>
+              <a:t>A start-to-finish framework for performing theory building</a:t>
+            </a:r>
+            <a:endParaRPr/>
+          </a:p>
+          <a:p>
+            <a:pPr indent="0" lvl="0" marL="0" rtl="0" algn="l">
+              <a:spcBef>
+                <a:spcPts val="1200"/>
+              </a:spcBef>
+              <a:spcAft>
+                <a:spcPts val="0"/>
+              </a:spcAft>
+              <a:buNone/>
+            </a:pPr>
+            <a:r>
+              <a:rPr lang="en"/>
+              <a:t>To create a research design</a:t>
             </a:r>
             <a:endParaRPr/>
           </a:p>
           <a:p>
             <a:pPr indent="-342900" lvl="0" marL="457200" rtl="0" algn="l">
               <a:spcBef>
-                <a:spcPts val="0"/>
+                <a:spcPts val="1200"/>
               </a:spcBef>
               <a:spcAft>
                 <a:spcPts val="0"/>
               </a:spcAft>
               <a:buSzPts val="1800"/>
-              <a:buAutoNum type="arabicPeriod"/>
-            </a:pPr>
-            <a:r>
-              <a:rPr lang="en"/>
-              <a:t>The use of </a:t>
-            </a:r>
-            <a:r>
-              <a:rPr b="1" lang="en"/>
-              <a:t>theoretical sampling</a:t>
-            </a:r>
-            <a:r>
-              <a:rPr lang="en"/>
-              <a:t> in data collection</a:t>
+              <a:buChar char="●"/>
+            </a:pPr>
+            <a:r>
+              <a:rPr lang="en"/>
+              <a:t>Recap: </a:t>
+            </a:r>
+            <a:r>
+              <a:rPr lang="en"/>
+              <a:t>A process description for answering a research question</a:t>
+            </a:r>
+            <a:endParaRPr/>
+          </a:p>
+          <a:p>
+            <a:pPr indent="0" lvl="0" marL="0" rtl="0" algn="l">
+              <a:spcBef>
+                <a:spcPts val="1200"/>
+              </a:spcBef>
+              <a:spcAft>
+                <a:spcPts val="0"/>
+              </a:spcAft>
+              <a:buNone/>
+            </a:pPr>
+            <a:r>
+              <a:rPr lang="en"/>
+              <a:t>That utilizes research methods</a:t>
             </a:r>
             <a:endParaRPr/>
           </a:p>
           <a:p>
             <a:pPr indent="-342900" lvl="0" marL="457200" rtl="0" algn="l">
               <a:spcBef>
-                <a:spcPts val="0"/>
+                <a:spcPts val="1200"/>
               </a:spcBef>
               <a:spcAft>
                 <a:spcPts val="0"/>
               </a:spcAft>
               <a:buSzPts val="1800"/>
-              <a:buAutoNum type="arabicPeriod"/>
-            </a:pPr>
-            <a:r>
-              <a:rPr lang="en"/>
-              <a:t>The </a:t>
-            </a:r>
-            <a:r>
-              <a:rPr lang="en"/>
-              <a:t>acquisition and use of </a:t>
-            </a:r>
-            <a:r>
-              <a:rPr b="1" lang="en"/>
-              <a:t>qualitative data</a:t>
-            </a:r>
-            <a:endParaRPr b="1"/>
+              <a:buChar char="●"/>
+            </a:pPr>
+            <a:r>
+              <a:rPr lang="en"/>
+              <a:t>Recap: </a:t>
+            </a:r>
+            <a:r>
+              <a:rPr lang="en"/>
+              <a:t>A method answering a type of research question</a:t>
+            </a:r>
+            <a:endParaRPr/>
+          </a:p>
+          <a:p>
+            <a:pPr indent="0" lvl="0" marL="0" rtl="0" algn="l">
+              <a:spcBef>
+                <a:spcPts val="1200"/>
+              </a:spcBef>
+              <a:spcAft>
+                <a:spcPts val="0"/>
+              </a:spcAft>
+              <a:buNone/>
+            </a:pPr>
+            <a:r>
+              <a:rPr lang="en"/>
+              <a:t>Which combine research practices</a:t>
+            </a:r>
+            <a:endParaRPr/>
+          </a:p>
+          <a:p>
+            <a:pPr indent="-342900" lvl="0" marL="457200" rtl="0" algn="l">
+              <a:spcBef>
+                <a:spcPts val="1200"/>
+              </a:spcBef>
+              <a:spcAft>
+                <a:spcPts val="0"/>
+              </a:spcAft>
+              <a:buSzPts val="1800"/>
+              <a:buChar char="●"/>
+            </a:pPr>
+            <a:r>
+              <a:rPr lang="en"/>
+              <a:t>Recap: </a:t>
+            </a:r>
+            <a:r>
+              <a:rPr lang="en"/>
+              <a:t>A way of doing something with a defined outcome</a:t>
+            </a:r>
+            <a:endParaRPr/>
           </a:p>
         </p:txBody>
       </p:sp>
@@ -8840,7 +8869,7 @@
           </a:prstGeom>
         </p:spPr>
         <p:txBody>
-          <a:bodyPr anchorCtr="0" anchor="ctr" bIns="0" lIns="274300" spcFirstLastPara="1" rIns="0" wrap="square" tIns="0">
+          <a:bodyPr anchorCtr="0" anchor="ctr" bIns="91425" lIns="274300" spcFirstLastPara="1" rIns="91425" wrap="square" tIns="91425">
             <a:noAutofit/>
           </a:bodyPr>
           <a:lstStyle/>
@@ -8856,7 +8885,7 @@
             </a:pPr>
             <a:r>
               <a:rPr lang="en"/>
-              <a:t>Qualitative vs. Quantitative Research Methods (Recap)</a:t>
+              <a:t>What Makes a Research Design a Qualitative Design?</a:t>
             </a:r>
             <a:endParaRPr/>
           </a:p>
@@ -8865,6 +8894,105 @@
       <p:sp>
         <p:nvSpPr>
           <p:cNvPr id="117" name="Google Shape;117;p20"/>
+          <p:cNvSpPr txBox="1"/>
+          <p:nvPr>
+            <p:ph idx="1" type="body"/>
+          </p:nvPr>
+        </p:nvSpPr>
+        <p:spPr>
+          <a:xfrm>
+            <a:off x="274320" y="914400"/>
+            <a:ext cx="8595300" cy="4114800"/>
+          </a:xfrm>
+          <a:prstGeom prst="rect">
+            <a:avLst/>
+          </a:prstGeom>
+        </p:spPr>
+        <p:txBody>
+          <a:bodyPr anchorCtr="0" anchor="t" bIns="0" lIns="0" spcFirstLastPara="1" rIns="0" wrap="square" tIns="0">
+            <a:noAutofit/>
+          </a:bodyPr>
+          <a:lstStyle/>
+          <a:p>
+            <a:pPr indent="-342900" lvl="0" marL="457200" rtl="0" algn="l">
+              <a:spcBef>
+                <a:spcPts val="0"/>
+              </a:spcBef>
+              <a:spcAft>
+                <a:spcPts val="0"/>
+              </a:spcAft>
+              <a:buSzPts val="1800"/>
+              <a:buAutoNum type="arabicPeriod"/>
+            </a:pPr>
+            <a:r>
+              <a:rPr lang="en"/>
+              <a:t>The </a:t>
+            </a:r>
+            <a:r>
+              <a:rPr b="1" lang="en"/>
+              <a:t>theory building </a:t>
+            </a:r>
+            <a:r>
+              <a:rPr lang="en"/>
+              <a:t>purpose</a:t>
+            </a:r>
+            <a:endParaRPr/>
+          </a:p>
+          <a:p>
+            <a:pPr indent="-342900" lvl="0" marL="457200" rtl="0" algn="l">
+              <a:spcBef>
+                <a:spcPts val="0"/>
+              </a:spcBef>
+              <a:spcAft>
+                <a:spcPts val="0"/>
+              </a:spcAft>
+              <a:buSzPts val="1800"/>
+              <a:buAutoNum type="arabicPeriod"/>
+            </a:pPr>
+            <a:r>
+              <a:rPr lang="en"/>
+              <a:t>The use of </a:t>
+            </a:r>
+            <a:r>
+              <a:rPr b="1" lang="en"/>
+              <a:t>theoretical sampling</a:t>
+            </a:r>
+            <a:r>
+              <a:rPr lang="en"/>
+              <a:t> in data collection</a:t>
+            </a:r>
+            <a:endParaRPr/>
+          </a:p>
+          <a:p>
+            <a:pPr indent="-342900" lvl="0" marL="457200" rtl="0" algn="l">
+              <a:spcBef>
+                <a:spcPts val="0"/>
+              </a:spcBef>
+              <a:spcAft>
+                <a:spcPts val="0"/>
+              </a:spcAft>
+              <a:buSzPts val="1800"/>
+              <a:buAutoNum type="arabicPeriod"/>
+            </a:pPr>
+            <a:r>
+              <a:rPr lang="en"/>
+              <a:t>The </a:t>
+            </a:r>
+            <a:r>
+              <a:rPr lang="en"/>
+              <a:t>acquisition and use of </a:t>
+            </a:r>
+            <a:r>
+              <a:rPr b="1" lang="en"/>
+              <a:t>qualitative data</a:t>
+            </a:r>
+            <a:endParaRPr b="1"/>
+          </a:p>
+        </p:txBody>
+      </p:sp>
+      <p:sp>
+        <p:nvSpPr>
+          <p:cNvPr id="118" name="Google Shape;118;p20"/>
           <p:cNvSpPr txBox="1"/>
           <p:nvPr>
             <p:ph idx="12" type="sldNum"/>
@@ -8927,7 +9055,7 @@
               </a:rPr>
               <a:t> </a:t>
             </a:r>
-            <a:endParaRPr>
+            <a:endParaRPr b="0" sz="900">
               <a:solidFill>
                 <a:schemeClr val="dk2"/>
               </a:solidFill>
@@ -8935,34 +9063,6 @@
           </a:p>
         </p:txBody>
       </p:sp>
-      <p:pic>
-        <p:nvPicPr>
-          <p:cNvPr id="118" name="Google Shape;118;p20"/>
-          <p:cNvPicPr preferRelativeResize="0"/>
-          <p:nvPr/>
-        </p:nvPicPr>
-        <p:blipFill>
-          <a:blip r:embed="rId4">
-            <a:alphaModFix/>
-          </a:blip>
-          <a:stretch>
-            <a:fillRect/>
-          </a:stretch>
-        </p:blipFill>
-        <p:spPr>
-          <a:xfrm>
-            <a:off x="274320" y="914400"/>
-            <a:ext cx="8595360" cy="3502840"/>
-          </a:xfrm>
-          <a:prstGeom prst="rect">
-            <a:avLst/>
-          </a:prstGeom>
-          <a:noFill/>
-          <a:ln>
-            <a:noFill/>
-          </a:ln>
-        </p:spPr>
-      </p:pic>
     </p:spTree>
   </p:cSld>
   <p:clrMapOvr>
@@ -9006,7 +9106,7 @@
           </a:prstGeom>
         </p:spPr>
         <p:txBody>
-          <a:bodyPr anchorCtr="0" anchor="ctr" bIns="91425" lIns="274300" spcFirstLastPara="1" rIns="91425" wrap="square" tIns="91425">
+          <a:bodyPr anchorCtr="0" anchor="ctr" bIns="0" lIns="274300" spcFirstLastPara="1" rIns="0" wrap="square" tIns="0">
             <a:noAutofit/>
           </a:bodyPr>
           <a:lstStyle/>
@@ -9022,7 +9122,7 @@
             </a:pPr>
             <a:r>
               <a:rPr lang="en"/>
-              <a:t>Example Qualitative Research Methodology (Recap)</a:t>
+              <a:t>Qualitative vs. Quantitative Research Methods (Recap)</a:t>
             </a:r>
             <a:endParaRPr/>
           </a:p>
@@ -9031,192 +9131,6 @@
       <p:sp>
         <p:nvSpPr>
           <p:cNvPr id="124" name="Google Shape;124;p21"/>
-          <p:cNvSpPr txBox="1"/>
-          <p:nvPr>
-            <p:ph idx="1" type="body"/>
-          </p:nvPr>
-        </p:nvSpPr>
-        <p:spPr>
-          <a:xfrm>
-            <a:off x="274320" y="914400"/>
-            <a:ext cx="8595300" cy="4114800"/>
-          </a:xfrm>
-          <a:prstGeom prst="rect">
-            <a:avLst/>
-          </a:prstGeom>
-        </p:spPr>
-        <p:txBody>
-          <a:bodyPr anchorCtr="0" anchor="t" bIns="0" lIns="0" spcFirstLastPara="1" rIns="0" wrap="square" tIns="0">
-            <a:noAutofit/>
-          </a:bodyPr>
-          <a:lstStyle/>
-          <a:p>
-            <a:pPr indent="0" lvl="0" marL="0" rtl="0" algn="l">
-              <a:spcBef>
-                <a:spcPts val="0"/>
-              </a:spcBef>
-              <a:spcAft>
-                <a:spcPts val="0"/>
-              </a:spcAft>
-              <a:buNone/>
-            </a:pPr>
-            <a:r>
-              <a:rPr lang="en"/>
-              <a:t>The </a:t>
-            </a:r>
-            <a:r>
-              <a:rPr b="1" lang="en"/>
-              <a:t>qualitative survey</a:t>
-            </a:r>
-            <a:r>
-              <a:rPr lang="en"/>
-              <a:t> </a:t>
-            </a:r>
-            <a:r>
-              <a:rPr lang="en"/>
-              <a:t>according to Jansen (2010)</a:t>
-            </a:r>
-            <a:endParaRPr/>
-          </a:p>
-          <a:p>
-            <a:pPr indent="-342900" lvl="0" marL="457200" rtl="0" algn="l">
-              <a:spcBef>
-                <a:spcPts val="1200"/>
-              </a:spcBef>
-              <a:spcAft>
-                <a:spcPts val="0"/>
-              </a:spcAft>
-              <a:buSzPts val="1800"/>
-              <a:buAutoNum type="arabicPeriod"/>
-            </a:pPr>
-            <a:r>
-              <a:rPr lang="en"/>
-              <a:t>Write research protocol</a:t>
-            </a:r>
-            <a:endParaRPr/>
-          </a:p>
-          <a:p>
-            <a:pPr indent="-342900" lvl="0" marL="457200" rtl="0" algn="l">
-              <a:spcBef>
-                <a:spcPts val="0"/>
-              </a:spcBef>
-              <a:spcAft>
-                <a:spcPts val="0"/>
-              </a:spcAft>
-              <a:buSzPts val="1800"/>
-              <a:buAutoNum type="arabicPeriod"/>
-            </a:pPr>
-            <a:r>
-              <a:rPr lang="en"/>
-              <a:t>Build sampling model</a:t>
-            </a:r>
-            <a:endParaRPr/>
-          </a:p>
-          <a:p>
-            <a:pPr indent="-342900" lvl="0" marL="457200" rtl="0" algn="l">
-              <a:spcBef>
-                <a:spcPts val="0"/>
-              </a:spcBef>
-              <a:spcAft>
-                <a:spcPts val="0"/>
-              </a:spcAft>
-              <a:buSzPts val="1800"/>
-              <a:buAutoNum type="arabicPeriod"/>
-            </a:pPr>
-            <a:r>
-              <a:rPr lang="en"/>
-              <a:t>Sample for theory building</a:t>
-            </a:r>
-            <a:endParaRPr/>
-          </a:p>
-          <a:p>
-            <a:pPr indent="-342900" lvl="0" marL="457200" rtl="0" algn="l">
-              <a:spcBef>
-                <a:spcPts val="0"/>
-              </a:spcBef>
-              <a:spcAft>
-                <a:spcPts val="0"/>
-              </a:spcAft>
-              <a:buSzPts val="1800"/>
-              <a:buAutoNum type="arabicPeriod"/>
-            </a:pPr>
-            <a:r>
-              <a:rPr lang="en"/>
-              <a:t>Perform interviews</a:t>
-            </a:r>
-            <a:endParaRPr/>
-          </a:p>
-          <a:p>
-            <a:pPr indent="-342900" lvl="0" marL="457200" rtl="0" algn="l">
-              <a:spcBef>
-                <a:spcPts val="0"/>
-              </a:spcBef>
-              <a:spcAft>
-                <a:spcPts val="0"/>
-              </a:spcAft>
-              <a:buSzPts val="1800"/>
-              <a:buAutoNum type="arabicPeriod"/>
-            </a:pPr>
-            <a:r>
-              <a:rPr lang="en"/>
-              <a:t>Analyze transcriptions</a:t>
-            </a:r>
-            <a:endParaRPr/>
-          </a:p>
-          <a:p>
-            <a:pPr indent="-342900" lvl="0" marL="457200" rtl="0" algn="l">
-              <a:spcBef>
-                <a:spcPts val="0"/>
-              </a:spcBef>
-              <a:spcAft>
-                <a:spcPts val="0"/>
-              </a:spcAft>
-              <a:buSzPts val="1800"/>
-              <a:buAutoNum type="arabicPeriod"/>
-            </a:pPr>
-            <a:r>
-              <a:rPr lang="en"/>
-              <a:t>Determine saturation</a:t>
-            </a:r>
-            <a:endParaRPr/>
-          </a:p>
-          <a:p>
-            <a:pPr indent="-342900" lvl="0" marL="457200" rtl="0" algn="l">
-              <a:spcBef>
-                <a:spcPts val="0"/>
-              </a:spcBef>
-              <a:spcAft>
-                <a:spcPts val="0"/>
-              </a:spcAft>
-              <a:buSzPts val="1800"/>
-              <a:buAutoNum type="arabicPeriod"/>
-            </a:pPr>
-            <a:r>
-              <a:rPr lang="en"/>
-              <a:t>Iterate or conclude</a:t>
-            </a:r>
-            <a:endParaRPr/>
-          </a:p>
-          <a:p>
-            <a:pPr indent="0" lvl="0" marL="0" rtl="0" algn="l">
-              <a:spcBef>
-                <a:spcPts val="1200"/>
-              </a:spcBef>
-              <a:spcAft>
-                <a:spcPts val="1200"/>
-              </a:spcAft>
-              <a:buNone/>
-            </a:pPr>
-            <a:r>
-              <a:t/>
-            </a:r>
-            <a:endParaRPr/>
-          </a:p>
-        </p:txBody>
-      </p:sp>
-      <p:sp>
-        <p:nvSpPr>
-          <p:cNvPr id="125" name="Google Shape;125;p21"/>
           <p:cNvSpPr txBox="1"/>
           <p:nvPr>
             <p:ph idx="12" type="sldNum"/>
@@ -9279,7 +9193,7 @@
               </a:rPr>
               <a:t> </a:t>
             </a:r>
-            <a:endParaRPr b="0" sz="900">
+            <a:endParaRPr>
               <a:solidFill>
                 <a:schemeClr val="dk2"/>
               </a:solidFill>
@@ -9287,6 +9201,34 @@
           </a:p>
         </p:txBody>
       </p:sp>
+      <p:pic>
+        <p:nvPicPr>
+          <p:cNvPr id="125" name="Google Shape;125;p21"/>
+          <p:cNvPicPr preferRelativeResize="0"/>
+          <p:nvPr/>
+        </p:nvPicPr>
+        <p:blipFill>
+          <a:blip r:embed="rId4">
+            <a:alphaModFix/>
+          </a:blip>
+          <a:stretch>
+            <a:fillRect/>
+          </a:stretch>
+        </p:blipFill>
+        <p:spPr>
+          <a:xfrm>
+            <a:off x="274320" y="914400"/>
+            <a:ext cx="8595360" cy="3502840"/>
+          </a:xfrm>
+          <a:prstGeom prst="rect">
+            <a:avLst/>
+          </a:prstGeom>
+          <a:noFill/>
+          <a:ln>
+            <a:noFill/>
+          </a:ln>
+        </p:spPr>
+      </p:pic>
     </p:spTree>
   </p:cSld>
   <p:clrMapOvr>
@@ -9346,7 +9288,7 @@
             </a:pPr>
             <a:r>
               <a:rPr lang="en"/>
-              <a:t>Example Research Design Refinement</a:t>
+              <a:t>Example Qualitative Research Methodology (Recap)</a:t>
             </a:r>
             <a:endParaRPr/>
           </a:p>
@@ -9355,6 +9297,192 @@
       <p:sp>
         <p:nvSpPr>
           <p:cNvPr id="131" name="Google Shape;131;p22"/>
+          <p:cNvSpPr txBox="1"/>
+          <p:nvPr>
+            <p:ph idx="1" type="body"/>
+          </p:nvPr>
+        </p:nvSpPr>
+        <p:spPr>
+          <a:xfrm>
+            <a:off x="274320" y="914400"/>
+            <a:ext cx="8595300" cy="4114800"/>
+          </a:xfrm>
+          <a:prstGeom prst="rect">
+            <a:avLst/>
+          </a:prstGeom>
+        </p:spPr>
+        <p:txBody>
+          <a:bodyPr anchorCtr="0" anchor="t" bIns="0" lIns="0" spcFirstLastPara="1" rIns="0" wrap="square" tIns="0">
+            <a:noAutofit/>
+          </a:bodyPr>
+          <a:lstStyle/>
+          <a:p>
+            <a:pPr indent="0" lvl="0" marL="0" rtl="0" algn="l">
+              <a:spcBef>
+                <a:spcPts val="0"/>
+              </a:spcBef>
+              <a:spcAft>
+                <a:spcPts val="0"/>
+              </a:spcAft>
+              <a:buNone/>
+            </a:pPr>
+            <a:r>
+              <a:rPr lang="en"/>
+              <a:t>The </a:t>
+            </a:r>
+            <a:r>
+              <a:rPr b="1" lang="en"/>
+              <a:t>qualitative survey</a:t>
+            </a:r>
+            <a:r>
+              <a:rPr lang="en"/>
+              <a:t> </a:t>
+            </a:r>
+            <a:r>
+              <a:rPr lang="en"/>
+              <a:t>according to Jansen (2010)</a:t>
+            </a:r>
+            <a:endParaRPr/>
+          </a:p>
+          <a:p>
+            <a:pPr indent="-342900" lvl="0" marL="457200" rtl="0" algn="l">
+              <a:spcBef>
+                <a:spcPts val="1200"/>
+              </a:spcBef>
+              <a:spcAft>
+                <a:spcPts val="0"/>
+              </a:spcAft>
+              <a:buSzPts val="1800"/>
+              <a:buAutoNum type="arabicPeriod"/>
+            </a:pPr>
+            <a:r>
+              <a:rPr lang="en"/>
+              <a:t>Write research protocol</a:t>
+            </a:r>
+            <a:endParaRPr/>
+          </a:p>
+          <a:p>
+            <a:pPr indent="-342900" lvl="0" marL="457200" rtl="0" algn="l">
+              <a:spcBef>
+                <a:spcPts val="0"/>
+              </a:spcBef>
+              <a:spcAft>
+                <a:spcPts val="0"/>
+              </a:spcAft>
+              <a:buSzPts val="1800"/>
+              <a:buAutoNum type="arabicPeriod"/>
+            </a:pPr>
+            <a:r>
+              <a:rPr lang="en"/>
+              <a:t>Build sampling model</a:t>
+            </a:r>
+            <a:endParaRPr/>
+          </a:p>
+          <a:p>
+            <a:pPr indent="-342900" lvl="0" marL="457200" rtl="0" algn="l">
+              <a:spcBef>
+                <a:spcPts val="0"/>
+              </a:spcBef>
+              <a:spcAft>
+                <a:spcPts val="0"/>
+              </a:spcAft>
+              <a:buSzPts val="1800"/>
+              <a:buAutoNum type="arabicPeriod"/>
+            </a:pPr>
+            <a:r>
+              <a:rPr lang="en"/>
+              <a:t>Sample for theory building</a:t>
+            </a:r>
+            <a:endParaRPr/>
+          </a:p>
+          <a:p>
+            <a:pPr indent="-342900" lvl="0" marL="457200" rtl="0" algn="l">
+              <a:spcBef>
+                <a:spcPts val="0"/>
+              </a:spcBef>
+              <a:spcAft>
+                <a:spcPts val="0"/>
+              </a:spcAft>
+              <a:buSzPts val="1800"/>
+              <a:buAutoNum type="arabicPeriod"/>
+            </a:pPr>
+            <a:r>
+              <a:rPr lang="en"/>
+              <a:t>Perform interviews</a:t>
+            </a:r>
+            <a:endParaRPr/>
+          </a:p>
+          <a:p>
+            <a:pPr indent="-342900" lvl="0" marL="457200" rtl="0" algn="l">
+              <a:spcBef>
+                <a:spcPts val="0"/>
+              </a:spcBef>
+              <a:spcAft>
+                <a:spcPts val="0"/>
+              </a:spcAft>
+              <a:buSzPts val="1800"/>
+              <a:buAutoNum type="arabicPeriod"/>
+            </a:pPr>
+            <a:r>
+              <a:rPr lang="en"/>
+              <a:t>Analyze transcriptions</a:t>
+            </a:r>
+            <a:endParaRPr/>
+          </a:p>
+          <a:p>
+            <a:pPr indent="-342900" lvl="0" marL="457200" rtl="0" algn="l">
+              <a:spcBef>
+                <a:spcPts val="0"/>
+              </a:spcBef>
+              <a:spcAft>
+                <a:spcPts val="0"/>
+              </a:spcAft>
+              <a:buSzPts val="1800"/>
+              <a:buAutoNum type="arabicPeriod"/>
+            </a:pPr>
+            <a:r>
+              <a:rPr lang="en"/>
+              <a:t>Determine saturation</a:t>
+            </a:r>
+            <a:endParaRPr/>
+          </a:p>
+          <a:p>
+            <a:pPr indent="-342900" lvl="0" marL="457200" rtl="0" algn="l">
+              <a:spcBef>
+                <a:spcPts val="0"/>
+              </a:spcBef>
+              <a:spcAft>
+                <a:spcPts val="0"/>
+              </a:spcAft>
+              <a:buSzPts val="1800"/>
+              <a:buAutoNum type="arabicPeriod"/>
+            </a:pPr>
+            <a:r>
+              <a:rPr lang="en"/>
+              <a:t>Iterate or conclude</a:t>
+            </a:r>
+            <a:endParaRPr/>
+          </a:p>
+          <a:p>
+            <a:pPr indent="0" lvl="0" marL="0" rtl="0" algn="l">
+              <a:spcBef>
+                <a:spcPts val="1200"/>
+              </a:spcBef>
+              <a:spcAft>
+                <a:spcPts val="1200"/>
+              </a:spcAft>
+              <a:buNone/>
+            </a:pPr>
+            <a:r>
+              <a:t/>
+            </a:r>
+            <a:endParaRPr/>
+          </a:p>
+        </p:txBody>
+      </p:sp>
+      <p:sp>
+        <p:nvSpPr>
+          <p:cNvPr id="132" name="Google Shape;132;p22"/>
           <p:cNvSpPr txBox="1"/>
           <p:nvPr>
             <p:ph idx="12" type="sldNum"/>
@@ -9425,34 +9553,6 @@
           </a:p>
         </p:txBody>
       </p:sp>
-      <p:pic>
-        <p:nvPicPr>
-          <p:cNvPr id="132" name="Google Shape;132;p22"/>
-          <p:cNvPicPr preferRelativeResize="0"/>
-          <p:nvPr/>
-        </p:nvPicPr>
-        <p:blipFill>
-          <a:blip r:embed="rId4">
-            <a:alphaModFix/>
-          </a:blip>
-          <a:stretch>
-            <a:fillRect/>
-          </a:stretch>
-        </p:blipFill>
-        <p:spPr>
-          <a:xfrm>
-            <a:off x="274320" y="914400"/>
-            <a:ext cx="8595360" cy="3502840"/>
-          </a:xfrm>
-          <a:prstGeom prst="rect">
-            <a:avLst/>
-          </a:prstGeom>
-          <a:noFill/>
-          <a:ln>
-            <a:noFill/>
-          </a:ln>
-        </p:spPr>
-      </p:pic>
     </p:spTree>
   </p:cSld>
   <p:clrMapOvr>
@@ -9488,36 +9588,137 @@
         </p:nvSpPr>
         <p:spPr>
           <a:xfrm>
-            <a:off x="0" y="-7"/>
-            <a:ext cx="9144000" cy="2386500"/>
+            <a:off x="0" y="0"/>
+            <a:ext cx="9144000" cy="685800"/>
           </a:xfrm>
           <a:prstGeom prst="rect">
             <a:avLst/>
           </a:prstGeom>
         </p:spPr>
         <p:txBody>
-          <a:bodyPr anchorCtr="0" anchor="b" bIns="274300" lIns="91425" spcFirstLastPara="1" rIns="91425" wrap="square" tIns="91425">
+          <a:bodyPr anchorCtr="0" anchor="ctr" bIns="91425" lIns="274300" spcFirstLastPara="1" rIns="91425" wrap="square" tIns="91425">
             <a:noAutofit/>
           </a:bodyPr>
           <a:lstStyle/>
           <a:p>
-            <a:pPr indent="0" lvl="0" marL="0" rtl="0" algn="ctr">
-              <a:spcBef>
-                <a:spcPts val="0"/>
-              </a:spcBef>
-              <a:spcAft>
-                <a:spcPts val="0"/>
-              </a:spcAft>
-              <a:buNone/>
-            </a:pPr>
-            <a:r>
-              <a:rPr lang="en"/>
-              <a:t>3. Example Methodologies</a:t>
+            <a:pPr indent="0" lvl="0" marL="0" rtl="0" algn="l">
+              <a:spcBef>
+                <a:spcPts val="0"/>
+              </a:spcBef>
+              <a:spcAft>
+                <a:spcPts val="0"/>
+              </a:spcAft>
+              <a:buNone/>
+            </a:pPr>
+            <a:r>
+              <a:rPr lang="en"/>
+              <a:t>Example Research Design Refinement</a:t>
             </a:r>
             <a:endParaRPr/>
           </a:p>
         </p:txBody>
       </p:sp>
+      <p:sp>
+        <p:nvSpPr>
+          <p:cNvPr id="138" name="Google Shape;138;p23"/>
+          <p:cNvSpPr txBox="1"/>
+          <p:nvPr>
+            <p:ph idx="12" type="sldNum"/>
+          </p:nvPr>
+        </p:nvSpPr>
+        <p:spPr>
+          <a:xfrm>
+            <a:off x="7315202" y="4416550"/>
+            <a:ext cx="1828800" cy="731400"/>
+          </a:xfrm>
+          <a:prstGeom prst="rect">
+            <a:avLst/>
+          </a:prstGeom>
+        </p:spPr>
+        <p:txBody>
+          <a:bodyPr anchorCtr="0" anchor="b" bIns="91425" lIns="91425" spcFirstLastPara="1" rIns="91425" wrap="square" tIns="91425">
+            <a:noAutofit/>
+          </a:bodyPr>
+          <a:lstStyle/>
+          <a:p>
+            <a:pPr indent="0" lvl="0" marL="0" rtl="0" algn="r">
+              <a:spcBef>
+                <a:spcPts val="0"/>
+              </a:spcBef>
+              <a:spcAft>
+                <a:spcPts val="0"/>
+              </a:spcAft>
+              <a:buNone/>
+            </a:pPr>
+            <a:fld id="{00000000-1234-1234-1234-123412341234}" type="slidenum">
+              <a:rPr lang="en"/>
+              <a:t>‹#›</a:t>
+            </a:fld>
+            <a:endParaRPr/>
+          </a:p>
+          <a:p>
+            <a:pPr indent="0" lvl="0" marL="0" rtl="0" algn="r">
+              <a:spcBef>
+                <a:spcPts val="0"/>
+              </a:spcBef>
+              <a:spcAft>
+                <a:spcPts val="0"/>
+              </a:spcAft>
+              <a:buNone/>
+            </a:pPr>
+            <a:r>
+              <a:rPr b="0" lang="en" sz="900" u="sng">
+                <a:solidFill>
+                  <a:schemeClr val="hlink"/>
+                </a:solidFill>
+                <a:hlinkClick r:id="rId3"/>
+              </a:rPr>
+              <a:t>https://profriehle.com</a:t>
+            </a:r>
+            <a:r>
+              <a:rPr b="0" lang="en" sz="900">
+                <a:solidFill>
+                  <a:schemeClr val="dk2"/>
+                </a:solidFill>
+              </a:rPr>
+              <a:t> </a:t>
+            </a:r>
+            <a:endParaRPr b="0" sz="900">
+              <a:solidFill>
+                <a:schemeClr val="dk2"/>
+              </a:solidFill>
+            </a:endParaRPr>
+          </a:p>
+        </p:txBody>
+      </p:sp>
+      <p:pic>
+        <p:nvPicPr>
+          <p:cNvPr id="139" name="Google Shape;139;p23"/>
+          <p:cNvPicPr preferRelativeResize="0"/>
+          <p:nvPr/>
+        </p:nvPicPr>
+        <p:blipFill>
+          <a:blip r:embed="rId4">
+            <a:alphaModFix/>
+          </a:blip>
+          <a:stretch>
+            <a:fillRect/>
+          </a:stretch>
+        </p:blipFill>
+        <p:spPr>
+          <a:xfrm>
+            <a:off x="274320" y="914400"/>
+            <a:ext cx="8595360" cy="3502840"/>
+          </a:xfrm>
+          <a:prstGeom prst="rect">
+            <a:avLst/>
+          </a:prstGeom>
+          <a:noFill/>
+          <a:ln>
+            <a:noFill/>
+          </a:ln>
+        </p:spPr>
+      </p:pic>
     </p:spTree>
   </p:cSld>
   <p:clrMapOvr>
@@ -9531,7 +9732,7 @@
   <p:cSld>
     <p:spTree>
       <p:nvGrpSpPr>
-        <p:cNvPr id="141" name="Shape 141"/>
+        <p:cNvPr id="143" name="Shape 143"/>
         <p:cNvGrpSpPr/>
         <p:nvPr/>
       </p:nvGrpSpPr>
@@ -9545,7 +9746,7 @@
       </p:grpSpPr>
       <p:sp>
         <p:nvSpPr>
-          <p:cNvPr id="142" name="Google Shape;142;p24"/>
+          <p:cNvPr id="144" name="Google Shape;144;p24"/>
           <p:cNvSpPr txBox="1"/>
           <p:nvPr>
             <p:ph type="title"/>
@@ -9553,345 +9754,31 @@
         </p:nvSpPr>
         <p:spPr>
           <a:xfrm>
-            <a:off x="0" y="0"/>
-            <a:ext cx="9144000" cy="685800"/>
+            <a:off x="0" y="-7"/>
+            <a:ext cx="9144000" cy="2386500"/>
           </a:xfrm>
           <a:prstGeom prst="rect">
             <a:avLst/>
           </a:prstGeom>
         </p:spPr>
         <p:txBody>
-          <a:bodyPr anchorCtr="0" anchor="ctr" bIns="91425" lIns="274300" spcFirstLastPara="1" rIns="91425" wrap="square" tIns="91425">
+          <a:bodyPr anchorCtr="0" anchor="b" bIns="274300" lIns="91425" spcFirstLastPara="1" rIns="91425" wrap="square" tIns="91425">
             <a:noAutofit/>
           </a:bodyPr>
           <a:lstStyle/>
           <a:p>
-            <a:pPr indent="0" lvl="0" marL="0" rtl="0" algn="l">
-              <a:spcBef>
-                <a:spcPts val="0"/>
-              </a:spcBef>
-              <a:spcAft>
-                <a:spcPts val="0"/>
-              </a:spcAft>
-              <a:buNone/>
-            </a:pPr>
-            <a:r>
-              <a:rPr lang="en"/>
-              <a:t>Research Methodologies</a:t>
-            </a:r>
-            <a:endParaRPr/>
-          </a:p>
-        </p:txBody>
-      </p:sp>
-      <p:sp>
-        <p:nvSpPr>
-          <p:cNvPr id="143" name="Google Shape;143;p24"/>
-          <p:cNvSpPr txBox="1"/>
-          <p:nvPr>
-            <p:ph idx="1" type="body"/>
-          </p:nvPr>
-        </p:nvSpPr>
-        <p:spPr>
-          <a:xfrm>
-            <a:off x="274320" y="914400"/>
-            <a:ext cx="8595300" cy="4114800"/>
-          </a:xfrm>
-          <a:prstGeom prst="rect">
-            <a:avLst/>
-          </a:prstGeom>
-        </p:spPr>
-        <p:txBody>
-          <a:bodyPr anchorCtr="0" anchor="t" bIns="0" lIns="0" spcFirstLastPara="1" rIns="0" wrap="square" tIns="0">
-            <a:noAutofit/>
-          </a:bodyPr>
-          <a:lstStyle/>
-          <a:p>
-            <a:pPr indent="0" lvl="0" marL="0" rtl="0" algn="l">
-              <a:spcBef>
-                <a:spcPts val="0"/>
-              </a:spcBef>
-              <a:spcAft>
-                <a:spcPts val="0"/>
-              </a:spcAft>
-              <a:buNone/>
-            </a:pPr>
-            <a:r>
-              <a:rPr lang="en"/>
-              <a:t>Main categories</a:t>
-            </a:r>
-            <a:endParaRPr/>
-          </a:p>
-          <a:p>
-            <a:pPr indent="-342900" lvl="0" marL="457200" rtl="0" algn="l">
-              <a:spcBef>
-                <a:spcPts val="1200"/>
-              </a:spcBef>
-              <a:spcAft>
-                <a:spcPts val="0"/>
-              </a:spcAft>
-              <a:buSzPts val="1800"/>
-              <a:buChar char="●"/>
-            </a:pPr>
-            <a:r>
-              <a:rPr b="1" lang="en"/>
-              <a:t>Systematic</a:t>
-            </a:r>
-            <a:r>
-              <a:rPr b="1" lang="en"/>
-              <a:t> survey [1]</a:t>
-            </a:r>
-            <a:endParaRPr b="1"/>
-          </a:p>
-          <a:p>
-            <a:pPr indent="-342900" lvl="0" marL="457200" rtl="0" algn="l">
-              <a:spcBef>
-                <a:spcPts val="0"/>
-              </a:spcBef>
-              <a:spcAft>
-                <a:spcPts val="0"/>
-              </a:spcAft>
-              <a:buSzPts val="1800"/>
-              <a:buChar char="●"/>
-            </a:pPr>
-            <a:r>
-              <a:rPr b="1" lang="en"/>
-              <a:t>Qualitative survey [2]</a:t>
-            </a:r>
-            <a:endParaRPr b="1"/>
-          </a:p>
-          <a:p>
-            <a:pPr indent="-342900" lvl="0" marL="457200" rtl="0" algn="l">
-              <a:spcBef>
-                <a:spcPts val="0"/>
-              </a:spcBef>
-              <a:spcAft>
-                <a:spcPts val="0"/>
-              </a:spcAft>
-              <a:buSzPts val="1800"/>
-              <a:buChar char="●"/>
-            </a:pPr>
-            <a:r>
-              <a:rPr b="1" lang="en"/>
-              <a:t>Action research</a:t>
-            </a:r>
-            <a:endParaRPr b="1"/>
-          </a:p>
-          <a:p>
-            <a:pPr indent="-342900" lvl="0" marL="457200" rtl="0" algn="l">
-              <a:spcBef>
-                <a:spcPts val="0"/>
-              </a:spcBef>
-              <a:spcAft>
-                <a:spcPts val="0"/>
-              </a:spcAft>
-              <a:buSzPts val="1800"/>
-              <a:buChar char="●"/>
-            </a:pPr>
-            <a:r>
-              <a:rPr b="1" lang="en"/>
-              <a:t>Case study research</a:t>
-            </a:r>
-            <a:endParaRPr b="1"/>
-          </a:p>
-          <a:p>
-            <a:pPr indent="-342900" lvl="0" marL="457200" rtl="0" algn="l">
-              <a:spcBef>
-                <a:spcPts val="0"/>
-              </a:spcBef>
-              <a:spcAft>
-                <a:spcPts val="0"/>
-              </a:spcAft>
-              <a:buSzPts val="1800"/>
-              <a:buChar char="●"/>
-            </a:pPr>
-            <a:r>
-              <a:rPr lang="en"/>
-              <a:t>Grounded theory</a:t>
-            </a:r>
-            <a:endParaRPr/>
-          </a:p>
-          <a:p>
-            <a:pPr indent="-342900" lvl="0" marL="457200" rtl="0" algn="l">
-              <a:spcBef>
-                <a:spcPts val="0"/>
-              </a:spcBef>
-              <a:spcAft>
-                <a:spcPts val="0"/>
-              </a:spcAft>
-              <a:buSzPts val="1800"/>
-              <a:buChar char="●"/>
-            </a:pPr>
-            <a:r>
-              <a:rPr lang="en"/>
-              <a:t>Ethnographies</a:t>
-            </a:r>
-            <a:endParaRPr/>
-          </a:p>
-          <a:p>
-            <a:pPr indent="0" lvl="0" marL="0" rtl="0" algn="l">
-              <a:spcBef>
-                <a:spcPts val="1200"/>
-              </a:spcBef>
-              <a:spcAft>
-                <a:spcPts val="0"/>
-              </a:spcAft>
-              <a:buNone/>
-            </a:pPr>
-            <a:r>
-              <a:rPr lang="en"/>
-              <a:t>Not a methodology</a:t>
-            </a:r>
-            <a:endParaRPr/>
-          </a:p>
-          <a:p>
-            <a:pPr indent="-342900" lvl="0" marL="457200" rtl="0" algn="l">
-              <a:spcBef>
-                <a:spcPts val="1200"/>
-              </a:spcBef>
-              <a:spcAft>
-                <a:spcPts val="0"/>
-              </a:spcAft>
-              <a:buSzPts val="1800"/>
-              <a:buChar char="●"/>
-            </a:pPr>
-            <a:r>
-              <a:rPr lang="en"/>
-              <a:t>Introspection</a:t>
-            </a:r>
-            <a:endParaRPr/>
-          </a:p>
-        </p:txBody>
-      </p:sp>
-      <p:sp>
-        <p:nvSpPr>
-          <p:cNvPr id="144" name="Google Shape;144;p24"/>
-          <p:cNvSpPr txBox="1"/>
-          <p:nvPr>
-            <p:ph idx="12" type="sldNum"/>
-          </p:nvPr>
-        </p:nvSpPr>
-        <p:spPr>
-          <a:xfrm>
-            <a:off x="7315202" y="4416550"/>
-            <a:ext cx="1828800" cy="731400"/>
-          </a:xfrm>
-          <a:prstGeom prst="rect">
-            <a:avLst/>
-          </a:prstGeom>
-        </p:spPr>
-        <p:txBody>
-          <a:bodyPr anchorCtr="0" anchor="b" bIns="91425" lIns="91425" spcFirstLastPara="1" rIns="91425" wrap="square" tIns="91425">
-            <a:noAutofit/>
-          </a:bodyPr>
-          <a:lstStyle/>
-          <a:p>
-            <a:pPr indent="0" lvl="0" marL="0" rtl="0" algn="r">
-              <a:spcBef>
-                <a:spcPts val="0"/>
-              </a:spcBef>
-              <a:spcAft>
-                <a:spcPts val="0"/>
-              </a:spcAft>
-              <a:buNone/>
-            </a:pPr>
-            <a:fld id="{00000000-1234-1234-1234-123412341234}" type="slidenum">
-              <a:rPr lang="en"/>
-              <a:t>‹#›</a:t>
-            </a:fld>
-            <a:endParaRPr/>
-          </a:p>
-          <a:p>
-            <a:pPr indent="0" lvl="0" marL="0" rtl="0" algn="r">
-              <a:spcBef>
-                <a:spcPts val="0"/>
-              </a:spcBef>
-              <a:spcAft>
-                <a:spcPts val="0"/>
-              </a:spcAft>
-              <a:buNone/>
-            </a:pPr>
-            <a:r>
-              <a:rPr b="0" lang="en" sz="900" u="sng">
-                <a:solidFill>
-                  <a:schemeClr val="hlink"/>
-                </a:solidFill>
-                <a:hlinkClick r:id="rId3"/>
-              </a:rPr>
-              <a:t>https://profriehle.com</a:t>
-            </a:r>
-            <a:r>
-              <a:rPr b="0" lang="en" sz="900">
-                <a:solidFill>
-                  <a:schemeClr val="dk2"/>
-                </a:solidFill>
-              </a:rPr>
-              <a:t> </a:t>
-            </a:r>
-            <a:endParaRPr b="0" sz="900">
-              <a:solidFill>
-                <a:schemeClr val="dk2"/>
-              </a:solidFill>
-            </a:endParaRPr>
-          </a:p>
-        </p:txBody>
-      </p:sp>
-      <p:sp>
-        <p:nvSpPr>
-          <p:cNvPr id="145" name="Google Shape;145;p24"/>
-          <p:cNvSpPr txBox="1"/>
-          <p:nvPr/>
-        </p:nvSpPr>
-        <p:spPr>
-          <a:xfrm>
-            <a:off x="0" y="4233672"/>
-            <a:ext cx="7315200" cy="914400"/>
-          </a:xfrm>
-          <a:prstGeom prst="rect">
-            <a:avLst/>
-          </a:prstGeom>
-          <a:noFill/>
-          <a:ln>
-            <a:noFill/>
-          </a:ln>
-        </p:spPr>
-        <p:txBody>
-          <a:bodyPr anchorCtr="0" anchor="b" bIns="91425" lIns="91425" spcFirstLastPara="1" rIns="91425" wrap="square" tIns="91425">
-            <a:noAutofit/>
-          </a:bodyPr>
-          <a:lstStyle/>
-          <a:p>
-            <a:pPr indent="0" lvl="0" marL="0" rtl="0" algn="l">
-              <a:spcBef>
-                <a:spcPts val="0"/>
-              </a:spcBef>
-              <a:spcAft>
-                <a:spcPts val="0"/>
-              </a:spcAft>
-              <a:buNone/>
-            </a:pPr>
-            <a:r>
-              <a:rPr lang="en"/>
-              <a:t>[1] M</a:t>
-            </a:r>
-            <a:r>
-              <a:rPr lang="en"/>
-              <a:t>ost commonly: Literature survey</a:t>
-            </a:r>
-            <a:endParaRPr/>
-          </a:p>
-          <a:p>
-            <a:pPr indent="0" lvl="0" marL="0" rtl="0" algn="l">
-              <a:spcBef>
-                <a:spcPts val="0"/>
-              </a:spcBef>
-              <a:spcAft>
-                <a:spcPts val="0"/>
-              </a:spcAft>
-              <a:buNone/>
-            </a:pPr>
-            <a:r>
-              <a:rPr lang="en"/>
-              <a:t>[2] Most commonly: Interview study</a:t>
+            <a:pPr indent="0" lvl="0" marL="0" rtl="0" algn="ctr">
+              <a:spcBef>
+                <a:spcPts val="0"/>
+              </a:spcBef>
+              <a:spcAft>
+                <a:spcPts val="0"/>
+              </a:spcAft>
+              <a:buNone/>
+            </a:pPr>
+            <a:r>
+              <a:rPr lang="en"/>
+              <a:t>3. Example Methodologies</a:t>
             </a:r>
             <a:endParaRPr/>
           </a:p>
@@ -9910,7 +9797,7 @@
   <p:cSld>
     <p:spTree>
       <p:nvGrpSpPr>
-        <p:cNvPr id="149" name="Shape 149"/>
+        <p:cNvPr id="148" name="Shape 148"/>
         <p:cNvGrpSpPr/>
         <p:nvPr/>
       </p:nvGrpSpPr>
@@ -9924,6 +9811,46 @@
       </p:grpSpPr>
       <p:sp>
         <p:nvSpPr>
+          <p:cNvPr id="149" name="Google Shape;149;p25"/>
+          <p:cNvSpPr txBox="1"/>
+          <p:nvPr>
+            <p:ph type="title"/>
+          </p:nvPr>
+        </p:nvSpPr>
+        <p:spPr>
+          <a:xfrm>
+            <a:off x="0" y="0"/>
+            <a:ext cx="9144000" cy="685800"/>
+          </a:xfrm>
+          <a:prstGeom prst="rect">
+            <a:avLst/>
+          </a:prstGeom>
+        </p:spPr>
+        <p:txBody>
+          <a:bodyPr anchorCtr="0" anchor="ctr" bIns="91425" lIns="274300" spcFirstLastPara="1" rIns="91425" wrap="square" tIns="91425">
+            <a:noAutofit/>
+          </a:bodyPr>
+          <a:lstStyle/>
+          <a:p>
+            <a:pPr indent="0" lvl="0" marL="0" rtl="0" algn="l">
+              <a:spcBef>
+                <a:spcPts val="0"/>
+              </a:spcBef>
+              <a:spcAft>
+                <a:spcPts val="0"/>
+              </a:spcAft>
+              <a:buNone/>
+            </a:pPr>
+            <a:r>
+              <a:rPr lang="en"/>
+              <a:t>Research Methodologies</a:t>
+            </a:r>
+            <a:endParaRPr/>
+          </a:p>
+        </p:txBody>
+      </p:sp>
+      <p:sp>
+        <p:nvSpPr>
           <p:cNvPr id="150" name="Google Shape;150;p25"/>
           <p:cNvSpPr txBox="1"/>
           <p:nvPr>
@@ -9955,12 +9882,8 @@
               <a:buNone/>
             </a:pPr>
             <a:r>
-              <a:rPr b="1" lang="en"/>
-              <a:t>Action research </a:t>
-            </a:r>
-            <a:r>
-              <a:rPr lang="en"/>
-              <a:t>is a research methodology in which the researcher</a:t>
+              <a:rPr lang="en"/>
+              <a:t>Main categories</a:t>
             </a:r>
             <a:endParaRPr/>
           </a:p>
@@ -9976,10 +9899,14 @@
               <a:buChar char="●"/>
             </a:pPr>
             <a:r>
-              <a:rPr lang="en"/>
-              <a:t>Applies a theory being built to help create a desired outcome</a:t>
-            </a:r>
-            <a:endParaRPr/>
+              <a:rPr b="1" lang="en"/>
+              <a:t>Systematic</a:t>
+            </a:r>
+            <a:r>
+              <a:rPr b="1" lang="en"/>
+              <a:t> survey [1]</a:t>
+            </a:r>
+            <a:endParaRPr b="1"/>
           </a:p>
           <a:p>
             <a:pPr indent="-342900" lvl="0" marL="457200" rtl="0" algn="l">
@@ -9993,35 +9920,15 @@
               <a:buChar char="●"/>
             </a:pPr>
             <a:r>
-              <a:rPr lang="en"/>
-              <a:t>Evaluates the theory as to its trustworthiness</a:t>
-            </a:r>
-            <a:endParaRPr/>
-          </a:p>
-          <a:p>
-            <a:pPr indent="0" lvl="0" marL="0" rtl="0" algn="l">
-              <a:spcBef>
-                <a:spcPts val="1200"/>
-              </a:spcBef>
-              <a:spcAft>
-                <a:spcPts val="0"/>
-              </a:spcAft>
-              <a:buNone/>
-            </a:pPr>
-            <a:r>
               <a:rPr b="1" lang="en"/>
-              <a:t>Participatory action research</a:t>
-            </a:r>
-            <a:r>
-              <a:rPr lang="en"/>
-              <a:t> is action research in which the researcher</a:t>
-            </a:r>
-            <a:endParaRPr/>
+              <a:t>Qualitative survey [2]</a:t>
+            </a:r>
+            <a:endParaRPr b="1"/>
           </a:p>
           <a:p>
             <a:pPr indent="-342900" lvl="0" marL="457200" rtl="0" algn="l">
               <a:spcBef>
-                <a:spcPts val="1200"/>
+                <a:spcPts val="0"/>
               </a:spcBef>
               <a:spcAft>
                 <a:spcPts val="0"/>
@@ -10030,8 +9937,59 @@
               <a:buChar char="●"/>
             </a:pPr>
             <a:r>
-              <a:rPr lang="en"/>
-              <a:t>Joins a case (organization) to work side-by-side with practitioners</a:t>
+              <a:rPr b="1" lang="en"/>
+              <a:t>Action research</a:t>
+            </a:r>
+            <a:endParaRPr b="1"/>
+          </a:p>
+          <a:p>
+            <a:pPr indent="-342900" lvl="0" marL="457200" rtl="0" algn="l">
+              <a:spcBef>
+                <a:spcPts val="0"/>
+              </a:spcBef>
+              <a:spcAft>
+                <a:spcPts val="0"/>
+              </a:spcAft>
+              <a:buSzPts val="1800"/>
+              <a:buChar char="●"/>
+            </a:pPr>
+            <a:r>
+              <a:rPr b="1" lang="en"/>
+              <a:t>Case study research</a:t>
+            </a:r>
+            <a:endParaRPr b="1"/>
+          </a:p>
+          <a:p>
+            <a:pPr indent="-342900" lvl="0" marL="457200" rtl="0" algn="l">
+              <a:spcBef>
+                <a:spcPts val="0"/>
+              </a:spcBef>
+              <a:spcAft>
+                <a:spcPts val="0"/>
+              </a:spcAft>
+              <a:buSzPts val="1800"/>
+              <a:buChar char="●"/>
+            </a:pPr>
+            <a:r>
+              <a:rPr lang="en"/>
+              <a:t>Grounded theory</a:t>
+            </a:r>
+            <a:endParaRPr/>
+          </a:p>
+          <a:p>
+            <a:pPr indent="-342900" lvl="0" marL="457200" rtl="0" algn="l">
+              <a:spcBef>
+                <a:spcPts val="0"/>
+              </a:spcBef>
+              <a:spcAft>
+                <a:spcPts val="0"/>
+              </a:spcAft>
+              <a:buSzPts val="1800"/>
+              <a:buChar char="●"/>
+            </a:pPr>
+            <a:r>
+              <a:rPr lang="en"/>
+              <a:t>Ethnographies</a:t>
             </a:r>
             <a:endParaRPr/>
           </a:p>
@@ -10041,12 +9999,30 @@
                 <a:spcPts val="1200"/>
               </a:spcBef>
               <a:spcAft>
+                <a:spcPts val="0"/>
+              </a:spcAft>
+              <a:buNone/>
+            </a:pPr>
+            <a:r>
+              <a:rPr lang="en"/>
+              <a:t>Not a methodology</a:t>
+            </a:r>
+            <a:endParaRPr/>
+          </a:p>
+          <a:p>
+            <a:pPr indent="-342900" lvl="0" marL="457200" rtl="0" algn="l">
+              <a:spcBef>
                 <a:spcPts val="1200"/>
-              </a:spcAft>
-              <a:buNone/>
-            </a:pPr>
-            <a:r>
-              <a:t/>
+              </a:spcBef>
+              <a:spcAft>
+                <a:spcPts val="0"/>
+              </a:spcAft>
+              <a:buSzPts val="1800"/>
+              <a:buChar char="●"/>
+            </a:pPr>
+            <a:r>
+              <a:rPr lang="en"/>
+              <a:t>Introspection</a:t>
             </a:r>
             <a:endParaRPr/>
           </a:p>
@@ -10055,46 +10031,6 @@
       <p:sp>
         <p:nvSpPr>
           <p:cNvPr id="151" name="Google Shape;151;p25"/>
-          <p:cNvSpPr txBox="1"/>
-          <p:nvPr>
-            <p:ph type="title"/>
-          </p:nvPr>
-        </p:nvSpPr>
-        <p:spPr>
-          <a:xfrm>
-            <a:off x="0" y="0"/>
-            <a:ext cx="9144000" cy="685800"/>
-          </a:xfrm>
-          <a:prstGeom prst="rect">
-            <a:avLst/>
-          </a:prstGeom>
-        </p:spPr>
-        <p:txBody>
-          <a:bodyPr anchorCtr="0" anchor="ctr" bIns="91425" lIns="274300" spcFirstLastPara="1" rIns="91425" wrap="square" tIns="91425">
-            <a:noAutofit/>
-          </a:bodyPr>
-          <a:lstStyle/>
-          <a:p>
-            <a:pPr indent="0" lvl="0" marL="0" rtl="0" algn="l">
-              <a:spcBef>
-                <a:spcPts val="0"/>
-              </a:spcBef>
-              <a:spcAft>
-                <a:spcPts val="0"/>
-              </a:spcAft>
-              <a:buNone/>
-            </a:pPr>
-            <a:r>
-              <a:rPr lang="en"/>
-              <a:t>Action Research</a:t>
-            </a:r>
-            <a:endParaRPr/>
-          </a:p>
-        </p:txBody>
-      </p:sp>
-      <p:sp>
-        <p:nvSpPr>
-          <p:cNvPr id="152" name="Google Shape;152;p25"/>
           <p:cNvSpPr txBox="1"/>
           <p:nvPr>
             <p:ph idx="12" type="sldNum"/>
@@ -10162,6 +10098,68 @@
                 <a:schemeClr val="dk2"/>
               </a:solidFill>
             </a:endParaRPr>
+          </a:p>
+        </p:txBody>
+      </p:sp>
+      <p:sp>
+        <p:nvSpPr>
+          <p:cNvPr id="152" name="Google Shape;152;p25"/>
+          <p:cNvSpPr txBox="1"/>
+          <p:nvPr/>
+        </p:nvSpPr>
+        <p:spPr>
+          <a:xfrm>
+            <a:off x="0" y="4233672"/>
+            <a:ext cx="7315200" cy="914400"/>
+          </a:xfrm>
+          <a:prstGeom prst="rect">
+            <a:avLst/>
+          </a:prstGeom>
+          <a:noFill/>
+          <a:ln>
+            <a:noFill/>
+          </a:ln>
+        </p:spPr>
+        <p:txBody>
+          <a:bodyPr anchorCtr="0" anchor="b" bIns="91425" lIns="91425" spcFirstLastPara="1" rIns="91425" wrap="square" tIns="91425">
+            <a:noAutofit/>
+          </a:bodyPr>
+          <a:lstStyle/>
+          <a:p>
+            <a:pPr indent="0" lvl="0" marL="0" rtl="0" algn="l">
+              <a:spcBef>
+                <a:spcPts val="0"/>
+              </a:spcBef>
+              <a:spcAft>
+                <a:spcPts val="0"/>
+              </a:spcAft>
+              <a:buNone/>
+            </a:pPr>
+            <a:r>
+              <a:rPr lang="en"/>
+              <a:t>[1] M</a:t>
+            </a:r>
+            <a:r>
+              <a:rPr lang="en"/>
+              <a:t>ost commonly: Literature survey</a:t>
+            </a:r>
+            <a:endParaRPr/>
+          </a:p>
+          <a:p>
+            <a:pPr indent="0" lvl="0" marL="0" rtl="0" algn="l">
+              <a:spcBef>
+                <a:spcPts val="0"/>
+              </a:spcBef>
+              <a:spcAft>
+                <a:spcPts val="0"/>
+              </a:spcAft>
+              <a:buNone/>
+            </a:pPr>
+            <a:r>
+              <a:rPr lang="en"/>
+              <a:t>[2] Most commonly: Interview study</a:t>
+            </a:r>
+            <a:endParaRPr/>
           </a:p>
         </p:txBody>
       </p:sp>
@@ -10195,6 +10193,136 @@
           <p:cNvPr id="157" name="Google Shape;157;p26"/>
           <p:cNvSpPr txBox="1"/>
           <p:nvPr>
+            <p:ph idx="1" type="body"/>
+          </p:nvPr>
+        </p:nvSpPr>
+        <p:spPr>
+          <a:xfrm>
+            <a:off x="274320" y="914400"/>
+            <a:ext cx="8595300" cy="4114800"/>
+          </a:xfrm>
+          <a:prstGeom prst="rect">
+            <a:avLst/>
+          </a:prstGeom>
+        </p:spPr>
+        <p:txBody>
+          <a:bodyPr anchorCtr="0" anchor="t" bIns="0" lIns="0" spcFirstLastPara="1" rIns="0" wrap="square" tIns="0">
+            <a:noAutofit/>
+          </a:bodyPr>
+          <a:lstStyle/>
+          <a:p>
+            <a:pPr indent="0" lvl="0" marL="0" rtl="0" algn="l">
+              <a:spcBef>
+                <a:spcPts val="0"/>
+              </a:spcBef>
+              <a:spcAft>
+                <a:spcPts val="0"/>
+              </a:spcAft>
+              <a:buNone/>
+            </a:pPr>
+            <a:r>
+              <a:rPr b="1" lang="en"/>
+              <a:t>Action research </a:t>
+            </a:r>
+            <a:r>
+              <a:rPr lang="en"/>
+              <a:t>is a research methodology in which the researcher</a:t>
+            </a:r>
+            <a:endParaRPr/>
+          </a:p>
+          <a:p>
+            <a:pPr indent="-342900" lvl="0" marL="457200" rtl="0" algn="l">
+              <a:spcBef>
+                <a:spcPts val="1200"/>
+              </a:spcBef>
+              <a:spcAft>
+                <a:spcPts val="0"/>
+              </a:spcAft>
+              <a:buSzPts val="1800"/>
+              <a:buChar char="●"/>
+            </a:pPr>
+            <a:r>
+              <a:rPr lang="en"/>
+              <a:t>Applies a theory being built to help create a desired outcome</a:t>
+            </a:r>
+            <a:endParaRPr/>
+          </a:p>
+          <a:p>
+            <a:pPr indent="-342900" lvl="0" marL="457200" rtl="0" algn="l">
+              <a:spcBef>
+                <a:spcPts val="0"/>
+              </a:spcBef>
+              <a:spcAft>
+                <a:spcPts val="0"/>
+              </a:spcAft>
+              <a:buSzPts val="1800"/>
+              <a:buChar char="●"/>
+            </a:pPr>
+            <a:r>
+              <a:rPr lang="en"/>
+              <a:t>Evaluates the theory as to its trustworthiness</a:t>
+            </a:r>
+            <a:endParaRPr/>
+          </a:p>
+          <a:p>
+            <a:pPr indent="0" lvl="0" marL="0" rtl="0" algn="l">
+              <a:spcBef>
+                <a:spcPts val="1200"/>
+              </a:spcBef>
+              <a:spcAft>
+                <a:spcPts val="0"/>
+              </a:spcAft>
+              <a:buNone/>
+            </a:pPr>
+            <a:r>
+              <a:rPr b="1" lang="en"/>
+              <a:t>Participatory action research</a:t>
+            </a:r>
+            <a:r>
+              <a:rPr lang="en"/>
+              <a:t> is action research in which the researcher</a:t>
+            </a:r>
+            <a:endParaRPr/>
+          </a:p>
+          <a:p>
+            <a:pPr indent="-342900" lvl="0" marL="457200" rtl="0" algn="l">
+              <a:spcBef>
+                <a:spcPts val="1200"/>
+              </a:spcBef>
+              <a:spcAft>
+                <a:spcPts val="0"/>
+              </a:spcAft>
+              <a:buSzPts val="1800"/>
+              <a:buChar char="●"/>
+            </a:pPr>
+            <a:r>
+              <a:rPr lang="en"/>
+              <a:t>Joins a case (organization) to work side-by-side with practitioners</a:t>
+            </a:r>
+            <a:endParaRPr/>
+          </a:p>
+          <a:p>
+            <a:pPr indent="0" lvl="0" marL="0" rtl="0" algn="l">
+              <a:spcBef>
+                <a:spcPts val="1200"/>
+              </a:spcBef>
+              <a:spcAft>
+                <a:spcPts val="1200"/>
+              </a:spcAft>
+              <a:buNone/>
+            </a:pPr>
+            <a:r>
+              <a:t/>
+            </a:r>
+            <a:endParaRPr/>
+          </a:p>
+        </p:txBody>
+      </p:sp>
+      <p:sp>
+        <p:nvSpPr>
+          <p:cNvPr id="158" name="Google Shape;158;p26"/>
+          <p:cNvSpPr txBox="1"/>
+          <p:nvPr>
             <p:ph type="title"/>
           </p:nvPr>
         </p:nvSpPr>
@@ -10224,7 +10352,7 @@
             </a:pPr>
             <a:r>
               <a:rPr lang="en"/>
-              <a:t>Action Research Process</a:t>
+              <a:t>Action Research</a:t>
             </a:r>
             <a:endParaRPr/>
           </a:p>
@@ -10232,7 +10360,7 @@
       </p:sp>
       <p:sp>
         <p:nvSpPr>
-          <p:cNvPr id="158" name="Google Shape;158;p26"/>
+          <p:cNvPr id="159" name="Google Shape;159;p26"/>
           <p:cNvSpPr txBox="1"/>
           <p:nvPr>
             <p:ph idx="12" type="sldNum"/>
@@ -10300,181 +10428,6 @@
                 <a:schemeClr val="dk2"/>
               </a:solidFill>
             </a:endParaRPr>
-          </a:p>
-        </p:txBody>
-      </p:sp>
-      <p:sp>
-        <p:nvSpPr>
-          <p:cNvPr id="159" name="Google Shape;159;p26"/>
-          <p:cNvSpPr txBox="1"/>
-          <p:nvPr>
-            <p:ph idx="1" type="body"/>
-          </p:nvPr>
-        </p:nvSpPr>
-        <p:spPr>
-          <a:xfrm>
-            <a:off x="274320" y="914400"/>
-            <a:ext cx="8595300" cy="4114800"/>
-          </a:xfrm>
-          <a:prstGeom prst="rect">
-            <a:avLst/>
-          </a:prstGeom>
-        </p:spPr>
-        <p:txBody>
-          <a:bodyPr anchorCtr="0" anchor="t" bIns="0" lIns="0" spcFirstLastPara="1" rIns="0" wrap="square" tIns="0">
-            <a:noAutofit/>
-          </a:bodyPr>
-          <a:lstStyle/>
-          <a:p>
-            <a:pPr indent="-342900" lvl="0" marL="457200" rtl="0" algn="l">
-              <a:spcBef>
-                <a:spcPts val="0"/>
-              </a:spcBef>
-              <a:spcAft>
-                <a:spcPts val="0"/>
-              </a:spcAft>
-              <a:buSzPts val="1800"/>
-              <a:buAutoNum type="arabicPeriod"/>
-            </a:pPr>
-            <a:r>
-              <a:rPr lang="en"/>
-              <a:t>Identify problem</a:t>
-            </a:r>
-            <a:endParaRPr/>
-          </a:p>
-          <a:p>
-            <a:pPr indent="-342900" lvl="0" marL="457200" rtl="0" algn="l">
-              <a:spcBef>
-                <a:spcPts val="0"/>
-              </a:spcBef>
-              <a:spcAft>
-                <a:spcPts val="0"/>
-              </a:spcAft>
-              <a:buSzPts val="1800"/>
-              <a:buAutoNum type="arabicPeriod"/>
-            </a:pPr>
-            <a:r>
-              <a:rPr lang="en"/>
-              <a:t>Iterate over action loop</a:t>
-            </a:r>
-            <a:endParaRPr/>
-          </a:p>
-          <a:p>
-            <a:pPr indent="-317500" lvl="1" marL="914400" rtl="0" algn="l">
-              <a:spcBef>
-                <a:spcPts val="1000"/>
-              </a:spcBef>
-              <a:spcAft>
-                <a:spcPts val="0"/>
-              </a:spcAft>
-              <a:buSzPts val="1400"/>
-              <a:buAutoNum type="alphaLcPeriod"/>
-            </a:pPr>
-            <a:r>
-              <a:rPr b="1" lang="en"/>
-              <a:t>Choose focus</a:t>
-            </a:r>
-            <a:endParaRPr b="1"/>
-          </a:p>
-          <a:p>
-            <a:pPr indent="-317500" lvl="1" marL="914400" rtl="0" algn="l">
-              <a:spcBef>
-                <a:spcPts val="0"/>
-              </a:spcBef>
-              <a:spcAft>
-                <a:spcPts val="0"/>
-              </a:spcAft>
-              <a:buSzPts val="1400"/>
-              <a:buAutoNum type="alphaLcPeriod"/>
-            </a:pPr>
-            <a:r>
-              <a:rPr b="1" lang="en"/>
-              <a:t>Plan action</a:t>
-            </a:r>
-            <a:endParaRPr b="1"/>
-          </a:p>
-          <a:p>
-            <a:pPr indent="-317500" lvl="1" marL="914400" rtl="0" algn="l">
-              <a:spcBef>
-                <a:spcPts val="0"/>
-              </a:spcBef>
-              <a:spcAft>
-                <a:spcPts val="0"/>
-              </a:spcAft>
-              <a:buSzPts val="1400"/>
-              <a:buAutoNum type="alphaLcPeriod"/>
-            </a:pPr>
-            <a:r>
-              <a:rPr b="1" lang="en"/>
-              <a:t>Execute plan</a:t>
-            </a:r>
-            <a:endParaRPr b="1"/>
-          </a:p>
-          <a:p>
-            <a:pPr indent="-317500" lvl="1" marL="914400" rtl="0" algn="l">
-              <a:spcBef>
-                <a:spcPts val="0"/>
-              </a:spcBef>
-              <a:spcAft>
-                <a:spcPts val="0"/>
-              </a:spcAft>
-              <a:buSzPts val="1400"/>
-              <a:buAutoNum type="alphaLcPeriod"/>
-            </a:pPr>
-            <a:r>
-              <a:rPr b="1" lang="en"/>
-              <a:t>Observe effects</a:t>
-            </a:r>
-            <a:endParaRPr b="1"/>
-          </a:p>
-          <a:p>
-            <a:pPr indent="-317500" lvl="1" marL="914400" rtl="0" algn="l">
-              <a:spcBef>
-                <a:spcPts val="0"/>
-              </a:spcBef>
-              <a:spcAft>
-                <a:spcPts val="0"/>
-              </a:spcAft>
-              <a:buSzPts val="1400"/>
-              <a:buAutoNum type="alphaLcPeriod"/>
-            </a:pPr>
-            <a:r>
-              <a:rPr b="1" lang="en"/>
-              <a:t>Learn from observations</a:t>
-            </a:r>
-            <a:endParaRPr b="1"/>
-          </a:p>
-          <a:p>
-            <a:pPr indent="-342900" lvl="0" marL="457200" rtl="0" algn="l">
-              <a:spcBef>
-                <a:spcPts val="1000"/>
-              </a:spcBef>
-              <a:spcAft>
-                <a:spcPts val="0"/>
-              </a:spcAft>
-              <a:buSzPts val="1800"/>
-              <a:buAutoNum type="arabicPeriod"/>
-            </a:pPr>
-            <a:r>
-              <a:rPr lang="en"/>
-              <a:t>Specify learning</a:t>
-            </a:r>
-            <a:endParaRPr/>
-          </a:p>
-          <a:p>
-            <a:pPr indent="0" lvl="0" marL="0" rtl="0" algn="l">
-              <a:spcBef>
-                <a:spcPts val="1200"/>
-              </a:spcBef>
-              <a:spcAft>
-                <a:spcPts val="1200"/>
-              </a:spcAft>
-              <a:buNone/>
-            </a:pPr>
-            <a:r>
-              <a:t/>
-            </a:r>
-            <a:endParaRPr/>
           </a:p>
         </p:txBody>
       </p:sp>
@@ -10820,7 +10773,7 @@
             </a:pPr>
             <a:r>
               <a:rPr lang="en"/>
-              <a:t>Example (Specific) Action Research Methodologies</a:t>
+              <a:t>The Action Research Process</a:t>
             </a:r>
             <a:endParaRPr/>
           </a:p>
@@ -10829,93 +10782,6 @@
       <p:sp>
         <p:nvSpPr>
           <p:cNvPr id="165" name="Google Shape;165;p27"/>
-          <p:cNvSpPr txBox="1"/>
-          <p:nvPr>
-            <p:ph idx="1" type="body"/>
-          </p:nvPr>
-        </p:nvSpPr>
-        <p:spPr>
-          <a:xfrm>
-            <a:off x="274320" y="914400"/>
-            <a:ext cx="8595300" cy="4114800"/>
-          </a:xfrm>
-          <a:prstGeom prst="rect">
-            <a:avLst/>
-          </a:prstGeom>
-        </p:spPr>
-        <p:txBody>
-          <a:bodyPr anchorCtr="0" anchor="t" bIns="0" lIns="0" spcFirstLastPara="1" rIns="0" wrap="square" tIns="0">
-            <a:noAutofit/>
-          </a:bodyPr>
-          <a:lstStyle/>
-          <a:p>
-            <a:pPr indent="-342900" lvl="0" marL="457200" rtl="0" algn="l">
-              <a:spcBef>
-                <a:spcPts val="0"/>
-              </a:spcBef>
-              <a:spcAft>
-                <a:spcPts val="0"/>
-              </a:spcAft>
-              <a:buSzPts val="1800"/>
-              <a:buChar char="●"/>
-            </a:pPr>
-            <a:r>
-              <a:rPr lang="en"/>
-              <a:t>Lewin (1946): </a:t>
-            </a:r>
-            <a:r>
-              <a:rPr lang="en"/>
-              <a:t>Action research</a:t>
-            </a:r>
-            <a:endParaRPr/>
-          </a:p>
-          <a:p>
-            <a:pPr indent="-342900" lvl="0" marL="457200" rtl="0" algn="l">
-              <a:spcBef>
-                <a:spcPts val="0"/>
-              </a:spcBef>
-              <a:spcAft>
-                <a:spcPts val="0"/>
-              </a:spcAft>
-              <a:buSzPts val="1800"/>
-              <a:buChar char="●"/>
-            </a:pPr>
-            <a:r>
-              <a:rPr lang="en"/>
-              <a:t>McIntyre (2007): </a:t>
-            </a:r>
-            <a:r>
-              <a:rPr lang="en"/>
-              <a:t>Participatory action research</a:t>
-            </a:r>
-            <a:endParaRPr/>
-          </a:p>
-          <a:p>
-            <a:pPr indent="-342900" lvl="0" marL="457200" rtl="0" algn="l">
-              <a:spcBef>
-                <a:spcPts val="0"/>
-              </a:spcBef>
-              <a:spcAft>
-                <a:spcPts val="0"/>
-              </a:spcAft>
-              <a:buSzPts val="1800"/>
-              <a:buChar char="●"/>
-            </a:pPr>
-            <a:r>
-              <a:rPr lang="en"/>
-              <a:t>Kemmis </a:t>
-            </a:r>
-            <a:r>
-              <a:rPr lang="en"/>
-              <a:t>et al. (2014): Critical participatory action research</a:t>
-            </a:r>
-            <a:endParaRPr/>
-          </a:p>
-        </p:txBody>
-      </p:sp>
-      <p:sp>
-        <p:nvSpPr>
-          <p:cNvPr id="166" name="Google Shape;166;p27"/>
           <p:cNvSpPr txBox="1"/>
           <p:nvPr>
             <p:ph idx="12" type="sldNum"/>
@@ -10986,6 +10852,209 @@
           </a:p>
         </p:txBody>
       </p:sp>
+      <p:sp>
+        <p:nvSpPr>
+          <p:cNvPr id="166" name="Google Shape;166;p27"/>
+          <p:cNvSpPr txBox="1"/>
+          <p:nvPr>
+            <p:ph idx="1" type="body"/>
+          </p:nvPr>
+        </p:nvSpPr>
+        <p:spPr>
+          <a:xfrm>
+            <a:off x="274320" y="914400"/>
+            <a:ext cx="8595300" cy="4114800"/>
+          </a:xfrm>
+          <a:prstGeom prst="rect">
+            <a:avLst/>
+          </a:prstGeom>
+        </p:spPr>
+        <p:txBody>
+          <a:bodyPr anchorCtr="0" anchor="t" bIns="0" lIns="0" spcFirstLastPara="1" rIns="0" wrap="square" tIns="0">
+            <a:noAutofit/>
+          </a:bodyPr>
+          <a:lstStyle/>
+          <a:p>
+            <a:pPr indent="-342900" lvl="0" marL="457200" rtl="0" algn="l">
+              <a:spcBef>
+                <a:spcPts val="0"/>
+              </a:spcBef>
+              <a:spcAft>
+                <a:spcPts val="0"/>
+              </a:spcAft>
+              <a:buSzPts val="1800"/>
+              <a:buAutoNum type="arabicPeriod"/>
+            </a:pPr>
+            <a:r>
+              <a:rPr lang="en"/>
+              <a:t>Identify (research) problem</a:t>
+            </a:r>
+            <a:endParaRPr/>
+          </a:p>
+          <a:p>
+            <a:pPr indent="-342900" lvl="0" marL="457200" rtl="0" algn="l">
+              <a:spcBef>
+                <a:spcPts val="0"/>
+              </a:spcBef>
+              <a:spcAft>
+                <a:spcPts val="0"/>
+              </a:spcAft>
+              <a:buSzPts val="1800"/>
+              <a:buAutoNum type="arabicPeriod"/>
+            </a:pPr>
+            <a:r>
+              <a:rPr lang="en"/>
+              <a:t>Create research design</a:t>
+            </a:r>
+            <a:endParaRPr/>
+          </a:p>
+          <a:p>
+            <a:pPr indent="-342900" lvl="0" marL="457200" rtl="0" algn="l">
+              <a:spcBef>
+                <a:spcPts val="0"/>
+              </a:spcBef>
+              <a:spcAft>
+                <a:spcPts val="0"/>
+              </a:spcAft>
+              <a:buSzPts val="1800"/>
+              <a:buAutoNum type="arabicPeriod"/>
+            </a:pPr>
+            <a:r>
+              <a:rPr lang="en"/>
+              <a:t>Perform action</a:t>
+            </a:r>
+            <a:endParaRPr/>
+          </a:p>
+          <a:p>
+            <a:pPr indent="-317500" lvl="1" marL="914400" rtl="0" algn="l">
+              <a:spcBef>
+                <a:spcPts val="0"/>
+              </a:spcBef>
+              <a:spcAft>
+                <a:spcPts val="0"/>
+              </a:spcAft>
+              <a:buSzPts val="1400"/>
+              <a:buAutoNum type="alphaLcPeriod"/>
+            </a:pPr>
+            <a:r>
+              <a:rPr lang="en"/>
+              <a:t>Choose focus</a:t>
+            </a:r>
+            <a:endParaRPr/>
+          </a:p>
+          <a:p>
+            <a:pPr indent="-317500" lvl="1" marL="914400" rtl="0" algn="l">
+              <a:spcBef>
+                <a:spcPts val="0"/>
+              </a:spcBef>
+              <a:spcAft>
+                <a:spcPts val="0"/>
+              </a:spcAft>
+              <a:buSzPts val="1400"/>
+              <a:buAutoNum type="alphaLcPeriod"/>
+            </a:pPr>
+            <a:r>
+              <a:rPr lang="en"/>
+              <a:t>Plan action</a:t>
+            </a:r>
+            <a:endParaRPr/>
+          </a:p>
+          <a:p>
+            <a:pPr indent="-317500" lvl="1" marL="914400" rtl="0" algn="l">
+              <a:spcBef>
+                <a:spcPts val="0"/>
+              </a:spcBef>
+              <a:spcAft>
+                <a:spcPts val="0"/>
+              </a:spcAft>
+              <a:buSzPts val="1400"/>
+              <a:buAutoNum type="alphaLcPeriod"/>
+            </a:pPr>
+            <a:r>
+              <a:rPr lang="en"/>
+              <a:t>Execute action</a:t>
+            </a:r>
+            <a:endParaRPr/>
+          </a:p>
+          <a:p>
+            <a:pPr indent="-317500" lvl="1" marL="914400" rtl="0" algn="l">
+              <a:spcBef>
+                <a:spcPts val="0"/>
+              </a:spcBef>
+              <a:spcAft>
+                <a:spcPts val="0"/>
+              </a:spcAft>
+              <a:buSzPts val="1400"/>
+              <a:buAutoNum type="alphaLcPeriod"/>
+            </a:pPr>
+            <a:r>
+              <a:rPr lang="en"/>
+              <a:t>Observe effects</a:t>
+            </a:r>
+            <a:endParaRPr/>
+          </a:p>
+          <a:p>
+            <a:pPr indent="-342900" lvl="0" marL="457200" rtl="0" algn="l">
+              <a:spcBef>
+                <a:spcPts val="1000"/>
+              </a:spcBef>
+              <a:spcAft>
+                <a:spcPts val="0"/>
+              </a:spcAft>
+              <a:buSzPts val="1800"/>
+              <a:buAutoNum type="arabicPeriod"/>
+            </a:pPr>
+            <a:r>
+              <a:rPr lang="en"/>
+              <a:t>Learn from observations</a:t>
+            </a:r>
+            <a:endParaRPr/>
+          </a:p>
+          <a:p>
+            <a:pPr indent="0" lvl="0" marL="0" rtl="0" algn="l">
+              <a:spcBef>
+                <a:spcPts val="1200"/>
+              </a:spcBef>
+              <a:spcAft>
+                <a:spcPts val="1200"/>
+              </a:spcAft>
+              <a:buNone/>
+            </a:pPr>
+            <a:r>
+              <a:t/>
+            </a:r>
+            <a:endParaRPr/>
+          </a:p>
+        </p:txBody>
+      </p:sp>
+      <p:pic>
+        <p:nvPicPr>
+          <p:cNvPr id="167" name="Google Shape;167;p27"/>
+          <p:cNvPicPr preferRelativeResize="0"/>
+          <p:nvPr/>
+        </p:nvPicPr>
+        <p:blipFill>
+          <a:blip r:embed="rId4">
+            <a:alphaModFix/>
+          </a:blip>
+          <a:stretch>
+            <a:fillRect/>
+          </a:stretch>
+        </p:blipFill>
+        <p:spPr>
+          <a:xfrm>
+            <a:off x="6126425" y="914400"/>
+            <a:ext cx="2743200" cy="3773640"/>
+          </a:xfrm>
+          <a:prstGeom prst="rect">
+            <a:avLst/>
+          </a:prstGeom>
+          <a:noFill/>
+          <a:ln>
+            <a:noFill/>
+          </a:ln>
+        </p:spPr>
+      </p:pic>
     </p:spTree>
   </p:cSld>
   <p:clrMapOvr>
@@ -10999,7 +11068,7 @@
   <p:cSld>
     <p:spTree>
       <p:nvGrpSpPr>
-        <p:cNvPr id="170" name="Shape 170"/>
+        <p:cNvPr id="171" name="Shape 171"/>
         <p:cNvGrpSpPr/>
         <p:nvPr/>
       </p:nvGrpSpPr>
@@ -11013,7 +11082,47 @@
       </p:grpSpPr>
       <p:sp>
         <p:nvSpPr>
-          <p:cNvPr id="171" name="Google Shape;171;p28"/>
+          <p:cNvPr id="172" name="Google Shape;172;p28"/>
+          <p:cNvSpPr txBox="1"/>
+          <p:nvPr>
+            <p:ph type="title"/>
+          </p:nvPr>
+        </p:nvSpPr>
+        <p:spPr>
+          <a:xfrm>
+            <a:off x="0" y="0"/>
+            <a:ext cx="9144000" cy="685800"/>
+          </a:xfrm>
+          <a:prstGeom prst="rect">
+            <a:avLst/>
+          </a:prstGeom>
+        </p:spPr>
+        <p:txBody>
+          <a:bodyPr anchorCtr="0" anchor="ctr" bIns="91425" lIns="274300" spcFirstLastPara="1" rIns="91425" wrap="square" tIns="91425">
+            <a:noAutofit/>
+          </a:bodyPr>
+          <a:lstStyle/>
+          <a:p>
+            <a:pPr indent="0" lvl="0" marL="0" rtl="0" algn="l">
+              <a:spcBef>
+                <a:spcPts val="0"/>
+              </a:spcBef>
+              <a:spcAft>
+                <a:spcPts val="0"/>
+              </a:spcAft>
+              <a:buNone/>
+            </a:pPr>
+            <a:r>
+              <a:rPr lang="en"/>
+              <a:t>Example Action Research Methodologies</a:t>
+            </a:r>
+            <a:endParaRPr/>
+          </a:p>
+        </p:txBody>
+      </p:sp>
+      <p:sp>
+        <p:nvSpPr>
+          <p:cNvPr id="173" name="Google Shape;173;p28"/>
           <p:cNvSpPr txBox="1"/>
           <p:nvPr>
             <p:ph idx="1" type="body"/>
@@ -11034,38 +11143,9 @@
           </a:bodyPr>
           <a:lstStyle/>
           <a:p>
-            <a:pPr indent="0" lvl="0" marL="0" rtl="0" algn="l">
-              <a:spcBef>
-                <a:spcPts val="0"/>
-              </a:spcBef>
-              <a:spcAft>
-                <a:spcPts val="0"/>
-              </a:spcAft>
-              <a:buClr>
-                <a:schemeClr val="dk1"/>
-              </a:buClr>
-              <a:buSzPts val="1100"/>
-              <a:buFont typeface="Arial"/>
-              <a:buNone/>
-            </a:pPr>
-            <a:r>
-              <a:rPr b="1" lang="en"/>
-              <a:t>Case study</a:t>
-            </a:r>
-            <a:r>
-              <a:rPr b="1" lang="en"/>
-              <a:t> research </a:t>
-            </a:r>
-            <a:r>
-              <a:rPr lang="en"/>
-              <a:t>is a research methodology in which the researcher</a:t>
-            </a:r>
-            <a:endParaRPr/>
-          </a:p>
-          <a:p>
             <a:pPr indent="-342900" lvl="0" marL="457200" rtl="0" algn="l">
               <a:spcBef>
-                <a:spcPts val="1200"/>
+                <a:spcPts val="0"/>
               </a:spcBef>
               <a:spcAft>
                 <a:spcPts val="0"/>
@@ -11075,7 +11155,11 @@
             </a:pPr>
             <a:r>
               <a:rPr lang="en"/>
-              <a:t>Investigates a (contemporary) phenomenon it its original context</a:t>
+              <a:t>Lewin (1946): </a:t>
+            </a:r>
+            <a:r>
+              <a:rPr lang="en"/>
+              <a:t>Action research</a:t>
             </a:r>
             <a:endParaRPr/>
           </a:p>
@@ -11092,22 +11176,32 @@
             </a:pPr>
             <a:r>
               <a:rPr lang="en"/>
-              <a:t>Where the boundaries between phenomenon and context are blurry</a:t>
-            </a:r>
-            <a:endParaRPr/>
-          </a:p>
-          <a:p>
-            <a:pPr indent="0" lvl="0" marL="0" rtl="0" algn="l">
-              <a:spcBef>
-                <a:spcPts val="1200"/>
-              </a:spcBef>
-              <a:spcAft>
-                <a:spcPts val="1200"/>
-              </a:spcAft>
-              <a:buNone/>
-            </a:pPr>
-            <a:r>
-              <a:t/>
+              <a:t>McIntyre (2007): </a:t>
+            </a:r>
+            <a:r>
+              <a:rPr lang="en"/>
+              <a:t>Participatory action research</a:t>
+            </a:r>
+            <a:endParaRPr/>
+          </a:p>
+          <a:p>
+            <a:pPr indent="-342900" lvl="0" marL="457200" rtl="0" algn="l">
+              <a:spcBef>
+                <a:spcPts val="0"/>
+              </a:spcBef>
+              <a:spcAft>
+                <a:spcPts val="0"/>
+              </a:spcAft>
+              <a:buSzPts val="1800"/>
+              <a:buChar char="●"/>
+            </a:pPr>
+            <a:r>
+              <a:rPr lang="en"/>
+              <a:t>Kemmis </a:t>
+            </a:r>
+            <a:r>
+              <a:rPr lang="en"/>
+              <a:t>et al. (2014): Critical participatory action research</a:t>
             </a:r>
             <a:endParaRPr/>
           </a:p>
@@ -11115,51 +11209,7 @@
       </p:sp>
       <p:sp>
         <p:nvSpPr>
-          <p:cNvPr id="172" name="Google Shape;172;p28"/>
-          <p:cNvSpPr txBox="1"/>
-          <p:nvPr>
-            <p:ph type="title"/>
-          </p:nvPr>
-        </p:nvSpPr>
-        <p:spPr>
-          <a:xfrm>
-            <a:off x="0" y="0"/>
-            <a:ext cx="9144000" cy="685800"/>
-          </a:xfrm>
-          <a:prstGeom prst="rect">
-            <a:avLst/>
-          </a:prstGeom>
-        </p:spPr>
-        <p:txBody>
-          <a:bodyPr anchorCtr="0" anchor="ctr" bIns="91425" lIns="274300" spcFirstLastPara="1" rIns="91425" wrap="square" tIns="91425">
-            <a:noAutofit/>
-          </a:bodyPr>
-          <a:lstStyle/>
-          <a:p>
-            <a:pPr indent="0" lvl="0" marL="0" rtl="0" algn="l">
-              <a:spcBef>
-                <a:spcPts val="0"/>
-              </a:spcBef>
-              <a:spcAft>
-                <a:spcPts val="0"/>
-              </a:spcAft>
-              <a:buNone/>
-            </a:pPr>
-            <a:r>
-              <a:rPr lang="en"/>
-              <a:t>Case Study</a:t>
-            </a:r>
-            <a:r>
-              <a:rPr lang="en"/>
-              <a:t> Research</a:t>
-            </a:r>
-            <a:endParaRPr/>
-          </a:p>
-        </p:txBody>
-      </p:sp>
-      <p:sp>
-        <p:nvSpPr>
-          <p:cNvPr id="173" name="Google Shape;173;p28"/>
+          <p:cNvPr id="174" name="Google Shape;174;p28"/>
           <p:cNvSpPr txBox="1"/>
           <p:nvPr>
             <p:ph idx="12" type="sldNum"/>
@@ -11243,7 +11293,7 @@
   <p:cSld>
     <p:spTree>
       <p:nvGrpSpPr>
-        <p:cNvPr id="177" name="Shape 177"/>
+        <p:cNvPr id="178" name="Shape 178"/>
         <p:cNvGrpSpPr/>
         <p:nvPr/>
       </p:nvGrpSpPr>
@@ -11257,7 +11307,109 @@
       </p:grpSpPr>
       <p:sp>
         <p:nvSpPr>
-          <p:cNvPr id="178" name="Google Shape;178;p29"/>
+          <p:cNvPr id="179" name="Google Shape;179;p29"/>
+          <p:cNvSpPr txBox="1"/>
+          <p:nvPr>
+            <p:ph idx="1" type="body"/>
+          </p:nvPr>
+        </p:nvSpPr>
+        <p:spPr>
+          <a:xfrm>
+            <a:off x="274320" y="914400"/>
+            <a:ext cx="8595300" cy="4114800"/>
+          </a:xfrm>
+          <a:prstGeom prst="rect">
+            <a:avLst/>
+          </a:prstGeom>
+        </p:spPr>
+        <p:txBody>
+          <a:bodyPr anchorCtr="0" anchor="t" bIns="0" lIns="0" spcFirstLastPara="1" rIns="0" wrap="square" tIns="0">
+            <a:noAutofit/>
+          </a:bodyPr>
+          <a:lstStyle/>
+          <a:p>
+            <a:pPr indent="0" lvl="0" marL="0" rtl="0" algn="l">
+              <a:spcBef>
+                <a:spcPts val="0"/>
+              </a:spcBef>
+              <a:spcAft>
+                <a:spcPts val="0"/>
+              </a:spcAft>
+              <a:buClr>
+                <a:schemeClr val="dk1"/>
+              </a:buClr>
+              <a:buSzPts val="1100"/>
+              <a:buFont typeface="Arial"/>
+              <a:buNone/>
+            </a:pPr>
+            <a:r>
+              <a:rPr b="1" lang="en"/>
+              <a:t>Case study</a:t>
+            </a:r>
+            <a:r>
+              <a:rPr b="1" lang="en"/>
+              <a:t> research </a:t>
+            </a:r>
+            <a:r>
+              <a:rPr lang="en"/>
+              <a:t>is a research methodology in which the researcher</a:t>
+            </a:r>
+            <a:endParaRPr/>
+          </a:p>
+          <a:p>
+            <a:pPr indent="-342900" lvl="0" marL="457200" rtl="0" algn="l">
+              <a:spcBef>
+                <a:spcPts val="1200"/>
+              </a:spcBef>
+              <a:spcAft>
+                <a:spcPts val="0"/>
+              </a:spcAft>
+              <a:buSzPts val="1800"/>
+              <a:buChar char="●"/>
+            </a:pPr>
+            <a:r>
+              <a:rPr lang="en"/>
+              <a:t>Investigates a (contemporary) phenomenon it its original context</a:t>
+            </a:r>
+            <a:endParaRPr/>
+          </a:p>
+          <a:p>
+            <a:pPr indent="-342900" lvl="0" marL="457200" rtl="0" algn="l">
+              <a:spcBef>
+                <a:spcPts val="0"/>
+              </a:spcBef>
+              <a:spcAft>
+                <a:spcPts val="0"/>
+              </a:spcAft>
+              <a:buSzPts val="1800"/>
+              <a:buChar char="●"/>
+            </a:pPr>
+            <a:r>
+              <a:rPr lang="en"/>
+              <a:t>Where the boundaries between phenomenon and context are blurry</a:t>
+            </a:r>
+            <a:endParaRPr/>
+          </a:p>
+          <a:p>
+            <a:pPr indent="0" lvl="0" marL="0" rtl="0" algn="l">
+              <a:spcBef>
+                <a:spcPts val="1200"/>
+              </a:spcBef>
+              <a:spcAft>
+                <a:spcPts val="1200"/>
+              </a:spcAft>
+              <a:buNone/>
+            </a:pPr>
+            <a:r>
+              <a:t/>
+            </a:r>
+            <a:endParaRPr/>
+          </a:p>
+        </p:txBody>
+      </p:sp>
+      <p:sp>
+        <p:nvSpPr>
+          <p:cNvPr id="180" name="Google Shape;180;p29"/>
           <p:cNvSpPr txBox="1"/>
           <p:nvPr>
             <p:ph type="title"/>
@@ -11293,7 +11445,7 @@
             </a:r>
             <a:r>
               <a:rPr lang="en"/>
-              <a:t> Research Process</a:t>
+              <a:t> Research</a:t>
             </a:r>
             <a:endParaRPr/>
           </a:p>
@@ -11301,7 +11453,7 @@
       </p:sp>
       <p:sp>
         <p:nvSpPr>
-          <p:cNvPr id="179" name="Google Shape;179;p29"/>
+          <p:cNvPr id="181" name="Google Shape;181;p29"/>
           <p:cNvSpPr txBox="1"/>
           <p:nvPr>
             <p:ph idx="12" type="sldNum"/>
@@ -11369,177 +11521,6 @@
                 <a:schemeClr val="dk2"/>
               </a:solidFill>
             </a:endParaRPr>
-          </a:p>
-        </p:txBody>
-      </p:sp>
-      <p:sp>
-        <p:nvSpPr>
-          <p:cNvPr id="180" name="Google Shape;180;p29"/>
-          <p:cNvSpPr txBox="1"/>
-          <p:nvPr>
-            <p:ph idx="1" type="body"/>
-          </p:nvPr>
-        </p:nvSpPr>
-        <p:spPr>
-          <a:xfrm>
-            <a:off x="274320" y="914400"/>
-            <a:ext cx="8595300" cy="4114800"/>
-          </a:xfrm>
-          <a:prstGeom prst="rect">
-            <a:avLst/>
-          </a:prstGeom>
-        </p:spPr>
-        <p:txBody>
-          <a:bodyPr anchorCtr="0" anchor="t" bIns="0" lIns="0" spcFirstLastPara="1" rIns="0" wrap="square" tIns="0">
-            <a:noAutofit/>
-          </a:bodyPr>
-          <a:lstStyle/>
-          <a:p>
-            <a:pPr indent="-342900" lvl="0" marL="457200" rtl="0" algn="l">
-              <a:spcBef>
-                <a:spcPts val="0"/>
-              </a:spcBef>
-              <a:spcAft>
-                <a:spcPts val="0"/>
-              </a:spcAft>
-              <a:buSzPts val="1800"/>
-              <a:buAutoNum type="arabicPeriod"/>
-            </a:pPr>
-            <a:r>
-              <a:rPr lang="en"/>
-              <a:t>Plan</a:t>
-            </a:r>
-            <a:endParaRPr/>
-          </a:p>
-          <a:p>
-            <a:pPr indent="-342900" lvl="0" marL="457200" rtl="0" algn="l">
-              <a:spcBef>
-                <a:spcPts val="0"/>
-              </a:spcBef>
-              <a:spcAft>
-                <a:spcPts val="0"/>
-              </a:spcAft>
-              <a:buSzPts val="1800"/>
-              <a:buAutoNum type="arabicPeriod"/>
-            </a:pPr>
-            <a:r>
-              <a:rPr lang="en"/>
-              <a:t>Perform</a:t>
-            </a:r>
-            <a:endParaRPr/>
-          </a:p>
-          <a:p>
-            <a:pPr indent="-317500" lvl="1" marL="914400" rtl="0" algn="l">
-              <a:spcBef>
-                <a:spcPts val="0"/>
-              </a:spcBef>
-              <a:spcAft>
-                <a:spcPts val="0"/>
-              </a:spcAft>
-              <a:buSzPts val="1400"/>
-              <a:buAutoNum type="alphaLcPeriod"/>
-            </a:pPr>
-            <a:r>
-              <a:rPr b="1" lang="en"/>
-              <a:t>Design </a:t>
-            </a:r>
-            <a:r>
-              <a:rPr lang="en"/>
-              <a:t>(case selection, units of analysis, propositions, questions, </a:t>
-            </a:r>
-            <a:r>
-              <a:rPr lang="en"/>
-              <a:t>logic, criteria)</a:t>
-            </a:r>
-            <a:endParaRPr/>
-          </a:p>
-          <a:p>
-            <a:pPr indent="-317500" lvl="1" marL="914400" rtl="0" algn="l">
-              <a:spcBef>
-                <a:spcPts val="0"/>
-              </a:spcBef>
-              <a:spcAft>
-                <a:spcPts val="0"/>
-              </a:spcAft>
-              <a:buSzPts val="1400"/>
-              <a:buAutoNum type="alphaLcPeriod"/>
-            </a:pPr>
-            <a:r>
-              <a:rPr b="1" lang="en"/>
-              <a:t>Prepare </a:t>
-            </a:r>
-            <a:r>
-              <a:rPr lang="en"/>
-              <a:t>(research protocol, ethics approval, conflicts of interest, pilot case)</a:t>
-            </a:r>
-            <a:endParaRPr/>
-          </a:p>
-          <a:p>
-            <a:pPr indent="-317500" lvl="1" marL="914400" rtl="0" algn="l">
-              <a:spcBef>
-                <a:spcPts val="0"/>
-              </a:spcBef>
-              <a:spcAft>
-                <a:spcPts val="0"/>
-              </a:spcAft>
-              <a:buSzPts val="1400"/>
-              <a:buAutoNum type="alphaLcPeriod"/>
-            </a:pPr>
-            <a:r>
-              <a:rPr b="1" lang="en"/>
-              <a:t>Collect</a:t>
-            </a:r>
-            <a:r>
-              <a:rPr lang="en"/>
-              <a:t> (multiple data sources, case study database, chain of evidence)</a:t>
-            </a:r>
-            <a:endParaRPr/>
-          </a:p>
-          <a:p>
-            <a:pPr indent="-317500" lvl="1" marL="914400" rtl="0" algn="l">
-              <a:spcBef>
-                <a:spcPts val="0"/>
-              </a:spcBef>
-              <a:spcAft>
-                <a:spcPts val="0"/>
-              </a:spcAft>
-              <a:buSzPts val="1400"/>
-              <a:buAutoNum type="alphaLcPeriod"/>
-            </a:pPr>
-            <a:r>
-              <a:rPr b="1" lang="en"/>
-              <a:t>Analyze</a:t>
-            </a:r>
-            <a:r>
-              <a:rPr lang="en"/>
-              <a:t> (</a:t>
-            </a:r>
-            <a:r>
-              <a:rPr lang="en"/>
-              <a:t>qualitative</a:t>
-            </a:r>
-            <a:r>
-              <a:rPr lang="en"/>
-              <a:t> data analysis, case description, rival explanations)</a:t>
-            </a:r>
-            <a:endParaRPr/>
-          </a:p>
-          <a:p>
-            <a:pPr indent="-342900" lvl="0" marL="457200" rtl="0" algn="l">
-              <a:spcBef>
-                <a:spcPts val="1000"/>
-              </a:spcBef>
-              <a:spcAft>
-                <a:spcPts val="0"/>
-              </a:spcAft>
-              <a:buSzPts val="1800"/>
-              <a:buAutoNum type="arabicPeriod"/>
-            </a:pPr>
-            <a:r>
-              <a:rPr lang="en"/>
-              <a:t>Report</a:t>
-            </a:r>
-            <a:endParaRPr/>
           </a:p>
         </p:txBody>
       </p:sp>
@@ -11556,7 +11537,7 @@
   <p:cSld>
     <p:spTree>
       <p:nvGrpSpPr>
-        <p:cNvPr id="184" name="Shape 184"/>
+        <p:cNvPr id="185" name="Shape 185"/>
         <p:cNvGrpSpPr/>
         <p:nvPr/>
       </p:nvGrpSpPr>
@@ -11570,7 +11551,7 @@
       </p:grpSpPr>
       <p:sp>
         <p:nvSpPr>
-          <p:cNvPr id="185" name="Google Shape;185;p30"/>
+          <p:cNvPr id="186" name="Google Shape;186;p30"/>
           <p:cNvSpPr txBox="1"/>
           <p:nvPr>
             <p:ph type="title"/>
@@ -11602,94 +11583,11 @@
             </a:pPr>
             <a:r>
               <a:rPr lang="en"/>
-              <a:t>Example (Specific) Case Study Research Methodologies</a:t>
-            </a:r>
-            <a:endParaRPr/>
-          </a:p>
-        </p:txBody>
-      </p:sp>
-      <p:sp>
-        <p:nvSpPr>
-          <p:cNvPr id="186" name="Google Shape;186;p30"/>
-          <p:cNvSpPr txBox="1"/>
-          <p:nvPr>
-            <p:ph idx="1" type="body"/>
-          </p:nvPr>
-        </p:nvSpPr>
-        <p:spPr>
-          <a:xfrm>
-            <a:off x="274320" y="914400"/>
-            <a:ext cx="8595300" cy="4114800"/>
-          </a:xfrm>
-          <a:prstGeom prst="rect">
-            <a:avLst/>
-          </a:prstGeom>
-        </p:spPr>
-        <p:txBody>
-          <a:bodyPr anchorCtr="0" anchor="t" bIns="0" lIns="0" spcFirstLastPara="1" rIns="0" wrap="square" tIns="0">
-            <a:noAutofit/>
-          </a:bodyPr>
-          <a:lstStyle/>
-          <a:p>
-            <a:pPr indent="-342900" lvl="0" marL="457200" rtl="0" algn="l">
-              <a:spcBef>
-                <a:spcPts val="0"/>
-              </a:spcBef>
-              <a:spcAft>
-                <a:spcPts val="0"/>
-              </a:spcAft>
-              <a:buSzPts val="1800"/>
-              <a:buChar char="●"/>
-            </a:pPr>
-            <a:r>
-              <a:rPr lang="en"/>
-              <a:t>Eisenhardt (1989): </a:t>
-            </a:r>
-            <a:r>
-              <a:rPr lang="en"/>
-              <a:t>Case study research</a:t>
-            </a:r>
-            <a:endParaRPr/>
-          </a:p>
-          <a:p>
-            <a:pPr indent="-342900" lvl="0" marL="457200" rtl="0" algn="l">
-              <a:spcBef>
-                <a:spcPts val="0"/>
-              </a:spcBef>
-              <a:spcAft>
-                <a:spcPts val="0"/>
-              </a:spcAft>
-              <a:buSzPts val="1800"/>
-              <a:buChar char="●"/>
-            </a:pPr>
-            <a:r>
-              <a:rPr lang="en"/>
-              <a:t>Yin (2009): </a:t>
-            </a:r>
-            <a:r>
-              <a:rPr lang="en"/>
-              <a:t>Case study research</a:t>
-            </a:r>
-            <a:endParaRPr/>
-          </a:p>
-          <a:p>
-            <a:pPr indent="-342900" lvl="0" marL="457200" rtl="0" algn="l">
-              <a:spcBef>
-                <a:spcPts val="0"/>
-              </a:spcBef>
-              <a:spcAft>
-                <a:spcPts val="0"/>
-              </a:spcAft>
-              <a:buSzPts val="1800"/>
-              <a:buChar char="●"/>
-            </a:pPr>
-            <a:r>
-              <a:rPr lang="en"/>
-              <a:t>Runeson et al. (2012): </a:t>
-            </a:r>
-            <a:r>
-              <a:rPr lang="en"/>
-              <a:t>Case study research in software engineering</a:t>
+              <a:t>Case Study</a:t>
+            </a:r>
+            <a:r>
+              <a:rPr lang="en"/>
+              <a:t> Research Process</a:t>
             </a:r>
             <a:endParaRPr/>
           </a:p>
@@ -11768,6 +11666,209 @@
           </a:p>
         </p:txBody>
       </p:sp>
+      <p:sp>
+        <p:nvSpPr>
+          <p:cNvPr id="188" name="Google Shape;188;p30"/>
+          <p:cNvSpPr txBox="1"/>
+          <p:nvPr>
+            <p:ph idx="1" type="body"/>
+          </p:nvPr>
+        </p:nvSpPr>
+        <p:spPr>
+          <a:xfrm>
+            <a:off x="274320" y="914400"/>
+            <a:ext cx="8595300" cy="4114800"/>
+          </a:xfrm>
+          <a:prstGeom prst="rect">
+            <a:avLst/>
+          </a:prstGeom>
+        </p:spPr>
+        <p:txBody>
+          <a:bodyPr anchorCtr="0" anchor="t" bIns="0" lIns="0" spcFirstLastPara="1" rIns="0" wrap="square" tIns="0">
+            <a:noAutofit/>
+          </a:bodyPr>
+          <a:lstStyle/>
+          <a:p>
+            <a:pPr indent="-342900" lvl="0" marL="457200" rtl="0" algn="l">
+              <a:spcBef>
+                <a:spcPts val="0"/>
+              </a:spcBef>
+              <a:spcAft>
+                <a:spcPts val="0"/>
+              </a:spcAft>
+              <a:buSzPts val="1800"/>
+              <a:buAutoNum type="arabicPeriod"/>
+            </a:pPr>
+            <a:r>
+              <a:rPr lang="en"/>
+              <a:t>Define research question</a:t>
+            </a:r>
+            <a:endParaRPr/>
+          </a:p>
+          <a:p>
+            <a:pPr indent="-342900" lvl="0" marL="457200" rtl="0" algn="l">
+              <a:spcBef>
+                <a:spcPts val="0"/>
+              </a:spcBef>
+              <a:spcAft>
+                <a:spcPts val="0"/>
+              </a:spcAft>
+              <a:buSzPts val="1800"/>
+              <a:buAutoNum type="arabicPeriod"/>
+            </a:pPr>
+            <a:r>
+              <a:rPr lang="en"/>
+              <a:t>Create research design</a:t>
+            </a:r>
+            <a:endParaRPr/>
+          </a:p>
+          <a:p>
+            <a:pPr indent="-342900" lvl="0" marL="457200" rtl="0" algn="l">
+              <a:spcBef>
+                <a:spcPts val="0"/>
+              </a:spcBef>
+              <a:spcAft>
+                <a:spcPts val="0"/>
+              </a:spcAft>
+              <a:buSzPts val="1800"/>
+              <a:buAutoNum type="arabicPeriod"/>
+            </a:pPr>
+            <a:r>
+              <a:rPr lang="en"/>
+              <a:t>Iterate over</a:t>
+            </a:r>
+            <a:endParaRPr/>
+          </a:p>
+          <a:p>
+            <a:pPr indent="-317500" lvl="1" marL="914400" rtl="0" algn="l">
+              <a:spcBef>
+                <a:spcPts val="0"/>
+              </a:spcBef>
+              <a:spcAft>
+                <a:spcPts val="0"/>
+              </a:spcAft>
+              <a:buSzPts val="1400"/>
+              <a:buAutoNum type="alphaLcPeriod"/>
+            </a:pPr>
+            <a:r>
+              <a:rPr lang="en"/>
+              <a:t>Select case</a:t>
+            </a:r>
+            <a:endParaRPr/>
+          </a:p>
+          <a:p>
+            <a:pPr indent="-317500" lvl="1" marL="914400" rtl="0" algn="l">
+              <a:spcBef>
+                <a:spcPts val="0"/>
+              </a:spcBef>
+              <a:spcAft>
+                <a:spcPts val="0"/>
+              </a:spcAft>
+              <a:buSzPts val="1400"/>
+              <a:buAutoNum type="alphaLcPeriod"/>
+            </a:pPr>
+            <a:r>
+              <a:rPr lang="en"/>
+              <a:t>Prepare case</a:t>
+            </a:r>
+            <a:endParaRPr/>
+          </a:p>
+          <a:p>
+            <a:pPr indent="-317500" lvl="1" marL="914400" rtl="0" algn="l">
+              <a:spcBef>
+                <a:spcPts val="0"/>
+              </a:spcBef>
+              <a:spcAft>
+                <a:spcPts val="0"/>
+              </a:spcAft>
+              <a:buSzPts val="1400"/>
+              <a:buAutoNum type="alphaLcPeriod"/>
+            </a:pPr>
+            <a:r>
+              <a:rPr lang="en"/>
+              <a:t>Collect data</a:t>
+            </a:r>
+            <a:endParaRPr/>
+          </a:p>
+          <a:p>
+            <a:pPr indent="-317500" lvl="1" marL="914400" rtl="0" algn="l">
+              <a:spcBef>
+                <a:spcPts val="0"/>
+              </a:spcBef>
+              <a:spcAft>
+                <a:spcPts val="0"/>
+              </a:spcAft>
+              <a:buSzPts val="1400"/>
+              <a:buAutoNum type="alphaLcPeriod"/>
+            </a:pPr>
+            <a:r>
+              <a:rPr lang="en"/>
+              <a:t>Analyze data</a:t>
+            </a:r>
+            <a:endParaRPr/>
+          </a:p>
+          <a:p>
+            <a:pPr indent="-342900" lvl="0" marL="457200" rtl="0" algn="l">
+              <a:spcBef>
+                <a:spcPts val="1000"/>
+              </a:spcBef>
+              <a:spcAft>
+                <a:spcPts val="0"/>
+              </a:spcAft>
+              <a:buSzPts val="1800"/>
+              <a:buAutoNum type="arabicPeriod"/>
+            </a:pPr>
+            <a:r>
+              <a:rPr lang="en"/>
+              <a:t>Report findings</a:t>
+            </a:r>
+            <a:endParaRPr/>
+          </a:p>
+          <a:p>
+            <a:pPr indent="0" lvl="0" marL="0" rtl="0" algn="l">
+              <a:spcBef>
+                <a:spcPts val="1200"/>
+              </a:spcBef>
+              <a:spcAft>
+                <a:spcPts val="1200"/>
+              </a:spcAft>
+              <a:buNone/>
+            </a:pPr>
+            <a:r>
+              <a:t/>
+            </a:r>
+            <a:endParaRPr/>
+          </a:p>
+        </p:txBody>
+      </p:sp>
+      <p:pic>
+        <p:nvPicPr>
+          <p:cNvPr id="189" name="Google Shape;189;p30"/>
+          <p:cNvPicPr preferRelativeResize="0"/>
+          <p:nvPr/>
+        </p:nvPicPr>
+        <p:blipFill>
+          <a:blip r:embed="rId4">
+            <a:alphaModFix/>
+          </a:blip>
+          <a:stretch>
+            <a:fillRect/>
+          </a:stretch>
+        </p:blipFill>
+        <p:spPr>
+          <a:xfrm>
+            <a:off x="6126425" y="914400"/>
+            <a:ext cx="2743200" cy="3773640"/>
+          </a:xfrm>
+          <a:prstGeom prst="rect">
+            <a:avLst/>
+          </a:prstGeom>
+          <a:noFill/>
+          <a:ln>
+            <a:noFill/>
+          </a:ln>
+        </p:spPr>
+      </p:pic>
     </p:spTree>
   </p:cSld>
   <p:clrMapOvr>
@@ -11781,7 +11882,7 @@
   <p:cSld>
     <p:spTree>
       <p:nvGrpSpPr>
-        <p:cNvPr id="191" name="Shape 191"/>
+        <p:cNvPr id="193" name="Shape 193"/>
         <p:cNvGrpSpPr/>
         <p:nvPr/>
       </p:nvGrpSpPr>
@@ -11795,7 +11896,47 @@
       </p:grpSpPr>
       <p:sp>
         <p:nvSpPr>
-          <p:cNvPr id="192" name="Google Shape;192;p31"/>
+          <p:cNvPr id="194" name="Google Shape;194;p31"/>
+          <p:cNvSpPr txBox="1"/>
+          <p:nvPr>
+            <p:ph type="title"/>
+          </p:nvPr>
+        </p:nvSpPr>
+        <p:spPr>
+          <a:xfrm>
+            <a:off x="0" y="0"/>
+            <a:ext cx="9144000" cy="685800"/>
+          </a:xfrm>
+          <a:prstGeom prst="rect">
+            <a:avLst/>
+          </a:prstGeom>
+        </p:spPr>
+        <p:txBody>
+          <a:bodyPr anchorCtr="0" anchor="ctr" bIns="91425" lIns="274300" spcFirstLastPara="1" rIns="91425" wrap="square" tIns="91425">
+            <a:noAutofit/>
+          </a:bodyPr>
+          <a:lstStyle/>
+          <a:p>
+            <a:pPr indent="0" lvl="0" marL="0" rtl="0" algn="l">
+              <a:spcBef>
+                <a:spcPts val="0"/>
+              </a:spcBef>
+              <a:spcAft>
+                <a:spcPts val="0"/>
+              </a:spcAft>
+              <a:buNone/>
+            </a:pPr>
+            <a:r>
+              <a:rPr lang="en"/>
+              <a:t>Example Case Study Research Methodologies</a:t>
+            </a:r>
+            <a:endParaRPr/>
+          </a:p>
+        </p:txBody>
+      </p:sp>
+      <p:sp>
+        <p:nvSpPr>
+          <p:cNvPr id="195" name="Google Shape;195;p31"/>
           <p:cNvSpPr txBox="1"/>
           <p:nvPr>
             <p:ph idx="1" type="body"/>
@@ -11828,31 +11969,18 @@
             </a:pPr>
             <a:r>
               <a:rPr lang="en"/>
-              <a:t>Analytical research</a:t>
-            </a:r>
-            <a:endParaRPr/>
-          </a:p>
-          <a:p>
-            <a:pPr indent="-317500" lvl="1" marL="914400" rtl="0" algn="l">
-              <a:spcBef>
-                <a:spcPts val="0"/>
-              </a:spcBef>
-              <a:spcAft>
-                <a:spcPts val="0"/>
-              </a:spcAft>
-              <a:buSzPts val="1400"/>
-              <a:buChar char="○"/>
-            </a:pPr>
-            <a:r>
-              <a:rPr lang="en"/>
-              <a:t>Research is detached; goal is understanding</a:t>
+              <a:t>Eisenhardt (1989): </a:t>
+            </a:r>
+            <a:r>
+              <a:rPr lang="en"/>
+              <a:t>Case study research</a:t>
             </a:r>
             <a:endParaRPr/>
           </a:p>
           <a:p>
             <a:pPr indent="-342900" lvl="0" marL="457200" rtl="0" algn="l">
               <a:spcBef>
-                <a:spcPts val="1000"/>
+                <a:spcPts val="0"/>
               </a:spcBef>
               <a:spcAft>
                 <a:spcPts val="0"/>
@@ -11862,31 +11990,18 @@
             </a:pPr>
             <a:r>
               <a:rPr lang="en"/>
-              <a:t>Action research [1]</a:t>
-            </a:r>
-            <a:endParaRPr/>
-          </a:p>
-          <a:p>
-            <a:pPr indent="-317500" lvl="1" marL="914400" rtl="0" algn="l">
-              <a:spcBef>
-                <a:spcPts val="0"/>
-              </a:spcBef>
-              <a:spcAft>
-                <a:spcPts val="0"/>
-              </a:spcAft>
-              <a:buSzPts val="1400"/>
-              <a:buChar char="○"/>
-            </a:pPr>
-            <a:r>
-              <a:rPr lang="en"/>
-              <a:t>Research is involved; goal is improving</a:t>
+              <a:t>Yin (2009): </a:t>
+            </a:r>
+            <a:r>
+              <a:rPr lang="en"/>
+              <a:t>Case study research</a:t>
             </a:r>
             <a:endParaRPr/>
           </a:p>
           <a:p>
             <a:pPr indent="-342900" lvl="0" marL="457200" rtl="0" algn="l">
               <a:spcBef>
-                <a:spcPts val="1000"/>
+                <a:spcPts val="0"/>
               </a:spcBef>
               <a:spcAft>
                 <a:spcPts val="0"/>
@@ -11896,39 +12011,11 @@
             </a:pPr>
             <a:r>
               <a:rPr lang="en"/>
-              <a:t>Design science research</a:t>
-            </a:r>
-            <a:endParaRPr/>
-          </a:p>
-          <a:p>
-            <a:pPr indent="-317500" lvl="1" marL="914400" rtl="0" algn="l">
-              <a:spcBef>
-                <a:spcPts val="0"/>
-              </a:spcBef>
-              <a:spcAft>
-                <a:spcPts val="0"/>
-              </a:spcAft>
-              <a:buSzPts val="1400"/>
-              <a:buChar char="○"/>
-            </a:pPr>
-            <a:r>
-              <a:rPr lang="en"/>
-              <a:t>Research is applied; goal is innovation</a:t>
-            </a:r>
-            <a:endParaRPr/>
-          </a:p>
-          <a:p>
-            <a:pPr indent="0" lvl="0" marL="0" rtl="0" algn="l">
-              <a:spcBef>
-                <a:spcPts val="1200"/>
-              </a:spcBef>
-              <a:spcAft>
-                <a:spcPts val="1200"/>
-              </a:spcAft>
-              <a:buNone/>
-            </a:pPr>
-            <a:r>
-              <a:t/>
+              <a:t>Runeson et al. (2012): </a:t>
+            </a:r>
+            <a:r>
+              <a:rPr lang="en"/>
+              <a:t>Case study research in software engineering</a:t>
             </a:r>
             <a:endParaRPr/>
           </a:p>
@@ -11936,47 +12023,7 @@
       </p:sp>
       <p:sp>
         <p:nvSpPr>
-          <p:cNvPr id="193" name="Google Shape;193;p31"/>
-          <p:cNvSpPr txBox="1"/>
-          <p:nvPr>
-            <p:ph type="title"/>
-          </p:nvPr>
-        </p:nvSpPr>
-        <p:spPr>
-          <a:xfrm>
-            <a:off x="0" y="0"/>
-            <a:ext cx="9144000" cy="685800"/>
-          </a:xfrm>
-          <a:prstGeom prst="rect">
-            <a:avLst/>
-          </a:prstGeom>
-        </p:spPr>
-        <p:txBody>
-          <a:bodyPr anchorCtr="0" anchor="ctr" bIns="91425" lIns="274300" spcFirstLastPara="1" rIns="91425" wrap="square" tIns="91425">
-            <a:noAutofit/>
-          </a:bodyPr>
-          <a:lstStyle/>
-          <a:p>
-            <a:pPr indent="0" lvl="0" marL="0" rtl="0" algn="l">
-              <a:spcBef>
-                <a:spcPts val="0"/>
-              </a:spcBef>
-              <a:spcAft>
-                <a:spcPts val="0"/>
-              </a:spcAft>
-              <a:buNone/>
-            </a:pPr>
-            <a:r>
-              <a:rPr lang="en"/>
-              <a:t>Research Paradigms</a:t>
-            </a:r>
-            <a:endParaRPr/>
-          </a:p>
-        </p:txBody>
-      </p:sp>
-      <p:sp>
-        <p:nvSpPr>
-          <p:cNvPr id="194" name="Google Shape;194;p31"/>
+          <p:cNvPr id="196" name="Google Shape;196;p31"/>
           <p:cNvSpPr txBox="1"/>
           <p:nvPr>
             <p:ph idx="12" type="sldNum"/>
@@ -12044,48 +12091,6 @@
                 <a:schemeClr val="dk2"/>
               </a:solidFill>
             </a:endParaRPr>
-          </a:p>
-        </p:txBody>
-      </p:sp>
-      <p:sp>
-        <p:nvSpPr>
-          <p:cNvPr id="195" name="Google Shape;195;p31"/>
-          <p:cNvSpPr txBox="1"/>
-          <p:nvPr/>
-        </p:nvSpPr>
-        <p:spPr>
-          <a:xfrm>
-            <a:off x="0" y="4233672"/>
-            <a:ext cx="7315200" cy="914400"/>
-          </a:xfrm>
-          <a:prstGeom prst="rect">
-            <a:avLst/>
-          </a:prstGeom>
-          <a:noFill/>
-          <a:ln>
-            <a:noFill/>
-          </a:ln>
-        </p:spPr>
-        <p:txBody>
-          <a:bodyPr anchorCtr="0" anchor="b" bIns="91425" lIns="91425" spcFirstLastPara="1" rIns="91425" wrap="square" tIns="91425">
-            <a:noAutofit/>
-          </a:bodyPr>
-          <a:lstStyle/>
-          <a:p>
-            <a:pPr indent="0" lvl="0" marL="0" rtl="0" algn="l">
-              <a:spcBef>
-                <a:spcPts val="0"/>
-              </a:spcBef>
-              <a:spcAft>
-                <a:spcPts val="0"/>
-              </a:spcAft>
-              <a:buNone/>
-            </a:pPr>
-            <a:r>
-              <a:rPr lang="en"/>
-              <a:t>[1] Using the same name for research paradigm and methodology category</a:t>
-            </a:r>
-            <a:endParaRPr/>
           </a:p>
         </p:txBody>
       </p:sp>
@@ -12102,7 +12107,7 @@
   <p:cSld>
     <p:spTree>
       <p:nvGrpSpPr>
-        <p:cNvPr id="199" name="Shape 199"/>
+        <p:cNvPr id="200" name="Shape 200"/>
         <p:cNvGrpSpPr/>
         <p:nvPr/>
       </p:nvGrpSpPr>
@@ -12116,43 +12121,295 @@
       </p:grpSpPr>
       <p:sp>
         <p:nvSpPr>
-          <p:cNvPr id="200" name="Google Shape;200;p32"/>
+          <p:cNvPr id="201" name="Google Shape;201;p32"/>
           <p:cNvSpPr txBox="1"/>
           <p:nvPr>
-            <p:ph type="title"/>
-          </p:nvPr>
-        </p:nvSpPr>
-        <p:spPr>
-          <a:xfrm>
-            <a:off x="0" y="-7"/>
-            <a:ext cx="9144000" cy="2386500"/>
+            <p:ph idx="1" type="body"/>
+          </p:nvPr>
+        </p:nvSpPr>
+        <p:spPr>
+          <a:xfrm>
+            <a:off x="274320" y="914400"/>
+            <a:ext cx="8595300" cy="4114800"/>
           </a:xfrm>
           <a:prstGeom prst="rect">
             <a:avLst/>
           </a:prstGeom>
         </p:spPr>
         <p:txBody>
-          <a:bodyPr anchorCtr="0" anchor="b" bIns="274300" lIns="91425" spcFirstLastPara="1" rIns="91425" wrap="square" tIns="91425">
+          <a:bodyPr anchorCtr="0" anchor="t" bIns="0" lIns="0" spcFirstLastPara="1" rIns="0" wrap="square" tIns="0">
             <a:noAutofit/>
           </a:bodyPr>
           <a:lstStyle/>
           <a:p>
-            <a:pPr indent="0" lvl="0" marL="0" rtl="0" algn="ctr">
-              <a:spcBef>
-                <a:spcPts val="0"/>
-              </a:spcBef>
-              <a:spcAft>
-                <a:spcPts val="0"/>
-              </a:spcAft>
-              <a:buNone/>
-            </a:pPr>
-            <a:r>
-              <a:rPr lang="en"/>
-              <a:t>4</a:t>
-            </a:r>
-            <a:r>
-              <a:rPr lang="en"/>
-              <a:t>. Multi-Method Research</a:t>
+            <a:pPr indent="-342900" lvl="0" marL="457200" rtl="0" algn="l">
+              <a:spcBef>
+                <a:spcPts val="0"/>
+              </a:spcBef>
+              <a:spcAft>
+                <a:spcPts val="0"/>
+              </a:spcAft>
+              <a:buSzPts val="1800"/>
+              <a:buChar char="●"/>
+            </a:pPr>
+            <a:r>
+              <a:rPr lang="en"/>
+              <a:t>Analytical research</a:t>
+            </a:r>
+            <a:endParaRPr/>
+          </a:p>
+          <a:p>
+            <a:pPr indent="-317500" lvl="1" marL="914400" rtl="0" algn="l">
+              <a:spcBef>
+                <a:spcPts val="0"/>
+              </a:spcBef>
+              <a:spcAft>
+                <a:spcPts val="0"/>
+              </a:spcAft>
+              <a:buSzPts val="1400"/>
+              <a:buChar char="○"/>
+            </a:pPr>
+            <a:r>
+              <a:rPr lang="en"/>
+              <a:t>Research is detached; goal is understanding</a:t>
+            </a:r>
+            <a:endParaRPr/>
+          </a:p>
+          <a:p>
+            <a:pPr indent="-342900" lvl="0" marL="457200" rtl="0" algn="l">
+              <a:spcBef>
+                <a:spcPts val="1000"/>
+              </a:spcBef>
+              <a:spcAft>
+                <a:spcPts val="0"/>
+              </a:spcAft>
+              <a:buSzPts val="1800"/>
+              <a:buChar char="●"/>
+            </a:pPr>
+            <a:r>
+              <a:rPr lang="en"/>
+              <a:t>Action research [1]</a:t>
+            </a:r>
+            <a:endParaRPr/>
+          </a:p>
+          <a:p>
+            <a:pPr indent="-317500" lvl="1" marL="914400" rtl="0" algn="l">
+              <a:spcBef>
+                <a:spcPts val="0"/>
+              </a:spcBef>
+              <a:spcAft>
+                <a:spcPts val="0"/>
+              </a:spcAft>
+              <a:buSzPts val="1400"/>
+              <a:buChar char="○"/>
+            </a:pPr>
+            <a:r>
+              <a:rPr lang="en"/>
+              <a:t>Research is involved; goal is improving</a:t>
+            </a:r>
+            <a:endParaRPr/>
+          </a:p>
+          <a:p>
+            <a:pPr indent="-342900" lvl="0" marL="457200" rtl="0" algn="l">
+              <a:spcBef>
+                <a:spcPts val="1000"/>
+              </a:spcBef>
+              <a:spcAft>
+                <a:spcPts val="0"/>
+              </a:spcAft>
+              <a:buSzPts val="1800"/>
+              <a:buChar char="●"/>
+            </a:pPr>
+            <a:r>
+              <a:rPr lang="en"/>
+              <a:t>Design science research</a:t>
+            </a:r>
+            <a:endParaRPr/>
+          </a:p>
+          <a:p>
+            <a:pPr indent="-317500" lvl="1" marL="914400" rtl="0" algn="l">
+              <a:spcBef>
+                <a:spcPts val="0"/>
+              </a:spcBef>
+              <a:spcAft>
+                <a:spcPts val="0"/>
+              </a:spcAft>
+              <a:buSzPts val="1400"/>
+              <a:buChar char="○"/>
+            </a:pPr>
+            <a:r>
+              <a:rPr lang="en"/>
+              <a:t>Research is applied; goal is innovation</a:t>
+            </a:r>
+            <a:endParaRPr/>
+          </a:p>
+          <a:p>
+            <a:pPr indent="0" lvl="0" marL="0" rtl="0" algn="l">
+              <a:spcBef>
+                <a:spcPts val="1200"/>
+              </a:spcBef>
+              <a:spcAft>
+                <a:spcPts val="1200"/>
+              </a:spcAft>
+              <a:buNone/>
+            </a:pPr>
+            <a:r>
+              <a:t/>
+            </a:r>
+            <a:endParaRPr/>
+          </a:p>
+        </p:txBody>
+      </p:sp>
+      <p:sp>
+        <p:nvSpPr>
+          <p:cNvPr id="202" name="Google Shape;202;p32"/>
+          <p:cNvSpPr txBox="1"/>
+          <p:nvPr>
+            <p:ph type="title"/>
+          </p:nvPr>
+        </p:nvSpPr>
+        <p:spPr>
+          <a:xfrm>
+            <a:off x="0" y="0"/>
+            <a:ext cx="9144000" cy="685800"/>
+          </a:xfrm>
+          <a:prstGeom prst="rect">
+            <a:avLst/>
+          </a:prstGeom>
+        </p:spPr>
+        <p:txBody>
+          <a:bodyPr anchorCtr="0" anchor="ctr" bIns="91425" lIns="274300" spcFirstLastPara="1" rIns="91425" wrap="square" tIns="91425">
+            <a:noAutofit/>
+          </a:bodyPr>
+          <a:lstStyle/>
+          <a:p>
+            <a:pPr indent="0" lvl="0" marL="0" rtl="0" algn="l">
+              <a:spcBef>
+                <a:spcPts val="0"/>
+              </a:spcBef>
+              <a:spcAft>
+                <a:spcPts val="0"/>
+              </a:spcAft>
+              <a:buNone/>
+            </a:pPr>
+            <a:r>
+              <a:rPr lang="en"/>
+              <a:t>Research Paradigms</a:t>
+            </a:r>
+            <a:endParaRPr/>
+          </a:p>
+        </p:txBody>
+      </p:sp>
+      <p:sp>
+        <p:nvSpPr>
+          <p:cNvPr id="203" name="Google Shape;203;p32"/>
+          <p:cNvSpPr txBox="1"/>
+          <p:nvPr>
+            <p:ph idx="12" type="sldNum"/>
+          </p:nvPr>
+        </p:nvSpPr>
+        <p:spPr>
+          <a:xfrm>
+            <a:off x="7315202" y="4416550"/>
+            <a:ext cx="1828800" cy="731400"/>
+          </a:xfrm>
+          <a:prstGeom prst="rect">
+            <a:avLst/>
+          </a:prstGeom>
+        </p:spPr>
+        <p:txBody>
+          <a:bodyPr anchorCtr="0" anchor="b" bIns="91425" lIns="91425" spcFirstLastPara="1" rIns="91425" wrap="square" tIns="91425">
+            <a:noAutofit/>
+          </a:bodyPr>
+          <a:lstStyle/>
+          <a:p>
+            <a:pPr indent="0" lvl="0" marL="0" rtl="0" algn="r">
+              <a:spcBef>
+                <a:spcPts val="0"/>
+              </a:spcBef>
+              <a:spcAft>
+                <a:spcPts val="0"/>
+              </a:spcAft>
+              <a:buNone/>
+            </a:pPr>
+            <a:fld id="{00000000-1234-1234-1234-123412341234}" type="slidenum">
+              <a:rPr lang="en"/>
+              <a:t>‹#›</a:t>
+            </a:fld>
+            <a:endParaRPr/>
+          </a:p>
+          <a:p>
+            <a:pPr indent="0" lvl="0" marL="0" rtl="0" algn="r">
+              <a:spcBef>
+                <a:spcPts val="0"/>
+              </a:spcBef>
+              <a:spcAft>
+                <a:spcPts val="0"/>
+              </a:spcAft>
+              <a:buNone/>
+            </a:pPr>
+            <a:r>
+              <a:rPr b="0" lang="en" sz="900" u="sng">
+                <a:solidFill>
+                  <a:schemeClr val="hlink"/>
+                </a:solidFill>
+                <a:hlinkClick r:id="rId3"/>
+              </a:rPr>
+              <a:t>https://profriehle.com</a:t>
+            </a:r>
+            <a:r>
+              <a:rPr b="0" lang="en" sz="900">
+                <a:solidFill>
+                  <a:schemeClr val="dk2"/>
+                </a:solidFill>
+              </a:rPr>
+              <a:t> </a:t>
+            </a:r>
+            <a:endParaRPr b="0" sz="900">
+              <a:solidFill>
+                <a:schemeClr val="dk2"/>
+              </a:solidFill>
+            </a:endParaRPr>
+          </a:p>
+        </p:txBody>
+      </p:sp>
+      <p:sp>
+        <p:nvSpPr>
+          <p:cNvPr id="204" name="Google Shape;204;p32"/>
+          <p:cNvSpPr txBox="1"/>
+          <p:nvPr/>
+        </p:nvSpPr>
+        <p:spPr>
+          <a:xfrm>
+            <a:off x="0" y="4233672"/>
+            <a:ext cx="7315200" cy="914400"/>
+          </a:xfrm>
+          <a:prstGeom prst="rect">
+            <a:avLst/>
+          </a:prstGeom>
+          <a:noFill/>
+          <a:ln>
+            <a:noFill/>
+          </a:ln>
+        </p:spPr>
+        <p:txBody>
+          <a:bodyPr anchorCtr="0" anchor="b" bIns="91425" lIns="91425" spcFirstLastPara="1" rIns="91425" wrap="square" tIns="91425">
+            <a:noAutofit/>
+          </a:bodyPr>
+          <a:lstStyle/>
+          <a:p>
+            <a:pPr indent="0" lvl="0" marL="0" rtl="0" algn="l">
+              <a:spcBef>
+                <a:spcPts val="0"/>
+              </a:spcBef>
+              <a:spcAft>
+                <a:spcPts val="0"/>
+              </a:spcAft>
+              <a:buNone/>
+            </a:pPr>
+            <a:r>
+              <a:rPr lang="en"/>
+              <a:t>[1] Using the same name for research paradigm and methodology category</a:t>
             </a:r>
             <a:endParaRPr/>
           </a:p>
@@ -12171,7 +12428,7 @@
   <p:cSld>
     <p:spTree>
       <p:nvGrpSpPr>
-        <p:cNvPr id="204" name="Shape 204"/>
+        <p:cNvPr id="208" name="Shape 208"/>
         <p:cNvGrpSpPr/>
         <p:nvPr/>
       </p:nvGrpSpPr>
@@ -12185,196 +12442,45 @@
       </p:grpSpPr>
       <p:sp>
         <p:nvSpPr>
-          <p:cNvPr id="205" name="Google Shape;205;p33"/>
+          <p:cNvPr id="209" name="Google Shape;209;p33"/>
           <p:cNvSpPr txBox="1"/>
           <p:nvPr>
-            <p:ph idx="1" type="body"/>
-          </p:nvPr>
-        </p:nvSpPr>
-        <p:spPr>
-          <a:xfrm>
-            <a:off x="274320" y="914400"/>
-            <a:ext cx="8595300" cy="4114800"/>
+            <p:ph type="title"/>
+          </p:nvPr>
+        </p:nvSpPr>
+        <p:spPr>
+          <a:xfrm>
+            <a:off x="0" y="-7"/>
+            <a:ext cx="9144000" cy="2386500"/>
           </a:xfrm>
           <a:prstGeom prst="rect">
             <a:avLst/>
           </a:prstGeom>
         </p:spPr>
         <p:txBody>
-          <a:bodyPr anchorCtr="0" anchor="t" bIns="0" lIns="0" spcFirstLastPara="1" rIns="0" wrap="square" tIns="0">
+          <a:bodyPr anchorCtr="0" anchor="b" bIns="274300" lIns="91425" spcFirstLastPara="1" rIns="91425" wrap="square" tIns="91425">
             <a:noAutofit/>
           </a:bodyPr>
           <a:lstStyle/>
           <a:p>
-            <a:pPr indent="0" lvl="0" marL="0" rtl="0" algn="l">
-              <a:spcBef>
-                <a:spcPts val="0"/>
-              </a:spcBef>
-              <a:spcAft>
-                <a:spcPts val="0"/>
-              </a:spcAft>
-              <a:buNone/>
-            </a:pPr>
-            <a:r>
-              <a:rPr lang="en"/>
-              <a:t>A </a:t>
-            </a:r>
-            <a:r>
-              <a:rPr b="1" lang="en"/>
-              <a:t>multi-method research design</a:t>
-            </a:r>
-            <a:r>
-              <a:rPr lang="en"/>
-              <a:t> is a research design that</a:t>
-            </a:r>
-            <a:endParaRPr/>
-          </a:p>
-          <a:p>
-            <a:pPr indent="-342900" lvl="0" marL="457200" rtl="0" algn="l">
-              <a:spcBef>
-                <a:spcPts val="1200"/>
-              </a:spcBef>
-              <a:spcAft>
-                <a:spcPts val="0"/>
-              </a:spcAft>
-              <a:buSzPts val="1800"/>
-              <a:buChar char="●"/>
-            </a:pPr>
-            <a:r>
-              <a:rPr lang="en"/>
-              <a:t>Uses multiple methodologies and methods</a:t>
-            </a:r>
-            <a:endParaRPr/>
-          </a:p>
-          <a:p>
-            <a:pPr indent="-342900" lvl="0" marL="457200" rtl="0" algn="l">
-              <a:spcBef>
-                <a:spcPts val="0"/>
-              </a:spcBef>
-              <a:spcAft>
-                <a:spcPts val="0"/>
-              </a:spcAft>
-              <a:buSzPts val="1800"/>
-              <a:buChar char="●"/>
-            </a:pPr>
-            <a:r>
-              <a:rPr lang="en"/>
-              <a:t>Within either theory building or validation research</a:t>
-            </a:r>
-            <a:endParaRPr/>
-          </a:p>
-        </p:txBody>
-      </p:sp>
-      <p:sp>
-        <p:nvSpPr>
-          <p:cNvPr id="206" name="Google Shape;206;p33"/>
-          <p:cNvSpPr txBox="1"/>
-          <p:nvPr>
-            <p:ph type="title"/>
-          </p:nvPr>
-        </p:nvSpPr>
-        <p:spPr>
-          <a:xfrm>
-            <a:off x="0" y="0"/>
-            <a:ext cx="9144000" cy="685800"/>
-          </a:xfrm>
-          <a:prstGeom prst="rect">
-            <a:avLst/>
-          </a:prstGeom>
-        </p:spPr>
-        <p:txBody>
-          <a:bodyPr anchorCtr="0" anchor="ctr" bIns="91425" lIns="274300" spcFirstLastPara="1" rIns="91425" wrap="square" tIns="91425">
-            <a:noAutofit/>
-          </a:bodyPr>
-          <a:lstStyle/>
-          <a:p>
-            <a:pPr indent="0" lvl="0" marL="0" rtl="0" algn="l">
-              <a:spcBef>
-                <a:spcPts val="0"/>
-              </a:spcBef>
-              <a:spcAft>
-                <a:spcPts val="0"/>
-              </a:spcAft>
-              <a:buNone/>
-            </a:pPr>
-            <a:r>
-              <a:rPr lang="en"/>
-              <a:t>Multi-Method(ology) Research Designs</a:t>
-            </a:r>
-            <a:endParaRPr/>
-          </a:p>
-        </p:txBody>
-      </p:sp>
-      <p:sp>
-        <p:nvSpPr>
-          <p:cNvPr id="207" name="Google Shape;207;p33"/>
-          <p:cNvSpPr txBox="1"/>
-          <p:nvPr>
-            <p:ph idx="12" type="sldNum"/>
-          </p:nvPr>
-        </p:nvSpPr>
-        <p:spPr>
-          <a:xfrm>
-            <a:off x="7315202" y="4416550"/>
-            <a:ext cx="1828800" cy="731400"/>
-          </a:xfrm>
-          <a:prstGeom prst="rect">
-            <a:avLst/>
-          </a:prstGeom>
-        </p:spPr>
-        <p:txBody>
-          <a:bodyPr anchorCtr="0" anchor="b" bIns="91425" lIns="91425" spcFirstLastPara="1" rIns="91425" wrap="square" tIns="91425">
-            <a:noAutofit/>
-          </a:bodyPr>
-          <a:lstStyle/>
-          <a:p>
-            <a:pPr indent="0" lvl="0" marL="0" rtl="0" algn="r">
-              <a:spcBef>
-                <a:spcPts val="0"/>
-              </a:spcBef>
-              <a:spcAft>
-                <a:spcPts val="0"/>
-              </a:spcAft>
-              <a:buNone/>
-            </a:pPr>
-            <a:fld id="{00000000-1234-1234-1234-123412341234}" type="slidenum">
-              <a:rPr lang="en"/>
-              <a:t>‹#›</a:t>
-            </a:fld>
-            <a:endParaRPr/>
-          </a:p>
-          <a:p>
-            <a:pPr indent="0" lvl="0" marL="0" rtl="0" algn="r">
-              <a:spcBef>
-                <a:spcPts val="0"/>
-              </a:spcBef>
-              <a:spcAft>
-                <a:spcPts val="0"/>
-              </a:spcAft>
-              <a:buNone/>
-            </a:pPr>
-            <a:r>
-              <a:rPr b="0" lang="en" sz="900" u="sng">
-                <a:solidFill>
-                  <a:schemeClr val="hlink"/>
-                </a:solidFill>
-                <a:hlinkClick r:id="rId3"/>
-              </a:rPr>
-              <a:t>https://profriehle.com</a:t>
-            </a:r>
-            <a:r>
-              <a:rPr b="0" lang="en" sz="900">
-                <a:solidFill>
-                  <a:schemeClr val="dk2"/>
-                </a:solidFill>
-              </a:rPr>
-              <a:t> </a:t>
-            </a:r>
-            <a:endParaRPr b="0" sz="900">
-              <a:solidFill>
-                <a:schemeClr val="dk2"/>
-              </a:solidFill>
-            </a:endParaRPr>
+            <a:pPr indent="0" lvl="0" marL="0" rtl="0" algn="ctr">
+              <a:spcBef>
+                <a:spcPts val="0"/>
+              </a:spcBef>
+              <a:spcAft>
+                <a:spcPts val="0"/>
+              </a:spcAft>
+              <a:buNone/>
+            </a:pPr>
+            <a:r>
+              <a:rPr lang="en"/>
+              <a:t>4</a:t>
+            </a:r>
+            <a:r>
+              <a:rPr lang="en"/>
+              <a:t>. Multi-Method Research</a:t>
+            </a:r>
+            <a:endParaRPr/>
           </a:p>
         </p:txBody>
       </p:sp>
@@ -12391,7 +12497,7 @@
   <p:cSld>
     <p:spTree>
       <p:nvGrpSpPr>
-        <p:cNvPr id="211" name="Shape 211"/>
+        <p:cNvPr id="213" name="Shape 213"/>
         <p:cNvGrpSpPr/>
         <p:nvPr/>
       </p:nvGrpSpPr>
@@ -12405,7 +12511,89 @@
       </p:grpSpPr>
       <p:sp>
         <p:nvSpPr>
-          <p:cNvPr id="212" name="Google Shape;212;p34"/>
+          <p:cNvPr id="214" name="Google Shape;214;p34"/>
+          <p:cNvSpPr txBox="1"/>
+          <p:nvPr>
+            <p:ph idx="1" type="body"/>
+          </p:nvPr>
+        </p:nvSpPr>
+        <p:spPr>
+          <a:xfrm>
+            <a:off x="274320" y="914400"/>
+            <a:ext cx="8595300" cy="4114800"/>
+          </a:xfrm>
+          <a:prstGeom prst="rect">
+            <a:avLst/>
+          </a:prstGeom>
+        </p:spPr>
+        <p:txBody>
+          <a:bodyPr anchorCtr="0" anchor="t" bIns="0" lIns="0" spcFirstLastPara="1" rIns="0" wrap="square" tIns="0">
+            <a:noAutofit/>
+          </a:bodyPr>
+          <a:lstStyle/>
+          <a:p>
+            <a:pPr indent="0" lvl="0" marL="0" rtl="0" algn="l">
+              <a:spcBef>
+                <a:spcPts val="0"/>
+              </a:spcBef>
+              <a:spcAft>
+                <a:spcPts val="0"/>
+              </a:spcAft>
+              <a:buNone/>
+            </a:pPr>
+            <a:r>
+              <a:rPr lang="en"/>
+              <a:t>A </a:t>
+            </a:r>
+            <a:r>
+              <a:rPr b="1" lang="en"/>
+              <a:t>multi-method research design</a:t>
+            </a:r>
+            <a:r>
+              <a:rPr lang="en"/>
+              <a:t> is a research design that</a:t>
+            </a:r>
+            <a:endParaRPr/>
+          </a:p>
+          <a:p>
+            <a:pPr indent="-342900" lvl="0" marL="457200" rtl="0" algn="l">
+              <a:spcBef>
+                <a:spcPts val="1200"/>
+              </a:spcBef>
+              <a:spcAft>
+                <a:spcPts val="0"/>
+              </a:spcAft>
+              <a:buSzPts val="1800"/>
+              <a:buChar char="●"/>
+            </a:pPr>
+            <a:r>
+              <a:rPr lang="en"/>
+              <a:t>Uses multiple methodologies and methods</a:t>
+            </a:r>
+            <a:endParaRPr/>
+          </a:p>
+          <a:p>
+            <a:pPr indent="-342900" lvl="0" marL="457200" rtl="0" algn="l">
+              <a:spcBef>
+                <a:spcPts val="0"/>
+              </a:spcBef>
+              <a:spcAft>
+                <a:spcPts val="0"/>
+              </a:spcAft>
+              <a:buSzPts val="1800"/>
+              <a:buChar char="●"/>
+            </a:pPr>
+            <a:r>
+              <a:rPr lang="en"/>
+              <a:t>Within either theory building or validation research</a:t>
+            </a:r>
+            <a:endParaRPr/>
+          </a:p>
+        </p:txBody>
+      </p:sp>
+      <p:sp>
+        <p:nvSpPr>
+          <p:cNvPr id="215" name="Google Shape;215;p34"/>
           <p:cNvSpPr txBox="1"/>
           <p:nvPr>
             <p:ph type="title"/>
@@ -12437,7 +12625,7 @@
             </a:pPr>
             <a:r>
               <a:rPr lang="en"/>
-              <a:t>Example Multi-Method Research Design</a:t>
+              <a:t>Multi-Method(ology) Research Designs</a:t>
             </a:r>
             <a:endParaRPr/>
           </a:p>
@@ -12445,157 +12633,7 @@
       </p:sp>
       <p:sp>
         <p:nvSpPr>
-          <p:cNvPr id="213" name="Google Shape;213;p34"/>
-          <p:cNvSpPr txBox="1"/>
-          <p:nvPr>
-            <p:ph idx="1" type="body"/>
-          </p:nvPr>
-        </p:nvSpPr>
-        <p:spPr>
-          <a:xfrm>
-            <a:off x="274320" y="914400"/>
-            <a:ext cx="8595300" cy="4114800"/>
-          </a:xfrm>
-          <a:prstGeom prst="rect">
-            <a:avLst/>
-          </a:prstGeom>
-        </p:spPr>
-        <p:txBody>
-          <a:bodyPr anchorCtr="0" anchor="t" bIns="0" lIns="0" spcFirstLastPara="1" rIns="0" wrap="square" tIns="0">
-            <a:noAutofit/>
-          </a:bodyPr>
-          <a:lstStyle/>
-          <a:p>
-            <a:pPr indent="0" lvl="0" marL="0" rtl="0" algn="l">
-              <a:spcBef>
-                <a:spcPts val="0"/>
-              </a:spcBef>
-              <a:spcAft>
-                <a:spcPts val="0"/>
-              </a:spcAft>
-              <a:buNone/>
-            </a:pPr>
-            <a:r>
-              <a:rPr lang="en"/>
-              <a:t>Best practices of microservices integration</a:t>
-            </a:r>
-            <a:endParaRPr/>
-          </a:p>
-          <a:p>
-            <a:pPr indent="-342900" lvl="0" marL="457200" rtl="0" algn="l">
-              <a:spcBef>
-                <a:spcPts val="1200"/>
-              </a:spcBef>
-              <a:spcAft>
-                <a:spcPts val="0"/>
-              </a:spcAft>
-              <a:buSzPts val="1800"/>
-              <a:buAutoNum type="arabicPeriod"/>
-            </a:pPr>
-            <a:r>
-              <a:rPr lang="en"/>
-              <a:t>Theory creation</a:t>
-            </a:r>
-            <a:endParaRPr/>
-          </a:p>
-          <a:p>
-            <a:pPr indent="-317500" lvl="1" marL="914400" rtl="0" algn="l">
-              <a:spcBef>
-                <a:spcPts val="0"/>
-              </a:spcBef>
-              <a:spcAft>
-                <a:spcPts val="0"/>
-              </a:spcAft>
-              <a:buSzPts val="1400"/>
-              <a:buAutoNum type="alphaLcPeriod"/>
-            </a:pPr>
-            <a:r>
-              <a:rPr lang="en"/>
-              <a:t>Jansen (2010): The qualitative survey</a:t>
-            </a:r>
-            <a:endParaRPr/>
-          </a:p>
-          <a:p>
-            <a:pPr indent="-342900" lvl="0" marL="457200" rtl="0" algn="l">
-              <a:spcBef>
-                <a:spcPts val="1000"/>
-              </a:spcBef>
-              <a:spcAft>
-                <a:spcPts val="0"/>
-              </a:spcAft>
-              <a:buSzPts val="1800"/>
-              <a:buAutoNum type="arabicPeriod"/>
-            </a:pPr>
-            <a:r>
-              <a:rPr lang="en"/>
-              <a:t>Theory build-out</a:t>
-            </a:r>
-            <a:endParaRPr/>
-          </a:p>
-          <a:p>
-            <a:pPr indent="-317500" lvl="1" marL="914400" rtl="0" algn="l">
-              <a:spcBef>
-                <a:spcPts val="0"/>
-              </a:spcBef>
-              <a:spcAft>
-                <a:spcPts val="0"/>
-              </a:spcAft>
-              <a:buSzPts val="1400"/>
-              <a:buAutoNum type="alphaLcPeriod"/>
-            </a:pPr>
-            <a:r>
-              <a:rPr lang="en"/>
-              <a:t>Baskerville &amp; Harper (1996): </a:t>
-            </a:r>
-            <a:r>
-              <a:rPr lang="en"/>
-              <a:t>Participatory action research</a:t>
-            </a:r>
-            <a:endParaRPr/>
-          </a:p>
-          <a:p>
-            <a:pPr indent="-342900" lvl="0" marL="457200" rtl="0" algn="l">
-              <a:spcBef>
-                <a:spcPts val="1000"/>
-              </a:spcBef>
-              <a:spcAft>
-                <a:spcPts val="0"/>
-              </a:spcAft>
-              <a:buSzPts val="1800"/>
-              <a:buAutoNum type="arabicPeriod"/>
-            </a:pPr>
-            <a:r>
-              <a:rPr lang="en"/>
-              <a:t>Theory evaluation</a:t>
-            </a:r>
-            <a:endParaRPr/>
-          </a:p>
-          <a:p>
-            <a:pPr indent="-317500" lvl="1" marL="914400" rtl="0" algn="l">
-              <a:spcBef>
-                <a:spcPts val="0"/>
-              </a:spcBef>
-              <a:spcAft>
-                <a:spcPts val="0"/>
-              </a:spcAft>
-              <a:buSzPts val="1400"/>
-              <a:buAutoNum type="alphaLcPeriod"/>
-            </a:pPr>
-            <a:r>
-              <a:rPr lang="en"/>
-              <a:t>Runeson &amp; Höst (2009): </a:t>
-            </a:r>
-            <a:r>
-              <a:rPr lang="en"/>
-              <a:t>Case study research</a:t>
-            </a:r>
-            <a:endParaRPr/>
-          </a:p>
-        </p:txBody>
-      </p:sp>
-      <p:sp>
-        <p:nvSpPr>
-          <p:cNvPr id="214" name="Google Shape;214;p34"/>
+          <p:cNvPr id="216" name="Google Shape;216;p34"/>
           <p:cNvSpPr txBox="1"/>
           <p:nvPr>
             <p:ph idx="12" type="sldNum"/>
@@ -12679,7 +12717,7 @@
   <p:cSld>
     <p:spTree>
       <p:nvGrpSpPr>
-        <p:cNvPr id="218" name="Shape 218"/>
+        <p:cNvPr id="220" name="Shape 220"/>
         <p:cNvGrpSpPr/>
         <p:nvPr/>
       </p:nvGrpSpPr>
@@ -12693,7 +12731,7 @@
       </p:grpSpPr>
       <p:sp>
         <p:nvSpPr>
-          <p:cNvPr id="219" name="Google Shape;219;p35"/>
+          <p:cNvPr id="221" name="Google Shape;221;p35"/>
           <p:cNvSpPr txBox="1"/>
           <p:nvPr>
             <p:ph type="title"/>
@@ -12725,11 +12763,7 @@
             </a:pPr>
             <a:r>
               <a:rPr lang="en"/>
-              <a:t>Theory Build-out and Triangulation Using</a:t>
-            </a:r>
-            <a:r>
-              <a:rPr lang="en"/>
-              <a:t> Multi-Method Research</a:t>
+              <a:t>Example Multi-Method Research Design</a:t>
             </a:r>
             <a:endParaRPr/>
           </a:p>
@@ -12737,7 +12771,157 @@
       </p:sp>
       <p:sp>
         <p:nvSpPr>
-          <p:cNvPr id="220" name="Google Shape;220;p35"/>
+          <p:cNvPr id="222" name="Google Shape;222;p35"/>
+          <p:cNvSpPr txBox="1"/>
+          <p:nvPr>
+            <p:ph idx="1" type="body"/>
+          </p:nvPr>
+        </p:nvSpPr>
+        <p:spPr>
+          <a:xfrm>
+            <a:off x="274320" y="914400"/>
+            <a:ext cx="8595300" cy="4114800"/>
+          </a:xfrm>
+          <a:prstGeom prst="rect">
+            <a:avLst/>
+          </a:prstGeom>
+        </p:spPr>
+        <p:txBody>
+          <a:bodyPr anchorCtr="0" anchor="t" bIns="0" lIns="0" spcFirstLastPara="1" rIns="0" wrap="square" tIns="0">
+            <a:noAutofit/>
+          </a:bodyPr>
+          <a:lstStyle/>
+          <a:p>
+            <a:pPr indent="0" lvl="0" marL="0" rtl="0" algn="l">
+              <a:spcBef>
+                <a:spcPts val="0"/>
+              </a:spcBef>
+              <a:spcAft>
+                <a:spcPts val="0"/>
+              </a:spcAft>
+              <a:buNone/>
+            </a:pPr>
+            <a:r>
+              <a:rPr lang="en"/>
+              <a:t>Best practices of microservices integration</a:t>
+            </a:r>
+            <a:endParaRPr/>
+          </a:p>
+          <a:p>
+            <a:pPr indent="-342900" lvl="0" marL="457200" rtl="0" algn="l">
+              <a:spcBef>
+                <a:spcPts val="1200"/>
+              </a:spcBef>
+              <a:spcAft>
+                <a:spcPts val="0"/>
+              </a:spcAft>
+              <a:buSzPts val="1800"/>
+              <a:buAutoNum type="arabicPeriod"/>
+            </a:pPr>
+            <a:r>
+              <a:rPr lang="en"/>
+              <a:t>Theory creation</a:t>
+            </a:r>
+            <a:endParaRPr/>
+          </a:p>
+          <a:p>
+            <a:pPr indent="-317500" lvl="1" marL="914400" rtl="0" algn="l">
+              <a:spcBef>
+                <a:spcPts val="0"/>
+              </a:spcBef>
+              <a:spcAft>
+                <a:spcPts val="0"/>
+              </a:spcAft>
+              <a:buSzPts val="1400"/>
+              <a:buAutoNum type="alphaLcPeriod"/>
+            </a:pPr>
+            <a:r>
+              <a:rPr lang="en"/>
+              <a:t>Jansen (2010): The qualitative survey</a:t>
+            </a:r>
+            <a:endParaRPr/>
+          </a:p>
+          <a:p>
+            <a:pPr indent="-342900" lvl="0" marL="457200" rtl="0" algn="l">
+              <a:spcBef>
+                <a:spcPts val="1000"/>
+              </a:spcBef>
+              <a:spcAft>
+                <a:spcPts val="0"/>
+              </a:spcAft>
+              <a:buSzPts val="1800"/>
+              <a:buAutoNum type="arabicPeriod"/>
+            </a:pPr>
+            <a:r>
+              <a:rPr lang="en"/>
+              <a:t>Theory build-out</a:t>
+            </a:r>
+            <a:endParaRPr/>
+          </a:p>
+          <a:p>
+            <a:pPr indent="-317500" lvl="1" marL="914400" rtl="0" algn="l">
+              <a:spcBef>
+                <a:spcPts val="0"/>
+              </a:spcBef>
+              <a:spcAft>
+                <a:spcPts val="0"/>
+              </a:spcAft>
+              <a:buSzPts val="1400"/>
+              <a:buAutoNum type="alphaLcPeriod"/>
+            </a:pPr>
+            <a:r>
+              <a:rPr lang="en"/>
+              <a:t>Baskerville &amp; Harper (1996): </a:t>
+            </a:r>
+            <a:r>
+              <a:rPr lang="en"/>
+              <a:t>Participatory action research</a:t>
+            </a:r>
+            <a:endParaRPr/>
+          </a:p>
+          <a:p>
+            <a:pPr indent="-342900" lvl="0" marL="457200" rtl="0" algn="l">
+              <a:spcBef>
+                <a:spcPts val="1000"/>
+              </a:spcBef>
+              <a:spcAft>
+                <a:spcPts val="0"/>
+              </a:spcAft>
+              <a:buSzPts val="1800"/>
+              <a:buAutoNum type="arabicPeriod"/>
+            </a:pPr>
+            <a:r>
+              <a:rPr lang="en"/>
+              <a:t>Theory evaluation</a:t>
+            </a:r>
+            <a:endParaRPr/>
+          </a:p>
+          <a:p>
+            <a:pPr indent="-317500" lvl="1" marL="914400" rtl="0" algn="l">
+              <a:spcBef>
+                <a:spcPts val="0"/>
+              </a:spcBef>
+              <a:spcAft>
+                <a:spcPts val="0"/>
+              </a:spcAft>
+              <a:buSzPts val="1400"/>
+              <a:buAutoNum type="alphaLcPeriod"/>
+            </a:pPr>
+            <a:r>
+              <a:rPr lang="en"/>
+              <a:t>Runeson &amp; Höst (2009): </a:t>
+            </a:r>
+            <a:r>
+              <a:rPr lang="en"/>
+              <a:t>Case study research</a:t>
+            </a:r>
+            <a:endParaRPr/>
+          </a:p>
+        </p:txBody>
+      </p:sp>
+      <p:sp>
+        <p:nvSpPr>
+          <p:cNvPr id="223" name="Google Shape;223;p35"/>
           <p:cNvSpPr txBox="1"/>
           <p:nvPr>
             <p:ph idx="12" type="sldNum"/>
@@ -12808,34 +12992,6 @@
           </a:p>
         </p:txBody>
       </p:sp>
-      <p:pic>
-        <p:nvPicPr>
-          <p:cNvPr id="221" name="Google Shape;221;p35"/>
-          <p:cNvPicPr preferRelativeResize="0"/>
-          <p:nvPr/>
-        </p:nvPicPr>
-        <p:blipFill>
-          <a:blip r:embed="rId4">
-            <a:alphaModFix/>
-          </a:blip>
-          <a:stretch>
-            <a:fillRect/>
-          </a:stretch>
-        </p:blipFill>
-        <p:spPr>
-          <a:xfrm>
-            <a:off x="274320" y="914400"/>
-            <a:ext cx="8595360" cy="3502840"/>
-          </a:xfrm>
-          <a:prstGeom prst="rect">
-            <a:avLst/>
-          </a:prstGeom>
-          <a:noFill/>
-          <a:ln>
-            <a:noFill/>
-          </a:ln>
-        </p:spPr>
-      </p:pic>
     </p:spTree>
   </p:cSld>
   <p:clrMapOvr>
@@ -12849,7 +13005,7 @@
   <p:cSld>
     <p:spTree>
       <p:nvGrpSpPr>
-        <p:cNvPr id="225" name="Shape 225"/>
+        <p:cNvPr id="227" name="Shape 227"/>
         <p:cNvGrpSpPr/>
         <p:nvPr/>
       </p:nvGrpSpPr>
@@ -12863,7 +13019,7 @@
       </p:grpSpPr>
       <p:sp>
         <p:nvSpPr>
-          <p:cNvPr id="226" name="Google Shape;226;p36"/>
+          <p:cNvPr id="228" name="Google Shape;228;p36"/>
           <p:cNvSpPr txBox="1"/>
           <p:nvPr>
             <p:ph type="title"/>
@@ -12895,7 +13051,11 @@
             </a:pPr>
             <a:r>
               <a:rPr lang="en"/>
-              <a:t>The Importance of Qualitative Data Analysis</a:t>
+              <a:t>Theory Building and Triangulation Using</a:t>
+            </a:r>
+            <a:r>
+              <a:rPr lang="en"/>
+              <a:t> Multiple Methods</a:t>
             </a:r>
             <a:endParaRPr/>
           </a:p>
@@ -12903,7 +13063,7 @@
       </p:sp>
       <p:sp>
         <p:nvSpPr>
-          <p:cNvPr id="227" name="Google Shape;227;p36"/>
+          <p:cNvPr id="229" name="Google Shape;229;p36"/>
           <p:cNvSpPr txBox="1"/>
           <p:nvPr>
             <p:ph idx="12" type="sldNum"/>
@@ -12976,7 +13136,7 @@
       </p:sp>
       <p:pic>
         <p:nvPicPr>
-          <p:cNvPr id="228" name="Google Shape;228;p36"/>
+          <p:cNvPr id="230" name="Google Shape;230;p36"/>
           <p:cNvPicPr preferRelativeResize="0"/>
           <p:nvPr/>
         </p:nvPicPr>
@@ -13080,7 +13240,7 @@
   <p:cSld>
     <p:spTree>
       <p:nvGrpSpPr>
-        <p:cNvPr id="232" name="Shape 232"/>
+        <p:cNvPr id="234" name="Shape 234"/>
         <p:cNvGrpSpPr/>
         <p:nvPr/>
       </p:nvGrpSpPr>
@@ -13094,7 +13254,7 @@
       </p:grpSpPr>
       <p:sp>
         <p:nvSpPr>
-          <p:cNvPr id="233" name="Google Shape;233;p37"/>
+          <p:cNvPr id="235" name="Google Shape;235;p37"/>
           <p:cNvSpPr txBox="1"/>
           <p:nvPr>
             <p:ph type="title"/>
@@ -13102,40 +13262,137 @@
         </p:nvSpPr>
         <p:spPr>
           <a:xfrm>
-            <a:off x="0" y="-7"/>
-            <a:ext cx="9144000" cy="2386500"/>
+            <a:off x="0" y="0"/>
+            <a:ext cx="9144000" cy="685800"/>
           </a:xfrm>
           <a:prstGeom prst="rect">
             <a:avLst/>
           </a:prstGeom>
         </p:spPr>
         <p:txBody>
-          <a:bodyPr anchorCtr="0" anchor="b" bIns="274300" lIns="91425" spcFirstLastPara="1" rIns="91425" wrap="square" tIns="91425">
+          <a:bodyPr anchorCtr="0" anchor="ctr" bIns="91425" lIns="274300" spcFirstLastPara="1" rIns="91425" wrap="square" tIns="91425">
             <a:noAutofit/>
           </a:bodyPr>
           <a:lstStyle/>
           <a:p>
-            <a:pPr indent="0" lvl="0" marL="0" rtl="0" algn="ctr">
-              <a:spcBef>
-                <a:spcPts val="0"/>
-              </a:spcBef>
-              <a:spcAft>
-                <a:spcPts val="0"/>
-              </a:spcAft>
-              <a:buNone/>
-            </a:pPr>
-            <a:r>
-              <a:rPr lang="en"/>
-              <a:t>5</a:t>
-            </a:r>
-            <a:r>
-              <a:rPr lang="en"/>
-              <a:t>. Mixed-Methods Research</a:t>
+            <a:pPr indent="0" lvl="0" marL="0" rtl="0" algn="l">
+              <a:spcBef>
+                <a:spcPts val="0"/>
+              </a:spcBef>
+              <a:spcAft>
+                <a:spcPts val="0"/>
+              </a:spcAft>
+              <a:buNone/>
+            </a:pPr>
+            <a:r>
+              <a:rPr lang="en"/>
+              <a:t>The Importance of Qualitative Data Analysis</a:t>
             </a:r>
             <a:endParaRPr/>
           </a:p>
         </p:txBody>
       </p:sp>
+      <p:sp>
+        <p:nvSpPr>
+          <p:cNvPr id="236" name="Google Shape;236;p37"/>
+          <p:cNvSpPr txBox="1"/>
+          <p:nvPr>
+            <p:ph idx="12" type="sldNum"/>
+          </p:nvPr>
+        </p:nvSpPr>
+        <p:spPr>
+          <a:xfrm>
+            <a:off x="7315202" y="4416550"/>
+            <a:ext cx="1828800" cy="731400"/>
+          </a:xfrm>
+          <a:prstGeom prst="rect">
+            <a:avLst/>
+          </a:prstGeom>
+        </p:spPr>
+        <p:txBody>
+          <a:bodyPr anchorCtr="0" anchor="b" bIns="91425" lIns="91425" spcFirstLastPara="1" rIns="91425" wrap="square" tIns="91425">
+            <a:noAutofit/>
+          </a:bodyPr>
+          <a:lstStyle/>
+          <a:p>
+            <a:pPr indent="0" lvl="0" marL="0" rtl="0" algn="r">
+              <a:spcBef>
+                <a:spcPts val="0"/>
+              </a:spcBef>
+              <a:spcAft>
+                <a:spcPts val="0"/>
+              </a:spcAft>
+              <a:buNone/>
+            </a:pPr>
+            <a:fld id="{00000000-1234-1234-1234-123412341234}" type="slidenum">
+              <a:rPr lang="en"/>
+              <a:t>‹#›</a:t>
+            </a:fld>
+            <a:endParaRPr/>
+          </a:p>
+          <a:p>
+            <a:pPr indent="0" lvl="0" marL="0" rtl="0" algn="r">
+              <a:spcBef>
+                <a:spcPts val="0"/>
+              </a:spcBef>
+              <a:spcAft>
+                <a:spcPts val="0"/>
+              </a:spcAft>
+              <a:buNone/>
+            </a:pPr>
+            <a:r>
+              <a:rPr b="0" lang="en" sz="900" u="sng">
+                <a:solidFill>
+                  <a:schemeClr val="hlink"/>
+                </a:solidFill>
+                <a:hlinkClick r:id="rId3"/>
+              </a:rPr>
+              <a:t>https://profriehle.com</a:t>
+            </a:r>
+            <a:r>
+              <a:rPr b="0" lang="en" sz="900">
+                <a:solidFill>
+                  <a:schemeClr val="dk2"/>
+                </a:solidFill>
+              </a:rPr>
+              <a:t> </a:t>
+            </a:r>
+            <a:endParaRPr b="0" sz="900">
+              <a:solidFill>
+                <a:schemeClr val="dk2"/>
+              </a:solidFill>
+            </a:endParaRPr>
+          </a:p>
+        </p:txBody>
+      </p:sp>
+      <p:pic>
+        <p:nvPicPr>
+          <p:cNvPr id="237" name="Google Shape;237;p37"/>
+          <p:cNvPicPr preferRelativeResize="0"/>
+          <p:nvPr/>
+        </p:nvPicPr>
+        <p:blipFill>
+          <a:blip r:embed="rId4">
+            <a:alphaModFix/>
+          </a:blip>
+          <a:stretch>
+            <a:fillRect/>
+          </a:stretch>
+        </p:blipFill>
+        <p:spPr>
+          <a:xfrm>
+            <a:off x="274320" y="914400"/>
+            <a:ext cx="8595360" cy="3502840"/>
+          </a:xfrm>
+          <a:prstGeom prst="rect">
+            <a:avLst/>
+          </a:prstGeom>
+          <a:noFill/>
+          <a:ln>
+            <a:noFill/>
+          </a:ln>
+        </p:spPr>
+      </p:pic>
     </p:spTree>
   </p:cSld>
   <p:clrMapOvr>
@@ -13149,7 +13406,7 @@
   <p:cSld>
     <p:spTree>
       <p:nvGrpSpPr>
-        <p:cNvPr id="237" name="Shape 237"/>
+        <p:cNvPr id="241" name="Shape 241"/>
         <p:cNvGrpSpPr/>
         <p:nvPr/>
       </p:nvGrpSpPr>
@@ -13163,7 +13420,7 @@
       </p:grpSpPr>
       <p:sp>
         <p:nvSpPr>
-          <p:cNvPr id="238" name="Google Shape;238;p38"/>
+          <p:cNvPr id="242" name="Google Shape;242;p38"/>
           <p:cNvSpPr txBox="1"/>
           <p:nvPr>
             <p:ph type="title"/>
@@ -13171,186 +13428,37 @@
         </p:nvSpPr>
         <p:spPr>
           <a:xfrm>
-            <a:off x="0" y="0"/>
-            <a:ext cx="9144000" cy="685800"/>
+            <a:off x="0" y="-7"/>
+            <a:ext cx="9144000" cy="2386500"/>
           </a:xfrm>
           <a:prstGeom prst="rect">
             <a:avLst/>
           </a:prstGeom>
         </p:spPr>
         <p:txBody>
-          <a:bodyPr anchorCtr="0" anchor="ctr" bIns="91425" lIns="274300" spcFirstLastPara="1" rIns="91425" wrap="square" tIns="91425">
+          <a:bodyPr anchorCtr="0" anchor="b" bIns="274300" lIns="91425" spcFirstLastPara="1" rIns="91425" wrap="square" tIns="91425">
             <a:noAutofit/>
           </a:bodyPr>
           <a:lstStyle/>
           <a:p>
-            <a:pPr indent="0" lvl="0" marL="0" rtl="0" algn="l">
-              <a:spcBef>
-                <a:spcPts val="0"/>
-              </a:spcBef>
-              <a:spcAft>
-                <a:spcPts val="0"/>
-              </a:spcAft>
-              <a:buNone/>
-            </a:pPr>
-            <a:r>
-              <a:rPr lang="en"/>
-              <a:t>Mixed-Methods Research Design</a:t>
-            </a:r>
-            <a:endParaRPr/>
-          </a:p>
-        </p:txBody>
-      </p:sp>
-      <p:sp>
-        <p:nvSpPr>
-          <p:cNvPr id="239" name="Google Shape;239;p38"/>
-          <p:cNvSpPr txBox="1"/>
-          <p:nvPr>
-            <p:ph idx="1" type="body"/>
-          </p:nvPr>
-        </p:nvSpPr>
-        <p:spPr>
-          <a:xfrm>
-            <a:off x="274320" y="914400"/>
-            <a:ext cx="8595300" cy="4114800"/>
-          </a:xfrm>
-          <a:prstGeom prst="rect">
-            <a:avLst/>
-          </a:prstGeom>
-        </p:spPr>
-        <p:txBody>
-          <a:bodyPr anchorCtr="0" anchor="t" bIns="0" lIns="0" spcFirstLastPara="1" rIns="0" wrap="square" tIns="0">
-            <a:noAutofit/>
-          </a:bodyPr>
-          <a:lstStyle/>
-          <a:p>
-            <a:pPr indent="0" lvl="0" marL="0" rtl="0" algn="l">
-              <a:spcBef>
-                <a:spcPts val="0"/>
-              </a:spcBef>
-              <a:spcAft>
-                <a:spcPts val="0"/>
-              </a:spcAft>
-              <a:buNone/>
-            </a:pPr>
-            <a:r>
-              <a:rPr lang="en"/>
-              <a:t>A </a:t>
-            </a:r>
-            <a:r>
-              <a:rPr b="1" lang="en"/>
-              <a:t>mixed-methods research design </a:t>
-            </a:r>
-            <a:r>
-              <a:rPr lang="en"/>
-              <a:t>is a research design that </a:t>
-            </a:r>
-            <a:endParaRPr/>
-          </a:p>
-          <a:p>
-            <a:pPr indent="-342900" lvl="0" marL="457200" rtl="0" algn="l">
-              <a:spcBef>
-                <a:spcPts val="1200"/>
-              </a:spcBef>
-              <a:spcAft>
-                <a:spcPts val="0"/>
-              </a:spcAft>
-              <a:buSzPts val="1800"/>
-              <a:buChar char="●"/>
-            </a:pPr>
-            <a:r>
-              <a:rPr lang="en"/>
-              <a:t>Combines qualitative with quantitative research methods</a:t>
-            </a:r>
-            <a:endParaRPr/>
-          </a:p>
-          <a:p>
-            <a:pPr indent="0" lvl="0" marL="0" rtl="0" algn="l">
-              <a:spcBef>
-                <a:spcPts val="1200"/>
-              </a:spcBef>
-              <a:spcAft>
-                <a:spcPts val="1200"/>
-              </a:spcAft>
-              <a:buNone/>
-            </a:pPr>
-            <a:r>
-              <a:t/>
-            </a:r>
-            <a:endParaRPr/>
-          </a:p>
-        </p:txBody>
-      </p:sp>
-      <p:sp>
-        <p:nvSpPr>
-          <p:cNvPr id="240" name="Google Shape;240;p38"/>
-          <p:cNvSpPr txBox="1"/>
-          <p:nvPr>
-            <p:ph idx="12" type="sldNum"/>
-          </p:nvPr>
-        </p:nvSpPr>
-        <p:spPr>
-          <a:xfrm>
-            <a:off x="7315202" y="4416550"/>
-            <a:ext cx="1828800" cy="731400"/>
-          </a:xfrm>
-          <a:prstGeom prst="rect">
-            <a:avLst/>
-          </a:prstGeom>
-        </p:spPr>
-        <p:txBody>
-          <a:bodyPr anchorCtr="0" anchor="b" bIns="91425" lIns="91425" spcFirstLastPara="1" rIns="91425" wrap="square" tIns="91425">
-            <a:noAutofit/>
-          </a:bodyPr>
-          <a:lstStyle/>
-          <a:p>
-            <a:pPr indent="0" lvl="0" marL="0" rtl="0" algn="r">
-              <a:spcBef>
-                <a:spcPts val="0"/>
-              </a:spcBef>
-              <a:spcAft>
-                <a:spcPts val="0"/>
-              </a:spcAft>
-              <a:buNone/>
-            </a:pPr>
-            <a:fld id="{00000000-1234-1234-1234-123412341234}" type="slidenum">
-              <a:rPr lang="en"/>
-              <a:t>‹#›</a:t>
-            </a:fld>
-            <a:endParaRPr/>
-          </a:p>
-          <a:p>
-            <a:pPr indent="0" lvl="0" marL="0" rtl="0" algn="r">
-              <a:spcBef>
-                <a:spcPts val="0"/>
-              </a:spcBef>
-              <a:spcAft>
-                <a:spcPts val="0"/>
-              </a:spcAft>
-              <a:buNone/>
-            </a:pPr>
-            <a:r>
-              <a:rPr b="0" lang="en" sz="900" u="sng">
-                <a:solidFill>
-                  <a:schemeClr val="hlink"/>
-                </a:solidFill>
-                <a:hlinkClick r:id="rId3"/>
-              </a:rPr>
-              <a:t>https://profriehle.com</a:t>
-            </a:r>
-            <a:r>
-              <a:rPr b="0" lang="en" sz="900">
-                <a:solidFill>
-                  <a:schemeClr val="dk2"/>
-                </a:solidFill>
-              </a:rPr>
-              <a:t> </a:t>
-            </a:r>
-            <a:endParaRPr b="0" sz="900">
-              <a:solidFill>
-                <a:schemeClr val="dk2"/>
-              </a:solidFill>
-            </a:endParaRPr>
+            <a:pPr indent="0" lvl="0" marL="0" rtl="0" algn="ctr">
+              <a:spcBef>
+                <a:spcPts val="0"/>
+              </a:spcBef>
+              <a:spcAft>
+                <a:spcPts val="0"/>
+              </a:spcAft>
+              <a:buNone/>
+            </a:pPr>
+            <a:r>
+              <a:rPr lang="en"/>
+              <a:t>5</a:t>
+            </a:r>
+            <a:r>
+              <a:rPr lang="en"/>
+              <a:t>. Mixed-Methods Research</a:t>
+            </a:r>
+            <a:endParaRPr/>
           </a:p>
         </p:txBody>
       </p:sp>
@@ -13367,7 +13475,7 @@
   <p:cSld>
     <p:spTree>
       <p:nvGrpSpPr>
-        <p:cNvPr id="244" name="Shape 244"/>
+        <p:cNvPr id="246" name="Shape 246"/>
         <p:cNvGrpSpPr/>
         <p:nvPr/>
       </p:nvGrpSpPr>
@@ -13381,7 +13489,7 @@
       </p:grpSpPr>
       <p:sp>
         <p:nvSpPr>
-          <p:cNvPr id="245" name="Google Shape;245;p39"/>
+          <p:cNvPr id="247" name="Google Shape;247;p39"/>
           <p:cNvSpPr txBox="1"/>
           <p:nvPr>
             <p:ph type="title"/>
@@ -13413,7 +13521,7 @@
             </a:pPr>
             <a:r>
               <a:rPr lang="en"/>
-              <a:t>Example Mixed-Method Research Design</a:t>
+              <a:t>Mixed-Methods Research Design</a:t>
             </a:r>
             <a:endParaRPr/>
           </a:p>
@@ -13421,7 +13529,7 @@
       </p:sp>
       <p:sp>
         <p:nvSpPr>
-          <p:cNvPr id="246" name="Google Shape;246;p39"/>
+          <p:cNvPr id="248" name="Google Shape;248;p39"/>
           <p:cNvSpPr txBox="1"/>
           <p:nvPr>
             <p:ph idx="1" type="body"/>
@@ -13453,7 +13561,15 @@
             </a:pPr>
             <a:r>
               <a:rPr lang="en"/>
-              <a:t>Novel programming language feature</a:t>
+              <a:t>A </a:t>
+            </a:r>
+            <a:r>
+              <a:rPr b="1" lang="en"/>
+              <a:t>mixed-methods research design </a:t>
+            </a:r>
+            <a:r>
+              <a:rPr lang="en"/>
+              <a:t>is a research design that </a:t>
             </a:r>
             <a:endParaRPr/>
           </a:p>
@@ -13466,100 +13582,26 @@
                 <a:spcPts val="0"/>
               </a:spcAft>
               <a:buSzPts val="1800"/>
-              <a:buAutoNum type="arabicPeriod"/>
-            </a:pPr>
-            <a:r>
-              <a:rPr lang="en"/>
-              <a:t>Hypothesis creation</a:t>
-            </a:r>
-            <a:endParaRPr/>
-          </a:p>
-          <a:p>
-            <a:pPr indent="-317500" lvl="1" marL="914400" rtl="0" algn="l">
-              <a:spcBef>
-                <a:spcPts val="0"/>
-              </a:spcBef>
-              <a:spcAft>
-                <a:spcPts val="0"/>
-              </a:spcAft>
-              <a:buSzPts val="1400"/>
-              <a:buAutoNum type="alphaLcPeriod"/>
-            </a:pPr>
-            <a:r>
-              <a:rPr lang="en"/>
-              <a:t>Jansen (2010): The qualitative survey</a:t>
-            </a:r>
-            <a:endParaRPr/>
-          </a:p>
-          <a:p>
-            <a:pPr indent="-342900" lvl="0" marL="457200" rtl="0" algn="l">
-              <a:spcBef>
-                <a:spcPts val="1000"/>
-              </a:spcBef>
-              <a:spcAft>
-                <a:spcPts val="0"/>
-              </a:spcAft>
-              <a:buSzPts val="1800"/>
-              <a:buAutoNum type="arabicPeriod"/>
-            </a:pPr>
-            <a:r>
-              <a:rPr lang="en"/>
-              <a:t>Hypothesis test</a:t>
-            </a:r>
-            <a:endParaRPr/>
-          </a:p>
-          <a:p>
-            <a:pPr indent="-317500" lvl="1" marL="914400" rtl="0" algn="l">
-              <a:spcBef>
-                <a:spcPts val="0"/>
-              </a:spcBef>
-              <a:spcAft>
-                <a:spcPts val="0"/>
-              </a:spcAft>
-              <a:buSzPts val="1400"/>
-              <a:buAutoNum type="alphaLcPeriod"/>
-            </a:pPr>
-            <a:r>
-              <a:rPr lang="en"/>
-              <a:t>Ko et al. (2015): </a:t>
-            </a:r>
-            <a:r>
-              <a:rPr lang="en"/>
-              <a:t>Controlled experiment</a:t>
-            </a:r>
-            <a:endParaRPr/>
-          </a:p>
-          <a:p>
-            <a:pPr indent="-342900" lvl="0" marL="457200" rtl="0" algn="l">
-              <a:spcBef>
-                <a:spcPts val="1000"/>
-              </a:spcBef>
-              <a:spcAft>
-                <a:spcPts val="0"/>
-              </a:spcAft>
-              <a:buSzPts val="1800"/>
-              <a:buAutoNum type="arabicPeriod"/>
-            </a:pPr>
-            <a:r>
-              <a:rPr lang="en"/>
-              <a:t>Theory building</a:t>
-            </a:r>
-            <a:endParaRPr/>
-          </a:p>
-          <a:p>
-            <a:pPr indent="-317500" lvl="1" marL="914400" rtl="0" algn="l">
-              <a:spcBef>
-                <a:spcPts val="0"/>
-              </a:spcBef>
-              <a:spcAft>
-                <a:spcPts val="0"/>
-              </a:spcAft>
-              <a:buSzPts val="1400"/>
-              <a:buAutoNum type="alphaLcPeriod"/>
-            </a:pPr>
-            <a:r>
-              <a:rPr lang="en"/>
-              <a:t>Jansen (2010): The qualitative survey</a:t>
+              <a:buChar char="●"/>
+            </a:pPr>
+            <a:r>
+              <a:rPr lang="en"/>
+              <a:t>Combines qualitative with quantitative research methods</a:t>
+            </a:r>
+            <a:endParaRPr/>
+          </a:p>
+          <a:p>
+            <a:pPr indent="0" lvl="0" marL="0" rtl="0" algn="l">
+              <a:spcBef>
+                <a:spcPts val="1200"/>
+              </a:spcBef>
+              <a:spcAft>
+                <a:spcPts val="1200"/>
+              </a:spcAft>
+              <a:buNone/>
+            </a:pPr>
+            <a:r>
+              <a:t/>
             </a:r>
             <a:endParaRPr/>
           </a:p>
@@ -13567,7 +13609,7 @@
       </p:sp>
       <p:sp>
         <p:nvSpPr>
-          <p:cNvPr id="247" name="Google Shape;247;p39"/>
+          <p:cNvPr id="249" name="Google Shape;249;p39"/>
           <p:cNvSpPr txBox="1"/>
           <p:nvPr>
             <p:ph idx="12" type="sldNum"/>
@@ -13651,7 +13693,7 @@
   <p:cSld>
     <p:spTree>
       <p:nvGrpSpPr>
-        <p:cNvPr id="251" name="Shape 251"/>
+        <p:cNvPr id="253" name="Shape 253"/>
         <p:cNvGrpSpPr/>
         <p:nvPr/>
       </p:nvGrpSpPr>
@@ -13665,7 +13707,7 @@
       </p:grpSpPr>
       <p:sp>
         <p:nvSpPr>
-          <p:cNvPr id="252" name="Google Shape;252;p40"/>
+          <p:cNvPr id="254" name="Google Shape;254;p40"/>
           <p:cNvSpPr txBox="1"/>
           <p:nvPr>
             <p:ph type="title"/>
@@ -13697,11 +13739,7 @@
             </a:pPr>
             <a:r>
               <a:rPr lang="en"/>
-              <a:t>Causal Analysis / </a:t>
-            </a:r>
-            <a:r>
-              <a:rPr lang="en"/>
-              <a:t>Correlation and Causation</a:t>
+              <a:t>Example Mixed-Method Research Design</a:t>
             </a:r>
             <a:endParaRPr/>
           </a:p>
@@ -13709,7 +13747,153 @@
       </p:sp>
       <p:sp>
         <p:nvSpPr>
-          <p:cNvPr id="253" name="Google Shape;253;p40"/>
+          <p:cNvPr id="255" name="Google Shape;255;p40"/>
+          <p:cNvSpPr txBox="1"/>
+          <p:nvPr>
+            <p:ph idx="1" type="body"/>
+          </p:nvPr>
+        </p:nvSpPr>
+        <p:spPr>
+          <a:xfrm>
+            <a:off x="274320" y="914400"/>
+            <a:ext cx="8595300" cy="4114800"/>
+          </a:xfrm>
+          <a:prstGeom prst="rect">
+            <a:avLst/>
+          </a:prstGeom>
+        </p:spPr>
+        <p:txBody>
+          <a:bodyPr anchorCtr="0" anchor="t" bIns="0" lIns="0" spcFirstLastPara="1" rIns="0" wrap="square" tIns="0">
+            <a:noAutofit/>
+          </a:bodyPr>
+          <a:lstStyle/>
+          <a:p>
+            <a:pPr indent="0" lvl="0" marL="0" rtl="0" algn="l">
+              <a:spcBef>
+                <a:spcPts val="0"/>
+              </a:spcBef>
+              <a:spcAft>
+                <a:spcPts val="0"/>
+              </a:spcAft>
+              <a:buNone/>
+            </a:pPr>
+            <a:r>
+              <a:rPr lang="en"/>
+              <a:t>Novel programming language feature</a:t>
+            </a:r>
+            <a:endParaRPr/>
+          </a:p>
+          <a:p>
+            <a:pPr indent="-342900" lvl="0" marL="457200" rtl="0" algn="l">
+              <a:spcBef>
+                <a:spcPts val="1200"/>
+              </a:spcBef>
+              <a:spcAft>
+                <a:spcPts val="0"/>
+              </a:spcAft>
+              <a:buSzPts val="1800"/>
+              <a:buAutoNum type="arabicPeriod"/>
+            </a:pPr>
+            <a:r>
+              <a:rPr lang="en"/>
+              <a:t>Hypothesis creation</a:t>
+            </a:r>
+            <a:endParaRPr/>
+          </a:p>
+          <a:p>
+            <a:pPr indent="-317500" lvl="1" marL="914400" rtl="0" algn="l">
+              <a:spcBef>
+                <a:spcPts val="0"/>
+              </a:spcBef>
+              <a:spcAft>
+                <a:spcPts val="0"/>
+              </a:spcAft>
+              <a:buSzPts val="1400"/>
+              <a:buAutoNum type="alphaLcPeriod"/>
+            </a:pPr>
+            <a:r>
+              <a:rPr lang="en"/>
+              <a:t>Jansen (2010): The qualitative survey</a:t>
+            </a:r>
+            <a:endParaRPr/>
+          </a:p>
+          <a:p>
+            <a:pPr indent="-342900" lvl="0" marL="457200" rtl="0" algn="l">
+              <a:spcBef>
+                <a:spcPts val="1000"/>
+              </a:spcBef>
+              <a:spcAft>
+                <a:spcPts val="0"/>
+              </a:spcAft>
+              <a:buSzPts val="1800"/>
+              <a:buAutoNum type="arabicPeriod"/>
+            </a:pPr>
+            <a:r>
+              <a:rPr lang="en"/>
+              <a:t>Hypothesis test</a:t>
+            </a:r>
+            <a:endParaRPr/>
+          </a:p>
+          <a:p>
+            <a:pPr indent="-317500" lvl="1" marL="914400" rtl="0" algn="l">
+              <a:spcBef>
+                <a:spcPts val="0"/>
+              </a:spcBef>
+              <a:spcAft>
+                <a:spcPts val="0"/>
+              </a:spcAft>
+              <a:buSzPts val="1400"/>
+              <a:buAutoNum type="alphaLcPeriod"/>
+            </a:pPr>
+            <a:r>
+              <a:rPr lang="en"/>
+              <a:t>Ko et al. (2015): </a:t>
+            </a:r>
+            <a:r>
+              <a:rPr lang="en"/>
+              <a:t>Controlled experiment</a:t>
+            </a:r>
+            <a:endParaRPr/>
+          </a:p>
+          <a:p>
+            <a:pPr indent="-342900" lvl="0" marL="457200" rtl="0" algn="l">
+              <a:spcBef>
+                <a:spcPts val="1000"/>
+              </a:spcBef>
+              <a:spcAft>
+                <a:spcPts val="0"/>
+              </a:spcAft>
+              <a:buSzPts val="1800"/>
+              <a:buAutoNum type="arabicPeriod"/>
+            </a:pPr>
+            <a:r>
+              <a:rPr lang="en"/>
+              <a:t>Theory building</a:t>
+            </a:r>
+            <a:endParaRPr/>
+          </a:p>
+          <a:p>
+            <a:pPr indent="-317500" lvl="1" marL="914400" rtl="0" algn="l">
+              <a:spcBef>
+                <a:spcPts val="0"/>
+              </a:spcBef>
+              <a:spcAft>
+                <a:spcPts val="0"/>
+              </a:spcAft>
+              <a:buSzPts val="1400"/>
+              <a:buAutoNum type="alphaLcPeriod"/>
+            </a:pPr>
+            <a:r>
+              <a:rPr lang="en"/>
+              <a:t>Jansen (2010): The qualitative survey</a:t>
+            </a:r>
+            <a:endParaRPr/>
+          </a:p>
+        </p:txBody>
+      </p:sp>
+      <p:sp>
+        <p:nvSpPr>
+          <p:cNvPr id="256" name="Google Shape;256;p40"/>
           <p:cNvSpPr txBox="1"/>
           <p:nvPr>
             <p:ph idx="12" type="sldNum"/>
@@ -13780,34 +13964,6 @@
           </a:p>
         </p:txBody>
       </p:sp>
-      <p:pic>
-        <p:nvPicPr>
-          <p:cNvPr id="254" name="Google Shape;254;p40"/>
-          <p:cNvPicPr preferRelativeResize="0"/>
-          <p:nvPr/>
-        </p:nvPicPr>
-        <p:blipFill>
-          <a:blip r:embed="rId4">
-            <a:alphaModFix/>
-          </a:blip>
-          <a:stretch>
-            <a:fillRect/>
-          </a:stretch>
-        </p:blipFill>
-        <p:spPr>
-          <a:xfrm>
-            <a:off x="274320" y="914400"/>
-            <a:ext cx="8595360" cy="3502840"/>
-          </a:xfrm>
-          <a:prstGeom prst="rect">
-            <a:avLst/>
-          </a:prstGeom>
-          <a:noFill/>
-          <a:ln>
-            <a:noFill/>
-          </a:ln>
-        </p:spPr>
-      </p:pic>
     </p:spTree>
   </p:cSld>
   <p:clrMapOvr>
@@ -13821,7 +13977,7 @@
   <p:cSld>
     <p:spTree>
       <p:nvGrpSpPr>
-        <p:cNvPr id="258" name="Shape 258"/>
+        <p:cNvPr id="260" name="Shape 260"/>
         <p:cNvGrpSpPr/>
         <p:nvPr/>
       </p:nvGrpSpPr>
@@ -13835,7 +13991,7 @@
       </p:grpSpPr>
       <p:sp>
         <p:nvSpPr>
-          <p:cNvPr id="259" name="Google Shape;259;p41"/>
+          <p:cNvPr id="261" name="Google Shape;261;p41"/>
           <p:cNvSpPr txBox="1"/>
           <p:nvPr>
             <p:ph type="title"/>
@@ -13843,36 +13999,141 @@
         </p:nvSpPr>
         <p:spPr>
           <a:xfrm>
-            <a:off x="0" y="-7"/>
-            <a:ext cx="9144000" cy="2386500"/>
+            <a:off x="0" y="0"/>
+            <a:ext cx="9144000" cy="685800"/>
           </a:xfrm>
           <a:prstGeom prst="rect">
             <a:avLst/>
           </a:prstGeom>
         </p:spPr>
         <p:txBody>
-          <a:bodyPr anchorCtr="0" anchor="b" bIns="274300" lIns="91425" spcFirstLastPara="1" rIns="91425" wrap="square" tIns="91425">
+          <a:bodyPr anchorCtr="0" anchor="ctr" bIns="91425" lIns="274300" spcFirstLastPara="1" rIns="91425" wrap="square" tIns="91425">
             <a:noAutofit/>
           </a:bodyPr>
           <a:lstStyle/>
           <a:p>
-            <a:pPr indent="0" lvl="0" marL="0" rtl="0" algn="ctr">
-              <a:spcBef>
-                <a:spcPts val="0"/>
-              </a:spcBef>
-              <a:spcAft>
-                <a:spcPts val="0"/>
-              </a:spcAft>
-              <a:buNone/>
-            </a:pPr>
-            <a:r>
-              <a:rPr lang="en"/>
-              <a:t>6. Quality Assurance</a:t>
+            <a:pPr indent="0" lvl="0" marL="0" rtl="0" algn="l">
+              <a:spcBef>
+                <a:spcPts val="0"/>
+              </a:spcBef>
+              <a:spcAft>
+                <a:spcPts val="0"/>
+              </a:spcAft>
+              <a:buNone/>
+            </a:pPr>
+            <a:r>
+              <a:rPr lang="en"/>
+              <a:t>Causal Analysis / </a:t>
+            </a:r>
+            <a:r>
+              <a:rPr lang="en"/>
+              <a:t>Correlation and Causation</a:t>
             </a:r>
             <a:endParaRPr/>
           </a:p>
         </p:txBody>
       </p:sp>
+      <p:sp>
+        <p:nvSpPr>
+          <p:cNvPr id="262" name="Google Shape;262;p41"/>
+          <p:cNvSpPr txBox="1"/>
+          <p:nvPr>
+            <p:ph idx="12" type="sldNum"/>
+          </p:nvPr>
+        </p:nvSpPr>
+        <p:spPr>
+          <a:xfrm>
+            <a:off x="7315202" y="4416550"/>
+            <a:ext cx="1828800" cy="731400"/>
+          </a:xfrm>
+          <a:prstGeom prst="rect">
+            <a:avLst/>
+          </a:prstGeom>
+        </p:spPr>
+        <p:txBody>
+          <a:bodyPr anchorCtr="0" anchor="b" bIns="91425" lIns="91425" spcFirstLastPara="1" rIns="91425" wrap="square" tIns="91425">
+            <a:noAutofit/>
+          </a:bodyPr>
+          <a:lstStyle/>
+          <a:p>
+            <a:pPr indent="0" lvl="0" marL="0" rtl="0" algn="r">
+              <a:spcBef>
+                <a:spcPts val="0"/>
+              </a:spcBef>
+              <a:spcAft>
+                <a:spcPts val="0"/>
+              </a:spcAft>
+              <a:buNone/>
+            </a:pPr>
+            <a:fld id="{00000000-1234-1234-1234-123412341234}" type="slidenum">
+              <a:rPr lang="en"/>
+              <a:t>‹#›</a:t>
+            </a:fld>
+            <a:endParaRPr/>
+          </a:p>
+          <a:p>
+            <a:pPr indent="0" lvl="0" marL="0" rtl="0" algn="r">
+              <a:spcBef>
+                <a:spcPts val="0"/>
+              </a:spcBef>
+              <a:spcAft>
+                <a:spcPts val="0"/>
+              </a:spcAft>
+              <a:buNone/>
+            </a:pPr>
+            <a:r>
+              <a:rPr b="0" lang="en" sz="900" u="sng">
+                <a:solidFill>
+                  <a:schemeClr val="hlink"/>
+                </a:solidFill>
+                <a:hlinkClick r:id="rId3"/>
+              </a:rPr>
+              <a:t>https://profriehle.com</a:t>
+            </a:r>
+            <a:r>
+              <a:rPr b="0" lang="en" sz="900">
+                <a:solidFill>
+                  <a:schemeClr val="dk2"/>
+                </a:solidFill>
+              </a:rPr>
+              <a:t> </a:t>
+            </a:r>
+            <a:endParaRPr b="0" sz="900">
+              <a:solidFill>
+                <a:schemeClr val="dk2"/>
+              </a:solidFill>
+            </a:endParaRPr>
+          </a:p>
+        </p:txBody>
+      </p:sp>
+      <p:pic>
+        <p:nvPicPr>
+          <p:cNvPr id="263" name="Google Shape;263;p41"/>
+          <p:cNvPicPr preferRelativeResize="0"/>
+          <p:nvPr/>
+        </p:nvPicPr>
+        <p:blipFill>
+          <a:blip r:embed="rId4">
+            <a:alphaModFix/>
+          </a:blip>
+          <a:stretch>
+            <a:fillRect/>
+          </a:stretch>
+        </p:blipFill>
+        <p:spPr>
+          <a:xfrm>
+            <a:off x="274320" y="914400"/>
+            <a:ext cx="8595360" cy="3502840"/>
+          </a:xfrm>
+          <a:prstGeom prst="rect">
+            <a:avLst/>
+          </a:prstGeom>
+          <a:noFill/>
+          <a:ln>
+            <a:noFill/>
+          </a:ln>
+        </p:spPr>
+      </p:pic>
     </p:spTree>
   </p:cSld>
   <p:clrMapOvr>
@@ -13886,7 +14147,7 @@
   <p:cSld>
     <p:spTree>
       <p:nvGrpSpPr>
-        <p:cNvPr id="263" name="Shape 263"/>
+        <p:cNvPr id="267" name="Shape 267"/>
         <p:cNvGrpSpPr/>
         <p:nvPr/>
       </p:nvGrpSpPr>
@@ -13900,7 +14161,72 @@
       </p:grpSpPr>
       <p:sp>
         <p:nvSpPr>
-          <p:cNvPr id="264" name="Google Shape;264;p42"/>
+          <p:cNvPr id="268" name="Google Shape;268;p42"/>
+          <p:cNvSpPr txBox="1"/>
+          <p:nvPr>
+            <p:ph type="title"/>
+          </p:nvPr>
+        </p:nvSpPr>
+        <p:spPr>
+          <a:xfrm>
+            <a:off x="0" y="-7"/>
+            <a:ext cx="9144000" cy="2386500"/>
+          </a:xfrm>
+          <a:prstGeom prst="rect">
+            <a:avLst/>
+          </a:prstGeom>
+        </p:spPr>
+        <p:txBody>
+          <a:bodyPr anchorCtr="0" anchor="b" bIns="274300" lIns="91425" spcFirstLastPara="1" rIns="91425" wrap="square" tIns="91425">
+            <a:noAutofit/>
+          </a:bodyPr>
+          <a:lstStyle/>
+          <a:p>
+            <a:pPr indent="0" lvl="0" marL="0" rtl="0" algn="ctr">
+              <a:spcBef>
+                <a:spcPts val="0"/>
+              </a:spcBef>
+              <a:spcAft>
+                <a:spcPts val="0"/>
+              </a:spcAft>
+              <a:buNone/>
+            </a:pPr>
+            <a:r>
+              <a:rPr lang="en"/>
+              <a:t>6. Quality Assurance</a:t>
+            </a:r>
+            <a:endParaRPr/>
+          </a:p>
+        </p:txBody>
+      </p:sp>
+    </p:spTree>
+  </p:cSld>
+  <p:clrMapOvr>
+    <a:masterClrMapping/>
+  </p:clrMapOvr>
+</p:sld>
+</file>
+
+<file path=ppt/slides/slide36.xml><?xml version="1.0" encoding="utf-8"?>
+<p:sld xmlns:a="http://schemas.openxmlformats.org/drawingml/2006/main" xmlns:r="http://schemas.openxmlformats.org/officeDocument/2006/relationships" xmlns:mc="http://schemas.openxmlformats.org/markup-compatibility/2006" xmlns:mv="urn:schemas-microsoft-com:mac:vml" xmlns:p="http://schemas.openxmlformats.org/presentationml/2006/main" xmlns:c="http://schemas.openxmlformats.org/drawingml/2006/chart" xmlns:dgm="http://schemas.openxmlformats.org/drawingml/2006/diagram" xmlns:o="urn:schemas-microsoft-com:office:office" xmlns:v="urn:schemas-microsoft-com:vml" xmlns:pvml="urn:schemas-microsoft-com:office:powerpoint" xmlns:com="http://schemas.openxmlformats.org/drawingml/2006/compatibility" xmlns:p14="http://schemas.microsoft.com/office/powerpoint/2010/main" xmlns:p15="http://schemas.microsoft.com/office/powerpoint/2012/main" xmlns:ahyp="http://schemas.microsoft.com/office/drawing/2018/hyperlinkcolor">
+  <p:cSld>
+    <p:spTree>
+      <p:nvGrpSpPr>
+        <p:cNvPr id="272" name="Shape 272"/>
+        <p:cNvGrpSpPr/>
+        <p:nvPr/>
+      </p:nvGrpSpPr>
+      <p:grpSpPr>
+        <a:xfrm>
+          <a:off x="0" y="0"/>
+          <a:ext cx="0" cy="0"/>
+          <a:chOff x="0" y="0"/>
+          <a:chExt cx="0" cy="0"/>
+        </a:xfrm>
+      </p:grpSpPr>
+      <p:sp>
+        <p:nvSpPr>
+          <p:cNvPr id="273" name="Google Shape;273;p43"/>
           <p:cNvSpPr txBox="1"/>
           <p:nvPr>
             <p:ph type="title"/>
@@ -13940,7 +14266,7 @@
       </p:sp>
       <p:sp>
         <p:nvSpPr>
-          <p:cNvPr id="265" name="Google Shape;265;p42"/>
+          <p:cNvPr id="274" name="Google Shape;274;p43"/>
           <p:cNvSpPr txBox="1"/>
           <p:nvPr>
             <p:ph idx="12" type="sldNum"/>
@@ -14013,7 +14339,7 @@
       </p:sp>
       <p:graphicFrame>
         <p:nvGraphicFramePr>
-          <p:cNvPr id="266" name="Google Shape;266;p42"/>
+          <p:cNvPr id="275" name="Google Shape;275;p43"/>
           <p:cNvGraphicFramePr/>
           <p:nvPr/>
         </p:nvGraphicFramePr>
@@ -14026,7 +14352,7 @@
             <a:tbl>
               <a:tblPr>
                 <a:noFill/>
-                <a:tableStyleId>{62692923-FE38-49AA-A73C-E39B1A429695}</a:tableStyleId>
+                <a:tableStyleId>{0C250404-5A89-473F-AF50-F28662874922}</a:tableStyleId>
               </a:tblPr>
               <a:tblGrid>
                 <a:gridCol w="2865125"/>
@@ -15015,12 +15341,12 @@
 </p:sld>
 </file>
 
-<file path=ppt/slides/slide36.xml><?xml version="1.0" encoding="utf-8"?>
+<file path=ppt/slides/slide37.xml><?xml version="1.0" encoding="utf-8"?>
 <p:sld xmlns:a="http://schemas.openxmlformats.org/drawingml/2006/main" xmlns:r="http://schemas.openxmlformats.org/officeDocument/2006/relationships" xmlns:mc="http://schemas.openxmlformats.org/markup-compatibility/2006" xmlns:mv="urn:schemas-microsoft-com:mac:vml" xmlns:p="http://schemas.openxmlformats.org/presentationml/2006/main" xmlns:c="http://schemas.openxmlformats.org/drawingml/2006/chart" xmlns:dgm="http://schemas.openxmlformats.org/drawingml/2006/diagram" xmlns:o="urn:schemas-microsoft-com:office:office" xmlns:v="urn:schemas-microsoft-com:vml" xmlns:pvml="urn:schemas-microsoft-com:office:powerpoint" xmlns:com="http://schemas.openxmlformats.org/drawingml/2006/compatibility" xmlns:p14="http://schemas.microsoft.com/office/powerpoint/2010/main" xmlns:p15="http://schemas.microsoft.com/office/powerpoint/2012/main" xmlns:ahyp="http://schemas.microsoft.com/office/drawing/2018/hyperlinkcolor">
   <p:cSld>
     <p:spTree>
       <p:nvGrpSpPr>
-        <p:cNvPr id="270" name="Shape 270"/>
+        <p:cNvPr id="279" name="Shape 279"/>
         <p:cNvGrpSpPr/>
         <p:nvPr/>
       </p:nvGrpSpPr>
@@ -15034,7 +15360,7 @@
       </p:grpSpPr>
       <p:sp>
         <p:nvSpPr>
-          <p:cNvPr id="271" name="Google Shape;271;p43"/>
+          <p:cNvPr id="280" name="Google Shape;280;p44"/>
           <p:cNvSpPr txBox="1"/>
           <p:nvPr>
             <p:ph idx="1" type="body"/>
@@ -15256,7 +15582,7 @@
       </p:sp>
       <p:sp>
         <p:nvSpPr>
-          <p:cNvPr id="272" name="Google Shape;272;p43"/>
+          <p:cNvPr id="281" name="Google Shape;281;p44"/>
           <p:cNvSpPr txBox="1"/>
           <p:nvPr>
             <p:ph type="title"/>
@@ -15296,202 +15622,7 @@
       </p:sp>
       <p:sp>
         <p:nvSpPr>
-          <p:cNvPr id="273" name="Google Shape;273;p43"/>
-          <p:cNvSpPr txBox="1"/>
-          <p:nvPr>
-            <p:ph idx="12" type="sldNum"/>
-          </p:nvPr>
-        </p:nvSpPr>
-        <p:spPr>
-          <a:xfrm>
-            <a:off x="7315202" y="4416550"/>
-            <a:ext cx="1828800" cy="731400"/>
-          </a:xfrm>
-          <a:prstGeom prst="rect">
-            <a:avLst/>
-          </a:prstGeom>
-        </p:spPr>
-        <p:txBody>
-          <a:bodyPr anchorCtr="0" anchor="b" bIns="91425" lIns="91425" spcFirstLastPara="1" rIns="91425" wrap="square" tIns="91425">
-            <a:noAutofit/>
-          </a:bodyPr>
-          <a:lstStyle/>
-          <a:p>
-            <a:pPr indent="0" lvl="0" marL="0" rtl="0" algn="r">
-              <a:spcBef>
-                <a:spcPts val="0"/>
-              </a:spcBef>
-              <a:spcAft>
-                <a:spcPts val="0"/>
-              </a:spcAft>
-              <a:buNone/>
-            </a:pPr>
-            <a:fld id="{00000000-1234-1234-1234-123412341234}" type="slidenum">
-              <a:rPr lang="en"/>
-              <a:t>‹#›</a:t>
-            </a:fld>
-            <a:endParaRPr/>
-          </a:p>
-          <a:p>
-            <a:pPr indent="0" lvl="0" marL="0" rtl="0" algn="r">
-              <a:spcBef>
-                <a:spcPts val="0"/>
-              </a:spcBef>
-              <a:spcAft>
-                <a:spcPts val="0"/>
-              </a:spcAft>
-              <a:buNone/>
-            </a:pPr>
-            <a:r>
-              <a:rPr b="0" lang="en" sz="900" u="sng">
-                <a:solidFill>
-                  <a:schemeClr val="hlink"/>
-                </a:solidFill>
-                <a:hlinkClick r:id="rId3"/>
-              </a:rPr>
-              <a:t>https://profriehle.com</a:t>
-            </a:r>
-            <a:r>
-              <a:rPr b="0" lang="en" sz="900">
-                <a:solidFill>
-                  <a:schemeClr val="dk2"/>
-                </a:solidFill>
-              </a:rPr>
-              <a:t> </a:t>
-            </a:r>
-            <a:endParaRPr b="0" sz="900">
-              <a:solidFill>
-                <a:schemeClr val="dk2"/>
-              </a:solidFill>
-            </a:endParaRPr>
-          </a:p>
-        </p:txBody>
-      </p:sp>
-    </p:spTree>
-  </p:cSld>
-  <p:clrMapOvr>
-    <a:masterClrMapping/>
-  </p:clrMapOvr>
-</p:sld>
-</file>
-
-<file path=ppt/slides/slide37.xml><?xml version="1.0" encoding="utf-8"?>
-<p:sld xmlns:a="http://schemas.openxmlformats.org/drawingml/2006/main" xmlns:r="http://schemas.openxmlformats.org/officeDocument/2006/relationships" xmlns:mc="http://schemas.openxmlformats.org/markup-compatibility/2006" xmlns:mv="urn:schemas-microsoft-com:mac:vml" xmlns:p="http://schemas.openxmlformats.org/presentationml/2006/main" xmlns:c="http://schemas.openxmlformats.org/drawingml/2006/chart" xmlns:dgm="http://schemas.openxmlformats.org/drawingml/2006/diagram" xmlns:o="urn:schemas-microsoft-com:office:office" xmlns:v="urn:schemas-microsoft-com:vml" xmlns:pvml="urn:schemas-microsoft-com:office:powerpoint" xmlns:com="http://schemas.openxmlformats.org/drawingml/2006/compatibility" xmlns:p14="http://schemas.microsoft.com/office/powerpoint/2010/main" xmlns:p15="http://schemas.microsoft.com/office/powerpoint/2012/main" xmlns:ahyp="http://schemas.microsoft.com/office/drawing/2018/hyperlinkcolor">
-  <p:cSld>
-    <p:spTree>
-      <p:nvGrpSpPr>
-        <p:cNvPr id="277" name="Shape 277"/>
-        <p:cNvGrpSpPr/>
-        <p:nvPr/>
-      </p:nvGrpSpPr>
-      <p:grpSpPr>
-        <a:xfrm>
-          <a:off x="0" y="0"/>
-          <a:ext cx="0" cy="0"/>
-          <a:chOff x="0" y="0"/>
-          <a:chExt cx="0" cy="0"/>
-        </a:xfrm>
-      </p:grpSpPr>
-      <p:sp>
-        <p:nvSpPr>
-          <p:cNvPr id="278" name="Google Shape;278;p44"/>
-          <p:cNvSpPr txBox="1"/>
-          <p:nvPr>
-            <p:ph type="title"/>
-          </p:nvPr>
-        </p:nvSpPr>
-        <p:spPr>
-          <a:xfrm>
-            <a:off x="0" y="0"/>
-            <a:ext cx="9144000" cy="685800"/>
-          </a:xfrm>
-          <a:prstGeom prst="rect">
-            <a:avLst/>
-          </a:prstGeom>
-        </p:spPr>
-        <p:txBody>
-          <a:bodyPr anchorCtr="0" anchor="ctr" bIns="91425" lIns="274300" spcFirstLastPara="1" rIns="91425" wrap="square" tIns="91425">
-            <a:noAutofit/>
-          </a:bodyPr>
-          <a:lstStyle/>
-          <a:p>
-            <a:pPr indent="0" lvl="0" marL="0" rtl="0" algn="l">
-              <a:spcBef>
-                <a:spcPts val="0"/>
-              </a:spcBef>
-              <a:spcAft>
-                <a:spcPts val="0"/>
-              </a:spcAft>
-              <a:buNone/>
-            </a:pPr>
-            <a:r>
-              <a:rPr lang="en"/>
-              <a:t>Establishing Quality (Not Assuring it)</a:t>
-            </a:r>
-            <a:endParaRPr/>
-          </a:p>
-        </p:txBody>
-      </p:sp>
-      <p:sp>
-        <p:nvSpPr>
-          <p:cNvPr id="279" name="Google Shape;279;p44"/>
-          <p:cNvSpPr txBox="1"/>
-          <p:nvPr>
-            <p:ph idx="1" type="body"/>
-          </p:nvPr>
-        </p:nvSpPr>
-        <p:spPr>
-          <a:xfrm>
-            <a:off x="274320" y="914400"/>
-            <a:ext cx="8595300" cy="4114800"/>
-          </a:xfrm>
-          <a:prstGeom prst="rect">
-            <a:avLst/>
-          </a:prstGeom>
-        </p:spPr>
-        <p:txBody>
-          <a:bodyPr anchorCtr="0" anchor="t" bIns="0" lIns="0" spcFirstLastPara="1" rIns="0" wrap="square" tIns="0">
-            <a:noAutofit/>
-          </a:bodyPr>
-          <a:lstStyle/>
-          <a:p>
-            <a:pPr indent="0" lvl="0" marL="0" rtl="0" algn="l">
-              <a:spcBef>
-                <a:spcPts val="0"/>
-              </a:spcBef>
-              <a:spcAft>
-                <a:spcPts val="0"/>
-              </a:spcAft>
-              <a:buNone/>
-            </a:pPr>
-            <a:r>
-              <a:rPr lang="en"/>
-              <a:t>Quality in qualitative research is “established”</a:t>
-            </a:r>
-            <a:endParaRPr/>
-          </a:p>
-          <a:p>
-            <a:pPr indent="-342900" lvl="0" marL="457200" rtl="0" algn="l">
-              <a:spcBef>
-                <a:spcPts val="1200"/>
-              </a:spcBef>
-              <a:spcAft>
-                <a:spcPts val="0"/>
-              </a:spcAft>
-              <a:buSzPts val="1800"/>
-              <a:buChar char="●"/>
-            </a:pPr>
-            <a:r>
-              <a:rPr lang="en"/>
-              <a:t>Quality is proactively baked into the methods</a:t>
-            </a:r>
-            <a:endParaRPr/>
-          </a:p>
-        </p:txBody>
-      </p:sp>
-      <p:sp>
-        <p:nvSpPr>
-          <p:cNvPr id="280" name="Google Shape;280;p44"/>
+          <p:cNvPr id="282" name="Google Shape;282;p44"/>
           <p:cNvSpPr txBox="1"/>
           <p:nvPr>
             <p:ph idx="12" type="sldNum"/>
@@ -15575,7 +15706,7 @@
   <p:cSld>
     <p:spTree>
       <p:nvGrpSpPr>
-        <p:cNvPr id="284" name="Shape 284"/>
+        <p:cNvPr id="286" name="Shape 286"/>
         <p:cNvGrpSpPr/>
         <p:nvPr/>
       </p:nvGrpSpPr>
@@ -15589,7 +15720,7 @@
       </p:grpSpPr>
       <p:sp>
         <p:nvSpPr>
-          <p:cNvPr id="285" name="Google Shape;285;p45"/>
+          <p:cNvPr id="287" name="Google Shape;287;p45"/>
           <p:cNvSpPr txBox="1"/>
           <p:nvPr>
             <p:ph type="title"/>
@@ -15605,7 +15736,7 @@
           </a:prstGeom>
         </p:spPr>
         <p:txBody>
-          <a:bodyPr anchorCtr="0" anchor="ctr" bIns="0" lIns="274300" spcFirstLastPara="1" rIns="0" wrap="square" tIns="0">
+          <a:bodyPr anchorCtr="0" anchor="ctr" bIns="91425" lIns="274300" spcFirstLastPara="1" rIns="91425" wrap="square" tIns="91425">
             <a:noAutofit/>
           </a:bodyPr>
           <a:lstStyle/>
@@ -15621,7 +15752,7 @@
             </a:pPr>
             <a:r>
               <a:rPr lang="en"/>
-              <a:t>Practices for Establishing Quality [1]</a:t>
+              <a:t>Establishing Quality (Not Assuring it)</a:t>
             </a:r>
             <a:endParaRPr/>
           </a:p>
@@ -15629,7 +15760,7 @@
       </p:sp>
       <p:sp>
         <p:nvSpPr>
-          <p:cNvPr id="286" name="Google Shape;286;p45"/>
+          <p:cNvPr id="288" name="Google Shape;288;p45"/>
           <p:cNvSpPr txBox="1"/>
           <p:nvPr>
             <p:ph idx="1" type="body"/>
@@ -15638,14 +15769,14 @@
         <p:spPr>
           <a:xfrm>
             <a:off x="274320" y="914400"/>
-            <a:ext cx="4114800" cy="4114800"/>
+            <a:ext cx="8595300" cy="4114800"/>
           </a:xfrm>
           <a:prstGeom prst="rect">
             <a:avLst/>
           </a:prstGeom>
         </p:spPr>
         <p:txBody>
-          <a:bodyPr anchorCtr="0" anchor="t" bIns="91425" lIns="0" spcFirstLastPara="1" rIns="91425" wrap="square" tIns="0">
+          <a:bodyPr anchorCtr="0" anchor="t" bIns="0" lIns="0" spcFirstLastPara="1" rIns="0" wrap="square" tIns="0">
             <a:noAutofit/>
           </a:bodyPr>
           <a:lstStyle/>
@@ -15660,10 +15791,10 @@
               <a:buNone/>
             </a:pPr>
             <a:r>
-              <a:rPr b="1" lang="en"/>
-              <a:t>Credibility</a:t>
-            </a:r>
-            <a:endParaRPr b="1"/>
+              <a:rPr lang="en"/>
+              <a:t>Quality in qualitative research is “established”</a:t>
+            </a:r>
+            <a:endParaRPr/>
           </a:p>
           <a:p>
             <a:pPr indent="-342900" lvl="0" marL="457200" rtl="0" algn="l">
@@ -15678,142 +15809,7 @@
             </a:pPr>
             <a:r>
               <a:rPr lang="en"/>
-              <a:t>Prolonged Engagement</a:t>
-            </a:r>
-            <a:endParaRPr/>
-          </a:p>
-          <a:p>
-            <a:pPr indent="-342900" lvl="0" marL="457200" rtl="0" algn="l">
-              <a:spcBef>
-                <a:spcPts val="0"/>
-              </a:spcBef>
-              <a:spcAft>
-                <a:spcPts val="0"/>
-              </a:spcAft>
-              <a:buSzPts val="1800"/>
-              <a:buChar char="●"/>
-            </a:pPr>
-            <a:r>
-              <a:rPr lang="en"/>
-              <a:t>Persistent Observation</a:t>
-            </a:r>
-            <a:endParaRPr/>
-          </a:p>
-          <a:p>
-            <a:pPr indent="-342900" lvl="0" marL="457200" rtl="0" algn="l">
-              <a:spcBef>
-                <a:spcPts val="0"/>
-              </a:spcBef>
-              <a:spcAft>
-                <a:spcPts val="0"/>
-              </a:spcAft>
-              <a:buSzPts val="1800"/>
-              <a:buChar char="●"/>
-            </a:pPr>
-            <a:r>
-              <a:rPr lang="en"/>
-              <a:t>(Different forms of) triangulation</a:t>
-            </a:r>
-            <a:endParaRPr/>
-          </a:p>
-          <a:p>
-            <a:pPr indent="-342900" lvl="0" marL="457200" rtl="0" algn="l">
-              <a:spcBef>
-                <a:spcPts val="0"/>
-              </a:spcBef>
-              <a:spcAft>
-                <a:spcPts val="0"/>
-              </a:spcAft>
-              <a:buSzPts val="1800"/>
-              <a:buChar char="●"/>
-            </a:pPr>
-            <a:r>
-              <a:rPr lang="en"/>
-              <a:t>Peer debriefing</a:t>
-            </a:r>
-            <a:endParaRPr/>
-          </a:p>
-          <a:p>
-            <a:pPr indent="-342900" lvl="0" marL="457200" rtl="0" algn="l">
-              <a:spcBef>
-                <a:spcPts val="0"/>
-              </a:spcBef>
-              <a:spcAft>
-                <a:spcPts val="0"/>
-              </a:spcAft>
-              <a:buSzPts val="1800"/>
-              <a:buChar char="●"/>
-            </a:pPr>
-            <a:r>
-              <a:rPr lang="en"/>
-              <a:t>Negative case analysis</a:t>
-            </a:r>
-            <a:endParaRPr/>
-          </a:p>
-          <a:p>
-            <a:pPr indent="-342900" lvl="0" marL="457200" rtl="0" algn="l">
-              <a:spcBef>
-                <a:spcPts val="0"/>
-              </a:spcBef>
-              <a:spcAft>
-                <a:spcPts val="0"/>
-              </a:spcAft>
-              <a:buSzPts val="1800"/>
-              <a:buChar char="●"/>
-            </a:pPr>
-            <a:r>
-              <a:rPr lang="en"/>
-              <a:t>Referential adequacy</a:t>
-            </a:r>
-            <a:endParaRPr/>
-          </a:p>
-          <a:p>
-            <a:pPr indent="-342900" lvl="0" marL="457200" rtl="0" algn="l">
-              <a:spcBef>
-                <a:spcPts val="0"/>
-              </a:spcBef>
-              <a:spcAft>
-                <a:spcPts val="0"/>
-              </a:spcAft>
-              <a:buSzPts val="1800"/>
-              <a:buChar char="●"/>
-            </a:pPr>
-            <a:r>
-              <a:rPr lang="en"/>
-              <a:t>Member-checking</a:t>
-            </a:r>
-            <a:endParaRPr/>
-          </a:p>
-          <a:p>
-            <a:pPr indent="0" lvl="0" marL="0" rtl="0" algn="l">
-              <a:spcBef>
-                <a:spcPts val="1200"/>
-              </a:spcBef>
-              <a:spcAft>
-                <a:spcPts val="0"/>
-              </a:spcAft>
-              <a:buNone/>
-            </a:pPr>
-            <a:r>
-              <a:rPr b="1" lang="en"/>
-              <a:t>Transferability</a:t>
-            </a:r>
-            <a:endParaRPr b="1"/>
-          </a:p>
-          <a:p>
-            <a:pPr indent="-342900" lvl="0" marL="457200" rtl="0" algn="l">
-              <a:spcBef>
-                <a:spcPts val="1200"/>
-              </a:spcBef>
-              <a:spcAft>
-                <a:spcPts val="0"/>
-              </a:spcAft>
-              <a:buSzPts val="1800"/>
-              <a:buChar char="●"/>
-            </a:pPr>
-            <a:r>
-              <a:rPr lang="en"/>
-              <a:t>Thick description</a:t>
+              <a:t>Quality is proactively baked into the methods</a:t>
             </a:r>
             <a:endParaRPr/>
           </a:p>
@@ -15821,7 +15817,7 @@
       </p:sp>
       <p:sp>
         <p:nvSpPr>
-          <p:cNvPr id="287" name="Google Shape;287;p45"/>
+          <p:cNvPr id="289" name="Google Shape;289;p45"/>
           <p:cNvSpPr txBox="1"/>
           <p:nvPr>
             <p:ph idx="12" type="sldNum"/>
@@ -15884,222 +15880,11 @@
               </a:rPr>
               <a:t> </a:t>
             </a:r>
-            <a:endParaRPr>
+            <a:endParaRPr b="0" sz="900">
               <a:solidFill>
                 <a:schemeClr val="dk2"/>
               </a:solidFill>
             </a:endParaRPr>
-          </a:p>
-        </p:txBody>
-      </p:sp>
-      <p:sp>
-        <p:nvSpPr>
-          <p:cNvPr id="288" name="Google Shape;288;p45"/>
-          <p:cNvSpPr txBox="1"/>
-          <p:nvPr>
-            <p:ph idx="2" type="body"/>
-          </p:nvPr>
-        </p:nvSpPr>
-        <p:spPr>
-          <a:xfrm>
-            <a:off x="4846320" y="914400"/>
-            <a:ext cx="4114800" cy="4114800"/>
-          </a:xfrm>
-          <a:prstGeom prst="rect">
-            <a:avLst/>
-          </a:prstGeom>
-        </p:spPr>
-        <p:txBody>
-          <a:bodyPr anchorCtr="0" anchor="t" bIns="0" lIns="0" spcFirstLastPara="1" rIns="0" wrap="square" tIns="0">
-            <a:noAutofit/>
-          </a:bodyPr>
-          <a:lstStyle/>
-          <a:p>
-            <a:pPr indent="0" lvl="0" marL="0" rtl="0" algn="l">
-              <a:spcBef>
-                <a:spcPts val="0"/>
-              </a:spcBef>
-              <a:spcAft>
-                <a:spcPts val="0"/>
-              </a:spcAft>
-              <a:buNone/>
-            </a:pPr>
-            <a:r>
-              <a:rPr b="1" lang="en"/>
-              <a:t>Dependability</a:t>
-            </a:r>
-            <a:endParaRPr b="1"/>
-          </a:p>
-          <a:p>
-            <a:pPr indent="-342900" lvl="0" marL="457200" rtl="0" algn="l">
-              <a:spcBef>
-                <a:spcPts val="1200"/>
-              </a:spcBef>
-              <a:spcAft>
-                <a:spcPts val="0"/>
-              </a:spcAft>
-              <a:buSzPts val="1800"/>
-              <a:buChar char="●"/>
-            </a:pPr>
-            <a:r>
-              <a:rPr lang="en"/>
-              <a:t>Inquiry audit</a:t>
-            </a:r>
-            <a:br>
-              <a:rPr lang="en"/>
-            </a:br>
-            <a:br>
-              <a:rPr lang="en"/>
-            </a:br>
-            <a:br>
-              <a:rPr lang="en"/>
-            </a:br>
-            <a:endParaRPr/>
-          </a:p>
-          <a:p>
-            <a:pPr indent="0" lvl="0" marL="0" rtl="0" algn="l">
-              <a:spcBef>
-                <a:spcPts val="1200"/>
-              </a:spcBef>
-              <a:spcAft>
-                <a:spcPts val="0"/>
-              </a:spcAft>
-              <a:buNone/>
-            </a:pPr>
-            <a:r>
-              <a:rPr b="1" lang="en"/>
-              <a:t>Confirmability</a:t>
-            </a:r>
-            <a:endParaRPr b="1"/>
-          </a:p>
-          <a:p>
-            <a:pPr indent="-342900" lvl="0" marL="457200" rtl="0" algn="l">
-              <a:spcBef>
-                <a:spcPts val="1200"/>
-              </a:spcBef>
-              <a:spcAft>
-                <a:spcPts val="0"/>
-              </a:spcAft>
-              <a:buSzPts val="1800"/>
-              <a:buChar char="●"/>
-            </a:pPr>
-            <a:r>
-              <a:rPr lang="en"/>
-              <a:t>Confirmability audit</a:t>
-            </a:r>
-            <a:endParaRPr/>
-          </a:p>
-          <a:p>
-            <a:pPr indent="-342900" lvl="0" marL="457200" rtl="0" algn="l">
-              <a:spcBef>
-                <a:spcPts val="0"/>
-              </a:spcBef>
-              <a:spcAft>
-                <a:spcPts val="0"/>
-              </a:spcAft>
-              <a:buSzPts val="1800"/>
-              <a:buChar char="●"/>
-            </a:pPr>
-            <a:r>
-              <a:rPr lang="en"/>
-              <a:t>Audit trail</a:t>
-            </a:r>
-            <a:endParaRPr/>
-          </a:p>
-          <a:p>
-            <a:pPr indent="-342900" lvl="0" marL="457200" rtl="0" algn="l">
-              <a:spcBef>
-                <a:spcPts val="0"/>
-              </a:spcBef>
-              <a:spcAft>
-                <a:spcPts val="0"/>
-              </a:spcAft>
-              <a:buSzPts val="1800"/>
-              <a:buChar char="●"/>
-            </a:pPr>
-            <a:r>
-              <a:rPr lang="en"/>
-              <a:t>Triangulation</a:t>
-            </a:r>
-            <a:endParaRPr/>
-          </a:p>
-          <a:p>
-            <a:pPr indent="-342900" lvl="0" marL="457200" rtl="0" algn="l">
-              <a:spcBef>
-                <a:spcPts val="0"/>
-              </a:spcBef>
-              <a:spcAft>
-                <a:spcPts val="0"/>
-              </a:spcAft>
-              <a:buSzPts val="1800"/>
-              <a:buChar char="●"/>
-            </a:pPr>
-            <a:r>
-              <a:rPr lang="en"/>
-              <a:t>Reflexivity </a:t>
-            </a:r>
-            <a:endParaRPr/>
-          </a:p>
-          <a:p>
-            <a:pPr indent="0" lvl="0" marL="0" rtl="0" algn="l">
-              <a:spcBef>
-                <a:spcPts val="1200"/>
-              </a:spcBef>
-              <a:spcAft>
-                <a:spcPts val="1200"/>
-              </a:spcAft>
-              <a:buNone/>
-            </a:pPr>
-            <a:r>
-              <a:t/>
-            </a:r>
-            <a:endParaRPr/>
-          </a:p>
-        </p:txBody>
-      </p:sp>
-      <p:sp>
-        <p:nvSpPr>
-          <p:cNvPr id="289" name="Google Shape;289;p45"/>
-          <p:cNvSpPr txBox="1"/>
-          <p:nvPr/>
-        </p:nvSpPr>
-        <p:spPr>
-          <a:xfrm>
-            <a:off x="0" y="4233672"/>
-            <a:ext cx="7315200" cy="914400"/>
-          </a:xfrm>
-          <a:prstGeom prst="rect">
-            <a:avLst/>
-          </a:prstGeom>
-          <a:noFill/>
-          <a:ln>
-            <a:noFill/>
-          </a:ln>
-        </p:spPr>
-        <p:txBody>
-          <a:bodyPr anchorCtr="0" anchor="b" bIns="91425" lIns="91425" spcFirstLastPara="1" rIns="91425" wrap="square" tIns="91425">
-            <a:noAutofit/>
-          </a:bodyPr>
-          <a:lstStyle/>
-          <a:p>
-            <a:pPr indent="0" lvl="0" marL="0" rtl="0" algn="l">
-              <a:spcBef>
-                <a:spcPts val="0"/>
-              </a:spcBef>
-              <a:spcAft>
-                <a:spcPts val="0"/>
-              </a:spcAft>
-              <a:buNone/>
-            </a:pPr>
-            <a:r>
-              <a:rPr lang="en"/>
-              <a:t>[1] See Guba &amp; Lincoln (1982)</a:t>
-            </a:r>
-            <a:r>
-              <a:rPr lang="en"/>
-              <a:t>: Naturalistic inquiry.</a:t>
-            </a:r>
-            <a:endParaRPr/>
           </a:p>
         </p:txBody>
       </p:sp>
@@ -16146,7 +15931,7 @@
           </a:prstGeom>
         </p:spPr>
         <p:txBody>
-          <a:bodyPr anchorCtr="0" anchor="ctr" bIns="91425" lIns="274300" spcFirstLastPara="1" rIns="91425" wrap="square" tIns="91425">
+          <a:bodyPr anchorCtr="0" anchor="ctr" bIns="0" lIns="274300" spcFirstLastPara="1" rIns="0" wrap="square" tIns="0">
             <a:noAutofit/>
           </a:bodyPr>
           <a:lstStyle/>
@@ -16162,7 +15947,7 @@
             </a:pPr>
             <a:r>
               <a:rPr lang="en"/>
-              <a:t>Summary</a:t>
+              <a:t>Practices for Establishing Quality [1]</a:t>
             </a:r>
             <a:endParaRPr/>
           </a:p>
@@ -16171,6 +15956,198 @@
       <p:sp>
         <p:nvSpPr>
           <p:cNvPr id="295" name="Google Shape;295;p46"/>
+          <p:cNvSpPr txBox="1"/>
+          <p:nvPr>
+            <p:ph idx="1" type="body"/>
+          </p:nvPr>
+        </p:nvSpPr>
+        <p:spPr>
+          <a:xfrm>
+            <a:off x="274320" y="914400"/>
+            <a:ext cx="4114800" cy="4114800"/>
+          </a:xfrm>
+          <a:prstGeom prst="rect">
+            <a:avLst/>
+          </a:prstGeom>
+        </p:spPr>
+        <p:txBody>
+          <a:bodyPr anchorCtr="0" anchor="t" bIns="91425" lIns="0" spcFirstLastPara="1" rIns="91425" wrap="square" tIns="0">
+            <a:noAutofit/>
+          </a:bodyPr>
+          <a:lstStyle/>
+          <a:p>
+            <a:pPr indent="0" lvl="0" marL="0" rtl="0" algn="l">
+              <a:spcBef>
+                <a:spcPts val="0"/>
+              </a:spcBef>
+              <a:spcAft>
+                <a:spcPts val="0"/>
+              </a:spcAft>
+              <a:buNone/>
+            </a:pPr>
+            <a:r>
+              <a:rPr b="1" lang="en"/>
+              <a:t>Credibility</a:t>
+            </a:r>
+            <a:endParaRPr b="1"/>
+          </a:p>
+          <a:p>
+            <a:pPr indent="-342900" lvl="0" marL="457200" rtl="0" algn="l">
+              <a:spcBef>
+                <a:spcPts val="1200"/>
+              </a:spcBef>
+              <a:spcAft>
+                <a:spcPts val="0"/>
+              </a:spcAft>
+              <a:buSzPts val="1800"/>
+              <a:buChar char="●"/>
+            </a:pPr>
+            <a:r>
+              <a:rPr lang="en"/>
+              <a:t>Prolonged Engagement</a:t>
+            </a:r>
+            <a:endParaRPr/>
+          </a:p>
+          <a:p>
+            <a:pPr indent="-342900" lvl="0" marL="457200" rtl="0" algn="l">
+              <a:spcBef>
+                <a:spcPts val="0"/>
+              </a:spcBef>
+              <a:spcAft>
+                <a:spcPts val="0"/>
+              </a:spcAft>
+              <a:buSzPts val="1800"/>
+              <a:buChar char="●"/>
+            </a:pPr>
+            <a:r>
+              <a:rPr lang="en"/>
+              <a:t>Persistent Observation</a:t>
+            </a:r>
+            <a:endParaRPr/>
+          </a:p>
+          <a:p>
+            <a:pPr indent="-342900" lvl="0" marL="457200" rtl="0" algn="l">
+              <a:spcBef>
+                <a:spcPts val="0"/>
+              </a:spcBef>
+              <a:spcAft>
+                <a:spcPts val="0"/>
+              </a:spcAft>
+              <a:buSzPts val="1800"/>
+              <a:buChar char="●"/>
+            </a:pPr>
+            <a:r>
+              <a:rPr lang="en"/>
+              <a:t>(Different forms of) triangulation</a:t>
+            </a:r>
+            <a:endParaRPr/>
+          </a:p>
+          <a:p>
+            <a:pPr indent="-342900" lvl="0" marL="457200" rtl="0" algn="l">
+              <a:spcBef>
+                <a:spcPts val="0"/>
+              </a:spcBef>
+              <a:spcAft>
+                <a:spcPts val="0"/>
+              </a:spcAft>
+              <a:buSzPts val="1800"/>
+              <a:buChar char="●"/>
+            </a:pPr>
+            <a:r>
+              <a:rPr lang="en"/>
+              <a:t>Peer debriefing</a:t>
+            </a:r>
+            <a:endParaRPr/>
+          </a:p>
+          <a:p>
+            <a:pPr indent="-342900" lvl="0" marL="457200" rtl="0" algn="l">
+              <a:spcBef>
+                <a:spcPts val="0"/>
+              </a:spcBef>
+              <a:spcAft>
+                <a:spcPts val="0"/>
+              </a:spcAft>
+              <a:buSzPts val="1800"/>
+              <a:buChar char="●"/>
+            </a:pPr>
+            <a:r>
+              <a:rPr lang="en"/>
+              <a:t>Negative case analysis</a:t>
+            </a:r>
+            <a:endParaRPr/>
+          </a:p>
+          <a:p>
+            <a:pPr indent="-342900" lvl="0" marL="457200" rtl="0" algn="l">
+              <a:spcBef>
+                <a:spcPts val="0"/>
+              </a:spcBef>
+              <a:spcAft>
+                <a:spcPts val="0"/>
+              </a:spcAft>
+              <a:buSzPts val="1800"/>
+              <a:buChar char="●"/>
+            </a:pPr>
+            <a:r>
+              <a:rPr lang="en"/>
+              <a:t>Referential adequacy</a:t>
+            </a:r>
+            <a:endParaRPr/>
+          </a:p>
+          <a:p>
+            <a:pPr indent="-342900" lvl="0" marL="457200" rtl="0" algn="l">
+              <a:spcBef>
+                <a:spcPts val="0"/>
+              </a:spcBef>
+              <a:spcAft>
+                <a:spcPts val="0"/>
+              </a:spcAft>
+              <a:buSzPts val="1800"/>
+              <a:buChar char="●"/>
+            </a:pPr>
+            <a:r>
+              <a:rPr lang="en"/>
+              <a:t>Member-checking</a:t>
+            </a:r>
+            <a:endParaRPr/>
+          </a:p>
+          <a:p>
+            <a:pPr indent="0" lvl="0" marL="0" rtl="0" algn="l">
+              <a:spcBef>
+                <a:spcPts val="1200"/>
+              </a:spcBef>
+              <a:spcAft>
+                <a:spcPts val="0"/>
+              </a:spcAft>
+              <a:buNone/>
+            </a:pPr>
+            <a:r>
+              <a:rPr b="1" lang="en"/>
+              <a:t>Transferability</a:t>
+            </a:r>
+            <a:endParaRPr b="1"/>
+          </a:p>
+          <a:p>
+            <a:pPr indent="-342900" lvl="0" marL="457200" rtl="0" algn="l">
+              <a:spcBef>
+                <a:spcPts val="1200"/>
+              </a:spcBef>
+              <a:spcAft>
+                <a:spcPts val="0"/>
+              </a:spcAft>
+              <a:buSzPts val="1800"/>
+              <a:buChar char="●"/>
+            </a:pPr>
+            <a:r>
+              <a:rPr lang="en"/>
+              <a:t>Thick description</a:t>
+            </a:r>
+            <a:endParaRPr/>
+          </a:p>
+        </p:txBody>
+      </p:sp>
+      <p:sp>
+        <p:nvSpPr>
+          <p:cNvPr id="296" name="Google Shape;296;p46"/>
           <p:cNvSpPr txBox="1"/>
           <p:nvPr>
             <p:ph idx="12" type="sldNum"/>
@@ -16233,7 +16210,7 @@
               </a:rPr>
               <a:t> </a:t>
             </a:r>
-            <a:endParaRPr b="0" sz="900">
+            <a:endParaRPr>
               <a:solidFill>
                 <a:schemeClr val="dk2"/>
               </a:solidFill>
@@ -16243,16 +16220,16 @@
       </p:sp>
       <p:sp>
         <p:nvSpPr>
-          <p:cNvPr id="296" name="Google Shape;296;p46"/>
+          <p:cNvPr id="297" name="Google Shape;297;p46"/>
           <p:cNvSpPr txBox="1"/>
           <p:nvPr>
-            <p:ph idx="1" type="body"/>
-          </p:nvPr>
-        </p:nvSpPr>
-        <p:spPr>
-          <a:xfrm>
-            <a:off x="274320" y="914400"/>
-            <a:ext cx="8595300" cy="4114800"/>
+            <p:ph idx="2" type="body"/>
+          </p:nvPr>
+        </p:nvSpPr>
+        <p:spPr>
+          <a:xfrm>
+            <a:off x="4846320" y="914400"/>
+            <a:ext cx="4114800" cy="4114800"/>
           </a:xfrm>
           <a:prstGeom prst="rect">
             <a:avLst/>
@@ -16264,45 +16241,82 @@
           </a:bodyPr>
           <a:lstStyle/>
           <a:p>
-            <a:pPr indent="-330200" lvl="0" marL="419100" rtl="0" algn="l">
-              <a:spcBef>
-                <a:spcPts val="0"/>
+            <a:pPr indent="0" lvl="0" marL="0" rtl="0" algn="l">
+              <a:spcBef>
+                <a:spcPts val="0"/>
+              </a:spcBef>
+              <a:spcAft>
+                <a:spcPts val="0"/>
+              </a:spcAft>
+              <a:buNone/>
+            </a:pPr>
+            <a:r>
+              <a:rPr b="1" lang="en"/>
+              <a:t>Dependability</a:t>
+            </a:r>
+            <a:endParaRPr b="1"/>
+          </a:p>
+          <a:p>
+            <a:pPr indent="-342900" lvl="0" marL="457200" rtl="0" algn="l">
+              <a:spcBef>
+                <a:spcPts val="1200"/>
               </a:spcBef>
               <a:spcAft>
                 <a:spcPts val="0"/>
               </a:spcAft>
               <a:buSzPts val="1800"/>
-              <a:buAutoNum type="arabicPeriod"/>
-            </a:pPr>
-            <a:r>
-              <a:rPr lang="en"/>
-              <a:t>T</a:t>
-            </a:r>
-            <a:r>
-              <a:rPr lang="en"/>
-              <a:t>heory building</a:t>
-            </a:r>
-            <a:endParaRPr/>
-          </a:p>
-          <a:p>
-            <a:pPr indent="-330200" lvl="0" marL="419100" rtl="0" algn="l">
-              <a:spcBef>
-                <a:spcPts val="0"/>
+              <a:buChar char="●"/>
+            </a:pPr>
+            <a:r>
+              <a:rPr lang="en"/>
+              <a:t>Inquiry audit</a:t>
+            </a:r>
+            <a:br>
+              <a:rPr lang="en"/>
+            </a:br>
+            <a:br>
+              <a:rPr lang="en"/>
+            </a:br>
+            <a:br>
+              <a:rPr lang="en"/>
+            </a:br>
+            <a:endParaRPr/>
+          </a:p>
+          <a:p>
+            <a:pPr indent="0" lvl="0" marL="0" rtl="0" algn="l">
+              <a:spcBef>
+                <a:spcPts val="1200"/>
+              </a:spcBef>
+              <a:spcAft>
+                <a:spcPts val="0"/>
+              </a:spcAft>
+              <a:buNone/>
+            </a:pPr>
+            <a:r>
+              <a:rPr b="1" lang="en"/>
+              <a:t>Confirmability</a:t>
+            </a:r>
+            <a:endParaRPr b="1"/>
+          </a:p>
+          <a:p>
+            <a:pPr indent="-342900" lvl="0" marL="457200" rtl="0" algn="l">
+              <a:spcBef>
+                <a:spcPts val="1200"/>
               </a:spcBef>
               <a:spcAft>
                 <a:spcPts val="0"/>
               </a:spcAft>
               <a:buSzPts val="1800"/>
-              <a:buAutoNum type="arabicPeriod"/>
-            </a:pPr>
-            <a:r>
-              <a:rPr lang="en"/>
-              <a:t>Qualitative research</a:t>
-            </a:r>
-            <a:endParaRPr/>
-          </a:p>
-          <a:p>
-            <a:pPr indent="-330200" lvl="0" marL="419100" rtl="0" algn="l">
+              <a:buChar char="●"/>
+            </a:pPr>
+            <a:r>
+              <a:rPr lang="en"/>
+              <a:t>Confirmability audit</a:t>
+            </a:r>
+            <a:endParaRPr/>
+          </a:p>
+          <a:p>
+            <a:pPr indent="-342900" lvl="0" marL="457200" rtl="0" algn="l">
               <a:spcBef>
                 <a:spcPts val="0"/>
               </a:spcBef>
@@ -16310,16 +16324,16 @@
                 <a:spcPts val="0"/>
               </a:spcAft>
               <a:buSzPts val="1800"/>
-              <a:buAutoNum type="arabicPeriod"/>
-            </a:pPr>
-            <a:r>
-              <a:rPr lang="en"/>
-              <a:t>Example methodologies</a:t>
-            </a:r>
-            <a:endParaRPr/>
-          </a:p>
-          <a:p>
-            <a:pPr indent="-330200" lvl="0" marL="419100" rtl="0" algn="l">
+              <a:buChar char="●"/>
+            </a:pPr>
+            <a:r>
+              <a:rPr lang="en"/>
+              <a:t>Audit trail</a:t>
+            </a:r>
+            <a:endParaRPr/>
+          </a:p>
+          <a:p>
+            <a:pPr indent="-342900" lvl="0" marL="457200" rtl="0" algn="l">
               <a:spcBef>
                 <a:spcPts val="0"/>
               </a:spcBef>
@@ -16327,16 +16341,16 @@
                 <a:spcPts val="0"/>
               </a:spcAft>
               <a:buSzPts val="1800"/>
-              <a:buAutoNum type="arabicPeriod"/>
-            </a:pPr>
-            <a:r>
-              <a:rPr lang="en"/>
-              <a:t>Multi-method research</a:t>
-            </a:r>
-            <a:endParaRPr/>
-          </a:p>
-          <a:p>
-            <a:pPr indent="-330200" lvl="0" marL="419100" rtl="0" algn="l">
+              <a:buChar char="●"/>
+            </a:pPr>
+            <a:r>
+              <a:rPr lang="en"/>
+              <a:t>Triangulation</a:t>
+            </a:r>
+            <a:endParaRPr/>
+          </a:p>
+          <a:p>
+            <a:pPr indent="-342900" lvl="0" marL="457200" rtl="0" algn="l">
               <a:spcBef>
                 <a:spcPts val="0"/>
               </a:spcBef>
@@ -16344,28 +16358,11 @@
                 <a:spcPts val="0"/>
               </a:spcAft>
               <a:buSzPts val="1800"/>
-              <a:buAutoNum type="arabicPeriod"/>
-            </a:pPr>
-            <a:r>
-              <a:rPr lang="en"/>
-              <a:t>Mixed-methods research</a:t>
-            </a:r>
-            <a:endParaRPr/>
-          </a:p>
-          <a:p>
-            <a:pPr indent="-330200" lvl="0" marL="419100" rtl="0" algn="l">
-              <a:spcBef>
-                <a:spcPts val="0"/>
-              </a:spcBef>
-              <a:spcAft>
-                <a:spcPts val="0"/>
-              </a:spcAft>
-              <a:buSzPts val="1800"/>
-              <a:buAutoNum type="arabicPeriod"/>
-            </a:pPr>
-            <a:r>
-              <a:rPr lang="en"/>
-              <a:t>Quality assurance</a:t>
+              <a:buChar char="●"/>
+            </a:pPr>
+            <a:r>
+              <a:rPr lang="en"/>
+              <a:t>Reflexivity </a:t>
             </a:r>
             <a:endParaRPr/>
           </a:p>
@@ -16375,13 +16372,8 @@
                 <a:spcPts val="1200"/>
               </a:spcBef>
               <a:spcAft>
-                <a:spcPts val="0"/>
-              </a:spcAft>
-              <a:buClr>
-                <a:schemeClr val="dk1"/>
-              </a:buClr>
-              <a:buSzPts val="1100"/>
-              <a:buFont typeface="Arial"/>
+                <a:spcPts val="1200"/>
+              </a:spcAft>
               <a:buNone/>
             </a:pPr>
             <a:r>
@@ -16389,18 +16381,49 @@
             </a:r>
             <a:endParaRPr/>
           </a:p>
+        </p:txBody>
+      </p:sp>
+      <p:sp>
+        <p:nvSpPr>
+          <p:cNvPr id="298" name="Google Shape;298;p46"/>
+          <p:cNvSpPr txBox="1"/>
+          <p:nvPr/>
+        </p:nvSpPr>
+        <p:spPr>
+          <a:xfrm>
+            <a:off x="0" y="4233672"/>
+            <a:ext cx="7315200" cy="914400"/>
+          </a:xfrm>
+          <a:prstGeom prst="rect">
+            <a:avLst/>
+          </a:prstGeom>
+          <a:noFill/>
+          <a:ln>
+            <a:noFill/>
+          </a:ln>
+        </p:spPr>
+        <p:txBody>
+          <a:bodyPr anchorCtr="0" anchor="b" bIns="91425" lIns="91425" spcFirstLastPara="1" rIns="91425" wrap="square" tIns="91425">
+            <a:noAutofit/>
+          </a:bodyPr>
+          <a:lstStyle/>
           <a:p>
             <a:pPr indent="0" lvl="0" marL="0" rtl="0" algn="l">
               <a:spcBef>
-                <a:spcPts val="1200"/>
-              </a:spcBef>
-              <a:spcAft>
-                <a:spcPts val="1200"/>
-              </a:spcAft>
-              <a:buNone/>
-            </a:pPr>
-            <a:r>
-              <a:t/>
+                <a:spcPts val="0"/>
+              </a:spcBef>
+              <a:spcAft>
+                <a:spcPts val="0"/>
+              </a:spcAft>
+              <a:buNone/>
+            </a:pPr>
+            <a:r>
+              <a:rPr lang="en"/>
+              <a:t>[1] See Guba &amp; Lincoln (1982)</a:t>
+            </a:r>
+            <a:r>
+              <a:rPr lang="en"/>
+              <a:t>: Naturalistic inquiry.</a:t>
             </a:r>
             <a:endParaRPr/>
           </a:p>
@@ -16585,7 +16608,7 @@
   <p:cSld>
     <p:spTree>
       <p:nvGrpSpPr>
-        <p:cNvPr id="300" name="Shape 300"/>
+        <p:cNvPr id="302" name="Shape 302"/>
         <p:cNvGrpSpPr/>
         <p:nvPr/>
       </p:nvGrpSpPr>
@@ -16599,39 +16622,39 @@
       </p:grpSpPr>
       <p:sp>
         <p:nvSpPr>
-          <p:cNvPr id="301" name="Google Shape;301;p47"/>
+          <p:cNvPr id="303" name="Google Shape;303;p47"/>
           <p:cNvSpPr txBox="1"/>
           <p:nvPr>
-            <p:ph type="ctrTitle"/>
+            <p:ph type="title"/>
           </p:nvPr>
         </p:nvSpPr>
         <p:spPr>
           <a:xfrm>
             <a:off x="0" y="0"/>
-            <a:ext cx="9144000" cy="2388900"/>
+            <a:ext cx="9144000" cy="685800"/>
           </a:xfrm>
           <a:prstGeom prst="rect">
             <a:avLst/>
           </a:prstGeom>
         </p:spPr>
         <p:txBody>
-          <a:bodyPr anchorCtr="0" anchor="b" bIns="274300" lIns="91425" spcFirstLastPara="1" rIns="91425" wrap="square" tIns="91425">
+          <a:bodyPr anchorCtr="0" anchor="ctr" bIns="91425" lIns="274300" spcFirstLastPara="1" rIns="91425" wrap="square" tIns="91425">
             <a:noAutofit/>
           </a:bodyPr>
           <a:lstStyle/>
           <a:p>
-            <a:pPr indent="0" lvl="0" marL="0" rtl="0" algn="ctr">
-              <a:spcBef>
-                <a:spcPts val="0"/>
-              </a:spcBef>
-              <a:spcAft>
-                <a:spcPts val="0"/>
-              </a:spcAft>
-              <a:buNone/>
-            </a:pPr>
-            <a:r>
-              <a:rPr lang="en"/>
-              <a:t>Thank you! Any questions?</a:t>
+            <a:pPr indent="0" lvl="0" marL="0" rtl="0" algn="l">
+              <a:spcBef>
+                <a:spcPts val="0"/>
+              </a:spcBef>
+              <a:spcAft>
+                <a:spcPts val="0"/>
+              </a:spcAft>
+              <a:buNone/>
+            </a:pPr>
+            <a:r>
+              <a:rPr lang="en"/>
+              <a:t>Summary</a:t>
             </a:r>
             <a:endParaRPr/>
           </a:p>
@@ -16639,120 +16662,239 @@
       </p:sp>
       <p:sp>
         <p:nvSpPr>
-          <p:cNvPr id="302" name="Google Shape;302;p47"/>
+          <p:cNvPr id="304" name="Google Shape;304;p47"/>
           <p:cNvSpPr txBox="1"/>
           <p:nvPr>
-            <p:ph idx="1" type="subTitle"/>
-          </p:nvPr>
-        </p:nvSpPr>
-        <p:spPr>
-          <a:xfrm>
-            <a:off x="0" y="2569475"/>
-            <a:ext cx="9144000" cy="2574000"/>
+            <p:ph idx="12" type="sldNum"/>
+          </p:nvPr>
+        </p:nvSpPr>
+        <p:spPr>
+          <a:xfrm>
+            <a:off x="7315202" y="4416550"/>
+            <a:ext cx="1828800" cy="731400"/>
           </a:xfrm>
           <a:prstGeom prst="rect">
             <a:avLst/>
           </a:prstGeom>
         </p:spPr>
         <p:txBody>
-          <a:bodyPr anchorCtr="0" anchor="t" bIns="91425" lIns="91425" spcFirstLastPara="1" rIns="91425" wrap="square" tIns="274300">
+          <a:bodyPr anchorCtr="0" anchor="b" bIns="91425" lIns="91425" spcFirstLastPara="1" rIns="91425" wrap="square" tIns="91425">
             <a:noAutofit/>
           </a:bodyPr>
           <a:lstStyle/>
           <a:p>
-            <a:pPr indent="0" lvl="0" marL="0" rtl="0" algn="ctr">
-              <a:lnSpc>
-                <a:spcPct val="150000"/>
-              </a:lnSpc>
-              <a:spcBef>
-                <a:spcPts val="0"/>
-              </a:spcBef>
-              <a:spcAft>
-                <a:spcPts val="0"/>
-              </a:spcAft>
-              <a:buNone/>
-            </a:pPr>
-            <a:r>
-              <a:rPr lang="en" u="sng">
+            <a:pPr indent="0" lvl="0" marL="0" rtl="0" algn="r">
+              <a:spcBef>
+                <a:spcPts val="0"/>
+              </a:spcBef>
+              <a:spcAft>
+                <a:spcPts val="0"/>
+              </a:spcAft>
+              <a:buNone/>
+            </a:pPr>
+            <a:fld id="{00000000-1234-1234-1234-123412341234}" type="slidenum">
+              <a:rPr lang="en"/>
+              <a:t>‹#›</a:t>
+            </a:fld>
+            <a:endParaRPr/>
+          </a:p>
+          <a:p>
+            <a:pPr indent="0" lvl="0" marL="0" rtl="0" algn="r">
+              <a:spcBef>
+                <a:spcPts val="0"/>
+              </a:spcBef>
+              <a:spcAft>
+                <a:spcPts val="0"/>
+              </a:spcAft>
+              <a:buNone/>
+            </a:pPr>
+            <a:r>
+              <a:rPr b="0" lang="en" sz="900" u="sng">
                 <a:solidFill>
                   <a:schemeClr val="hlink"/>
                 </a:solidFill>
                 <a:hlinkClick r:id="rId3"/>
               </a:rPr>
-              <a:t>dirk.riehle@fau.de</a:t>
-            </a:r>
-            <a:r>
-              <a:rPr lang="en"/>
+              <a:t>https://profriehle.com</a:t>
+            </a:r>
+            <a:r>
+              <a:rPr b="0" lang="en" sz="900">
+                <a:solidFill>
+                  <a:schemeClr val="dk2"/>
+                </a:solidFill>
+              </a:rPr>
               <a:t> </a:t>
             </a:r>
-            <a:r>
-              <a:rPr lang="en" sz="2400"/>
-              <a:t>–</a:t>
-            </a:r>
-            <a:r>
-              <a:rPr lang="en"/>
-              <a:t> </a:t>
-            </a:r>
-            <a:r>
-              <a:rPr lang="en" u="sng">
-                <a:solidFill>
-                  <a:schemeClr val="hlink"/>
-                </a:solidFill>
-                <a:hlinkClick r:id="rId4"/>
-              </a:rPr>
-              <a:t>https://oss.cs.fau.de</a:t>
-            </a:r>
-            <a:endParaRPr/>
-          </a:p>
-          <a:p>
-            <a:pPr indent="0" lvl="0" marL="0" rtl="0" algn="ctr">
-              <a:lnSpc>
-                <a:spcPct val="150000"/>
-              </a:lnSpc>
-              <a:spcBef>
-                <a:spcPts val="0"/>
-              </a:spcBef>
-              <a:spcAft>
-                <a:spcPts val="0"/>
-              </a:spcAft>
-              <a:buNone/>
-            </a:pPr>
-            <a:r>
-              <a:rPr lang="en" sz="2400" u="sng">
-                <a:solidFill>
-                  <a:schemeClr val="hlink"/>
-                </a:solidFill>
-                <a:hlinkClick r:id="rId5"/>
-              </a:rPr>
-              <a:t>dirk@riehle.org</a:t>
-            </a:r>
-            <a:r>
-              <a:rPr lang="en" sz="2400"/>
-              <a:t> – </a:t>
-            </a:r>
-            <a:r>
-              <a:rPr lang="en" sz="2400" u="sng">
-                <a:solidFill>
-                  <a:schemeClr val="hlink"/>
-                </a:solidFill>
-                <a:hlinkClick r:id="rId6"/>
-              </a:rPr>
-              <a:t>https://dirkriehle.com</a:t>
-            </a:r>
-            <a:r>
-              <a:rPr lang="en" sz="2400"/>
-              <a:t> – </a:t>
-            </a:r>
-            <a:r>
-              <a:rPr lang="en" sz="2400" u="sng">
-                <a:solidFill>
-                  <a:schemeClr val="hlink"/>
-                </a:solidFill>
-                <a:hlinkClick r:id="rId7"/>
-              </a:rPr>
-              <a:t>@dirkriehle</a:t>
-            </a:r>
-            <a:endParaRPr sz="2400"/>
+            <a:endParaRPr b="0" sz="900">
+              <a:solidFill>
+                <a:schemeClr val="dk2"/>
+              </a:solidFill>
+            </a:endParaRPr>
+          </a:p>
+        </p:txBody>
+      </p:sp>
+      <p:sp>
+        <p:nvSpPr>
+          <p:cNvPr id="305" name="Google Shape;305;p47"/>
+          <p:cNvSpPr txBox="1"/>
+          <p:nvPr>
+            <p:ph idx="1" type="body"/>
+          </p:nvPr>
+        </p:nvSpPr>
+        <p:spPr>
+          <a:xfrm>
+            <a:off x="274320" y="914400"/>
+            <a:ext cx="8595300" cy="4114800"/>
+          </a:xfrm>
+          <a:prstGeom prst="rect">
+            <a:avLst/>
+          </a:prstGeom>
+        </p:spPr>
+        <p:txBody>
+          <a:bodyPr anchorCtr="0" anchor="t" bIns="0" lIns="0" spcFirstLastPara="1" rIns="0" wrap="square" tIns="0">
+            <a:noAutofit/>
+          </a:bodyPr>
+          <a:lstStyle/>
+          <a:p>
+            <a:pPr indent="-330200" lvl="0" marL="419100" rtl="0" algn="l">
+              <a:spcBef>
+                <a:spcPts val="0"/>
+              </a:spcBef>
+              <a:spcAft>
+                <a:spcPts val="0"/>
+              </a:spcAft>
+              <a:buSzPts val="1800"/>
+              <a:buAutoNum type="arabicPeriod"/>
+            </a:pPr>
+            <a:r>
+              <a:rPr lang="en"/>
+              <a:t>T</a:t>
+            </a:r>
+            <a:r>
+              <a:rPr lang="en"/>
+              <a:t>heory building</a:t>
+            </a:r>
+            <a:endParaRPr/>
+          </a:p>
+          <a:p>
+            <a:pPr indent="-330200" lvl="0" marL="419100" rtl="0" algn="l">
+              <a:spcBef>
+                <a:spcPts val="0"/>
+              </a:spcBef>
+              <a:spcAft>
+                <a:spcPts val="0"/>
+              </a:spcAft>
+              <a:buSzPts val="1800"/>
+              <a:buAutoNum type="arabicPeriod"/>
+            </a:pPr>
+            <a:r>
+              <a:rPr lang="en"/>
+              <a:t>Qualitative research</a:t>
+            </a:r>
+            <a:endParaRPr/>
+          </a:p>
+          <a:p>
+            <a:pPr indent="-330200" lvl="0" marL="419100" rtl="0" algn="l">
+              <a:spcBef>
+                <a:spcPts val="0"/>
+              </a:spcBef>
+              <a:spcAft>
+                <a:spcPts val="0"/>
+              </a:spcAft>
+              <a:buSzPts val="1800"/>
+              <a:buAutoNum type="arabicPeriod"/>
+            </a:pPr>
+            <a:r>
+              <a:rPr lang="en"/>
+              <a:t>Example methodologies</a:t>
+            </a:r>
+            <a:endParaRPr/>
+          </a:p>
+          <a:p>
+            <a:pPr indent="-330200" lvl="0" marL="419100" rtl="0" algn="l">
+              <a:spcBef>
+                <a:spcPts val="0"/>
+              </a:spcBef>
+              <a:spcAft>
+                <a:spcPts val="0"/>
+              </a:spcAft>
+              <a:buSzPts val="1800"/>
+              <a:buAutoNum type="arabicPeriod"/>
+            </a:pPr>
+            <a:r>
+              <a:rPr lang="en"/>
+              <a:t>Multi-method research</a:t>
+            </a:r>
+            <a:endParaRPr/>
+          </a:p>
+          <a:p>
+            <a:pPr indent="-330200" lvl="0" marL="419100" rtl="0" algn="l">
+              <a:spcBef>
+                <a:spcPts val="0"/>
+              </a:spcBef>
+              <a:spcAft>
+                <a:spcPts val="0"/>
+              </a:spcAft>
+              <a:buSzPts val="1800"/>
+              <a:buAutoNum type="arabicPeriod"/>
+            </a:pPr>
+            <a:r>
+              <a:rPr lang="en"/>
+              <a:t>Mixed-methods research</a:t>
+            </a:r>
+            <a:endParaRPr/>
+          </a:p>
+          <a:p>
+            <a:pPr indent="-330200" lvl="0" marL="419100" rtl="0" algn="l">
+              <a:spcBef>
+                <a:spcPts val="0"/>
+              </a:spcBef>
+              <a:spcAft>
+                <a:spcPts val="0"/>
+              </a:spcAft>
+              <a:buSzPts val="1800"/>
+              <a:buAutoNum type="arabicPeriod"/>
+            </a:pPr>
+            <a:r>
+              <a:rPr lang="en"/>
+              <a:t>Quality assurance</a:t>
+            </a:r>
+            <a:endParaRPr/>
+          </a:p>
+          <a:p>
+            <a:pPr indent="0" lvl="0" marL="0" rtl="0" algn="l">
+              <a:spcBef>
+                <a:spcPts val="1200"/>
+              </a:spcBef>
+              <a:spcAft>
+                <a:spcPts val="0"/>
+              </a:spcAft>
+              <a:buClr>
+                <a:schemeClr val="dk1"/>
+              </a:buClr>
+              <a:buSzPts val="1100"/>
+              <a:buFont typeface="Arial"/>
+              <a:buNone/>
+            </a:pPr>
+            <a:r>
+              <a:t/>
+            </a:r>
+            <a:endParaRPr/>
+          </a:p>
+          <a:p>
+            <a:pPr indent="0" lvl="0" marL="0" rtl="0" algn="l">
+              <a:spcBef>
+                <a:spcPts val="1200"/>
+              </a:spcBef>
+              <a:spcAft>
+                <a:spcPts val="1200"/>
+              </a:spcAft>
+              <a:buNone/>
+            </a:pPr>
+            <a:r>
+              <a:t/>
+            </a:r>
+            <a:endParaRPr/>
           </a:p>
         </p:txBody>
       </p:sp>
@@ -16769,7 +16911,7 @@
   <p:cSld>
     <p:spTree>
       <p:nvGrpSpPr>
-        <p:cNvPr id="306" name="Shape 306"/>
+        <p:cNvPr id="309" name="Shape 309"/>
         <p:cNvGrpSpPr/>
         <p:nvPr/>
       </p:nvGrpSpPr>
@@ -16783,7 +16925,191 @@
       </p:grpSpPr>
       <p:sp>
         <p:nvSpPr>
-          <p:cNvPr id="307" name="Google Shape;307;p48"/>
+          <p:cNvPr id="310" name="Google Shape;310;p48"/>
+          <p:cNvSpPr txBox="1"/>
+          <p:nvPr>
+            <p:ph type="ctrTitle"/>
+          </p:nvPr>
+        </p:nvSpPr>
+        <p:spPr>
+          <a:xfrm>
+            <a:off x="0" y="0"/>
+            <a:ext cx="9144000" cy="2388900"/>
+          </a:xfrm>
+          <a:prstGeom prst="rect">
+            <a:avLst/>
+          </a:prstGeom>
+        </p:spPr>
+        <p:txBody>
+          <a:bodyPr anchorCtr="0" anchor="b" bIns="274300" lIns="91425" spcFirstLastPara="1" rIns="91425" wrap="square" tIns="91425">
+            <a:noAutofit/>
+          </a:bodyPr>
+          <a:lstStyle/>
+          <a:p>
+            <a:pPr indent="0" lvl="0" marL="0" rtl="0" algn="ctr">
+              <a:spcBef>
+                <a:spcPts val="0"/>
+              </a:spcBef>
+              <a:spcAft>
+                <a:spcPts val="0"/>
+              </a:spcAft>
+              <a:buNone/>
+            </a:pPr>
+            <a:r>
+              <a:rPr lang="en"/>
+              <a:t>Thank you! Any questions?</a:t>
+            </a:r>
+            <a:endParaRPr/>
+          </a:p>
+        </p:txBody>
+      </p:sp>
+      <p:sp>
+        <p:nvSpPr>
+          <p:cNvPr id="311" name="Google Shape;311;p48"/>
+          <p:cNvSpPr txBox="1"/>
+          <p:nvPr>
+            <p:ph idx="1" type="subTitle"/>
+          </p:nvPr>
+        </p:nvSpPr>
+        <p:spPr>
+          <a:xfrm>
+            <a:off x="0" y="2569475"/>
+            <a:ext cx="9144000" cy="2574000"/>
+          </a:xfrm>
+          <a:prstGeom prst="rect">
+            <a:avLst/>
+          </a:prstGeom>
+        </p:spPr>
+        <p:txBody>
+          <a:bodyPr anchorCtr="0" anchor="t" bIns="91425" lIns="91425" spcFirstLastPara="1" rIns="91425" wrap="square" tIns="274300">
+            <a:noAutofit/>
+          </a:bodyPr>
+          <a:lstStyle/>
+          <a:p>
+            <a:pPr indent="0" lvl="0" marL="0" rtl="0" algn="ctr">
+              <a:lnSpc>
+                <a:spcPct val="150000"/>
+              </a:lnSpc>
+              <a:spcBef>
+                <a:spcPts val="0"/>
+              </a:spcBef>
+              <a:spcAft>
+                <a:spcPts val="0"/>
+              </a:spcAft>
+              <a:buNone/>
+            </a:pPr>
+            <a:r>
+              <a:rPr lang="en" u="sng">
+                <a:solidFill>
+                  <a:schemeClr val="hlink"/>
+                </a:solidFill>
+                <a:hlinkClick r:id="rId3"/>
+              </a:rPr>
+              <a:t>dirk.riehle@fau.de</a:t>
+            </a:r>
+            <a:r>
+              <a:rPr lang="en"/>
+              <a:t> </a:t>
+            </a:r>
+            <a:r>
+              <a:rPr lang="en" sz="2400"/>
+              <a:t>–</a:t>
+            </a:r>
+            <a:r>
+              <a:rPr lang="en"/>
+              <a:t> </a:t>
+            </a:r>
+            <a:r>
+              <a:rPr lang="en" u="sng">
+                <a:solidFill>
+                  <a:schemeClr val="hlink"/>
+                </a:solidFill>
+                <a:hlinkClick r:id="rId4"/>
+              </a:rPr>
+              <a:t>https://oss.cs.fau.de</a:t>
+            </a:r>
+            <a:endParaRPr/>
+          </a:p>
+          <a:p>
+            <a:pPr indent="0" lvl="0" marL="0" rtl="0" algn="ctr">
+              <a:lnSpc>
+                <a:spcPct val="150000"/>
+              </a:lnSpc>
+              <a:spcBef>
+                <a:spcPts val="0"/>
+              </a:spcBef>
+              <a:spcAft>
+                <a:spcPts val="0"/>
+              </a:spcAft>
+              <a:buNone/>
+            </a:pPr>
+            <a:r>
+              <a:rPr lang="en" sz="2400" u="sng">
+                <a:solidFill>
+                  <a:schemeClr val="hlink"/>
+                </a:solidFill>
+                <a:hlinkClick r:id="rId5"/>
+              </a:rPr>
+              <a:t>dirk@riehle.org</a:t>
+            </a:r>
+            <a:r>
+              <a:rPr lang="en" sz="2400"/>
+              <a:t> – </a:t>
+            </a:r>
+            <a:r>
+              <a:rPr lang="en" sz="2400" u="sng">
+                <a:solidFill>
+                  <a:schemeClr val="hlink"/>
+                </a:solidFill>
+                <a:hlinkClick r:id="rId6"/>
+              </a:rPr>
+              <a:t>https://dirkriehle.com</a:t>
+            </a:r>
+            <a:r>
+              <a:rPr lang="en" sz="2400"/>
+              <a:t> – </a:t>
+            </a:r>
+            <a:r>
+              <a:rPr lang="en" sz="2400" u="sng">
+                <a:solidFill>
+                  <a:schemeClr val="hlink"/>
+                </a:solidFill>
+                <a:hlinkClick r:id="rId7"/>
+              </a:rPr>
+              <a:t>@dirkriehle</a:t>
+            </a:r>
+            <a:endParaRPr sz="2400"/>
+          </a:p>
+        </p:txBody>
+      </p:sp>
+    </p:spTree>
+  </p:cSld>
+  <p:clrMapOvr>
+    <a:masterClrMapping/>
+  </p:clrMapOvr>
+</p:sld>
+</file>
+
+<file path=ppt/slides/slide42.xml><?xml version="1.0" encoding="utf-8"?>
+<p:sld xmlns:a="http://schemas.openxmlformats.org/drawingml/2006/main" xmlns:r="http://schemas.openxmlformats.org/officeDocument/2006/relationships" xmlns:mc="http://schemas.openxmlformats.org/markup-compatibility/2006" xmlns:mv="urn:schemas-microsoft-com:mac:vml" xmlns:p="http://schemas.openxmlformats.org/presentationml/2006/main" xmlns:c="http://schemas.openxmlformats.org/drawingml/2006/chart" xmlns:dgm="http://schemas.openxmlformats.org/drawingml/2006/diagram" xmlns:o="urn:schemas-microsoft-com:office:office" xmlns:v="urn:schemas-microsoft-com:vml" xmlns:pvml="urn:schemas-microsoft-com:office:powerpoint" xmlns:com="http://schemas.openxmlformats.org/drawingml/2006/compatibility" xmlns:p14="http://schemas.microsoft.com/office/powerpoint/2010/main" xmlns:p15="http://schemas.microsoft.com/office/powerpoint/2012/main" xmlns:ahyp="http://schemas.microsoft.com/office/drawing/2018/hyperlinkcolor">
+  <p:cSld>
+    <p:spTree>
+      <p:nvGrpSpPr>
+        <p:cNvPr id="315" name="Shape 315"/>
+        <p:cNvGrpSpPr/>
+        <p:nvPr/>
+      </p:nvGrpSpPr>
+      <p:grpSpPr>
+        <a:xfrm>
+          <a:off x="0" y="0"/>
+          <a:ext cx="0" cy="0"/>
+          <a:chOff x="0" y="0"/>
+          <a:chExt cx="0" cy="0"/>
+        </a:xfrm>
+      </p:grpSpPr>
+      <p:sp>
+        <p:nvSpPr>
+          <p:cNvPr id="316" name="Google Shape;316;p49"/>
           <p:cNvSpPr txBox="1"/>
           <p:nvPr>
             <p:ph type="title"/>
@@ -16823,7 +17149,7 @@
       </p:sp>
       <p:sp>
         <p:nvSpPr>
-          <p:cNvPr id="308" name="Google Shape;308;p48"/>
+          <p:cNvPr id="317" name="Google Shape;317;p49"/>
           <p:cNvSpPr txBox="1"/>
           <p:nvPr>
             <p:ph idx="12" type="sldNum"/>
@@ -16896,7 +17222,7 @@
       </p:sp>
       <p:sp>
         <p:nvSpPr>
-          <p:cNvPr id="309" name="Google Shape;309;p48"/>
+          <p:cNvPr id="318" name="Google Shape;318;p49"/>
           <p:cNvSpPr txBox="1"/>
           <p:nvPr>
             <p:ph idx="1" type="body"/>
@@ -17317,7 +17643,7 @@
             </a:pPr>
             <a:r>
               <a:rPr lang="en"/>
-              <a:t>Theory Building Research</a:t>
+              <a:t>Types of Research Questions Answered</a:t>
             </a:r>
             <a:endParaRPr/>
           </a:p>
@@ -17356,12 +17682,8 @@
               <a:buNone/>
             </a:pPr>
             <a:r>
-              <a:rPr b="1" lang="en"/>
-              <a:t>Theory building research </a:t>
-            </a:r>
-            <a:r>
-              <a:rPr lang="en"/>
-              <a:t>is</a:t>
+              <a:rPr lang="en"/>
+              <a:t>Explanatory questions like how, why?</a:t>
             </a:r>
             <a:endParaRPr/>
           </a:p>
@@ -17378,41 +17700,7 @@
             </a:pPr>
             <a:r>
               <a:rPr lang="en"/>
-              <a:t>Exploratory</a:t>
-            </a:r>
-            <a:endParaRPr/>
-          </a:p>
-          <a:p>
-            <a:pPr indent="-342900" lvl="0" marL="457200" rtl="0" algn="l">
-              <a:spcBef>
-                <a:spcPts val="0"/>
-              </a:spcBef>
-              <a:spcAft>
-                <a:spcPts val="0"/>
-              </a:spcAft>
-              <a:buSzPts val="1800"/>
-              <a:buChar char="●"/>
-            </a:pPr>
-            <a:r>
-              <a:rPr lang="en"/>
-              <a:t>Inductive</a:t>
-            </a:r>
-            <a:endParaRPr/>
-          </a:p>
-          <a:p>
-            <a:pPr indent="-342900" lvl="0" marL="457200" rtl="0" algn="l">
-              <a:spcBef>
-                <a:spcPts val="0"/>
-              </a:spcBef>
-              <a:spcAft>
-                <a:spcPts val="0"/>
-              </a:spcAft>
-              <a:buSzPts val="1800"/>
-              <a:buChar char="●"/>
-            </a:pPr>
-            <a:r>
-              <a:rPr lang="en"/>
-              <a:t>Qualitative</a:t>
+              <a:t>Questions that lead to a theory</a:t>
             </a:r>
             <a:endParaRPr/>
           </a:p>
@@ -17427,7 +17715,8 @@
               <a:buNone/>
             </a:pPr>
             <a:r>
-              <a:t/>
+              <a:rPr lang="en"/>
+              <a:t>Not: Whether something is the case</a:t>
             </a:r>
             <a:endParaRPr/>
           </a:p>
@@ -17565,7 +17854,7 @@
             </a:pPr>
             <a:r>
               <a:rPr lang="en"/>
-              <a:t>Inductive Reasoning</a:t>
+              <a:t>Theory Building Research</a:t>
             </a:r>
             <a:endParaRPr/>
           </a:p>
@@ -17604,16 +17893,12 @@
               <a:buNone/>
             </a:pPr>
             <a:r>
-              <a:rPr lang="en"/>
-              <a:t>Inductive research is based on </a:t>
-            </a:r>
-            <a:r>
               <a:rPr b="1" lang="en"/>
-              <a:t>inductive reasoning</a:t>
-            </a:r>
-            <a:r>
-              <a:rPr lang="en"/>
-              <a:t> which is</a:t>
+              <a:t>Theory building research </a:t>
+            </a:r>
+            <a:r>
+              <a:rPr lang="en"/>
+              <a:t>is</a:t>
             </a:r>
             <a:endParaRPr/>
           </a:p>
@@ -17630,7 +17915,56 @@
             </a:pPr>
             <a:r>
               <a:rPr lang="en"/>
-              <a:t>Abstracting from data by recognizing patterns and drawing conclusions</a:t>
+              <a:t>Exploratory</a:t>
+            </a:r>
+            <a:endParaRPr/>
+          </a:p>
+          <a:p>
+            <a:pPr indent="-342900" lvl="0" marL="457200" rtl="0" algn="l">
+              <a:spcBef>
+                <a:spcPts val="0"/>
+              </a:spcBef>
+              <a:spcAft>
+                <a:spcPts val="0"/>
+              </a:spcAft>
+              <a:buSzPts val="1800"/>
+              <a:buChar char="●"/>
+            </a:pPr>
+            <a:r>
+              <a:rPr lang="en"/>
+              <a:t>Inductive</a:t>
+            </a:r>
+            <a:endParaRPr/>
+          </a:p>
+          <a:p>
+            <a:pPr indent="-342900" lvl="0" marL="457200" rtl="0" algn="l">
+              <a:spcBef>
+                <a:spcPts val="0"/>
+              </a:spcBef>
+              <a:spcAft>
+                <a:spcPts val="0"/>
+              </a:spcAft>
+              <a:buSzPts val="1800"/>
+              <a:buChar char="●"/>
+            </a:pPr>
+            <a:r>
+              <a:rPr lang="en"/>
+              <a:t>Qualitative</a:t>
+            </a:r>
+            <a:endParaRPr/>
+          </a:p>
+          <a:p>
+            <a:pPr indent="0" lvl="0" marL="0" rtl="0" algn="l">
+              <a:spcBef>
+                <a:spcPts val="1200"/>
+              </a:spcBef>
+              <a:spcAft>
+                <a:spcPts val="1200"/>
+              </a:spcAft>
+              <a:buNone/>
+            </a:pPr>
+            <a:r>
+              <a:t/>
             </a:r>
             <a:endParaRPr/>
           </a:p>
@@ -17709,34 +18043,6 @@
           </a:p>
         </p:txBody>
       </p:sp>
-      <p:pic>
-        <p:nvPicPr>
-          <p:cNvPr id="78" name="Google Shape;78;p14"/>
-          <p:cNvPicPr preferRelativeResize="0"/>
-          <p:nvPr/>
-        </p:nvPicPr>
-        <p:blipFill>
-          <a:blip r:embed="rId4">
-            <a:alphaModFix/>
-          </a:blip>
-          <a:stretch>
-            <a:fillRect/>
-          </a:stretch>
-        </p:blipFill>
-        <p:spPr>
-          <a:xfrm>
-            <a:off x="274325" y="2047875"/>
-            <a:ext cx="3200400" cy="1847850"/>
-          </a:xfrm>
-          <a:prstGeom prst="rect">
-            <a:avLst/>
-          </a:prstGeom>
-          <a:noFill/>
-          <a:ln>
-            <a:noFill/>
-          </a:ln>
-        </p:spPr>
-      </p:pic>
     </p:spTree>
   </p:cSld>
   <p:clrMapOvr>
@@ -17750,7 +18056,7 @@
   <p:cSld>
     <p:spTree>
       <p:nvGrpSpPr>
-        <p:cNvPr id="82" name="Shape 82"/>
+        <p:cNvPr id="81" name="Shape 81"/>
         <p:cNvGrpSpPr/>
         <p:nvPr/>
       </p:nvGrpSpPr>
@@ -17764,134 +18070,7 @@
       </p:grpSpPr>
       <p:sp>
         <p:nvSpPr>
-          <p:cNvPr id="83" name="Google Shape;83;p15"/>
-          <p:cNvSpPr txBox="1"/>
-          <p:nvPr>
-            <p:ph idx="1" type="body"/>
-          </p:nvPr>
-        </p:nvSpPr>
-        <p:spPr>
-          <a:xfrm>
-            <a:off x="274320" y="914400"/>
-            <a:ext cx="8595300" cy="4114800"/>
-          </a:xfrm>
-          <a:prstGeom prst="rect">
-            <a:avLst/>
-          </a:prstGeom>
-        </p:spPr>
-        <p:txBody>
-          <a:bodyPr anchorCtr="0" anchor="t" bIns="0" lIns="0" spcFirstLastPara="1" rIns="0" wrap="square" tIns="0">
-            <a:normAutofit/>
-          </a:bodyPr>
-          <a:lstStyle/>
-          <a:p>
-            <a:pPr indent="0" lvl="0" marL="0" rtl="0" algn="l">
-              <a:spcBef>
-                <a:spcPts val="0"/>
-              </a:spcBef>
-              <a:spcAft>
-                <a:spcPts val="0"/>
-              </a:spcAft>
-              <a:buNone/>
-            </a:pPr>
-            <a:r>
-              <a:rPr lang="en"/>
-              <a:t>The </a:t>
-            </a:r>
-            <a:r>
-              <a:rPr b="1" lang="en"/>
-              <a:t>theory building process </a:t>
-            </a:r>
-            <a:endParaRPr b="1"/>
-          </a:p>
-          <a:p>
-            <a:pPr indent="-342900" lvl="0" marL="457200" rtl="0" algn="l">
-              <a:spcBef>
-                <a:spcPts val="1200"/>
-              </a:spcBef>
-              <a:spcAft>
-                <a:spcPts val="0"/>
-              </a:spcAft>
-              <a:buSzPts val="1800"/>
-              <a:buChar char="●"/>
-            </a:pPr>
-            <a:r>
-              <a:rPr lang="en"/>
-              <a:t>Is iterative </a:t>
-            </a:r>
-            <a:endParaRPr/>
-          </a:p>
-          <a:p>
-            <a:pPr indent="-342900" lvl="0" marL="457200" rtl="0" algn="l">
-              <a:spcBef>
-                <a:spcPts val="0"/>
-              </a:spcBef>
-              <a:spcAft>
-                <a:spcPts val="0"/>
-              </a:spcAft>
-              <a:buSzPts val="1800"/>
-              <a:buChar char="●"/>
-            </a:pPr>
-            <a:r>
-              <a:rPr lang="en"/>
-              <a:t>Is incremental</a:t>
-            </a:r>
-            <a:endParaRPr/>
-          </a:p>
-          <a:p>
-            <a:pPr indent="-342900" lvl="0" marL="457200" rtl="0" algn="l">
-              <a:spcBef>
-                <a:spcPts val="0"/>
-              </a:spcBef>
-              <a:spcAft>
-                <a:spcPts val="0"/>
-              </a:spcAft>
-              <a:buSzPts val="1800"/>
-              <a:buChar char="●"/>
-            </a:pPr>
-            <a:r>
-              <a:rPr lang="en"/>
-              <a:t>Mitigates risk</a:t>
-            </a:r>
-            <a:endParaRPr/>
-          </a:p>
-          <a:p>
-            <a:pPr indent="-342900" lvl="0" marL="457200" rtl="0" algn="l">
-              <a:spcBef>
-                <a:spcPts val="0"/>
-              </a:spcBef>
-              <a:spcAft>
-                <a:spcPts val="0"/>
-              </a:spcAft>
-              <a:buSzPts val="1800"/>
-              <a:buChar char="●"/>
-            </a:pPr>
-            <a:r>
-              <a:rPr lang="en"/>
-              <a:t>Never ends</a:t>
-            </a:r>
-            <a:endParaRPr/>
-          </a:p>
-          <a:p>
-            <a:pPr indent="0" lvl="0" marL="0" rtl="0" algn="l">
-              <a:spcBef>
-                <a:spcPts val="1200"/>
-              </a:spcBef>
-              <a:spcAft>
-                <a:spcPts val="1200"/>
-              </a:spcAft>
-              <a:buNone/>
-            </a:pPr>
-            <a:r>
-              <a:t/>
-            </a:r>
-            <a:endParaRPr/>
-          </a:p>
-        </p:txBody>
-      </p:sp>
-      <p:sp>
-        <p:nvSpPr>
-          <p:cNvPr id="84" name="Google Shape;84;p15"/>
+          <p:cNvPr id="82" name="Google Shape;82;p15"/>
           <p:cNvSpPr txBox="1"/>
           <p:nvPr>
             <p:ph type="title"/>
@@ -17923,7 +18102,7 @@
             </a:pPr>
             <a:r>
               <a:rPr lang="en"/>
-              <a:t>Theory Building Process</a:t>
+              <a:t>Inductive Reasoning</a:t>
             </a:r>
             <a:endParaRPr/>
           </a:p>
@@ -17931,7 +18110,72 @@
       </p:sp>
       <p:sp>
         <p:nvSpPr>
-          <p:cNvPr id="85" name="Google Shape;85;p15"/>
+          <p:cNvPr id="83" name="Google Shape;83;p15"/>
+          <p:cNvSpPr txBox="1"/>
+          <p:nvPr>
+            <p:ph idx="1" type="body"/>
+          </p:nvPr>
+        </p:nvSpPr>
+        <p:spPr>
+          <a:xfrm>
+            <a:off x="274320" y="914400"/>
+            <a:ext cx="8595300" cy="4114800"/>
+          </a:xfrm>
+          <a:prstGeom prst="rect">
+            <a:avLst/>
+          </a:prstGeom>
+        </p:spPr>
+        <p:txBody>
+          <a:bodyPr anchorCtr="0" anchor="t" bIns="0" lIns="0" spcFirstLastPara="1" rIns="0" wrap="square" tIns="0">
+            <a:noAutofit/>
+          </a:bodyPr>
+          <a:lstStyle/>
+          <a:p>
+            <a:pPr indent="0" lvl="0" marL="0" rtl="0" algn="l">
+              <a:spcBef>
+                <a:spcPts val="0"/>
+              </a:spcBef>
+              <a:spcAft>
+                <a:spcPts val="0"/>
+              </a:spcAft>
+              <a:buNone/>
+            </a:pPr>
+            <a:r>
+              <a:rPr lang="en"/>
+              <a:t>Inductive research is based on </a:t>
+            </a:r>
+            <a:r>
+              <a:rPr b="1" lang="en"/>
+              <a:t>inductive reasoning</a:t>
+            </a:r>
+            <a:r>
+              <a:rPr lang="en"/>
+              <a:t> which is</a:t>
+            </a:r>
+            <a:endParaRPr/>
+          </a:p>
+          <a:p>
+            <a:pPr indent="-342900" lvl="0" marL="457200" rtl="0" algn="l">
+              <a:spcBef>
+                <a:spcPts val="1200"/>
+              </a:spcBef>
+              <a:spcAft>
+                <a:spcPts val="0"/>
+              </a:spcAft>
+              <a:buSzPts val="1800"/>
+              <a:buChar char="●"/>
+            </a:pPr>
+            <a:r>
+              <a:rPr lang="en"/>
+              <a:t>Abstracting from data by recognizing patterns and drawing conclusions</a:t>
+            </a:r>
+            <a:endParaRPr/>
+          </a:p>
+        </p:txBody>
+      </p:sp>
+      <p:sp>
+        <p:nvSpPr>
+          <p:cNvPr id="84" name="Google Shape;84;p15"/>
           <p:cNvSpPr txBox="1"/>
           <p:nvPr>
             <p:ph idx="12" type="sldNum"/>
@@ -18002,6 +18246,34 @@
           </a:p>
         </p:txBody>
       </p:sp>
+      <p:pic>
+        <p:nvPicPr>
+          <p:cNvPr id="85" name="Google Shape;85;p15"/>
+          <p:cNvPicPr preferRelativeResize="0"/>
+          <p:nvPr/>
+        </p:nvPicPr>
+        <p:blipFill>
+          <a:blip r:embed="rId4">
+            <a:alphaModFix/>
+          </a:blip>
+          <a:stretch>
+            <a:fillRect/>
+          </a:stretch>
+        </p:blipFill>
+        <p:spPr>
+          <a:xfrm>
+            <a:off x="274325" y="2047875"/>
+            <a:ext cx="3200400" cy="1847850"/>
+          </a:xfrm>
+          <a:prstGeom prst="rect">
+            <a:avLst/>
+          </a:prstGeom>
+          <a:noFill/>
+          <a:ln>
+            <a:noFill/>
+          </a:ln>
+        </p:spPr>
+      </p:pic>
     </p:spTree>
   </p:cSld>
   <p:clrMapOvr>
@@ -18032,6 +18304,133 @@
           <p:cNvPr id="90" name="Google Shape;90;p16"/>
           <p:cNvSpPr txBox="1"/>
           <p:nvPr>
+            <p:ph idx="1" type="body"/>
+          </p:nvPr>
+        </p:nvSpPr>
+        <p:spPr>
+          <a:xfrm>
+            <a:off x="274320" y="914400"/>
+            <a:ext cx="8595300" cy="4114800"/>
+          </a:xfrm>
+          <a:prstGeom prst="rect">
+            <a:avLst/>
+          </a:prstGeom>
+        </p:spPr>
+        <p:txBody>
+          <a:bodyPr anchorCtr="0" anchor="t" bIns="0" lIns="0" spcFirstLastPara="1" rIns="0" wrap="square" tIns="0">
+            <a:normAutofit/>
+          </a:bodyPr>
+          <a:lstStyle/>
+          <a:p>
+            <a:pPr indent="0" lvl="0" marL="0" rtl="0" algn="l">
+              <a:spcBef>
+                <a:spcPts val="0"/>
+              </a:spcBef>
+              <a:spcAft>
+                <a:spcPts val="0"/>
+              </a:spcAft>
+              <a:buNone/>
+            </a:pPr>
+            <a:r>
+              <a:rPr lang="en"/>
+              <a:t>The </a:t>
+            </a:r>
+            <a:r>
+              <a:rPr b="1" lang="en"/>
+              <a:t>theory building process </a:t>
+            </a:r>
+            <a:endParaRPr b="1"/>
+          </a:p>
+          <a:p>
+            <a:pPr indent="-342900" lvl="0" marL="457200" rtl="0" algn="l">
+              <a:spcBef>
+                <a:spcPts val="1200"/>
+              </a:spcBef>
+              <a:spcAft>
+                <a:spcPts val="0"/>
+              </a:spcAft>
+              <a:buSzPts val="1800"/>
+              <a:buChar char="●"/>
+            </a:pPr>
+            <a:r>
+              <a:rPr lang="en"/>
+              <a:t>Is iterative </a:t>
+            </a:r>
+            <a:endParaRPr/>
+          </a:p>
+          <a:p>
+            <a:pPr indent="-342900" lvl="0" marL="457200" rtl="0" algn="l">
+              <a:spcBef>
+                <a:spcPts val="0"/>
+              </a:spcBef>
+              <a:spcAft>
+                <a:spcPts val="0"/>
+              </a:spcAft>
+              <a:buSzPts val="1800"/>
+              <a:buChar char="●"/>
+            </a:pPr>
+            <a:r>
+              <a:rPr lang="en"/>
+              <a:t>Is incremental</a:t>
+            </a:r>
+            <a:endParaRPr/>
+          </a:p>
+          <a:p>
+            <a:pPr indent="-342900" lvl="0" marL="457200" rtl="0" algn="l">
+              <a:spcBef>
+                <a:spcPts val="0"/>
+              </a:spcBef>
+              <a:spcAft>
+                <a:spcPts val="0"/>
+              </a:spcAft>
+              <a:buSzPts val="1800"/>
+              <a:buChar char="●"/>
+            </a:pPr>
+            <a:r>
+              <a:rPr lang="en"/>
+              <a:t>Mitigates risk</a:t>
+            </a:r>
+            <a:endParaRPr/>
+          </a:p>
+          <a:p>
+            <a:pPr indent="-342900" lvl="0" marL="457200" rtl="0" algn="l">
+              <a:spcBef>
+                <a:spcPts val="0"/>
+              </a:spcBef>
+              <a:spcAft>
+                <a:spcPts val="0"/>
+              </a:spcAft>
+              <a:buSzPts val="1800"/>
+              <a:buChar char="●"/>
+            </a:pPr>
+            <a:r>
+              <a:rPr lang="en"/>
+              <a:t>Never ends</a:t>
+            </a:r>
+            <a:endParaRPr/>
+          </a:p>
+          <a:p>
+            <a:pPr indent="0" lvl="0" marL="0" rtl="0" algn="l">
+              <a:spcBef>
+                <a:spcPts val="1200"/>
+              </a:spcBef>
+              <a:spcAft>
+                <a:spcPts val="1200"/>
+              </a:spcAft>
+              <a:buNone/>
+            </a:pPr>
+            <a:r>
+              <a:t/>
+            </a:r>
+            <a:endParaRPr/>
+          </a:p>
+        </p:txBody>
+      </p:sp>
+      <p:sp>
+        <p:nvSpPr>
+          <p:cNvPr id="91" name="Google Shape;91;p16"/>
+          <p:cNvSpPr txBox="1"/>
+          <p:nvPr>
             <p:ph type="title"/>
           </p:nvPr>
         </p:nvSpPr>
@@ -18061,7 +18460,7 @@
             </a:pPr>
             <a:r>
               <a:rPr lang="en"/>
-              <a:t>Theory Building Processes by Methodology</a:t>
+              <a:t>Theory Building Process</a:t>
             </a:r>
             <a:endParaRPr/>
           </a:p>
@@ -18069,7 +18468,7 @@
       </p:sp>
       <p:sp>
         <p:nvSpPr>
-          <p:cNvPr id="91" name="Google Shape;91;p16"/>
+          <p:cNvPr id="92" name="Google Shape;92;p16"/>
           <p:cNvSpPr txBox="1"/>
           <p:nvPr>
             <p:ph idx="12" type="sldNum"/>
@@ -18140,34 +18539,6 @@
           </a:p>
         </p:txBody>
       </p:sp>
-      <p:pic>
-        <p:nvPicPr>
-          <p:cNvPr id="92" name="Google Shape;92;p16"/>
-          <p:cNvPicPr preferRelativeResize="0"/>
-          <p:nvPr/>
-        </p:nvPicPr>
-        <p:blipFill>
-          <a:blip r:embed="rId4">
-            <a:alphaModFix/>
-          </a:blip>
-          <a:stretch>
-            <a:fillRect/>
-          </a:stretch>
-        </p:blipFill>
-        <p:spPr>
-          <a:xfrm>
-            <a:off x="274320" y="914400"/>
-            <a:ext cx="8595360" cy="3511177"/>
-          </a:xfrm>
-          <a:prstGeom prst="rect">
-            <a:avLst/>
-          </a:prstGeom>
-          <a:noFill/>
-          <a:ln>
-            <a:noFill/>
-          </a:ln>
-        </p:spPr>
-      </p:pic>
     </p:spTree>
   </p:cSld>
   <p:clrMapOvr>

--- a/Lecture slides/NYT C01 - Theory Building.pptx
+++ b/Lecture slides/NYT C01 - Theory Building.pptx
@@ -2,55 +2,55 @@
 <file path=ppt/presentation.xml><?xml version="1.0" encoding="utf-8"?>
 <p:presentation xmlns:a="http://schemas.openxmlformats.org/drawingml/2006/main" xmlns:r="http://schemas.openxmlformats.org/officeDocument/2006/relationships" xmlns:mc="http://schemas.openxmlformats.org/markup-compatibility/2006" xmlns:mv="urn:schemas-microsoft-com:mac:vml" xmlns:p="http://schemas.openxmlformats.org/presentationml/2006/main" xmlns:c="http://schemas.openxmlformats.org/drawingml/2006/chart" xmlns:dgm="http://schemas.openxmlformats.org/drawingml/2006/diagram" xmlns:o="urn:schemas-microsoft-com:office:office" xmlns:v="urn:schemas-microsoft-com:vml" xmlns:pvml="urn:schemas-microsoft-com:office:powerpoint" xmlns:com="http://schemas.openxmlformats.org/drawingml/2006/compatibility" xmlns:p14="http://schemas.microsoft.com/office/powerpoint/2010/main" xmlns:p15="http://schemas.microsoft.com/office/powerpoint/2012/main" xmlns:ahyp="http://schemas.microsoft.com/office/drawing/2018/hyperlinkcolor" autoCompressPictures="0" strictFirstAndLastChars="0" saveSubsetFonts="1" showSpecialPlsOnTitleSld="0">
   <p:sldMasterIdLst>
-    <p:sldMasterId id="2147483654" r:id="rId5"/>
+    <p:sldMasterId id="2147483654" r:id="rId6"/>
   </p:sldMasterIdLst>
   <p:notesMasterIdLst>
-    <p:notesMasterId r:id="rId6"/>
+    <p:notesMasterId r:id="rId7"/>
   </p:notesMasterIdLst>
   <p:sldIdLst>
-    <p:sldId id="256" r:id="rId7"/>
-    <p:sldId id="257" r:id="rId8"/>
-    <p:sldId id="258" r:id="rId9"/>
-    <p:sldId id="259" r:id="rId10"/>
-    <p:sldId id="260" r:id="rId11"/>
-    <p:sldId id="261" r:id="rId12"/>
-    <p:sldId id="262" r:id="rId13"/>
-    <p:sldId id="263" r:id="rId14"/>
-    <p:sldId id="264" r:id="rId15"/>
-    <p:sldId id="265" r:id="rId16"/>
-    <p:sldId id="266" r:id="rId17"/>
-    <p:sldId id="267" r:id="rId18"/>
-    <p:sldId id="268" r:id="rId19"/>
-    <p:sldId id="269" r:id="rId20"/>
-    <p:sldId id="270" r:id="rId21"/>
-    <p:sldId id="271" r:id="rId22"/>
-    <p:sldId id="272" r:id="rId23"/>
-    <p:sldId id="273" r:id="rId24"/>
-    <p:sldId id="274" r:id="rId25"/>
-    <p:sldId id="275" r:id="rId26"/>
-    <p:sldId id="276" r:id="rId27"/>
-    <p:sldId id="277" r:id="rId28"/>
-    <p:sldId id="278" r:id="rId29"/>
-    <p:sldId id="279" r:id="rId30"/>
-    <p:sldId id="280" r:id="rId31"/>
-    <p:sldId id="281" r:id="rId32"/>
-    <p:sldId id="282" r:id="rId33"/>
-    <p:sldId id="283" r:id="rId34"/>
-    <p:sldId id="284" r:id="rId35"/>
-    <p:sldId id="285" r:id="rId36"/>
-    <p:sldId id="286" r:id="rId37"/>
-    <p:sldId id="287" r:id="rId38"/>
-    <p:sldId id="288" r:id="rId39"/>
-    <p:sldId id="289" r:id="rId40"/>
-    <p:sldId id="290" r:id="rId41"/>
-    <p:sldId id="291" r:id="rId42"/>
-    <p:sldId id="292" r:id="rId43"/>
-    <p:sldId id="293" r:id="rId44"/>
-    <p:sldId id="294" r:id="rId45"/>
-    <p:sldId id="295" r:id="rId46"/>
-    <p:sldId id="296" r:id="rId47"/>
-    <p:sldId id="297" r:id="rId48"/>
-    <p:sldId id="298" r:id="rId49"/>
+    <p:sldId id="256" r:id="rId8"/>
+    <p:sldId id="257" r:id="rId9"/>
+    <p:sldId id="258" r:id="rId10"/>
+    <p:sldId id="259" r:id="rId11"/>
+    <p:sldId id="260" r:id="rId12"/>
+    <p:sldId id="261" r:id="rId13"/>
+    <p:sldId id="262" r:id="rId14"/>
+    <p:sldId id="263" r:id="rId15"/>
+    <p:sldId id="264" r:id="rId16"/>
+    <p:sldId id="265" r:id="rId17"/>
+    <p:sldId id="266" r:id="rId18"/>
+    <p:sldId id="267" r:id="rId19"/>
+    <p:sldId id="268" r:id="rId20"/>
+    <p:sldId id="269" r:id="rId21"/>
+    <p:sldId id="270" r:id="rId22"/>
+    <p:sldId id="271" r:id="rId23"/>
+    <p:sldId id="272" r:id="rId24"/>
+    <p:sldId id="273" r:id="rId25"/>
+    <p:sldId id="274" r:id="rId26"/>
+    <p:sldId id="275" r:id="rId27"/>
+    <p:sldId id="276" r:id="rId28"/>
+    <p:sldId id="277" r:id="rId29"/>
+    <p:sldId id="278" r:id="rId30"/>
+    <p:sldId id="279" r:id="rId31"/>
+    <p:sldId id="280" r:id="rId32"/>
+    <p:sldId id="281" r:id="rId33"/>
+    <p:sldId id="282" r:id="rId34"/>
+    <p:sldId id="283" r:id="rId35"/>
+    <p:sldId id="284" r:id="rId36"/>
+    <p:sldId id="285" r:id="rId37"/>
+    <p:sldId id="286" r:id="rId38"/>
+    <p:sldId id="287" r:id="rId39"/>
+    <p:sldId id="288" r:id="rId40"/>
+    <p:sldId id="289" r:id="rId41"/>
+    <p:sldId id="290" r:id="rId42"/>
+    <p:sldId id="291" r:id="rId43"/>
+    <p:sldId id="292" r:id="rId44"/>
+    <p:sldId id="293" r:id="rId45"/>
+    <p:sldId id="294" r:id="rId46"/>
+    <p:sldId id="295" r:id="rId47"/>
+    <p:sldId id="296" r:id="rId48"/>
+    <p:sldId id="297" r:id="rId49"/>
+    <p:sldId id="298" r:id="rId50"/>
   </p:sldIdLst>
   <p:sldSz cy="5143500" cx="9144000"/>
   <p:notesSz cx="6858000" cy="9144000"/>
@@ -300,6 +300,21 @@
     </p:ext>
   </p:extLst>
 </p:presentation>
+</file>
+
+<file path=ppt/commentAuthors.xml><?xml version="1.0" encoding="utf-8"?>
+<p:cmAuthorLst xmlns:a="http://schemas.openxmlformats.org/drawingml/2006/main" xmlns:r="http://schemas.openxmlformats.org/officeDocument/2006/relationships" xmlns:mc="http://schemas.openxmlformats.org/markup-compatibility/2006" xmlns:mv="urn:schemas-microsoft-com:mac:vml" xmlns:p="http://schemas.openxmlformats.org/presentationml/2006/main" xmlns:c="http://schemas.openxmlformats.org/drawingml/2006/chart" xmlns:dgm="http://schemas.openxmlformats.org/drawingml/2006/diagram" xmlns:o="urn:schemas-microsoft-com:office:office" xmlns:v="urn:schemas-microsoft-com:vml" xmlns:pvml="urn:schemas-microsoft-com:office:powerpoint" xmlns:com="http://schemas.openxmlformats.org/drawingml/2006/compatibility" xmlns:p14="http://schemas.microsoft.com/office/powerpoint/2010/main" xmlns:p15="http://schemas.microsoft.com/office/powerpoint/2012/main" xmlns:ahyp="http://schemas.microsoft.com/office/drawing/2018/hyperlinkcolor">
+  <p:cmAuthor clrIdx="0" id="0" initials="" lastIdx="1" name="Dirk RIEHLE"/>
+</p:cmAuthorLst>
+</file>
+
+<file path=ppt/comments/comment1.xml><?xml version="1.0" encoding="utf-8"?>
+<p:cmLst xmlns:a="http://schemas.openxmlformats.org/drawingml/2006/main" xmlns:r="http://schemas.openxmlformats.org/officeDocument/2006/relationships" xmlns:mc="http://schemas.openxmlformats.org/markup-compatibility/2006" xmlns:mv="urn:schemas-microsoft-com:mac:vml" xmlns:p="http://schemas.openxmlformats.org/presentationml/2006/main" xmlns:c="http://schemas.openxmlformats.org/drawingml/2006/chart" xmlns:dgm="http://schemas.openxmlformats.org/drawingml/2006/diagram" xmlns:o="urn:schemas-microsoft-com:office:office" xmlns:v="urn:schemas-microsoft-com:vml" xmlns:pvml="urn:schemas-microsoft-com:office:powerpoint" xmlns:com="http://schemas.openxmlformats.org/drawingml/2006/compatibility" xmlns:p14="http://schemas.microsoft.com/office/powerpoint/2010/main" xmlns:p15="http://schemas.microsoft.com/office/powerpoint/2012/main" xmlns:ahyp="http://schemas.microsoft.com/office/drawing/2018/hyperlinkcolor">
+  <p:cm authorId="0" idx="1" dt="2024-05-06T12:15:16.703">
+    <p:pos x="172" y="576"/>
+    <p:text>@riehle@group.riehle.org Triangulation</p:text>
+  </p:cm>
+</p:cmLst>
 </file>
 
 <file path=ppt/notesMasters/notesMaster1.xml><?xml version="1.0" encoding="utf-8"?>
@@ -10210,7 +10225,7 @@
             </a:pPr>
             <a:r>
               <a:rPr lang="en"/>
-              <a:t>Example Research Design Refinement</a:t>
+              <a:t>Example Research Design Instantiation / Refinement</a:t>
             </a:r>
             <a:endParaRPr/>
           </a:p>
@@ -10494,7 +10509,7 @@
             </a:r>
             <a:r>
               <a:rPr b="1" lang="en"/>
-              <a:t> survey [1]</a:t>
+              <a:t> review</a:t>
             </a:r>
             <a:endParaRPr b="1"/>
           </a:p>
@@ -10511,7 +10526,7 @@
             </a:pPr>
             <a:r>
               <a:rPr b="1" lang="en"/>
-              <a:t>Qualitative survey [2]</a:t>
+              <a:t>Qualitative survey [1]</a:t>
             </a:r>
             <a:endParaRPr b="1"/>
           </a:p>
@@ -10719,27 +10734,7 @@
             </a:pPr>
             <a:r>
               <a:rPr lang="en"/>
-              <a:t>[1] M</a:t>
-            </a:r>
-            <a:r>
-              <a:rPr lang="en"/>
-              <a:t>ost commonly: Literature survey</a:t>
-            </a:r>
-            <a:endParaRPr/>
-          </a:p>
-          <a:p>
-            <a:pPr indent="0" lvl="0" marL="0" rtl="0" algn="l">
-              <a:spcBef>
-                <a:spcPts val="0"/>
-              </a:spcBef>
-              <a:spcAft>
-                <a:spcPts val="0"/>
-              </a:spcAft>
-              <a:buNone/>
-            </a:pPr>
-            <a:r>
-              <a:rPr lang="en"/>
-              <a:t>[2] Most commonly: Interview study</a:t>
+              <a:t>[1] A.k.a. interview study</a:t>
             </a:r>
             <a:endParaRPr/>
           </a:p>
@@ -13032,6 +13027,111 @@
           <p:cNvPr id="223" name="Google Shape;223;p35"/>
           <p:cNvSpPr txBox="1"/>
           <p:nvPr>
+            <p:ph type="title"/>
+          </p:nvPr>
+        </p:nvSpPr>
+        <p:spPr>
+          <a:xfrm>
+            <a:off x="0" y="0"/>
+            <a:ext cx="9144000" cy="685800"/>
+          </a:xfrm>
+          <a:prstGeom prst="rect">
+            <a:avLst/>
+          </a:prstGeom>
+        </p:spPr>
+        <p:txBody>
+          <a:bodyPr anchorCtr="0" anchor="ctr" bIns="91425" lIns="274300" spcFirstLastPara="1" rIns="91425" wrap="square" tIns="91425">
+            <a:noAutofit/>
+          </a:bodyPr>
+          <a:lstStyle/>
+          <a:p>
+            <a:pPr indent="0" lvl="0" marL="0" rtl="0" algn="l">
+              <a:spcBef>
+                <a:spcPts val="0"/>
+              </a:spcBef>
+              <a:spcAft>
+                <a:spcPts val="0"/>
+              </a:spcAft>
+              <a:buNone/>
+            </a:pPr>
+            <a:r>
+              <a:rPr lang="en"/>
+              <a:t>Multi-Method Research Designs</a:t>
+            </a:r>
+            <a:endParaRPr/>
+          </a:p>
+        </p:txBody>
+      </p:sp>
+      <p:sp>
+        <p:nvSpPr>
+          <p:cNvPr id="224" name="Google Shape;224;p35"/>
+          <p:cNvSpPr txBox="1"/>
+          <p:nvPr>
+            <p:ph idx="12" type="sldNum"/>
+          </p:nvPr>
+        </p:nvSpPr>
+        <p:spPr>
+          <a:xfrm>
+            <a:off x="7315209" y="4229101"/>
+            <a:ext cx="1828800" cy="914400"/>
+          </a:xfrm>
+          <a:prstGeom prst="rect">
+            <a:avLst/>
+          </a:prstGeom>
+        </p:spPr>
+        <p:txBody>
+          <a:bodyPr anchorCtr="0" anchor="b" bIns="91425" lIns="91425" spcFirstLastPara="1" rIns="91425" wrap="square" tIns="91425">
+            <a:noAutofit/>
+          </a:bodyPr>
+          <a:lstStyle/>
+          <a:p>
+            <a:pPr indent="0" lvl="0" marL="0" rtl="0" algn="r">
+              <a:spcBef>
+                <a:spcPts val="0"/>
+              </a:spcBef>
+              <a:spcAft>
+                <a:spcPts val="0"/>
+              </a:spcAft>
+              <a:buNone/>
+            </a:pPr>
+            <a:fld id="{00000000-1234-1234-1234-123412341234}" type="slidenum">
+              <a:rPr lang="en"/>
+              <a:t>‹#›</a:t>
+            </a:fld>
+            <a:endParaRPr/>
+          </a:p>
+          <a:p>
+            <a:pPr indent="0" lvl="0" marL="0" rtl="0" algn="r">
+              <a:spcBef>
+                <a:spcPts val="0"/>
+              </a:spcBef>
+              <a:spcAft>
+                <a:spcPts val="0"/>
+              </a:spcAft>
+              <a:buNone/>
+            </a:pPr>
+            <a:r>
+              <a:rPr b="0" lang="en" sz="1000" u="sng">
+                <a:solidFill>
+                  <a:schemeClr val="hlink"/>
+                </a:solidFill>
+                <a:hlinkClick r:id="rId4"/>
+              </a:rPr>
+              <a:t>uni1.de/nyt</a:t>
+            </a:r>
+            <a:r>
+              <a:rPr b="0" lang="en" sz="1000"/>
+              <a:t> </a:t>
+            </a:r>
+            <a:endParaRPr b="0" sz="1000"/>
+          </a:p>
+        </p:txBody>
+      </p:sp>
+      <p:sp>
+        <p:nvSpPr>
+          <p:cNvPr id="225" name="Google Shape;225;p35"/>
+          <p:cNvSpPr txBox="1"/>
+          <p:nvPr>
             <p:ph idx="1" type="body"/>
           </p:nvPr>
         </p:nvSpPr>
@@ -13086,7 +13186,7 @@
             </a:pPr>
             <a:r>
               <a:rPr lang="en"/>
-              <a:t>Uses multiple methodologies and methods</a:t>
+              <a:t>Uses multiple research methods</a:t>
             </a:r>
             <a:endParaRPr/>
           </a:p>
@@ -13106,111 +13206,6 @@
               <a:t>Within either theory building or validation research</a:t>
             </a:r>
             <a:endParaRPr/>
-          </a:p>
-        </p:txBody>
-      </p:sp>
-      <p:sp>
-        <p:nvSpPr>
-          <p:cNvPr id="224" name="Google Shape;224;p35"/>
-          <p:cNvSpPr txBox="1"/>
-          <p:nvPr>
-            <p:ph type="title"/>
-          </p:nvPr>
-        </p:nvSpPr>
-        <p:spPr>
-          <a:xfrm>
-            <a:off x="0" y="0"/>
-            <a:ext cx="9144000" cy="685800"/>
-          </a:xfrm>
-          <a:prstGeom prst="rect">
-            <a:avLst/>
-          </a:prstGeom>
-        </p:spPr>
-        <p:txBody>
-          <a:bodyPr anchorCtr="0" anchor="ctr" bIns="91425" lIns="274300" spcFirstLastPara="1" rIns="91425" wrap="square" tIns="91425">
-            <a:noAutofit/>
-          </a:bodyPr>
-          <a:lstStyle/>
-          <a:p>
-            <a:pPr indent="0" lvl="0" marL="0" rtl="0" algn="l">
-              <a:spcBef>
-                <a:spcPts val="0"/>
-              </a:spcBef>
-              <a:spcAft>
-                <a:spcPts val="0"/>
-              </a:spcAft>
-              <a:buNone/>
-            </a:pPr>
-            <a:r>
-              <a:rPr lang="en"/>
-              <a:t>Multi-Method(ology) Research Designs</a:t>
-            </a:r>
-            <a:endParaRPr/>
-          </a:p>
-        </p:txBody>
-      </p:sp>
-      <p:sp>
-        <p:nvSpPr>
-          <p:cNvPr id="225" name="Google Shape;225;p35"/>
-          <p:cNvSpPr txBox="1"/>
-          <p:nvPr>
-            <p:ph idx="12" type="sldNum"/>
-          </p:nvPr>
-        </p:nvSpPr>
-        <p:spPr>
-          <a:xfrm>
-            <a:off x="7315209" y="4229101"/>
-            <a:ext cx="1828800" cy="914400"/>
-          </a:xfrm>
-          <a:prstGeom prst="rect">
-            <a:avLst/>
-          </a:prstGeom>
-        </p:spPr>
-        <p:txBody>
-          <a:bodyPr anchorCtr="0" anchor="b" bIns="91425" lIns="91425" spcFirstLastPara="1" rIns="91425" wrap="square" tIns="91425">
-            <a:noAutofit/>
-          </a:bodyPr>
-          <a:lstStyle/>
-          <a:p>
-            <a:pPr indent="0" lvl="0" marL="0" rtl="0" algn="r">
-              <a:spcBef>
-                <a:spcPts val="0"/>
-              </a:spcBef>
-              <a:spcAft>
-                <a:spcPts val="0"/>
-              </a:spcAft>
-              <a:buNone/>
-            </a:pPr>
-            <a:fld id="{00000000-1234-1234-1234-123412341234}" type="slidenum">
-              <a:rPr lang="en"/>
-              <a:t>‹#›</a:t>
-            </a:fld>
-            <a:endParaRPr/>
-          </a:p>
-          <a:p>
-            <a:pPr indent="0" lvl="0" marL="0" rtl="0" algn="r">
-              <a:spcBef>
-                <a:spcPts val="0"/>
-              </a:spcBef>
-              <a:spcAft>
-                <a:spcPts val="0"/>
-              </a:spcAft>
-              <a:buNone/>
-            </a:pPr>
-            <a:r>
-              <a:rPr b="0" lang="en" sz="1000" u="sng">
-                <a:solidFill>
-                  <a:schemeClr val="hlink"/>
-                </a:solidFill>
-                <a:hlinkClick r:id="rId3"/>
-              </a:rPr>
-              <a:t>uni1.de/nyt</a:t>
-            </a:r>
-            <a:r>
-              <a:rPr b="0" lang="en" sz="1000"/>
-              <a:t> </a:t>
-            </a:r>
-            <a:endParaRPr b="0" sz="1000"/>
           </a:p>
         </p:txBody>
       </p:sp>
@@ -14325,7 +14320,7 @@
             </a:pPr>
             <a:r>
               <a:rPr lang="en"/>
-              <a:t>Ko et al. (2015): </a:t>
+              <a:t>Wohlin (2012): </a:t>
             </a:r>
             <a:r>
               <a:rPr lang="en"/>
@@ -14806,7 +14801,7 @@
             <a:tbl>
               <a:tblPr>
                 <a:noFill/>
-                <a:tableStyleId>{B296FE9E-0AF2-43FB-9834-EB7CC503DB6A}</a:tableStyleId>
+                <a:tableStyleId>{8D1AC5E1-4E12-44BB-869C-4A8814EEE93E}</a:tableStyleId>
               </a:tblPr>
               <a:tblGrid>
                 <a:gridCol w="2865125"/>
@@ -16198,7 +16193,7 @@
             </a:pPr>
             <a:r>
               <a:rPr lang="en"/>
-              <a:t>Establishing Quality (Not Assuring it)</a:t>
+              <a:t>Establishing Quality (Not: Assuring it)</a:t>
             </a:r>
             <a:endParaRPr/>
           </a:p>
@@ -17011,7 +17006,7 @@
             </a:r>
             <a:r>
               <a:rPr lang="en"/>
-              <a:t>: Naturalistic inquiry.</a:t>
+              <a:t>: Naturalistic inquiry</a:t>
             </a:r>
             <a:endParaRPr/>
           </a:p>
@@ -18292,11 +18287,11 @@
             </a:pPr>
             <a:r>
               <a:rPr b="1" lang="en"/>
-              <a:t>Theory building research </a:t>
-            </a:r>
-            <a:r>
-              <a:rPr lang="en"/>
-              <a:t>is</a:t>
+              <a:t>Theory building research</a:t>
+            </a:r>
+            <a:r>
+              <a:rPr lang="en"/>
+              <a:t> is predominantly</a:t>
             </a:r>
             <a:endParaRPr/>
           </a:p>
@@ -18922,6 +18917,285 @@
 </file>
 
 <file path=ppt/theme/theme1.xml><?xml version="1.0" encoding="utf-8"?>
+<a:theme xmlns:a="http://schemas.openxmlformats.org/drawingml/2006/main" xmlns:r="http://schemas.openxmlformats.org/officeDocument/2006/relationships" name="NYT Slides Template">
+  <a:themeElements>
+    <a:clrScheme name="Simple Light">
+      <a:dk1>
+        <a:srgbClr val="000000"/>
+      </a:dk1>
+      <a:lt1>
+        <a:srgbClr val="FFFFFF"/>
+      </a:lt1>
+      <a:dk2>
+        <a:srgbClr val="404040"/>
+      </a:dk2>
+      <a:lt2>
+        <a:srgbClr val="808080"/>
+      </a:lt2>
+      <a:accent1>
+        <a:srgbClr val="D0D0D0"/>
+      </a:accent1>
+      <a:accent2>
+        <a:srgbClr val="4169E1"/>
+      </a:accent2>
+      <a:accent3>
+        <a:srgbClr val="D50D01"/>
+      </a:accent3>
+      <a:accent4>
+        <a:srgbClr val="FEB612"/>
+      </a:accent4>
+      <a:accent5>
+        <a:srgbClr val="4CAF50"/>
+      </a:accent5>
+      <a:accent6>
+        <a:srgbClr val="8E44AD"/>
+      </a:accent6>
+      <a:hlink>
+        <a:srgbClr val="34A3C5"/>
+      </a:hlink>
+      <a:folHlink>
+        <a:srgbClr val="0097A7"/>
+      </a:folHlink>
+    </a:clrScheme>
+    <a:fontScheme name="Office">
+      <a:majorFont>
+        <a:latin typeface="Arial"/>
+        <a:ea typeface=""/>
+        <a:cs typeface=""/>
+        <a:font script="Jpan" typeface="ＭＳ Ｐゴシック"/>
+        <a:font script="Hang" typeface="맑은 고딕"/>
+        <a:font script="Hans" typeface="宋体"/>
+        <a:font script="Hant" typeface="新細明體"/>
+        <a:font script="Arab" typeface="Times New Roman"/>
+        <a:font script="Hebr" typeface="Times New Roman"/>
+        <a:font script="Thai" typeface="Angsana New"/>
+        <a:font script="Ethi" typeface="Nyala"/>
+        <a:font script="Beng" typeface="Vrinda"/>
+        <a:font script="Gujr" typeface="Shruti"/>
+        <a:font script="Khmr" typeface="MoolBoran"/>
+        <a:font script="Knda" typeface="Tunga"/>
+        <a:font script="Guru" typeface="Raavi"/>
+        <a:font script="Cans" typeface="Euphemia"/>
+        <a:font script="Cher" typeface="Plantagenet Cherokee"/>
+        <a:font script="Yiii" typeface="Microsoft Yi Baiti"/>
+        <a:font script="Tibt" typeface="Microsoft Himalaya"/>
+        <a:font script="Thaa" typeface="MV Boli"/>
+        <a:font script="Deva" typeface="Mangal"/>
+        <a:font script="Telu" typeface="Gautami"/>
+        <a:font script="Taml" typeface="Latha"/>
+        <a:font script="Syrc" typeface="Estrangelo Edessa"/>
+        <a:font script="Orya" typeface="Kalinga"/>
+        <a:font script="Mlym" typeface="Kartika"/>
+        <a:font script="Laoo" typeface="DokChampa"/>
+        <a:font script="Sinh" typeface="Iskoola Pota"/>
+        <a:font script="Mong" typeface="Mongolian Baiti"/>
+        <a:font script="Viet" typeface="Times New Roman"/>
+        <a:font script="Uigh" typeface="Microsoft Uighur"/>
+        <a:font script="Geor" typeface="Sylfaen"/>
+      </a:majorFont>
+      <a:minorFont>
+        <a:latin typeface="Arial"/>
+        <a:ea typeface=""/>
+        <a:cs typeface=""/>
+        <a:font script="Jpan" typeface="ＭＳ Ｐゴシック"/>
+        <a:font script="Hang" typeface="맑은 고딕"/>
+        <a:font script="Hans" typeface="宋体"/>
+        <a:font script="Hant" typeface="新細明體"/>
+        <a:font script="Arab" typeface="Arial"/>
+        <a:font script="Hebr" typeface="Arial"/>
+        <a:font script="Thai" typeface="Cordia New"/>
+        <a:font script="Ethi" typeface="Nyala"/>
+        <a:font script="Beng" typeface="Vrinda"/>
+        <a:font script="Gujr" typeface="Shruti"/>
+        <a:font script="Khmr" typeface="DaunPenh"/>
+        <a:font script="Knda" typeface="Tunga"/>
+        <a:font script="Guru" typeface="Raavi"/>
+        <a:font script="Cans" typeface="Euphemia"/>
+        <a:font script="Cher" typeface="Plantagenet Cherokee"/>
+        <a:font script="Yiii" typeface="Microsoft Yi Baiti"/>
+        <a:font script="Tibt" typeface="Microsoft Himalaya"/>
+        <a:font script="Thaa" typeface="MV Boli"/>
+        <a:font script="Deva" typeface="Mangal"/>
+        <a:font script="Telu" typeface="Gautami"/>
+        <a:font script="Taml" typeface="Latha"/>
+        <a:font script="Syrc" typeface="Estrangelo Edessa"/>
+        <a:font script="Orya" typeface="Kalinga"/>
+        <a:font script="Mlym" typeface="Kartika"/>
+        <a:font script="Laoo" typeface="DokChampa"/>
+        <a:font script="Sinh" typeface="Iskoola Pota"/>
+        <a:font script="Mong" typeface="Mongolian Baiti"/>
+        <a:font script="Viet" typeface="Arial"/>
+        <a:font script="Uigh" typeface="Microsoft Uighur"/>
+        <a:font script="Geor" typeface="Sylfaen"/>
+      </a:minorFont>
+    </a:fontScheme>
+    <a:fmtScheme name="Office">
+      <a:fillStyleLst>
+        <a:solidFill>
+          <a:schemeClr val="phClr"/>
+        </a:solidFill>
+        <a:gradFill rotWithShape="1">
+          <a:gsLst>
+            <a:gs pos="0">
+              <a:schemeClr val="phClr">
+                <a:tint val="50000"/>
+                <a:satMod val="300000"/>
+              </a:schemeClr>
+            </a:gs>
+            <a:gs pos="35000">
+              <a:schemeClr val="phClr">
+                <a:tint val="37000"/>
+                <a:satMod val="300000"/>
+              </a:schemeClr>
+            </a:gs>
+            <a:gs pos="100000">
+              <a:schemeClr val="phClr">
+                <a:tint val="15000"/>
+                <a:satMod val="350000"/>
+              </a:schemeClr>
+            </a:gs>
+          </a:gsLst>
+          <a:lin ang="16200000" scaled="1"/>
+        </a:gradFill>
+        <a:gradFill rotWithShape="1">
+          <a:gsLst>
+            <a:gs pos="0">
+              <a:schemeClr val="phClr">
+                <a:tint val="100000"/>
+                <a:shade val="100000"/>
+                <a:satMod val="130000"/>
+              </a:schemeClr>
+            </a:gs>
+            <a:gs pos="100000">
+              <a:schemeClr val="phClr">
+                <a:tint val="50000"/>
+                <a:shade val="100000"/>
+                <a:satMod val="350000"/>
+              </a:schemeClr>
+            </a:gs>
+          </a:gsLst>
+          <a:lin ang="16200000" scaled="0"/>
+        </a:gradFill>
+      </a:fillStyleLst>
+      <a:lnStyleLst>
+        <a:ln w="9525" cap="flat" cmpd="sng" algn="ctr">
+          <a:solidFill>
+            <a:schemeClr val="phClr">
+              <a:shade val="95000"/>
+              <a:satMod val="105000"/>
+            </a:schemeClr>
+          </a:solidFill>
+          <a:prstDash val="solid"/>
+        </a:ln>
+        <a:ln w="25400" cap="flat" cmpd="sng" algn="ctr">
+          <a:solidFill>
+            <a:schemeClr val="phClr"/>
+          </a:solidFill>
+          <a:prstDash val="solid"/>
+        </a:ln>
+        <a:ln w="38100" cap="flat" cmpd="sng" algn="ctr">
+          <a:solidFill>
+            <a:schemeClr val="phClr"/>
+          </a:solidFill>
+          <a:prstDash val="solid"/>
+        </a:ln>
+      </a:lnStyleLst>
+      <a:effectStyleLst>
+        <a:effectStyle>
+          <a:effectLst>
+            <a:outerShdw blurRad="40000" dist="20000" dir="5400000" rotWithShape="0">
+              <a:srgbClr val="000000">
+                <a:alpha val="38000"/>
+              </a:srgbClr>
+            </a:outerShdw>
+          </a:effectLst>
+        </a:effectStyle>
+        <a:effectStyle>
+          <a:effectLst>
+            <a:outerShdw blurRad="40000" dist="23000" dir="5400000" rotWithShape="0">
+              <a:srgbClr val="000000">
+                <a:alpha val="35000"/>
+              </a:srgbClr>
+            </a:outerShdw>
+          </a:effectLst>
+        </a:effectStyle>
+        <a:effectStyle>
+          <a:effectLst>
+            <a:outerShdw blurRad="40000" dist="23000" dir="5400000" rotWithShape="0">
+              <a:srgbClr val="000000">
+                <a:alpha val="35000"/>
+              </a:srgbClr>
+            </a:outerShdw>
+          </a:effectLst>
+          <a:scene3d>
+            <a:camera prst="orthographicFront">
+              <a:rot lat="0" lon="0" rev="0"/>
+            </a:camera>
+            <a:lightRig rig="threePt" dir="t">
+              <a:rot lat="0" lon="0" rev="1200000"/>
+            </a:lightRig>
+          </a:scene3d>
+          <a:sp3d>
+            <a:bevelT w="63500" h="25400"/>
+          </a:sp3d>
+        </a:effectStyle>
+      </a:effectStyleLst>
+      <a:bgFillStyleLst>
+        <a:solidFill>
+          <a:schemeClr val="phClr"/>
+        </a:solidFill>
+        <a:gradFill rotWithShape="1">
+          <a:gsLst>
+            <a:gs pos="0">
+              <a:schemeClr val="phClr">
+                <a:tint val="40000"/>
+                <a:satMod val="350000"/>
+              </a:schemeClr>
+            </a:gs>
+            <a:gs pos="40000">
+              <a:schemeClr val="phClr">
+                <a:tint val="45000"/>
+                <a:shade val="99000"/>
+                <a:satMod val="350000"/>
+              </a:schemeClr>
+            </a:gs>
+            <a:gs pos="100000">
+              <a:schemeClr val="phClr">
+                <a:shade val="20000"/>
+                <a:satMod val="255000"/>
+              </a:schemeClr>
+            </a:gs>
+          </a:gsLst>
+          <a:path path="circle">
+            <a:fillToRect l="50000" t="-80000" r="50000" b="180000"/>
+          </a:path>
+        </a:gradFill>
+        <a:gradFill rotWithShape="1">
+          <a:gsLst>
+            <a:gs pos="0">
+              <a:schemeClr val="phClr">
+                <a:tint val="80000"/>
+                <a:satMod val="300000"/>
+              </a:schemeClr>
+            </a:gs>
+            <a:gs pos="100000">
+              <a:schemeClr val="phClr">
+                <a:shade val="30000"/>
+                <a:satMod val="200000"/>
+              </a:schemeClr>
+            </a:gs>
+          </a:gsLst>
+          <a:path path="circle">
+            <a:fillToRect l="50000" t="50000" r="50000" b="50000"/>
+          </a:path>
+        </a:gradFill>
+      </a:bgFillStyleLst>
+    </a:fmtScheme>
+  </a:themeElements>
+</a:theme>
+</file>
+
+<file path=ppt/theme/theme2.xml><?xml version="1.0" encoding="utf-8"?>
 <a:theme xmlns:a="http://schemas.openxmlformats.org/drawingml/2006/main" xmlns:r="http://schemas.openxmlformats.org/officeDocument/2006/relationships">
   <a:themeElements>
     <a:clrScheme name="Default">
@@ -19198,283 +19472,4 @@
     </a:fmtScheme>
   </a:themeElements>
 </a:theme>
-</file>
-
-<file path=ppt/theme/theme2.xml><?xml version="1.0" encoding="utf-8"?>
-<a:theme xmlns:a="http://schemas.openxmlformats.org/drawingml/2006/main" xmlns:r="http://schemas.openxmlformats.org/officeDocument/2006/relationships" name="NYT Slides Template">
-  <a:themeElements>
-    <a:clrScheme name="Simple Light">
-      <a:dk1>
-        <a:srgbClr val="000000"/>
-      </a:dk1>
-      <a:lt1>
-        <a:srgbClr val="FFFFFF"/>
-      </a:lt1>
-      <a:dk2>
-        <a:srgbClr val="404040"/>
-      </a:dk2>
-      <a:lt2>
-        <a:srgbClr val="808080"/>
-      </a:lt2>
-      <a:accent1>
-        <a:srgbClr val="D0D0D0"/>
-      </a:accent1>
-      <a:accent2>
-        <a:srgbClr val="4169E1"/>
-      </a:accent2>
-      <a:accent3>
-        <a:srgbClr val="D50D01"/>
-      </a:accent3>
-      <a:accent4>
-        <a:srgbClr val="FEB612"/>
-      </a:accent4>
-      <a:accent5>
-        <a:srgbClr val="4CAF50"/>
-      </a:accent5>
-      <a:accent6>
-        <a:srgbClr val="8E44AD"/>
-      </a:accent6>
-      <a:hlink>
-        <a:srgbClr val="34A3C5"/>
-      </a:hlink>
-      <a:folHlink>
-        <a:srgbClr val="0097A7"/>
-      </a:folHlink>
-    </a:clrScheme>
-    <a:fontScheme name="Office">
-      <a:majorFont>
-        <a:latin typeface="Arial"/>
-        <a:ea typeface=""/>
-        <a:cs typeface=""/>
-        <a:font script="Jpan" typeface="ＭＳ Ｐゴシック"/>
-        <a:font script="Hang" typeface="맑은 고딕"/>
-        <a:font script="Hans" typeface="宋体"/>
-        <a:font script="Hant" typeface="新細明體"/>
-        <a:font script="Arab" typeface="Times New Roman"/>
-        <a:font script="Hebr" typeface="Times New Roman"/>
-        <a:font script="Thai" typeface="Angsana New"/>
-        <a:font script="Ethi" typeface="Nyala"/>
-        <a:font script="Beng" typeface="Vrinda"/>
-        <a:font script="Gujr" typeface="Shruti"/>
-        <a:font script="Khmr" typeface="MoolBoran"/>
-        <a:font script="Knda" typeface="Tunga"/>
-        <a:font script="Guru" typeface="Raavi"/>
-        <a:font script="Cans" typeface="Euphemia"/>
-        <a:font script="Cher" typeface="Plantagenet Cherokee"/>
-        <a:font script="Yiii" typeface="Microsoft Yi Baiti"/>
-        <a:font script="Tibt" typeface="Microsoft Himalaya"/>
-        <a:font script="Thaa" typeface="MV Boli"/>
-        <a:font script="Deva" typeface="Mangal"/>
-        <a:font script="Telu" typeface="Gautami"/>
-        <a:font script="Taml" typeface="Latha"/>
-        <a:font script="Syrc" typeface="Estrangelo Edessa"/>
-        <a:font script="Orya" typeface="Kalinga"/>
-        <a:font script="Mlym" typeface="Kartika"/>
-        <a:font script="Laoo" typeface="DokChampa"/>
-        <a:font script="Sinh" typeface="Iskoola Pota"/>
-        <a:font script="Mong" typeface="Mongolian Baiti"/>
-        <a:font script="Viet" typeface="Times New Roman"/>
-        <a:font script="Uigh" typeface="Microsoft Uighur"/>
-        <a:font script="Geor" typeface="Sylfaen"/>
-      </a:majorFont>
-      <a:minorFont>
-        <a:latin typeface="Arial"/>
-        <a:ea typeface=""/>
-        <a:cs typeface=""/>
-        <a:font script="Jpan" typeface="ＭＳ Ｐゴシック"/>
-        <a:font script="Hang" typeface="맑은 고딕"/>
-        <a:font script="Hans" typeface="宋体"/>
-        <a:font script="Hant" typeface="新細明體"/>
-        <a:font script="Arab" typeface="Arial"/>
-        <a:font script="Hebr" typeface="Arial"/>
-        <a:font script="Thai" typeface="Cordia New"/>
-        <a:font script="Ethi" typeface="Nyala"/>
-        <a:font script="Beng" typeface="Vrinda"/>
-        <a:font script="Gujr" typeface="Shruti"/>
-        <a:font script="Khmr" typeface="DaunPenh"/>
-        <a:font script="Knda" typeface="Tunga"/>
-        <a:font script="Guru" typeface="Raavi"/>
-        <a:font script="Cans" typeface="Euphemia"/>
-        <a:font script="Cher" typeface="Plantagenet Cherokee"/>
-        <a:font script="Yiii" typeface="Microsoft Yi Baiti"/>
-        <a:font script="Tibt" typeface="Microsoft Himalaya"/>
-        <a:font script="Thaa" typeface="MV Boli"/>
-        <a:font script="Deva" typeface="Mangal"/>
-        <a:font script="Telu" typeface="Gautami"/>
-        <a:font script="Taml" typeface="Latha"/>
-        <a:font script="Syrc" typeface="Estrangelo Edessa"/>
-        <a:font script="Orya" typeface="Kalinga"/>
-        <a:font script="Mlym" typeface="Kartika"/>
-        <a:font script="Laoo" typeface="DokChampa"/>
-        <a:font script="Sinh" typeface="Iskoola Pota"/>
-        <a:font script="Mong" typeface="Mongolian Baiti"/>
-        <a:font script="Viet" typeface="Arial"/>
-        <a:font script="Uigh" typeface="Microsoft Uighur"/>
-        <a:font script="Geor" typeface="Sylfaen"/>
-      </a:minorFont>
-    </a:fontScheme>
-    <a:fmtScheme name="Office">
-      <a:fillStyleLst>
-        <a:solidFill>
-          <a:schemeClr val="phClr"/>
-        </a:solidFill>
-        <a:gradFill rotWithShape="1">
-          <a:gsLst>
-            <a:gs pos="0">
-              <a:schemeClr val="phClr">
-                <a:tint val="50000"/>
-                <a:satMod val="300000"/>
-              </a:schemeClr>
-            </a:gs>
-            <a:gs pos="35000">
-              <a:schemeClr val="phClr">
-                <a:tint val="37000"/>
-                <a:satMod val="300000"/>
-              </a:schemeClr>
-            </a:gs>
-            <a:gs pos="100000">
-              <a:schemeClr val="phClr">
-                <a:tint val="15000"/>
-                <a:satMod val="350000"/>
-              </a:schemeClr>
-            </a:gs>
-          </a:gsLst>
-          <a:lin ang="16200000" scaled="1"/>
-        </a:gradFill>
-        <a:gradFill rotWithShape="1">
-          <a:gsLst>
-            <a:gs pos="0">
-              <a:schemeClr val="phClr">
-                <a:tint val="100000"/>
-                <a:shade val="100000"/>
-                <a:satMod val="130000"/>
-              </a:schemeClr>
-            </a:gs>
-            <a:gs pos="100000">
-              <a:schemeClr val="phClr">
-                <a:tint val="50000"/>
-                <a:shade val="100000"/>
-                <a:satMod val="350000"/>
-              </a:schemeClr>
-            </a:gs>
-          </a:gsLst>
-          <a:lin ang="16200000" scaled="0"/>
-        </a:gradFill>
-      </a:fillStyleLst>
-      <a:lnStyleLst>
-        <a:ln w="9525" cap="flat" cmpd="sng" algn="ctr">
-          <a:solidFill>
-            <a:schemeClr val="phClr">
-              <a:shade val="95000"/>
-              <a:satMod val="105000"/>
-            </a:schemeClr>
-          </a:solidFill>
-          <a:prstDash val="solid"/>
-        </a:ln>
-        <a:ln w="25400" cap="flat" cmpd="sng" algn="ctr">
-          <a:solidFill>
-            <a:schemeClr val="phClr"/>
-          </a:solidFill>
-          <a:prstDash val="solid"/>
-        </a:ln>
-        <a:ln w="38100" cap="flat" cmpd="sng" algn="ctr">
-          <a:solidFill>
-            <a:schemeClr val="phClr"/>
-          </a:solidFill>
-          <a:prstDash val="solid"/>
-        </a:ln>
-      </a:lnStyleLst>
-      <a:effectStyleLst>
-        <a:effectStyle>
-          <a:effectLst>
-            <a:outerShdw blurRad="40000" dist="20000" dir="5400000" rotWithShape="0">
-              <a:srgbClr val="000000">
-                <a:alpha val="38000"/>
-              </a:srgbClr>
-            </a:outerShdw>
-          </a:effectLst>
-        </a:effectStyle>
-        <a:effectStyle>
-          <a:effectLst>
-            <a:outerShdw blurRad="40000" dist="23000" dir="5400000" rotWithShape="0">
-              <a:srgbClr val="000000">
-                <a:alpha val="35000"/>
-              </a:srgbClr>
-            </a:outerShdw>
-          </a:effectLst>
-        </a:effectStyle>
-        <a:effectStyle>
-          <a:effectLst>
-            <a:outerShdw blurRad="40000" dist="23000" dir="5400000" rotWithShape="0">
-              <a:srgbClr val="000000">
-                <a:alpha val="35000"/>
-              </a:srgbClr>
-            </a:outerShdw>
-          </a:effectLst>
-          <a:scene3d>
-            <a:camera prst="orthographicFront">
-              <a:rot lat="0" lon="0" rev="0"/>
-            </a:camera>
-            <a:lightRig rig="threePt" dir="t">
-              <a:rot lat="0" lon="0" rev="1200000"/>
-            </a:lightRig>
-          </a:scene3d>
-          <a:sp3d>
-            <a:bevelT w="63500" h="25400"/>
-          </a:sp3d>
-        </a:effectStyle>
-      </a:effectStyleLst>
-      <a:bgFillStyleLst>
-        <a:solidFill>
-          <a:schemeClr val="phClr"/>
-        </a:solidFill>
-        <a:gradFill rotWithShape="1">
-          <a:gsLst>
-            <a:gs pos="0">
-              <a:schemeClr val="phClr">
-                <a:tint val="40000"/>
-                <a:satMod val="350000"/>
-              </a:schemeClr>
-            </a:gs>
-            <a:gs pos="40000">
-              <a:schemeClr val="phClr">
-                <a:tint val="45000"/>
-                <a:shade val="99000"/>
-                <a:satMod val="350000"/>
-              </a:schemeClr>
-            </a:gs>
-            <a:gs pos="100000">
-              <a:schemeClr val="phClr">
-                <a:shade val="20000"/>
-                <a:satMod val="255000"/>
-              </a:schemeClr>
-            </a:gs>
-          </a:gsLst>
-          <a:path path="circle">
-            <a:fillToRect l="50000" t="-80000" r="50000" b="180000"/>
-          </a:path>
-        </a:gradFill>
-        <a:gradFill rotWithShape="1">
-          <a:gsLst>
-            <a:gs pos="0">
-              <a:schemeClr val="phClr">
-                <a:tint val="80000"/>
-                <a:satMod val="300000"/>
-              </a:schemeClr>
-            </a:gs>
-            <a:gs pos="100000">
-              <a:schemeClr val="phClr">
-                <a:shade val="30000"/>
-                <a:satMod val="200000"/>
-              </a:schemeClr>
-            </a:gs>
-          </a:gsLst>
-          <a:path path="circle">
-            <a:fillToRect l="50000" t="50000" r="50000" b="50000"/>
-          </a:path>
-        </a:gradFill>
-      </a:bgFillStyleLst>
-    </a:fmtScheme>
-  </a:themeElements>
-</a:theme>
 </file>